--- a/doc/test/AgendaSlidesTextDefault.pptx
+++ b/doc/test/AgendaSlidesTextDefault.pptx
@@ -186,7 +186,7 @@
       </p14:sectionLst>
     </p:ext>
     <p:ext uri="{EFAFB233-063F-42B5-8137-9DF3F51BA10A}">
-      <p15:sldGuideLst xmlns="" xmlns:p15="http://schemas.microsoft.com/office/powerpoint/2012/main">
+      <p15:sldGuideLst xmlns:p15="http://schemas.microsoft.com/office/powerpoint/2012/main" xmlns="">
         <p15:guide id="1" orient="horz" pos="2160">
           <p15:clr>
             <a:srgbClr val="A4A3A4"/>
@@ -285,7 +285,7 @@
           <a:p>
             <a:fld id="{C33977A5-270E-4E03-B118-17345E304686}" type="datetimeFigureOut">
               <a:rPr lang="en-US" smtClean="0"/>
-              <a:t>19-Jun-15</a:t>
+              <a:t>25-Jun-15</a:t>
             </a:fld>
             <a:endParaRPr lang="en-US"/>
           </a:p>
@@ -598,10 +598,18 @@
           <a:lstStyle/>
           <a:p>
             <a:r>
-              <a:rPr lang="en-US" smtClean="0"/>
-              <a:t>This notes page is used to store data - Do not edit the notes. UFBUVGVtcGxhdGVNYXJrZXI=@VGl0bGUgMQ==@UHB0TGFic0FnZW5kYV8mXkBDb250ZW50U2hhcGVfJl5AMjAxNTA2MTkxNjI4Mzg3Nzg1MA==@-599421011</a:t>
-            </a:r>
-            <a:endParaRPr lang="en-US"/>
+              <a:rPr lang="en-US" dirty="0" smtClean="0"/>
+              <a:t>This notes page is used to store data - Do not edit the notes. </a:t>
+            </a:r>
+            <a:r>
+              <a:rPr lang="en-US" dirty="0" err="1" smtClean="0"/>
+              <a:t>UFBUVGVtcGxhdGVNYXJrZXI</a:t>
+            </a:r>
+            <a:r>
+              <a:rPr lang="en-US" smtClean="0"/>
+              <a:t>=@VGl0bGUgMQ==@UHB0TGFic0FnZW5kYV8mXkBDb250ZW50U2hhcGVfJl5AMjAxNTA2MTkxNjI4Mzg3Nzg1MA==@372674780</a:t>
+            </a:r>
+            <a:endParaRPr lang="en-US" dirty="0"/>
           </a:p>
         </p:txBody>
       </p:sp>
@@ -822,7 +830,7 @@
           <a:p>
             <a:fld id="{699DC775-C286-4358-8C92-D7E584E969B3}" type="datetimeFigureOut">
               <a:rPr lang="en-US" smtClean="0"/>
-              <a:t>19-Jun-15</a:t>
+              <a:t>25-Jun-15</a:t>
             </a:fld>
             <a:endParaRPr lang="en-US"/>
           </a:p>
@@ -992,7 +1000,7 @@
           <a:p>
             <a:fld id="{699DC775-C286-4358-8C92-D7E584E969B3}" type="datetimeFigureOut">
               <a:rPr lang="en-US" smtClean="0"/>
-              <a:t>19-Jun-15</a:t>
+              <a:t>25-Jun-15</a:t>
             </a:fld>
             <a:endParaRPr lang="en-US"/>
           </a:p>
@@ -1172,7 +1180,7 @@
           <a:p>
             <a:fld id="{699DC775-C286-4358-8C92-D7E584E969B3}" type="datetimeFigureOut">
               <a:rPr lang="en-US" smtClean="0"/>
-              <a:t>19-Jun-15</a:t>
+              <a:t>25-Jun-15</a:t>
             </a:fld>
             <a:endParaRPr lang="en-US"/>
           </a:p>
@@ -1342,7 +1350,7 @@
           <a:p>
             <a:fld id="{699DC775-C286-4358-8C92-D7E584E969B3}" type="datetimeFigureOut">
               <a:rPr lang="en-US" smtClean="0"/>
-              <a:t>19-Jun-15</a:t>
+              <a:t>25-Jun-15</a:t>
             </a:fld>
             <a:endParaRPr lang="en-US"/>
           </a:p>
@@ -1584,7 +1592,7 @@
           <a:p>
             <a:fld id="{699DC775-C286-4358-8C92-D7E584E969B3}" type="datetimeFigureOut">
               <a:rPr lang="en-US" smtClean="0"/>
-              <a:t>19-Jun-15</a:t>
+              <a:t>25-Jun-15</a:t>
             </a:fld>
             <a:endParaRPr lang="en-US"/>
           </a:p>
@@ -1754,7 +1762,7 @@
           <a:p>
             <a:fld id="{699DC775-C286-4358-8C92-D7E584E969B3}" type="datetimeFigureOut">
               <a:rPr lang="en-US" smtClean="0"/>
-              <a:t>19-Jun-15</a:t>
+              <a:t>25-Jun-15</a:t>
             </a:fld>
             <a:endParaRPr lang="en-US"/>
           </a:p>
@@ -2000,7 +2008,7 @@
           <a:p>
             <a:fld id="{699DC775-C286-4358-8C92-D7E584E969B3}" type="datetimeFigureOut">
               <a:rPr lang="en-US" smtClean="0"/>
-              <a:t>19-Jun-15</a:t>
+              <a:t>25-Jun-15</a:t>
             </a:fld>
             <a:endParaRPr lang="en-US"/>
           </a:p>
@@ -2288,7 +2296,7 @@
           <a:p>
             <a:fld id="{699DC775-C286-4358-8C92-D7E584E969B3}" type="datetimeFigureOut">
               <a:rPr lang="en-US" smtClean="0"/>
-              <a:t>19-Jun-15</a:t>
+              <a:t>25-Jun-15</a:t>
             </a:fld>
             <a:endParaRPr lang="en-US"/>
           </a:p>
@@ -2710,7 +2718,7 @@
           <a:p>
             <a:fld id="{699DC775-C286-4358-8C92-D7E584E969B3}" type="datetimeFigureOut">
               <a:rPr lang="en-US" smtClean="0"/>
-              <a:t>19-Jun-15</a:t>
+              <a:t>25-Jun-15</a:t>
             </a:fld>
             <a:endParaRPr lang="en-US"/>
           </a:p>
@@ -2828,7 +2836,7 @@
           <a:p>
             <a:fld id="{699DC775-C286-4358-8C92-D7E584E969B3}" type="datetimeFigureOut">
               <a:rPr lang="en-US" smtClean="0"/>
-              <a:t>19-Jun-15</a:t>
+              <a:t>25-Jun-15</a:t>
             </a:fld>
             <a:endParaRPr lang="en-US"/>
           </a:p>
@@ -2923,7 +2931,7 @@
           <a:p>
             <a:fld id="{699DC775-C286-4358-8C92-D7E584E969B3}" type="datetimeFigureOut">
               <a:rPr lang="en-US" smtClean="0"/>
-              <a:t>19-Jun-15</a:t>
+              <a:t>25-Jun-15</a:t>
             </a:fld>
             <a:endParaRPr lang="en-US"/>
           </a:p>
@@ -3093,7 +3101,7 @@
           <a:p>
             <a:fld id="{699DC775-C286-4358-8C92-D7E584E969B3}" type="datetimeFigureOut">
               <a:rPr lang="en-US" smtClean="0"/>
-              <a:t>19-Jun-15</a:t>
+              <a:t>25-Jun-15</a:t>
             </a:fld>
             <a:endParaRPr lang="en-US"/>
           </a:p>
@@ -3370,7 +3378,7 @@
           <a:p>
             <a:fld id="{699DC775-C286-4358-8C92-D7E584E969B3}" type="datetimeFigureOut">
               <a:rPr lang="en-US" smtClean="0"/>
-              <a:t>19-Jun-15</a:t>
+              <a:t>25-Jun-15</a:t>
             </a:fld>
             <a:endParaRPr lang="en-US"/>
           </a:p>
@@ -3623,7 +3631,7 @@
           <a:p>
             <a:fld id="{699DC775-C286-4358-8C92-D7E584E969B3}" type="datetimeFigureOut">
               <a:rPr lang="en-US" smtClean="0"/>
-              <a:t>19-Jun-15</a:t>
+              <a:t>25-Jun-15</a:t>
             </a:fld>
             <a:endParaRPr lang="en-US"/>
           </a:p>
@@ -3793,7 +3801,7 @@
           <a:p>
             <a:fld id="{699DC775-C286-4358-8C92-D7E584E969B3}" type="datetimeFigureOut">
               <a:rPr lang="en-US" smtClean="0"/>
-              <a:t>19-Jun-15</a:t>
+              <a:t>25-Jun-15</a:t>
             </a:fld>
             <a:endParaRPr lang="en-US"/>
           </a:p>
@@ -3973,7 +3981,7 @@
           <a:p>
             <a:fld id="{699DC775-C286-4358-8C92-D7E584E969B3}" type="datetimeFigureOut">
               <a:rPr lang="en-US" smtClean="0"/>
-              <a:t>19-Jun-15</a:t>
+              <a:t>25-Jun-15</a:t>
             </a:fld>
             <a:endParaRPr lang="en-US"/>
           </a:p>
@@ -4143,7 +4151,7 @@
           <a:p>
             <a:fld id="{699DC775-C286-4358-8C92-D7E584E969B3}" type="datetimeFigureOut">
               <a:rPr lang="en-US" smtClean="0"/>
-              <a:t>19-Jun-15</a:t>
+              <a:t>25-Jun-15</a:t>
             </a:fld>
             <a:endParaRPr lang="en-US"/>
           </a:p>
@@ -4393,7 +4401,7 @@
           <a:p>
             <a:fld id="{699DC775-C286-4358-8C92-D7E584E969B3}" type="datetimeFigureOut">
               <a:rPr lang="en-US" smtClean="0"/>
-              <a:t>19-Jun-15</a:t>
+              <a:t>25-Jun-15</a:t>
             </a:fld>
             <a:endParaRPr lang="en-US"/>
           </a:p>
@@ -4571,7 +4579,7 @@
           <a:p>
             <a:fld id="{699DC775-C286-4358-8C92-D7E584E969B3}" type="datetimeFigureOut">
               <a:rPr lang="en-US" smtClean="0"/>
-              <a:t>19-Jun-15</a:t>
+              <a:t>25-Jun-15</a:t>
             </a:fld>
             <a:endParaRPr lang="en-US"/>
           </a:p>
@@ -4825,7 +4833,7 @@
           <a:p>
             <a:fld id="{699DC775-C286-4358-8C92-D7E584E969B3}" type="datetimeFigureOut">
               <a:rPr lang="en-US" smtClean="0"/>
-              <a:t>19-Jun-15</a:t>
+              <a:t>25-Jun-15</a:t>
             </a:fld>
             <a:endParaRPr lang="en-US"/>
           </a:p>
@@ -5121,7 +5129,7 @@
           <a:p>
             <a:fld id="{699DC775-C286-4358-8C92-D7E584E969B3}" type="datetimeFigureOut">
               <a:rPr lang="en-US" smtClean="0"/>
-              <a:t>19-Jun-15</a:t>
+              <a:t>25-Jun-15</a:t>
             </a:fld>
             <a:endParaRPr lang="en-US"/>
           </a:p>
@@ -5551,7 +5559,7 @@
           <a:p>
             <a:fld id="{699DC775-C286-4358-8C92-D7E584E969B3}" type="datetimeFigureOut">
               <a:rPr lang="en-US" smtClean="0"/>
-              <a:t>19-Jun-15</a:t>
+              <a:t>25-Jun-15</a:t>
             </a:fld>
             <a:endParaRPr lang="en-US"/>
           </a:p>
@@ -5797,7 +5805,7 @@
           <a:p>
             <a:fld id="{699DC775-C286-4358-8C92-D7E584E969B3}" type="datetimeFigureOut">
               <a:rPr lang="en-US" smtClean="0"/>
-              <a:t>19-Jun-15</a:t>
+              <a:t>25-Jun-15</a:t>
             </a:fld>
             <a:endParaRPr lang="en-US"/>
           </a:p>
@@ -5923,7 +5931,7 @@
           <a:p>
             <a:fld id="{699DC775-C286-4358-8C92-D7E584E969B3}" type="datetimeFigureOut">
               <a:rPr lang="en-US" smtClean="0"/>
-              <a:t>19-Jun-15</a:t>
+              <a:t>25-Jun-15</a:t>
             </a:fld>
             <a:endParaRPr lang="en-US"/>
           </a:p>
@@ -6026,7 +6034,7 @@
           <a:p>
             <a:fld id="{699DC775-C286-4358-8C92-D7E584E969B3}" type="datetimeFigureOut">
               <a:rPr lang="en-US" smtClean="0"/>
-              <a:t>19-Jun-15</a:t>
+              <a:t>25-Jun-15</a:t>
             </a:fld>
             <a:endParaRPr lang="en-US"/>
           </a:p>
@@ -6311,7 +6319,7 @@
           <a:p>
             <a:fld id="{699DC775-C286-4358-8C92-D7E584E969B3}" type="datetimeFigureOut">
               <a:rPr lang="en-US" smtClean="0"/>
-              <a:t>19-Jun-15</a:t>
+              <a:t>25-Jun-15</a:t>
             </a:fld>
             <a:endParaRPr lang="en-US"/>
           </a:p>
@@ -6572,7 +6580,7 @@
           <a:p>
             <a:fld id="{699DC775-C286-4358-8C92-D7E584E969B3}" type="datetimeFigureOut">
               <a:rPr lang="en-US" smtClean="0"/>
-              <a:t>19-Jun-15</a:t>
+              <a:t>25-Jun-15</a:t>
             </a:fld>
             <a:endParaRPr lang="en-US"/>
           </a:p>
@@ -6750,7 +6758,7 @@
           <a:p>
             <a:fld id="{699DC775-C286-4358-8C92-D7E584E969B3}" type="datetimeFigureOut">
               <a:rPr lang="en-US" smtClean="0"/>
-              <a:t>19-Jun-15</a:t>
+              <a:t>25-Jun-15</a:t>
             </a:fld>
             <a:endParaRPr lang="en-US"/>
           </a:p>
@@ -6938,7 +6946,7 @@
           <a:p>
             <a:fld id="{699DC775-C286-4358-8C92-D7E584E969B3}" type="datetimeFigureOut">
               <a:rPr lang="en-US" smtClean="0"/>
-              <a:t>19-Jun-15</a:t>
+              <a:t>25-Jun-15</a:t>
             </a:fld>
             <a:endParaRPr lang="en-US"/>
           </a:p>
@@ -7108,7 +7116,7 @@
           <a:p>
             <a:fld id="{699DC775-C286-4358-8C92-D7E584E969B3}" type="datetimeFigureOut">
               <a:rPr lang="en-US" smtClean="0"/>
-              <a:t>19-Jun-15</a:t>
+              <a:t>25-Jun-15</a:t>
             </a:fld>
             <a:endParaRPr lang="en-US"/>
           </a:p>
@@ -7396,7 +7404,7 @@
           <a:p>
             <a:fld id="{699DC775-C286-4358-8C92-D7E584E969B3}" type="datetimeFigureOut">
               <a:rPr lang="en-US" smtClean="0"/>
-              <a:t>19-Jun-15</a:t>
+              <a:t>25-Jun-15</a:t>
             </a:fld>
             <a:endParaRPr lang="en-US"/>
           </a:p>
@@ -7818,7 +7826,7 @@
           <a:p>
             <a:fld id="{699DC775-C286-4358-8C92-D7E584E969B3}" type="datetimeFigureOut">
               <a:rPr lang="en-US" smtClean="0"/>
-              <a:t>19-Jun-15</a:t>
+              <a:t>25-Jun-15</a:t>
             </a:fld>
             <a:endParaRPr lang="en-US"/>
           </a:p>
@@ -7936,7 +7944,7 @@
           <a:p>
             <a:fld id="{699DC775-C286-4358-8C92-D7E584E969B3}" type="datetimeFigureOut">
               <a:rPr lang="en-US" smtClean="0"/>
-              <a:t>19-Jun-15</a:t>
+              <a:t>25-Jun-15</a:t>
             </a:fld>
             <a:endParaRPr lang="en-US"/>
           </a:p>
@@ -8031,7 +8039,7 @@
           <a:p>
             <a:fld id="{699DC775-C286-4358-8C92-D7E584E969B3}" type="datetimeFigureOut">
               <a:rPr lang="en-US" smtClean="0"/>
-              <a:t>19-Jun-15</a:t>
+              <a:t>25-Jun-15</a:t>
             </a:fld>
             <a:endParaRPr lang="en-US"/>
           </a:p>
@@ -8308,7 +8316,7 @@
           <a:p>
             <a:fld id="{699DC775-C286-4358-8C92-D7E584E969B3}" type="datetimeFigureOut">
               <a:rPr lang="en-US" smtClean="0"/>
-              <a:t>19-Jun-15</a:t>
+              <a:t>25-Jun-15</a:t>
             </a:fld>
             <a:endParaRPr lang="en-US"/>
           </a:p>
@@ -8561,7 +8569,7 @@
           <a:p>
             <a:fld id="{699DC775-C286-4358-8C92-D7E584E969B3}" type="datetimeFigureOut">
               <a:rPr lang="en-US" smtClean="0"/>
-              <a:t>19-Jun-15</a:t>
+              <a:t>25-Jun-15</a:t>
             </a:fld>
             <a:endParaRPr lang="en-US"/>
           </a:p>
@@ -8774,7 +8782,7 @@
           <a:p>
             <a:fld id="{699DC775-C286-4358-8C92-D7E584E969B3}" type="datetimeFigureOut">
               <a:rPr lang="en-US" smtClean="0"/>
-              <a:t>19-Jun-15</a:t>
+              <a:t>25-Jun-15</a:t>
             </a:fld>
             <a:endParaRPr lang="en-US"/>
           </a:p>
@@ -9290,7 +9298,7 @@
           <a:p>
             <a:fld id="{699DC775-C286-4358-8C92-D7E584E969B3}" type="datetimeFigureOut">
               <a:rPr lang="en-US" smtClean="0"/>
-              <a:t>19-Jun-15</a:t>
+              <a:t>25-Jun-15</a:t>
             </a:fld>
             <a:endParaRPr lang="en-US"/>
           </a:p>
@@ -9804,7 +9812,7 @@
           <a:p>
             <a:fld id="{699DC775-C286-4358-8C92-D7E584E969B3}" type="datetimeFigureOut">
               <a:rPr lang="en-US" smtClean="0"/>
-              <a:t>19-Jun-15</a:t>
+              <a:t>25-Jun-15</a:t>
             </a:fld>
             <a:endParaRPr lang="en-US"/>
           </a:p>
@@ -10316,11 +10324,11 @@
   <p:clrMapOvr>
     <a:masterClrMapping/>
   </p:clrMapOvr>
-  <mc:AlternateContent xmlns:mc="http://schemas.openxmlformats.org/markup-compatibility/2006">
-    <mc:Choice xmlns:p14="http://schemas.microsoft.com/office/powerpoint/2010/main" Requires="p14">
+  <mc:AlternateContent xmlns:mc="http://schemas.openxmlformats.org/markup-compatibility/2006" xmlns:p14="http://schemas.microsoft.com/office/powerpoint/2010/main">
+    <mc:Choice Requires="p14">
       <p:transition spd="slow" p14:dur="2000"/>
     </mc:Choice>
-    <mc:Fallback>
+    <mc:Fallback xmlns="">
       <p:transition spd="slow"/>
     </mc:Fallback>
   </mc:AlternateContent>
@@ -10702,13 +10710,13 @@
   <p:clrMapOvr>
     <a:masterClrMapping/>
   </p:clrMapOvr>
-  <mc:AlternateContent xmlns:mc="http://schemas.openxmlformats.org/markup-compatibility/2006">
-    <mc:Choice xmlns:p14="http://schemas.microsoft.com/office/powerpoint/2010/main" Requires="p14">
+  <mc:AlternateContent xmlns:mc="http://schemas.openxmlformats.org/markup-compatibility/2006" xmlns:p14="http://schemas.microsoft.com/office/powerpoint/2010/main">
+    <mc:Choice Requires="p14">
       <p:transition p14:dur="250">
         <p:fade/>
       </p:transition>
     </mc:Choice>
-    <mc:Fallback>
+    <mc:Fallback xmlns="">
       <p:transition>
         <p:fade/>
       </p:transition>
@@ -11306,13 +11314,13 @@
   <p:clrMapOvr>
     <a:masterClrMapping/>
   </p:clrMapOvr>
-  <mc:AlternateContent xmlns:mc="http://schemas.openxmlformats.org/markup-compatibility/2006">
-    <mc:Choice xmlns:p14="http://schemas.microsoft.com/office/powerpoint/2010/main" Requires="p14">
+  <mc:AlternateContent xmlns:mc="http://schemas.openxmlformats.org/markup-compatibility/2006" xmlns:p14="http://schemas.microsoft.com/office/powerpoint/2010/main">
+    <mc:Choice Requires="p14">
       <p:transition p14:dur="250">
         <p:fade/>
       </p:transition>
     </mc:Choice>
-    <mc:Fallback>
+    <mc:Fallback xmlns="">
       <p:transition>
         <p:fade/>
       </p:transition>
@@ -11690,13 +11698,13 @@
   <p:clrMapOvr>
     <a:masterClrMapping/>
   </p:clrMapOvr>
-  <mc:AlternateContent xmlns:mc="http://schemas.openxmlformats.org/markup-compatibility/2006">
-    <mc:Choice xmlns:p14="http://schemas.microsoft.com/office/powerpoint/2010/main" Requires="p14">
+  <mc:AlternateContent xmlns:mc="http://schemas.openxmlformats.org/markup-compatibility/2006" xmlns:p14="http://schemas.microsoft.com/office/powerpoint/2010/main">
+    <mc:Choice Requires="p14">
       <p:transition p14:dur="250">
         <p:fade/>
       </p:transition>
     </mc:Choice>
-    <mc:Fallback>
+    <mc:Fallback xmlns="">
       <p:transition>
         <p:fade/>
       </p:transition>
@@ -12570,13 +12578,13 @@
   <p:clrMapOvr>
     <a:masterClrMapping/>
   </p:clrMapOvr>
-  <mc:AlternateContent xmlns:mc="http://schemas.openxmlformats.org/markup-compatibility/2006">
-    <mc:Choice xmlns:p14="http://schemas.microsoft.com/office/powerpoint/2010/main" Requires="p14">
+  <mc:AlternateContent xmlns:mc="http://schemas.openxmlformats.org/markup-compatibility/2006" xmlns:p14="http://schemas.microsoft.com/office/powerpoint/2010/main">
+    <mc:Choice Requires="p14">
       <p:transition p14:dur="250">
         <p:fade/>
       </p:transition>
     </mc:Choice>
-    <mc:Fallback>
+    <mc:Fallback xmlns="">
       <p:transition>
         <p:fade/>
       </p:transition>
@@ -12954,13 +12962,13 @@
   <p:clrMapOvr>
     <a:masterClrMapping/>
   </p:clrMapOvr>
-  <mc:AlternateContent xmlns:mc="http://schemas.openxmlformats.org/markup-compatibility/2006">
-    <mc:Choice xmlns:p14="http://schemas.microsoft.com/office/powerpoint/2010/main" Requires="p14">
+  <mc:AlternateContent xmlns:mc="http://schemas.openxmlformats.org/markup-compatibility/2006" xmlns:p14="http://schemas.microsoft.com/office/powerpoint/2010/main">
+    <mc:Choice Requires="p14">
       <p:transition p14:dur="250">
         <p:fade/>
       </p:transition>
     </mc:Choice>
-    <mc:Fallback>
+    <mc:Fallback xmlns="">
       <p:transition>
         <p:fade/>
       </p:transition>
@@ -13383,13 +13391,13 @@
   <p:clrMapOvr>
     <a:masterClrMapping/>
   </p:clrMapOvr>
-  <mc:AlternateContent xmlns:mc="http://schemas.openxmlformats.org/markup-compatibility/2006">
-    <mc:Choice xmlns:p14="http://schemas.microsoft.com/office/powerpoint/2010/main" Requires="p14">
+  <mc:AlternateContent xmlns:mc="http://schemas.openxmlformats.org/markup-compatibility/2006" xmlns:p14="http://schemas.microsoft.com/office/powerpoint/2010/main">
+    <mc:Choice Requires="p14">
       <p:transition p14:dur="250">
         <p:fade/>
       </p:transition>
     </mc:Choice>
-    <mc:Fallback>
+    <mc:Fallback xmlns="">
       <p:transition>
         <p:fade/>
       </p:transition>
@@ -13560,11 +13568,11 @@
   <p:clrMapOvr>
     <a:masterClrMapping/>
   </p:clrMapOvr>
-  <mc:AlternateContent xmlns:mc="http://schemas.openxmlformats.org/markup-compatibility/2006">
-    <mc:Choice xmlns:p14="http://schemas.microsoft.com/office/powerpoint/2010/main" Requires="p14">
+  <mc:AlternateContent xmlns:mc="http://schemas.openxmlformats.org/markup-compatibility/2006" xmlns:p14="http://schemas.microsoft.com/office/powerpoint/2010/main">
+    <mc:Choice Requires="p14">
       <p:transition spd="slow" p14:dur="2000"/>
     </mc:Choice>
-    <mc:Fallback>
+    <mc:Fallback xmlns="">
       <p:transition spd="slow"/>
     </mc:Fallback>
   </mc:AlternateContent>
@@ -13841,13 +13849,13 @@
   <p:clrMapOvr>
     <a:masterClrMapping/>
   </p:clrMapOvr>
-  <mc:AlternateContent xmlns:mc="http://schemas.openxmlformats.org/markup-compatibility/2006">
-    <mc:Choice xmlns:p14="http://schemas.microsoft.com/office/powerpoint/2010/main" Requires="p14">
+  <mc:AlternateContent xmlns:mc="http://schemas.openxmlformats.org/markup-compatibility/2006" xmlns:p14="http://schemas.microsoft.com/office/powerpoint/2010/main">
+    <mc:Choice Requires="p14">
       <p:transition p14:dur="250">
         <p:fade/>
       </p:transition>
     </mc:Choice>
-    <mc:Fallback>
+    <mc:Fallback xmlns="">
       <p:transition>
         <p:fade/>
       </p:transition>
@@ -14364,13 +14372,13 @@
   <p:clrMapOvr>
     <a:masterClrMapping/>
   </p:clrMapOvr>
-  <mc:AlternateContent xmlns:mc="http://schemas.openxmlformats.org/markup-compatibility/2006">
-    <mc:Choice xmlns:p14="http://schemas.microsoft.com/office/powerpoint/2010/main" Requires="p14">
+  <mc:AlternateContent xmlns:mc="http://schemas.openxmlformats.org/markup-compatibility/2006" xmlns:p14="http://schemas.microsoft.com/office/powerpoint/2010/main">
+    <mc:Choice Requires="p14">
       <p:transition p14:dur="250">
         <p:fade/>
       </p:transition>
     </mc:Choice>
-    <mc:Fallback>
+    <mc:Fallback xmlns="">
       <p:transition>
         <p:fade/>
       </p:transition>
@@ -14752,13 +14760,13 @@
   <p:clrMapOvr>
     <a:masterClrMapping/>
   </p:clrMapOvr>
-  <mc:AlternateContent xmlns:mc="http://schemas.openxmlformats.org/markup-compatibility/2006">
-    <mc:Choice xmlns:p14="http://schemas.microsoft.com/office/powerpoint/2010/main" Requires="p14">
+  <mc:AlternateContent xmlns:mc="http://schemas.openxmlformats.org/markup-compatibility/2006" xmlns:p14="http://schemas.microsoft.com/office/powerpoint/2010/main">
+    <mc:Choice Requires="p14">
       <p:transition p14:dur="250">
         <p:fade/>
       </p:transition>
     </mc:Choice>
-    <mc:Fallback>
+    <mc:Fallback xmlns="">
       <p:transition>
         <p:fade/>
       </p:transition>
@@ -15274,13 +15282,13 @@
   <p:clrMapOvr>
     <a:masterClrMapping/>
   </p:clrMapOvr>
-  <mc:AlternateContent xmlns:mc="http://schemas.openxmlformats.org/markup-compatibility/2006">
-    <mc:Choice xmlns:p14="http://schemas.microsoft.com/office/powerpoint/2010/main" Requires="p14">
+  <mc:AlternateContent xmlns:mc="http://schemas.openxmlformats.org/markup-compatibility/2006" xmlns:p14="http://schemas.microsoft.com/office/powerpoint/2010/main">
+    <mc:Choice Requires="p14">
       <p:transition p14:dur="250">
         <p:fade/>
       </p:transition>
     </mc:Choice>
-    <mc:Fallback>
+    <mc:Fallback xmlns="">
       <p:transition>
         <p:fade/>
       </p:transition>

--- a/doc/test/AgendaSlidesTextDefault.pptx
+++ b/doc/test/AgendaSlidesTextDefault.pptx
@@ -7,33 +7,35 @@
     <p:sldMasterId id="2147483672" r:id="rId3"/>
   </p:sldMasterIdLst>
   <p:notesMasterIdLst>
-    <p:notesMasterId r:id="rId28"/>
+    <p:notesMasterId r:id="rId30"/>
   </p:notesMasterIdLst>
   <p:sldIdLst>
     <p:sldId id="315" r:id="rId4"/>
     <p:sldId id="287" r:id="rId5"/>
     <p:sldId id="316" r:id="rId6"/>
-    <p:sldId id="256" r:id="rId7"/>
-    <p:sldId id="317" r:id="rId8"/>
+    <p:sldId id="317" r:id="rId7"/>
+    <p:sldId id="256" r:id="rId8"/>
     <p:sldId id="318" r:id="rId9"/>
-    <p:sldId id="307" r:id="rId10"/>
-    <p:sldId id="309" r:id="rId11"/>
-    <p:sldId id="319" r:id="rId12"/>
+    <p:sldId id="319" r:id="rId10"/>
+    <p:sldId id="307" r:id="rId11"/>
+    <p:sldId id="309" r:id="rId12"/>
     <p:sldId id="320" r:id="rId13"/>
-    <p:sldId id="292" r:id="rId14"/>
-    <p:sldId id="310" r:id="rId15"/>
-    <p:sldId id="321" r:id="rId16"/>
+    <p:sldId id="321" r:id="rId14"/>
+    <p:sldId id="292" r:id="rId15"/>
+    <p:sldId id="310" r:id="rId16"/>
     <p:sldId id="322" r:id="rId17"/>
-    <p:sldId id="308" r:id="rId18"/>
-    <p:sldId id="306" r:id="rId19"/>
-    <p:sldId id="311" r:id="rId20"/>
-    <p:sldId id="312" r:id="rId21"/>
-    <p:sldId id="313" r:id="rId22"/>
-    <p:sldId id="323" r:id="rId23"/>
+    <p:sldId id="323" r:id="rId18"/>
+    <p:sldId id="308" r:id="rId19"/>
+    <p:sldId id="306" r:id="rId20"/>
+    <p:sldId id="311" r:id="rId21"/>
+    <p:sldId id="312" r:id="rId22"/>
+    <p:sldId id="313" r:id="rId23"/>
     <p:sldId id="324" r:id="rId24"/>
-    <p:sldId id="314" r:id="rId25"/>
-    <p:sldId id="325" r:id="rId26"/>
+    <p:sldId id="325" r:id="rId25"/>
+    <p:sldId id="314" r:id="rId26"/>
     <p:sldId id="326" r:id="rId27"/>
+    <p:sldId id="327" r:id="rId28"/>
+    <p:sldId id="328" r:id="rId29"/>
   </p:sldIdLst>
   <p:sldSz cx="9144000" cy="6858000" type="screen4x3"/>
   <p:notesSz cx="6858000" cy="9144000"/>
@@ -139,54 +141,56 @@
           <p14:sldIdLst>
             <p14:sldId id="315"/>
             <p14:sldId id="287"/>
+            <p14:sldId id="316"/>
           </p14:sldIdLst>
         </p14:section>
         <p14:section name="One Slide" id="{A3A2B0AB-762C-4281-AA7B-EF7E134E0DC4}">
           <p14:sldIdLst>
-            <p14:sldId id="316"/>
+            <p14:sldId id="317"/>
             <p14:sldId id="256"/>
-            <p14:sldId id="317"/>
+            <p14:sldId id="318"/>
           </p14:sldIdLst>
         </p14:section>
         <p14:section name="Two Slides" id="{633B0291-AA1C-4C74-8320-D28120D1E030}">
           <p14:sldIdLst>
-            <p14:sldId id="318"/>
+            <p14:sldId id="319"/>
             <p14:sldId id="307"/>
             <p14:sldId id="309"/>
-            <p14:sldId id="319"/>
+            <p14:sldId id="320"/>
           </p14:sldIdLst>
         </p14:section>
         <p14:section name="Same Name" id="{B98F844A-9A74-4E46-97A3-0A12C7B6B0E5}">
           <p14:sldIdLst>
-            <p14:sldId id="320"/>
+            <p14:sldId id="321"/>
             <p14:sldId id="292"/>
             <p14:sldId id="310"/>
-            <p14:sldId id="321"/>
+            <p14:sldId id="322"/>
           </p14:sldIdLst>
         </p14:section>
         <p14:section name="Same Name" id="{E7CBF235-FD7F-4084-9107-E88AF55C55CB}">
           <p14:sldIdLst>
-            <p14:sldId id="322"/>
+            <p14:sldId id="323"/>
             <p14:sldId id="308"/>
             <p14:sldId id="306"/>
             <p14:sldId id="311"/>
             <p14:sldId id="312"/>
             <p14:sldId id="313"/>
-            <p14:sldId id="323"/>
+            <p14:sldId id="324"/>
           </p14:sldIdLst>
         </p14:section>
         <p14:section name="あいうえおkl)(*&amp;%$#@85v_+)0_@#%L:CF]1" id="{7DC05ADB-162C-47A0-98D4-E8994A6A2B8E}">
           <p14:sldIdLst>
-            <p14:sldId id="324"/>
+            <p14:sldId id="325"/>
             <p14:sldId id="314"/>
-            <p14:sldId id="325"/>
             <p14:sldId id="326"/>
+            <p14:sldId id="327"/>
+            <p14:sldId id="328"/>
           </p14:sldIdLst>
         </p14:section>
       </p14:sectionLst>
     </p:ext>
     <p:ext uri="{EFAFB233-063F-42B5-8137-9DF3F51BA10A}">
-      <p15:sldGuideLst xmlns:p15="http://schemas.microsoft.com/office/powerpoint/2012/main" xmlns="">
+      <p15:sldGuideLst xmlns="" xmlns:p15="http://schemas.microsoft.com/office/powerpoint/2012/main">
         <p15:guide id="1" orient="horz" pos="2160">
           <p15:clr>
             <a:srgbClr val="A4A3A4"/>
@@ -285,7 +289,7 @@
           <a:p>
             <a:fld id="{C33977A5-270E-4E03-B118-17345E304686}" type="datetimeFigureOut">
               <a:rPr lang="en-US" smtClean="0"/>
-              <a:t>25-Jun-15</a:t>
+              <a:t>30-Jun-15</a:t>
             </a:fld>
             <a:endParaRPr lang="en-US"/>
           </a:p>
@@ -598,18 +602,10 @@
           <a:lstStyle/>
           <a:p>
             <a:r>
-              <a:rPr lang="en-US" dirty="0" smtClean="0"/>
-              <a:t>This notes page is used to store data - Do not edit the notes. </a:t>
-            </a:r>
-            <a:r>
-              <a:rPr lang="en-US" dirty="0" err="1" smtClean="0"/>
-              <a:t>UFBUVGVtcGxhdGVNYXJrZXI</a:t>
-            </a:r>
-            <a:r>
-              <a:rPr lang="en-US" smtClean="0"/>
-              <a:t>=@VGl0bGUgMQ==@UHB0TGFic0FnZW5kYV8mXkBDb250ZW50U2hhcGVfJl5AMjAxNTA2MTkxNjI4Mzg3Nzg1MA==@372674780</a:t>
-            </a:r>
-            <a:endParaRPr lang="en-US" dirty="0"/>
+              <a:rPr lang="en-US" smtClean="0"/>
+              <a:t>This notes page is used to store data - Do not edit the notes. UFBUVGVtcGxhdGVNYXJrZXI=@VGl0bGUgMQ==@UHB0TGFic0FnZW5kYV8mXkBDb250ZW50U2hhcGVfJl5AMjAxNTA2MzAxMjE4MjUxNzM4MA==@2742932019</a:t>
+            </a:r>
+            <a:endParaRPr lang="en-US"/>
           </a:p>
         </p:txBody>
       </p:sp>
@@ -639,7 +635,7 @@
     </p:spTree>
     <p:extLst>
       <p:ext uri="{BB962C8B-B14F-4D97-AF65-F5344CB8AC3E}">
-        <p14:creationId xmlns:p14="http://schemas.microsoft.com/office/powerpoint/2010/main" val="4123714825"/>
+        <p14:creationId xmlns:p14="http://schemas.microsoft.com/office/powerpoint/2010/main" val="3669655819"/>
       </p:ext>
     </p:extLst>
   </p:cSld>
@@ -830,7 +826,7 @@
           <a:p>
             <a:fld id="{699DC775-C286-4358-8C92-D7E584E969B3}" type="datetimeFigureOut">
               <a:rPr lang="en-US" smtClean="0"/>
-              <a:t>25-Jun-15</a:t>
+              <a:t>30-Jun-15</a:t>
             </a:fld>
             <a:endParaRPr lang="en-US"/>
           </a:p>
@@ -1000,7 +996,7 @@
           <a:p>
             <a:fld id="{699DC775-C286-4358-8C92-D7E584E969B3}" type="datetimeFigureOut">
               <a:rPr lang="en-US" smtClean="0"/>
-              <a:t>25-Jun-15</a:t>
+              <a:t>30-Jun-15</a:t>
             </a:fld>
             <a:endParaRPr lang="en-US"/>
           </a:p>
@@ -1180,7 +1176,7 @@
           <a:p>
             <a:fld id="{699DC775-C286-4358-8C92-D7E584E969B3}" type="datetimeFigureOut">
               <a:rPr lang="en-US" smtClean="0"/>
-              <a:t>25-Jun-15</a:t>
+              <a:t>30-Jun-15</a:t>
             </a:fld>
             <a:endParaRPr lang="en-US"/>
           </a:p>
@@ -1350,7 +1346,7 @@
           <a:p>
             <a:fld id="{699DC775-C286-4358-8C92-D7E584E969B3}" type="datetimeFigureOut">
               <a:rPr lang="en-US" smtClean="0"/>
-              <a:t>25-Jun-15</a:t>
+              <a:t>30-Jun-15</a:t>
             </a:fld>
             <a:endParaRPr lang="en-US"/>
           </a:p>
@@ -1592,7 +1588,7 @@
           <a:p>
             <a:fld id="{699DC775-C286-4358-8C92-D7E584E969B3}" type="datetimeFigureOut">
               <a:rPr lang="en-US" smtClean="0"/>
-              <a:t>25-Jun-15</a:t>
+              <a:t>30-Jun-15</a:t>
             </a:fld>
             <a:endParaRPr lang="en-US"/>
           </a:p>
@@ -1762,7 +1758,7 @@
           <a:p>
             <a:fld id="{699DC775-C286-4358-8C92-D7E584E969B3}" type="datetimeFigureOut">
               <a:rPr lang="en-US" smtClean="0"/>
-              <a:t>25-Jun-15</a:t>
+              <a:t>30-Jun-15</a:t>
             </a:fld>
             <a:endParaRPr lang="en-US"/>
           </a:p>
@@ -2008,7 +2004,7 @@
           <a:p>
             <a:fld id="{699DC775-C286-4358-8C92-D7E584E969B3}" type="datetimeFigureOut">
               <a:rPr lang="en-US" smtClean="0"/>
-              <a:t>25-Jun-15</a:t>
+              <a:t>30-Jun-15</a:t>
             </a:fld>
             <a:endParaRPr lang="en-US"/>
           </a:p>
@@ -2296,7 +2292,7 @@
           <a:p>
             <a:fld id="{699DC775-C286-4358-8C92-D7E584E969B3}" type="datetimeFigureOut">
               <a:rPr lang="en-US" smtClean="0"/>
-              <a:t>25-Jun-15</a:t>
+              <a:t>30-Jun-15</a:t>
             </a:fld>
             <a:endParaRPr lang="en-US"/>
           </a:p>
@@ -2718,7 +2714,7 @@
           <a:p>
             <a:fld id="{699DC775-C286-4358-8C92-D7E584E969B3}" type="datetimeFigureOut">
               <a:rPr lang="en-US" smtClean="0"/>
-              <a:t>25-Jun-15</a:t>
+              <a:t>30-Jun-15</a:t>
             </a:fld>
             <a:endParaRPr lang="en-US"/>
           </a:p>
@@ -2836,7 +2832,7 @@
           <a:p>
             <a:fld id="{699DC775-C286-4358-8C92-D7E584E969B3}" type="datetimeFigureOut">
               <a:rPr lang="en-US" smtClean="0"/>
-              <a:t>25-Jun-15</a:t>
+              <a:t>30-Jun-15</a:t>
             </a:fld>
             <a:endParaRPr lang="en-US"/>
           </a:p>
@@ -2931,7 +2927,7 @@
           <a:p>
             <a:fld id="{699DC775-C286-4358-8C92-D7E584E969B3}" type="datetimeFigureOut">
               <a:rPr lang="en-US" smtClean="0"/>
-              <a:t>25-Jun-15</a:t>
+              <a:t>30-Jun-15</a:t>
             </a:fld>
             <a:endParaRPr lang="en-US"/>
           </a:p>
@@ -3101,7 +3097,7 @@
           <a:p>
             <a:fld id="{699DC775-C286-4358-8C92-D7E584E969B3}" type="datetimeFigureOut">
               <a:rPr lang="en-US" smtClean="0"/>
-              <a:t>25-Jun-15</a:t>
+              <a:t>30-Jun-15</a:t>
             </a:fld>
             <a:endParaRPr lang="en-US"/>
           </a:p>
@@ -3378,7 +3374,7 @@
           <a:p>
             <a:fld id="{699DC775-C286-4358-8C92-D7E584E969B3}" type="datetimeFigureOut">
               <a:rPr lang="en-US" smtClean="0"/>
-              <a:t>25-Jun-15</a:t>
+              <a:t>30-Jun-15</a:t>
             </a:fld>
             <a:endParaRPr lang="en-US"/>
           </a:p>
@@ -3631,7 +3627,7 @@
           <a:p>
             <a:fld id="{699DC775-C286-4358-8C92-D7E584E969B3}" type="datetimeFigureOut">
               <a:rPr lang="en-US" smtClean="0"/>
-              <a:t>25-Jun-15</a:t>
+              <a:t>30-Jun-15</a:t>
             </a:fld>
             <a:endParaRPr lang="en-US"/>
           </a:p>
@@ -3801,7 +3797,7 @@
           <a:p>
             <a:fld id="{699DC775-C286-4358-8C92-D7E584E969B3}" type="datetimeFigureOut">
               <a:rPr lang="en-US" smtClean="0"/>
-              <a:t>25-Jun-15</a:t>
+              <a:t>30-Jun-15</a:t>
             </a:fld>
             <a:endParaRPr lang="en-US"/>
           </a:p>
@@ -3981,7 +3977,7 @@
           <a:p>
             <a:fld id="{699DC775-C286-4358-8C92-D7E584E969B3}" type="datetimeFigureOut">
               <a:rPr lang="en-US" smtClean="0"/>
-              <a:t>25-Jun-15</a:t>
+              <a:t>30-Jun-15</a:t>
             </a:fld>
             <a:endParaRPr lang="en-US"/>
           </a:p>
@@ -4151,7 +4147,7 @@
           <a:p>
             <a:fld id="{699DC775-C286-4358-8C92-D7E584E969B3}" type="datetimeFigureOut">
               <a:rPr lang="en-US" smtClean="0"/>
-              <a:t>25-Jun-15</a:t>
+              <a:t>30-Jun-15</a:t>
             </a:fld>
             <a:endParaRPr lang="en-US"/>
           </a:p>
@@ -4401,7 +4397,7 @@
           <a:p>
             <a:fld id="{699DC775-C286-4358-8C92-D7E584E969B3}" type="datetimeFigureOut">
               <a:rPr lang="en-US" smtClean="0"/>
-              <a:t>25-Jun-15</a:t>
+              <a:t>30-Jun-15</a:t>
             </a:fld>
             <a:endParaRPr lang="en-US"/>
           </a:p>
@@ -4579,7 +4575,7 @@
           <a:p>
             <a:fld id="{699DC775-C286-4358-8C92-D7E584E969B3}" type="datetimeFigureOut">
               <a:rPr lang="en-US" smtClean="0"/>
-              <a:t>25-Jun-15</a:t>
+              <a:t>30-Jun-15</a:t>
             </a:fld>
             <a:endParaRPr lang="en-US"/>
           </a:p>
@@ -4833,7 +4829,7 @@
           <a:p>
             <a:fld id="{699DC775-C286-4358-8C92-D7E584E969B3}" type="datetimeFigureOut">
               <a:rPr lang="en-US" smtClean="0"/>
-              <a:t>25-Jun-15</a:t>
+              <a:t>30-Jun-15</a:t>
             </a:fld>
             <a:endParaRPr lang="en-US"/>
           </a:p>
@@ -5129,7 +5125,7 @@
           <a:p>
             <a:fld id="{699DC775-C286-4358-8C92-D7E584E969B3}" type="datetimeFigureOut">
               <a:rPr lang="en-US" smtClean="0"/>
-              <a:t>25-Jun-15</a:t>
+              <a:t>30-Jun-15</a:t>
             </a:fld>
             <a:endParaRPr lang="en-US"/>
           </a:p>
@@ -5559,7 +5555,7 @@
           <a:p>
             <a:fld id="{699DC775-C286-4358-8C92-D7E584E969B3}" type="datetimeFigureOut">
               <a:rPr lang="en-US" smtClean="0"/>
-              <a:t>25-Jun-15</a:t>
+              <a:t>30-Jun-15</a:t>
             </a:fld>
             <a:endParaRPr lang="en-US"/>
           </a:p>
@@ -5805,7 +5801,7 @@
           <a:p>
             <a:fld id="{699DC775-C286-4358-8C92-D7E584E969B3}" type="datetimeFigureOut">
               <a:rPr lang="en-US" smtClean="0"/>
-              <a:t>25-Jun-15</a:t>
+              <a:t>30-Jun-15</a:t>
             </a:fld>
             <a:endParaRPr lang="en-US"/>
           </a:p>
@@ -5931,7 +5927,7 @@
           <a:p>
             <a:fld id="{699DC775-C286-4358-8C92-D7E584E969B3}" type="datetimeFigureOut">
               <a:rPr lang="en-US" smtClean="0"/>
-              <a:t>25-Jun-15</a:t>
+              <a:t>30-Jun-15</a:t>
             </a:fld>
             <a:endParaRPr lang="en-US"/>
           </a:p>
@@ -6034,7 +6030,7 @@
           <a:p>
             <a:fld id="{699DC775-C286-4358-8C92-D7E584E969B3}" type="datetimeFigureOut">
               <a:rPr lang="en-US" smtClean="0"/>
-              <a:t>25-Jun-15</a:t>
+              <a:t>30-Jun-15</a:t>
             </a:fld>
             <a:endParaRPr lang="en-US"/>
           </a:p>
@@ -6319,7 +6315,7 @@
           <a:p>
             <a:fld id="{699DC775-C286-4358-8C92-D7E584E969B3}" type="datetimeFigureOut">
               <a:rPr lang="en-US" smtClean="0"/>
-              <a:t>25-Jun-15</a:t>
+              <a:t>30-Jun-15</a:t>
             </a:fld>
             <a:endParaRPr lang="en-US"/>
           </a:p>
@@ -6580,7 +6576,7 @@
           <a:p>
             <a:fld id="{699DC775-C286-4358-8C92-D7E584E969B3}" type="datetimeFigureOut">
               <a:rPr lang="en-US" smtClean="0"/>
-              <a:t>25-Jun-15</a:t>
+              <a:t>30-Jun-15</a:t>
             </a:fld>
             <a:endParaRPr lang="en-US"/>
           </a:p>
@@ -6758,7 +6754,7 @@
           <a:p>
             <a:fld id="{699DC775-C286-4358-8C92-D7E584E969B3}" type="datetimeFigureOut">
               <a:rPr lang="en-US" smtClean="0"/>
-              <a:t>25-Jun-15</a:t>
+              <a:t>30-Jun-15</a:t>
             </a:fld>
             <a:endParaRPr lang="en-US"/>
           </a:p>
@@ -6946,7 +6942,7 @@
           <a:p>
             <a:fld id="{699DC775-C286-4358-8C92-D7E584E969B3}" type="datetimeFigureOut">
               <a:rPr lang="en-US" smtClean="0"/>
-              <a:t>25-Jun-15</a:t>
+              <a:t>30-Jun-15</a:t>
             </a:fld>
             <a:endParaRPr lang="en-US"/>
           </a:p>
@@ -7116,7 +7112,7 @@
           <a:p>
             <a:fld id="{699DC775-C286-4358-8C92-D7E584E969B3}" type="datetimeFigureOut">
               <a:rPr lang="en-US" smtClean="0"/>
-              <a:t>25-Jun-15</a:t>
+              <a:t>30-Jun-15</a:t>
             </a:fld>
             <a:endParaRPr lang="en-US"/>
           </a:p>
@@ -7404,7 +7400,7 @@
           <a:p>
             <a:fld id="{699DC775-C286-4358-8C92-D7E584E969B3}" type="datetimeFigureOut">
               <a:rPr lang="en-US" smtClean="0"/>
-              <a:t>25-Jun-15</a:t>
+              <a:t>30-Jun-15</a:t>
             </a:fld>
             <a:endParaRPr lang="en-US"/>
           </a:p>
@@ -7826,7 +7822,7 @@
           <a:p>
             <a:fld id="{699DC775-C286-4358-8C92-D7E584E969B3}" type="datetimeFigureOut">
               <a:rPr lang="en-US" smtClean="0"/>
-              <a:t>25-Jun-15</a:t>
+              <a:t>30-Jun-15</a:t>
             </a:fld>
             <a:endParaRPr lang="en-US"/>
           </a:p>
@@ -7944,7 +7940,7 @@
           <a:p>
             <a:fld id="{699DC775-C286-4358-8C92-D7E584E969B3}" type="datetimeFigureOut">
               <a:rPr lang="en-US" smtClean="0"/>
-              <a:t>25-Jun-15</a:t>
+              <a:t>30-Jun-15</a:t>
             </a:fld>
             <a:endParaRPr lang="en-US"/>
           </a:p>
@@ -8039,7 +8035,7 @@
           <a:p>
             <a:fld id="{699DC775-C286-4358-8C92-D7E584E969B3}" type="datetimeFigureOut">
               <a:rPr lang="en-US" smtClean="0"/>
-              <a:t>25-Jun-15</a:t>
+              <a:t>30-Jun-15</a:t>
             </a:fld>
             <a:endParaRPr lang="en-US"/>
           </a:p>
@@ -8316,7 +8312,7 @@
           <a:p>
             <a:fld id="{699DC775-C286-4358-8C92-D7E584E969B3}" type="datetimeFigureOut">
               <a:rPr lang="en-US" smtClean="0"/>
-              <a:t>25-Jun-15</a:t>
+              <a:t>30-Jun-15</a:t>
             </a:fld>
             <a:endParaRPr lang="en-US"/>
           </a:p>
@@ -8569,7 +8565,7 @@
           <a:p>
             <a:fld id="{699DC775-C286-4358-8C92-D7E584E969B3}" type="datetimeFigureOut">
               <a:rPr lang="en-US" smtClean="0"/>
-              <a:t>25-Jun-15</a:t>
+              <a:t>30-Jun-15</a:t>
             </a:fld>
             <a:endParaRPr lang="en-US"/>
           </a:p>
@@ -8782,7 +8778,7 @@
           <a:p>
             <a:fld id="{699DC775-C286-4358-8C92-D7E584E969B3}" type="datetimeFigureOut">
               <a:rPr lang="en-US" smtClean="0"/>
-              <a:t>25-Jun-15</a:t>
+              <a:t>30-Jun-15</a:t>
             </a:fld>
             <a:endParaRPr lang="en-US"/>
           </a:p>
@@ -9298,7 +9294,7 @@
           <a:p>
             <a:fld id="{699DC775-C286-4358-8C92-D7E584E969B3}" type="datetimeFigureOut">
               <a:rPr lang="en-US" smtClean="0"/>
-              <a:t>25-Jun-15</a:t>
+              <a:t>30-Jun-15</a:t>
             </a:fld>
             <a:endParaRPr lang="en-US"/>
           </a:p>
@@ -9812,7 +9808,7 @@
           <a:p>
             <a:fld id="{699DC775-C286-4358-8C92-D7E584E969B3}" type="datetimeFigureOut">
               <a:rPr lang="en-US" smtClean="0"/>
-              <a:t>25-Jun-15</a:t>
+              <a:t>30-Jun-15</a:t>
             </a:fld>
             <a:endParaRPr lang="en-US"/>
           </a:p>
@@ -10173,7 +10169,7 @@
 
 <file path=ppt/slides/slide1.xml><?xml version="1.0" encoding="utf-8"?>
 <p:sld xmlns:a="http://schemas.openxmlformats.org/drawingml/2006/main" xmlns:r="http://schemas.openxmlformats.org/officeDocument/2006/relationships" xmlns:p="http://schemas.openxmlformats.org/presentationml/2006/main" show="0">
-  <p:cSld name="PptLabsAgenda_&amp;^@Bullet_&amp;^@Reference_&amp;^@2015061916283878851">
+  <p:cSld name="PptLabsAgenda_&amp;^@Bullet_&amp;^@Reference_&amp;^@2015063012182518681">
     <p:spTree>
       <p:nvGrpSpPr>
         <p:cNvPr id="1" name=""/>
@@ -10265,7 +10261,7 @@
       </p:sp>
       <p:sp>
         <p:nvSpPr>
-          <p:cNvPr id="3" name="PptLabsAgenda_&amp;^@ContentShape_&amp;^@2015061916283877850"/>
+          <p:cNvPr id="3" name="PptLabsAgenda_&amp;^@ContentShape_&amp;^@2015063012182517380"/>
           <p:cNvSpPr>
             <a:spLocks noGrp="1"/>
           </p:cNvSpPr>
@@ -10317,19 +10313,23 @@
     </p:spTree>
     <p:extLst>
       <p:ext uri="{BB962C8B-B14F-4D97-AF65-F5344CB8AC3E}">
-        <p14:creationId xmlns:p14="http://schemas.microsoft.com/office/powerpoint/2010/main" val="3100047092"/>
+        <p14:creationId xmlns:p14="http://schemas.microsoft.com/office/powerpoint/2010/main" val="870697495"/>
       </p:ext>
     </p:extLst>
   </p:cSld>
   <p:clrMapOvr>
     <a:masterClrMapping/>
   </p:clrMapOvr>
-  <mc:AlternateContent xmlns:mc="http://schemas.openxmlformats.org/markup-compatibility/2006" xmlns:p14="http://schemas.microsoft.com/office/powerpoint/2010/main">
-    <mc:Choice Requires="p14">
-      <p:transition spd="slow" p14:dur="2000"/>
+  <mc:AlternateContent xmlns:mc="http://schemas.openxmlformats.org/markup-compatibility/2006">
+    <mc:Choice xmlns:p14="http://schemas.microsoft.com/office/powerpoint/2010/main" Requires="p14">
+      <p:transition spd="slow" p14:dur="800">
+        <p:push dir="u"/>
+      </p:transition>
     </mc:Choice>
-    <mc:Fallback xmlns="">
-      <p:transition spd="slow"/>
+    <mc:Fallback>
+      <p:transition spd="slow">
+        <p:push dir="u"/>
+      </p:transition>
     </mc:Fallback>
   </mc:AlternateContent>
   <p:timing>
@@ -10446,7 +10446,7 @@
 
 <file path=ppt/slides/slide10.xml><?xml version="1.0" encoding="utf-8"?>
 <p:sld xmlns:a="http://schemas.openxmlformats.org/drawingml/2006/main" xmlns:r="http://schemas.openxmlformats.org/officeDocument/2006/relationships" xmlns:p="http://schemas.openxmlformats.org/presentationml/2006/main">
-  <p:cSld name="PptLabsAgenda_&amp;^@Bullet_&amp;^@Start_&amp;^@Same Name_4">
+  <p:cSld name="PptLabsAgenda_&amp;^@Bullet_&amp;^@End_&amp;^@Two Slides_3">
     <p:spTree>
       <p:nvGrpSpPr>
         <p:cNvPr id="1" name=""/>
@@ -10463,7 +10463,7 @@
       </p:grpSpPr>
       <p:pic>
         <p:nvPicPr>
-          <p:cNvPr id="2" name="PPTIndicator201506191628393686"/>
+          <p:cNvPr id="2" name="PPTIndicator201506301218257278"/>
           <p:cNvPicPr>
             <a:picLocks/>
           </p:cNvPicPr>
@@ -10540,7 +10540,7 @@
       </p:sp>
       <p:sp>
         <p:nvSpPr>
-          <p:cNvPr id="6" name="PptLabsAgenda_&amp;^@ContentShape_&amp;^@2015061916283877850"/>
+          <p:cNvPr id="6" name="PptLabsAgenda_&amp;^@ContentShape_&amp;^@2015063012182517380"/>
           <p:cNvSpPr txBox="1">
             <a:spLocks/>
           </p:cNvSpPr>
@@ -10648,6 +10648,394 @@
           <a:p>
             <a:pPr lvl="0"/>
             <a:r>
+              <a:rPr lang="en-US" smtClean="0">
+                <a:solidFill>
+                  <a:srgbClr val="FF0000"/>
+                </a:solidFill>
+              </a:rPr>
+              <a:t>Two Slides</a:t>
+            </a:r>
+            <a:endParaRPr lang="en-US">
+              <a:solidFill>
+                <a:srgbClr val="FF0000"/>
+              </a:solidFill>
+            </a:endParaRPr>
+          </a:p>
+          <a:p>
+            <a:r>
+              <a:rPr lang="en-US" smtClean="0">
+                <a:solidFill>
+                  <a:srgbClr val="000000"/>
+                </a:solidFill>
+              </a:rPr>
+              <a:t>Same Name</a:t>
+            </a:r>
+          </a:p>
+          <a:p>
+            <a:r>
+              <a:rPr lang="en-US" smtClean="0">
+                <a:solidFill>
+                  <a:srgbClr val="000000"/>
+                </a:solidFill>
+              </a:rPr>
+              <a:t>Same Name</a:t>
+            </a:r>
+          </a:p>
+          <a:p>
+            <a:r>
+              <a:rPr lang="ja-JP" altLang="en-US" smtClean="0">
+                <a:solidFill>
+                  <a:srgbClr val="000000"/>
+                </a:solidFill>
+              </a:rPr>
+              <a:t>あいうえお</a:t>
+            </a:r>
+            <a:r>
+              <a:rPr lang="en-US" smtClean="0">
+                <a:solidFill>
+                  <a:srgbClr val="000000"/>
+                </a:solidFill>
+              </a:rPr>
+              <a:t>kl)(*&amp;%$#@85v_+)0_@#%L:CF]1</a:t>
+            </a:r>
+            <a:endParaRPr lang="en-US"/>
+          </a:p>
+        </p:txBody>
+      </p:sp>
+    </p:spTree>
+    <p:extLst>
+      <p:ext uri="{BB962C8B-B14F-4D97-AF65-F5344CB8AC3E}">
+        <p14:creationId xmlns:p14="http://schemas.microsoft.com/office/powerpoint/2010/main" val="1127239200"/>
+      </p:ext>
+    </p:extLst>
+  </p:cSld>
+  <p:clrMapOvr>
+    <a:masterClrMapping/>
+  </p:clrMapOvr>
+  <mc:AlternateContent xmlns:mc="http://schemas.openxmlformats.org/markup-compatibility/2006">
+    <mc:Choice xmlns:p14="http://schemas.microsoft.com/office/powerpoint/2010/main" Requires="p14">
+      <p:transition spd="slow" p14:dur="800">
+        <p:push dir="u"/>
+      </p:transition>
+    </mc:Choice>
+    <mc:Fallback>
+      <p:transition spd="slow">
+        <p:push dir="u"/>
+      </p:transition>
+    </mc:Fallback>
+  </mc:AlternateContent>
+  <p:timing>
+    <p:tnLst>
+      <p:par>
+        <p:cTn id="1" dur="indefinite" restart="never" nodeType="tmRoot">
+          <p:childTnLst>
+            <p:seq concurrent="1" nextAc="seek">
+              <p:cTn id="2" dur="indefinite" nodeType="mainSeq">
+                <p:childTnLst>
+                  <p:par>
+                    <p:cTn id="3" fill="hold">
+                      <p:stCondLst>
+                        <p:cond delay="indefinite"/>
+                        <p:cond evt="onBegin" delay="0">
+                          <p:tn val="2"/>
+                        </p:cond>
+                      </p:stCondLst>
+                      <p:childTnLst>
+                        <p:par>
+                          <p:cTn id="4" fill="hold">
+                            <p:stCondLst>
+                              <p:cond delay="0"/>
+                            </p:stCondLst>
+                            <p:childTnLst>
+                              <p:par>
+                                <p:cTn id="5" presetID="1" presetClass="entr" presetSubtype="0" fill="hold" nodeType="withEffect">
+                                  <p:stCondLst>
+                                    <p:cond delay="0"/>
+                                  </p:stCondLst>
+                                  <p:childTnLst>
+                                    <p:set>
+                                      <p:cBhvr>
+                                        <p:cTn id="6" dur="1" fill="hold">
+                                          <p:stCondLst>
+                                            <p:cond delay="0"/>
+                                          </p:stCondLst>
+                                        </p:cTn>
+                                        <p:tgtEl>
+                                          <p:spTgt spid="2"/>
+                                        </p:tgtEl>
+                                        <p:attrNameLst>
+                                          <p:attrName>style.visibility</p:attrName>
+                                        </p:attrNameLst>
+                                      </p:cBhvr>
+                                      <p:to>
+                                        <p:strVal val="visible"/>
+                                      </p:to>
+                                    </p:set>
+                                  </p:childTnLst>
+                                </p:cTn>
+                              </p:par>
+                              <p:par>
+                                <p:cTn id="7" presetID="1" presetClass="exit" presetSubtype="0" fill="hold" nodeType="withEffect">
+                                  <p:stCondLst>
+                                    <p:cond delay="0"/>
+                                  </p:stCondLst>
+                                  <p:childTnLst>
+                                    <p:set>
+                                      <p:cBhvr>
+                                        <p:cTn id="8" dur="1" fill="hold">
+                                          <p:stCondLst>
+                                            <p:cond delay="0"/>
+                                          </p:stCondLst>
+                                        </p:cTn>
+                                        <p:tgtEl>
+                                          <p:spTgt spid="2"/>
+                                        </p:tgtEl>
+                                        <p:attrNameLst>
+                                          <p:attrName>style.visibility</p:attrName>
+                                        </p:attrNameLst>
+                                      </p:cBhvr>
+                                      <p:to>
+                                        <p:strVal val="hidden"/>
+                                      </p:to>
+                                    </p:set>
+                                  </p:childTnLst>
+                                </p:cTn>
+                              </p:par>
+                            </p:childTnLst>
+                          </p:cTn>
+                        </p:par>
+                      </p:childTnLst>
+                    </p:cTn>
+                  </p:par>
+                </p:childTnLst>
+              </p:cTn>
+              <p:prevCondLst>
+                <p:cond evt="onPrev" delay="0">
+                  <p:tgtEl>
+                    <p:sldTgt/>
+                  </p:tgtEl>
+                </p:cond>
+              </p:prevCondLst>
+              <p:nextCondLst>
+                <p:cond evt="onNext" delay="0">
+                  <p:tgtEl>
+                    <p:sldTgt/>
+                  </p:tgtEl>
+                </p:cond>
+              </p:nextCondLst>
+            </p:seq>
+          </p:childTnLst>
+        </p:cTn>
+      </p:par>
+    </p:tnLst>
+  </p:timing>
+</p:sld>
+</file>
+
+<file path=ppt/slides/slide11.xml><?xml version="1.0" encoding="utf-8"?>
+<p:sld xmlns:a="http://schemas.openxmlformats.org/drawingml/2006/main" xmlns:r="http://schemas.openxmlformats.org/officeDocument/2006/relationships" xmlns:p="http://schemas.openxmlformats.org/presentationml/2006/main">
+  <p:cSld name="PptLabsAgenda_&amp;^@Bullet_&amp;^@Start_&amp;^@Same Name_4">
+    <p:spTree>
+      <p:nvGrpSpPr>
+        <p:cNvPr id="1" name=""/>
+        <p:cNvGrpSpPr/>
+        <p:nvPr/>
+      </p:nvGrpSpPr>
+      <p:grpSpPr>
+        <a:xfrm>
+          <a:off x="0" y="0"/>
+          <a:ext cx="0" cy="0"/>
+          <a:chOff x="0" y="0"/>
+          <a:chExt cx="0" cy="0"/>
+        </a:xfrm>
+      </p:grpSpPr>
+      <p:pic>
+        <p:nvPicPr>
+          <p:cNvPr id="2" name="PPTIndicator201506301218259668"/>
+          <p:cNvPicPr>
+            <a:picLocks/>
+          </p:cNvPicPr>
+          <p:nvPr/>
+        </p:nvPicPr>
+        <p:blipFill>
+          <a:blip r:embed="rId2" cstate="print">
+            <a:extLst>
+              <a:ext uri="{28A0092B-C50C-407E-A947-70E740481C1C}">
+                <a14:useLocalDpi xmlns:a14="http://schemas.microsoft.com/office/drawing/2010/main" val="0"/>
+              </a:ext>
+            </a:extLst>
+          </a:blip>
+          <a:stretch>
+            <a:fillRect/>
+          </a:stretch>
+        </p:blipFill>
+        <p:spPr>
+          <a:xfrm>
+            <a:off x="7620000" y="0"/>
+            <a:ext cx="1524000" cy="1066800"/>
+          </a:xfrm>
+          <a:prstGeom prst="rect">
+            <a:avLst/>
+          </a:prstGeom>
+        </p:spPr>
+      </p:pic>
+      <p:sp>
+        <p:nvSpPr>
+          <p:cNvPr id="5" name="Title 1"/>
+          <p:cNvSpPr txBox="1">
+            <a:spLocks/>
+          </p:cNvSpPr>
+          <p:nvPr/>
+        </p:nvSpPr>
+        <p:spPr>
+          <a:xfrm>
+            <a:off x="457200" y="274638"/>
+            <a:ext cx="8229600" cy="1143000"/>
+          </a:xfrm>
+          <a:prstGeom prst="rect">
+            <a:avLst/>
+          </a:prstGeom>
+        </p:spPr>
+        <p:txBody>
+          <a:bodyPr vert="horz" lIns="91440" tIns="45720" rIns="91440" bIns="45720" rtlCol="0" anchor="ctr">
+            <a:normAutofit/>
+          </a:bodyPr>
+          <a:lstStyle>
+            <a:lvl1pPr algn="ctr">
+              <a:spcBef>
+                <a:spcPct val="0"/>
+              </a:spcBef>
+              <a:buNone/>
+              <a:defRPr sz="4400">
+                <a:latin typeface="+mj-lt"/>
+                <a:ea typeface="+mj-ea"/>
+                <a:cs typeface="+mj-cs"/>
+              </a:defRPr>
+            </a:lvl1pPr>
+          </a:lstStyle>
+          <a:p>
+            <a:r>
+              <a:rPr lang="en-US">
+                <a:solidFill>
+                  <a:prstClr val="black"/>
+                </a:solidFill>
+              </a:rPr>
+              <a:t>Agenda</a:t>
+            </a:r>
+            <a:endParaRPr lang="en-US"/>
+          </a:p>
+        </p:txBody>
+      </p:sp>
+      <p:sp>
+        <p:nvSpPr>
+          <p:cNvPr id="6" name="PptLabsAgenda_&amp;^@ContentShape_&amp;^@2015063012182517380"/>
+          <p:cNvSpPr txBox="1">
+            <a:spLocks/>
+          </p:cNvSpPr>
+          <p:nvPr/>
+        </p:nvSpPr>
+        <p:spPr>
+          <a:xfrm>
+            <a:off x="457200" y="1600200"/>
+            <a:ext cx="8229600" cy="4525963"/>
+          </a:xfrm>
+          <a:prstGeom prst="rect">
+            <a:avLst/>
+          </a:prstGeom>
+        </p:spPr>
+        <p:txBody>
+          <a:bodyPr vert="horz" lIns="91440" tIns="45720" rIns="91440" bIns="45720" rtlCol="0">
+            <a:normAutofit/>
+          </a:bodyPr>
+          <a:lstStyle>
+            <a:lvl1pPr marL="342900" indent="-342900">
+              <a:spcBef>
+                <a:spcPct val="20000"/>
+              </a:spcBef>
+              <a:buFont typeface="Arial" pitchFamily="34" charset="0"/>
+              <a:buChar char="•"/>
+              <a:defRPr sz="3200">
+                <a:solidFill>
+                  <a:srgbClr val="808080"/>
+                </a:solidFill>
+              </a:defRPr>
+            </a:lvl1pPr>
+            <a:lvl2pPr marL="742950" indent="-285750">
+              <a:spcBef>
+                <a:spcPct val="20000"/>
+              </a:spcBef>
+              <a:buFont typeface="Arial" pitchFamily="34" charset="0"/>
+              <a:buChar char="–"/>
+              <a:defRPr sz="2800"/>
+            </a:lvl2pPr>
+            <a:lvl3pPr marL="1143000" indent="-228600">
+              <a:spcBef>
+                <a:spcPct val="20000"/>
+              </a:spcBef>
+              <a:buFont typeface="Arial" pitchFamily="34" charset="0"/>
+              <a:buChar char="•"/>
+              <a:defRPr sz="2400"/>
+            </a:lvl3pPr>
+            <a:lvl4pPr marL="1600200" indent="-228600">
+              <a:spcBef>
+                <a:spcPct val="20000"/>
+              </a:spcBef>
+              <a:buFont typeface="Arial" pitchFamily="34" charset="0"/>
+              <a:buChar char="–"/>
+              <a:defRPr sz="2000"/>
+            </a:lvl4pPr>
+            <a:lvl5pPr marL="2057400" indent="-228600">
+              <a:spcBef>
+                <a:spcPct val="20000"/>
+              </a:spcBef>
+              <a:buFont typeface="Arial" pitchFamily="34" charset="0"/>
+              <a:buChar char="»"/>
+              <a:defRPr sz="2000"/>
+            </a:lvl5pPr>
+            <a:lvl6pPr marL="2514600" indent="-228600">
+              <a:spcBef>
+                <a:spcPct val="20000"/>
+              </a:spcBef>
+              <a:buFont typeface="Arial" pitchFamily="34" charset="0"/>
+              <a:buChar char="•"/>
+              <a:defRPr sz="2000"/>
+            </a:lvl6pPr>
+            <a:lvl7pPr marL="2971800" indent="-228600">
+              <a:spcBef>
+                <a:spcPct val="20000"/>
+              </a:spcBef>
+              <a:buFont typeface="Arial" pitchFamily="34" charset="0"/>
+              <a:buChar char="•"/>
+              <a:defRPr sz="2000"/>
+            </a:lvl7pPr>
+            <a:lvl8pPr marL="3429000" indent="-228600">
+              <a:spcBef>
+                <a:spcPct val="20000"/>
+              </a:spcBef>
+              <a:buFont typeface="Arial" pitchFamily="34" charset="0"/>
+              <a:buChar char="•"/>
+              <a:defRPr sz="2000"/>
+            </a:lvl8pPr>
+            <a:lvl9pPr marL="3886200" indent="-228600">
+              <a:spcBef>
+                <a:spcPct val="20000"/>
+              </a:spcBef>
+              <a:buFont typeface="Arial" pitchFamily="34" charset="0"/>
+              <a:buChar char="•"/>
+              <a:defRPr sz="2000"/>
+            </a:lvl9pPr>
+          </a:lstStyle>
+          <a:p>
+            <a:pPr lvl="0"/>
+            <a:r>
+              <a:rPr lang="en-US" smtClean="0"/>
+              <a:t>One Slide</a:t>
+            </a:r>
+            <a:endParaRPr lang="en-US"/>
+          </a:p>
+          <a:p>
+            <a:pPr lvl="0"/>
+            <a:r>
               <a:rPr lang="en-US" smtClean="0"/>
               <a:t>Two Slides</a:t>
             </a:r>
@@ -10703,20 +11091,20 @@
     </p:spTree>
     <p:extLst>
       <p:ext uri="{BB962C8B-B14F-4D97-AF65-F5344CB8AC3E}">
-        <p14:creationId xmlns:p14="http://schemas.microsoft.com/office/powerpoint/2010/main" val="659308355"/>
+        <p14:creationId xmlns:p14="http://schemas.microsoft.com/office/powerpoint/2010/main" val="3511652483"/>
       </p:ext>
     </p:extLst>
   </p:cSld>
   <p:clrMapOvr>
     <a:masterClrMapping/>
   </p:clrMapOvr>
-  <mc:AlternateContent xmlns:mc="http://schemas.openxmlformats.org/markup-compatibility/2006" xmlns:p14="http://schemas.microsoft.com/office/powerpoint/2010/main">
-    <mc:Choice Requires="p14">
+  <mc:AlternateContent xmlns:mc="http://schemas.openxmlformats.org/markup-compatibility/2006">
+    <mc:Choice xmlns:p14="http://schemas.microsoft.com/office/powerpoint/2010/main" Requires="p14">
       <p:transition p14:dur="250">
         <p:fade/>
       </p:transition>
     </mc:Choice>
-    <mc:Fallback xmlns="">
+    <mc:Fallback>
       <p:transition>
         <p:fade/>
       </p:transition>
@@ -10830,7 +11218,7 @@
 </p:sld>
 </file>
 
-<file path=ppt/slides/slide11.xml><?xml version="1.0" encoding="utf-8"?>
+<file path=ppt/slides/slide12.xml><?xml version="1.0" encoding="utf-8"?>
 <p:sld xmlns:a="http://schemas.openxmlformats.org/drawingml/2006/main" xmlns:r="http://schemas.openxmlformats.org/officeDocument/2006/relationships" xmlns:p="http://schemas.openxmlformats.org/presentationml/2006/main">
   <p:cSld>
     <p:bg>
@@ -11001,6 +11389,18 @@
   <p:clrMapOvr>
     <a:masterClrMapping/>
   </p:clrMapOvr>
+  <mc:AlternateContent xmlns:mc="http://schemas.openxmlformats.org/markup-compatibility/2006">
+    <mc:Choice xmlns:p14="http://schemas.microsoft.com/office/powerpoint/2010/main" Requires="p14">
+      <p:transition spd="slow" p14:dur="800">
+        <p:push dir="u"/>
+      </p:transition>
+    </mc:Choice>
+    <mc:Fallback>
+      <p:transition spd="slow">
+        <p:push dir="u"/>
+      </p:transition>
+    </mc:Fallback>
+  </mc:AlternateContent>
   <p:timing>
     <p:tnLst>
       <p:par>
@@ -11011,7 +11411,7 @@
 </p:sld>
 </file>
 
-<file path=ppt/slides/slide12.xml><?xml version="1.0" encoding="utf-8"?>
+<file path=ppt/slides/slide13.xml><?xml version="1.0" encoding="utf-8"?>
 <p:sld xmlns:a="http://schemas.openxmlformats.org/drawingml/2006/main" xmlns:r="http://schemas.openxmlformats.org/officeDocument/2006/relationships" xmlns:p="http://schemas.openxmlformats.org/presentationml/2006/main">
   <p:cSld>
     <p:spTree>
@@ -11048,7 +11448,7 @@
 </p:sld>
 </file>
 
-<file path=ppt/slides/slide13.xml><?xml version="1.0" encoding="utf-8"?>
+<file path=ppt/slides/slide14.xml><?xml version="1.0" encoding="utf-8"?>
 <p:sld xmlns:a="http://schemas.openxmlformats.org/drawingml/2006/main" xmlns:r="http://schemas.openxmlformats.org/officeDocument/2006/relationships" xmlns:p="http://schemas.openxmlformats.org/presentationml/2006/main">
   <p:cSld name="PptLabsAgenda_&amp;^@Bullet_&amp;^@End_&amp;^@Same Name_4">
     <p:spTree>
@@ -11067,7 +11467,7 @@
       </p:grpSpPr>
       <p:pic>
         <p:nvPicPr>
-          <p:cNvPr id="2" name="PPTIndicator201506191628393996"/>
+          <p:cNvPr id="2" name="PPTIndicator201506301218259828"/>
           <p:cNvPicPr>
             <a:picLocks/>
           </p:cNvPicPr>
@@ -11144,7 +11544,7 @@
       </p:sp>
       <p:sp>
         <p:nvSpPr>
-          <p:cNvPr id="6" name="PptLabsAgenda_&amp;^@ContentShape_&amp;^@2015061916283877850"/>
+          <p:cNvPr id="6" name="PptLabsAgenda_&amp;^@ContentShape_&amp;^@2015063012182517380"/>
           <p:cNvSpPr txBox="1">
             <a:spLocks/>
           </p:cNvSpPr>
@@ -11307,20 +11707,404 @@
     </p:spTree>
     <p:extLst>
       <p:ext uri="{BB962C8B-B14F-4D97-AF65-F5344CB8AC3E}">
-        <p14:creationId xmlns:p14="http://schemas.microsoft.com/office/powerpoint/2010/main" val="224238850"/>
+        <p14:creationId xmlns:p14="http://schemas.microsoft.com/office/powerpoint/2010/main" val="913258883"/>
       </p:ext>
     </p:extLst>
   </p:cSld>
   <p:clrMapOvr>
     <a:masterClrMapping/>
   </p:clrMapOvr>
-  <mc:AlternateContent xmlns:mc="http://schemas.openxmlformats.org/markup-compatibility/2006" xmlns:p14="http://schemas.microsoft.com/office/powerpoint/2010/main">
-    <mc:Choice Requires="p14">
+  <mc:AlternateContent xmlns:mc="http://schemas.openxmlformats.org/markup-compatibility/2006">
+    <mc:Choice xmlns:p14="http://schemas.microsoft.com/office/powerpoint/2010/main" Requires="p14">
+      <p:transition spd="slow" p14:dur="800">
+        <p:push dir="u"/>
+      </p:transition>
+    </mc:Choice>
+    <mc:Fallback>
+      <p:transition spd="slow">
+        <p:push dir="u"/>
+      </p:transition>
+    </mc:Fallback>
+  </mc:AlternateContent>
+  <p:timing>
+    <p:tnLst>
+      <p:par>
+        <p:cTn id="1" dur="indefinite" restart="never" nodeType="tmRoot">
+          <p:childTnLst>
+            <p:seq concurrent="1" nextAc="seek">
+              <p:cTn id="2" dur="indefinite" nodeType="mainSeq">
+                <p:childTnLst>
+                  <p:par>
+                    <p:cTn id="3" fill="hold">
+                      <p:stCondLst>
+                        <p:cond delay="indefinite"/>
+                        <p:cond evt="onBegin" delay="0">
+                          <p:tn val="2"/>
+                        </p:cond>
+                      </p:stCondLst>
+                      <p:childTnLst>
+                        <p:par>
+                          <p:cTn id="4" fill="hold">
+                            <p:stCondLst>
+                              <p:cond delay="0"/>
+                            </p:stCondLst>
+                            <p:childTnLst>
+                              <p:par>
+                                <p:cTn id="5" presetID="1" presetClass="entr" presetSubtype="0" fill="hold" nodeType="withEffect">
+                                  <p:stCondLst>
+                                    <p:cond delay="0"/>
+                                  </p:stCondLst>
+                                  <p:childTnLst>
+                                    <p:set>
+                                      <p:cBhvr>
+                                        <p:cTn id="6" dur="1" fill="hold">
+                                          <p:stCondLst>
+                                            <p:cond delay="0"/>
+                                          </p:stCondLst>
+                                        </p:cTn>
+                                        <p:tgtEl>
+                                          <p:spTgt spid="2"/>
+                                        </p:tgtEl>
+                                        <p:attrNameLst>
+                                          <p:attrName>style.visibility</p:attrName>
+                                        </p:attrNameLst>
+                                      </p:cBhvr>
+                                      <p:to>
+                                        <p:strVal val="visible"/>
+                                      </p:to>
+                                    </p:set>
+                                  </p:childTnLst>
+                                </p:cTn>
+                              </p:par>
+                              <p:par>
+                                <p:cTn id="7" presetID="1" presetClass="exit" presetSubtype="0" fill="hold" nodeType="withEffect">
+                                  <p:stCondLst>
+                                    <p:cond delay="0"/>
+                                  </p:stCondLst>
+                                  <p:childTnLst>
+                                    <p:set>
+                                      <p:cBhvr>
+                                        <p:cTn id="8" dur="1" fill="hold">
+                                          <p:stCondLst>
+                                            <p:cond delay="0"/>
+                                          </p:stCondLst>
+                                        </p:cTn>
+                                        <p:tgtEl>
+                                          <p:spTgt spid="2"/>
+                                        </p:tgtEl>
+                                        <p:attrNameLst>
+                                          <p:attrName>style.visibility</p:attrName>
+                                        </p:attrNameLst>
+                                      </p:cBhvr>
+                                      <p:to>
+                                        <p:strVal val="hidden"/>
+                                      </p:to>
+                                    </p:set>
+                                  </p:childTnLst>
+                                </p:cTn>
+                              </p:par>
+                            </p:childTnLst>
+                          </p:cTn>
+                        </p:par>
+                      </p:childTnLst>
+                    </p:cTn>
+                  </p:par>
+                </p:childTnLst>
+              </p:cTn>
+              <p:prevCondLst>
+                <p:cond evt="onPrev" delay="0">
+                  <p:tgtEl>
+                    <p:sldTgt/>
+                  </p:tgtEl>
+                </p:cond>
+              </p:prevCondLst>
+              <p:nextCondLst>
+                <p:cond evt="onNext" delay="0">
+                  <p:tgtEl>
+                    <p:sldTgt/>
+                  </p:tgtEl>
+                </p:cond>
+              </p:nextCondLst>
+            </p:seq>
+          </p:childTnLst>
+        </p:cTn>
+      </p:par>
+    </p:tnLst>
+  </p:timing>
+</p:sld>
+</file>
+
+<file path=ppt/slides/slide15.xml><?xml version="1.0" encoding="utf-8"?>
+<p:sld xmlns:a="http://schemas.openxmlformats.org/drawingml/2006/main" xmlns:r="http://schemas.openxmlformats.org/officeDocument/2006/relationships" xmlns:p="http://schemas.openxmlformats.org/presentationml/2006/main">
+  <p:cSld name="PptLabsAgenda_&amp;^@Bullet_&amp;^@Start_&amp;^@Same Name_5">
+    <p:spTree>
+      <p:nvGrpSpPr>
+        <p:cNvPr id="1" name=""/>
+        <p:cNvGrpSpPr/>
+        <p:nvPr/>
+      </p:nvGrpSpPr>
+      <p:grpSpPr>
+        <a:xfrm>
+          <a:off x="0" y="0"/>
+          <a:ext cx="0" cy="0"/>
+          <a:chOff x="0" y="0"/>
+          <a:chExt cx="0" cy="0"/>
+        </a:xfrm>
+      </p:grpSpPr>
+      <p:pic>
+        <p:nvPicPr>
+          <p:cNvPr id="2" name="PPTIndicator201506301218262338"/>
+          <p:cNvPicPr>
+            <a:picLocks/>
+          </p:cNvPicPr>
+          <p:nvPr/>
+        </p:nvPicPr>
+        <p:blipFill>
+          <a:blip r:embed="rId2" cstate="print">
+            <a:extLst>
+              <a:ext uri="{28A0092B-C50C-407E-A947-70E740481C1C}">
+                <a14:useLocalDpi xmlns:a14="http://schemas.microsoft.com/office/drawing/2010/main" val="0"/>
+              </a:ext>
+            </a:extLst>
+          </a:blip>
+          <a:stretch>
+            <a:fillRect/>
+          </a:stretch>
+        </p:blipFill>
+        <p:spPr>
+          <a:xfrm>
+            <a:off x="7620000" y="0"/>
+            <a:ext cx="1524000" cy="1066800"/>
+          </a:xfrm>
+          <a:prstGeom prst="rect">
+            <a:avLst/>
+          </a:prstGeom>
+        </p:spPr>
+      </p:pic>
+      <p:sp>
+        <p:nvSpPr>
+          <p:cNvPr id="5" name="Title 1"/>
+          <p:cNvSpPr txBox="1">
+            <a:spLocks/>
+          </p:cNvSpPr>
+          <p:nvPr/>
+        </p:nvSpPr>
+        <p:spPr>
+          <a:xfrm>
+            <a:off x="457200" y="274638"/>
+            <a:ext cx="8229600" cy="1143000"/>
+          </a:xfrm>
+          <a:prstGeom prst="rect">
+            <a:avLst/>
+          </a:prstGeom>
+        </p:spPr>
+        <p:txBody>
+          <a:bodyPr vert="horz" lIns="91440" tIns="45720" rIns="91440" bIns="45720" rtlCol="0" anchor="ctr">
+            <a:normAutofit/>
+          </a:bodyPr>
+          <a:lstStyle>
+            <a:lvl1pPr algn="ctr">
+              <a:spcBef>
+                <a:spcPct val="0"/>
+              </a:spcBef>
+              <a:buNone/>
+              <a:defRPr sz="4400">
+                <a:latin typeface="+mj-lt"/>
+                <a:ea typeface="+mj-ea"/>
+                <a:cs typeface="+mj-cs"/>
+              </a:defRPr>
+            </a:lvl1pPr>
+          </a:lstStyle>
+          <a:p>
+            <a:r>
+              <a:rPr lang="en-US">
+                <a:solidFill>
+                  <a:prstClr val="black"/>
+                </a:solidFill>
+              </a:rPr>
+              <a:t>Agenda</a:t>
+            </a:r>
+            <a:endParaRPr lang="en-US"/>
+          </a:p>
+        </p:txBody>
+      </p:sp>
+      <p:sp>
+        <p:nvSpPr>
+          <p:cNvPr id="6" name="PptLabsAgenda_&amp;^@ContentShape_&amp;^@2015063012182517380"/>
+          <p:cNvSpPr txBox="1">
+            <a:spLocks/>
+          </p:cNvSpPr>
+          <p:nvPr/>
+        </p:nvSpPr>
+        <p:spPr>
+          <a:xfrm>
+            <a:off x="457200" y="1600200"/>
+            <a:ext cx="8229600" cy="4525963"/>
+          </a:xfrm>
+          <a:prstGeom prst="rect">
+            <a:avLst/>
+          </a:prstGeom>
+        </p:spPr>
+        <p:txBody>
+          <a:bodyPr vert="horz" lIns="91440" tIns="45720" rIns="91440" bIns="45720" rtlCol="0">
+            <a:normAutofit/>
+          </a:bodyPr>
+          <a:lstStyle>
+            <a:lvl1pPr marL="342900" indent="-342900">
+              <a:spcBef>
+                <a:spcPct val="20000"/>
+              </a:spcBef>
+              <a:buFont typeface="Arial" pitchFamily="34" charset="0"/>
+              <a:buChar char="•"/>
+              <a:defRPr sz="3200">
+                <a:solidFill>
+                  <a:srgbClr val="808080"/>
+                </a:solidFill>
+              </a:defRPr>
+            </a:lvl1pPr>
+            <a:lvl2pPr marL="742950" indent="-285750">
+              <a:spcBef>
+                <a:spcPct val="20000"/>
+              </a:spcBef>
+              <a:buFont typeface="Arial" pitchFamily="34" charset="0"/>
+              <a:buChar char="–"/>
+              <a:defRPr sz="2800"/>
+            </a:lvl2pPr>
+            <a:lvl3pPr marL="1143000" indent="-228600">
+              <a:spcBef>
+                <a:spcPct val="20000"/>
+              </a:spcBef>
+              <a:buFont typeface="Arial" pitchFamily="34" charset="0"/>
+              <a:buChar char="•"/>
+              <a:defRPr sz="2400"/>
+            </a:lvl3pPr>
+            <a:lvl4pPr marL="1600200" indent="-228600">
+              <a:spcBef>
+                <a:spcPct val="20000"/>
+              </a:spcBef>
+              <a:buFont typeface="Arial" pitchFamily="34" charset="0"/>
+              <a:buChar char="–"/>
+              <a:defRPr sz="2000"/>
+            </a:lvl4pPr>
+            <a:lvl5pPr marL="2057400" indent="-228600">
+              <a:spcBef>
+                <a:spcPct val="20000"/>
+              </a:spcBef>
+              <a:buFont typeface="Arial" pitchFamily="34" charset="0"/>
+              <a:buChar char="»"/>
+              <a:defRPr sz="2000"/>
+            </a:lvl5pPr>
+            <a:lvl6pPr marL="2514600" indent="-228600">
+              <a:spcBef>
+                <a:spcPct val="20000"/>
+              </a:spcBef>
+              <a:buFont typeface="Arial" pitchFamily="34" charset="0"/>
+              <a:buChar char="•"/>
+              <a:defRPr sz="2000"/>
+            </a:lvl6pPr>
+            <a:lvl7pPr marL="2971800" indent="-228600">
+              <a:spcBef>
+                <a:spcPct val="20000"/>
+              </a:spcBef>
+              <a:buFont typeface="Arial" pitchFamily="34" charset="0"/>
+              <a:buChar char="•"/>
+              <a:defRPr sz="2000"/>
+            </a:lvl7pPr>
+            <a:lvl8pPr marL="3429000" indent="-228600">
+              <a:spcBef>
+                <a:spcPct val="20000"/>
+              </a:spcBef>
+              <a:buFont typeface="Arial" pitchFamily="34" charset="0"/>
+              <a:buChar char="•"/>
+              <a:defRPr sz="2000"/>
+            </a:lvl8pPr>
+            <a:lvl9pPr marL="3886200" indent="-228600">
+              <a:spcBef>
+                <a:spcPct val="20000"/>
+              </a:spcBef>
+              <a:buFont typeface="Arial" pitchFamily="34" charset="0"/>
+              <a:buChar char="•"/>
+              <a:defRPr sz="2000"/>
+            </a:lvl9pPr>
+          </a:lstStyle>
+          <a:p>
+            <a:pPr lvl="0"/>
+            <a:r>
+              <a:rPr lang="en-US" smtClean="0"/>
+              <a:t>One Slide</a:t>
+            </a:r>
+            <a:endParaRPr lang="en-US"/>
+          </a:p>
+          <a:p>
+            <a:pPr lvl="0"/>
+            <a:r>
+              <a:rPr lang="en-US" smtClean="0"/>
+              <a:t>Two Slides</a:t>
+            </a:r>
+            <a:endParaRPr lang="en-US"/>
+          </a:p>
+          <a:p>
+            <a:pPr lvl="0"/>
+            <a:r>
+              <a:rPr lang="en-US" smtClean="0"/>
+              <a:t>Same Name</a:t>
+            </a:r>
+            <a:endParaRPr lang="en-US"/>
+          </a:p>
+          <a:p>
+            <a:pPr lvl="0"/>
+            <a:r>
+              <a:rPr lang="en-US" smtClean="0">
+                <a:solidFill>
+                  <a:srgbClr val="FF0000"/>
+                </a:solidFill>
+              </a:rPr>
+              <a:t>Same Name</a:t>
+            </a:r>
+            <a:endParaRPr lang="en-US">
+              <a:solidFill>
+                <a:srgbClr val="FF0000"/>
+              </a:solidFill>
+            </a:endParaRPr>
+          </a:p>
+          <a:p>
+            <a:r>
+              <a:rPr lang="ja-JP" altLang="en-US" smtClean="0">
+                <a:solidFill>
+                  <a:srgbClr val="000000"/>
+                </a:solidFill>
+              </a:rPr>
+              <a:t>あいうえお</a:t>
+            </a:r>
+            <a:r>
+              <a:rPr lang="en-US" smtClean="0">
+                <a:solidFill>
+                  <a:srgbClr val="000000"/>
+                </a:solidFill>
+              </a:rPr>
+              <a:t>kl)(*&amp;%$#@85v_+)0_@#%L:CF]1</a:t>
+            </a:r>
+            <a:endParaRPr lang="en-US"/>
+          </a:p>
+        </p:txBody>
+      </p:sp>
+    </p:spTree>
+    <p:extLst>
+      <p:ext uri="{BB962C8B-B14F-4D97-AF65-F5344CB8AC3E}">
+        <p14:creationId xmlns:p14="http://schemas.microsoft.com/office/powerpoint/2010/main" val="2507199940"/>
+      </p:ext>
+    </p:extLst>
+  </p:cSld>
+  <p:clrMapOvr>
+    <a:masterClrMapping/>
+  </p:clrMapOvr>
+  <mc:AlternateContent xmlns:mc="http://schemas.openxmlformats.org/markup-compatibility/2006">
+    <mc:Choice xmlns:p14="http://schemas.microsoft.com/office/powerpoint/2010/main" Requires="p14">
       <p:transition p14:dur="250">
         <p:fade/>
       </p:transition>
     </mc:Choice>
-    <mc:Fallback xmlns="">
+    <mc:Fallback>
       <p:transition>
         <p:fade/>
       </p:transition>
@@ -11434,9 +12218,9 @@
 </p:sld>
 </file>
 
-<file path=ppt/slides/slide14.xml><?xml version="1.0" encoding="utf-8"?>
+<file path=ppt/slides/slide16.xml><?xml version="1.0" encoding="utf-8"?>
 <p:sld xmlns:a="http://schemas.openxmlformats.org/drawingml/2006/main" xmlns:r="http://schemas.openxmlformats.org/officeDocument/2006/relationships" xmlns:p="http://schemas.openxmlformats.org/presentationml/2006/main">
-  <p:cSld name="PptLabsAgenda_&amp;^@Bullet_&amp;^@Start_&amp;^@Same Name_5">
+  <p:cSld>
     <p:spTree>
       <p:nvGrpSpPr>
         <p:cNvPr id="1" name=""/>
@@ -11453,7 +12237,515 @@
       </p:grpSpPr>
       <p:pic>
         <p:nvPicPr>
-          <p:cNvPr id="2" name="PPTIndicator201506191628396086"/>
+          <p:cNvPr id="4" name="Picture 3"/>
+          <p:cNvPicPr>
+            <a:picLocks noChangeAspect="1"/>
+          </p:cNvPicPr>
+          <p:nvPr/>
+        </p:nvPicPr>
+        <p:blipFill>
+          <a:blip r:embed="rId2">
+            <a:extLst>
+              <a:ext uri="{28A0092B-C50C-407E-A947-70E740481C1C}">
+                <a14:useLocalDpi xmlns:a14="http://schemas.microsoft.com/office/drawing/2010/main" val="0"/>
+              </a:ext>
+            </a:extLst>
+          </a:blip>
+          <a:stretch>
+            <a:fillRect/>
+          </a:stretch>
+        </p:blipFill>
+        <p:spPr>
+          <a:xfrm>
+            <a:off x="1" y="-1"/>
+            <a:ext cx="9111916" cy="6833937"/>
+          </a:xfrm>
+          <a:prstGeom prst="rect">
+            <a:avLst/>
+          </a:prstGeom>
+        </p:spPr>
+      </p:pic>
+      <p:sp>
+        <p:nvSpPr>
+          <p:cNvPr id="3" name="Title 1"/>
+          <p:cNvSpPr>
+            <a:spLocks noGrp="1"/>
+          </p:cNvSpPr>
+          <p:nvPr>
+            <p:ph type="title"/>
+          </p:nvPr>
+        </p:nvSpPr>
+        <p:spPr>
+          <a:xfrm>
+            <a:off x="457200" y="1676400"/>
+            <a:ext cx="4495800" cy="1295400"/>
+          </a:xfrm>
+        </p:spPr>
+        <p:txBody>
+          <a:bodyPr>
+            <a:noAutofit/>
+          </a:bodyPr>
+          <a:lstStyle/>
+          <a:p>
+            <a:r>
+              <a:rPr lang="en-US" sz="6000" dirty="0" smtClean="0"/>
+              <a:t>Test Image</a:t>
+            </a:r>
+            <a:endParaRPr lang="en-SG" sz="6000" dirty="0"/>
+          </a:p>
+        </p:txBody>
+      </p:sp>
+    </p:spTree>
+    <p:extLst>
+      <p:ext uri="{BB962C8B-B14F-4D97-AF65-F5344CB8AC3E}">
+        <p14:creationId xmlns:p14="http://schemas.microsoft.com/office/powerpoint/2010/main" val="2893950234"/>
+      </p:ext>
+    </p:extLst>
+  </p:cSld>
+  <p:clrMapOvr>
+    <a:masterClrMapping/>
+  </p:clrMapOvr>
+  <mc:AlternateContent xmlns:mc="http://schemas.openxmlformats.org/markup-compatibility/2006">
+    <mc:Choice xmlns:p14="http://schemas.microsoft.com/office/powerpoint/2010/main" Requires="p14">
+      <p:transition spd="slow" p14:dur="800">
+        <p:push dir="u"/>
+      </p:transition>
+    </mc:Choice>
+    <mc:Fallback>
+      <p:transition spd="slow">
+        <p:push dir="u"/>
+      </p:transition>
+    </mc:Fallback>
+  </mc:AlternateContent>
+  <p:timing>
+    <p:tnLst>
+      <p:par>
+        <p:cTn id="1" dur="indefinite" restart="never" nodeType="tmRoot"/>
+      </p:par>
+    </p:tnLst>
+  </p:timing>
+</p:sld>
+</file>
+
+<file path=ppt/slides/slide17.xml><?xml version="1.0" encoding="utf-8"?>
+<p:sld xmlns:a="http://schemas.openxmlformats.org/drawingml/2006/main" xmlns:r="http://schemas.openxmlformats.org/officeDocument/2006/relationships" xmlns:p="http://schemas.openxmlformats.org/presentationml/2006/main">
+  <p:cSld>
+    <p:spTree>
+      <p:nvGrpSpPr>
+        <p:cNvPr id="1" name=""/>
+        <p:cNvGrpSpPr/>
+        <p:nvPr/>
+      </p:nvGrpSpPr>
+      <p:grpSpPr>
+        <a:xfrm>
+          <a:off x="0" y="0"/>
+          <a:ext cx="0" cy="0"/>
+          <a:chOff x="0" y="0"/>
+          <a:chExt cx="0" cy="0"/>
+        </a:xfrm>
+      </p:grpSpPr>
+      <p:sp>
+        <p:nvSpPr>
+          <p:cNvPr id="5" name="Title 1"/>
+          <p:cNvSpPr>
+            <a:spLocks noGrp="1"/>
+          </p:cNvSpPr>
+          <p:nvPr>
+            <p:ph type="title"/>
+          </p:nvPr>
+        </p:nvSpPr>
+        <p:spPr>
+          <a:xfrm>
+            <a:off x="457200" y="1676400"/>
+            <a:ext cx="6400800" cy="1295400"/>
+          </a:xfrm>
+        </p:spPr>
+        <p:txBody>
+          <a:bodyPr>
+            <a:noAutofit/>
+          </a:bodyPr>
+          <a:lstStyle/>
+          <a:p>
+            <a:r>
+              <a:rPr lang="en-US" sz="6000" dirty="0" smtClean="0"/>
+              <a:t>A long section</a:t>
+            </a:r>
+            <a:endParaRPr lang="en-SG" sz="6000" dirty="0"/>
+          </a:p>
+        </p:txBody>
+      </p:sp>
+    </p:spTree>
+    <p:extLst>
+      <p:ext uri="{BB962C8B-B14F-4D97-AF65-F5344CB8AC3E}">
+        <p14:creationId xmlns:p14="http://schemas.microsoft.com/office/powerpoint/2010/main" val="2898196237"/>
+      </p:ext>
+    </p:extLst>
+  </p:cSld>
+  <p:clrMapOvr>
+    <a:masterClrMapping/>
+  </p:clrMapOvr>
+  <p:timing>
+    <p:tnLst>
+      <p:par>
+        <p:cTn id="1" dur="indefinite" restart="never" nodeType="tmRoot"/>
+      </p:par>
+    </p:tnLst>
+  </p:timing>
+</p:sld>
+</file>
+
+<file path=ppt/slides/slide18.xml><?xml version="1.0" encoding="utf-8"?>
+<p:sld xmlns:a="http://schemas.openxmlformats.org/drawingml/2006/main" xmlns:r="http://schemas.openxmlformats.org/officeDocument/2006/relationships" xmlns:p="http://schemas.openxmlformats.org/presentationml/2006/main">
+  <p:cSld>
+    <p:bg>
+      <p:bgPr>
+        <a:solidFill>
+          <a:schemeClr val="bg1"/>
+        </a:solidFill>
+        <a:effectLst/>
+      </p:bgPr>
+    </p:bg>
+    <p:spTree>
+      <p:nvGrpSpPr>
+        <p:cNvPr id="1" name=""/>
+        <p:cNvGrpSpPr/>
+        <p:nvPr/>
+      </p:nvGrpSpPr>
+      <p:grpSpPr>
+        <a:xfrm>
+          <a:off x="0" y="0"/>
+          <a:ext cx="0" cy="0"/>
+          <a:chOff x="0" y="0"/>
+          <a:chExt cx="0" cy="0"/>
+        </a:xfrm>
+      </p:grpSpPr>
+    </p:spTree>
+    <p:extLst>
+      <p:ext uri="{BB962C8B-B14F-4D97-AF65-F5344CB8AC3E}">
+        <p14:creationId xmlns:p14="http://schemas.microsoft.com/office/powerpoint/2010/main" val="1808968506"/>
+      </p:ext>
+    </p:extLst>
+  </p:cSld>
+  <p:clrMapOvr>
+    <a:masterClrMapping/>
+  </p:clrMapOvr>
+  <p:timing>
+    <p:tnLst>
+      <p:par>
+        <p:cTn id="1" dur="indefinite" restart="never" nodeType="tmRoot"/>
+      </p:par>
+    </p:tnLst>
+  </p:timing>
+</p:sld>
+</file>
+
+<file path=ppt/slides/slide19.xml><?xml version="1.0" encoding="utf-8"?>
+<p:sld xmlns:a="http://schemas.openxmlformats.org/drawingml/2006/main" xmlns:r="http://schemas.openxmlformats.org/officeDocument/2006/relationships" xmlns:p="http://schemas.openxmlformats.org/presentationml/2006/main">
+  <p:cSld>
+    <p:bg>
+      <p:bgPr>
+        <a:blipFill>
+          <a:blip r:embed="rId2"/>
+          <a:tile tx="0" ty="0" sx="100000" sy="100000" flip="none" algn="tl"/>
+        </a:blipFill>
+        <a:effectLst/>
+      </p:bgPr>
+    </p:bg>
+    <p:spTree>
+      <p:nvGrpSpPr>
+        <p:cNvPr id="1" name=""/>
+        <p:cNvGrpSpPr/>
+        <p:nvPr/>
+      </p:nvGrpSpPr>
+      <p:grpSpPr>
+        <a:xfrm>
+          <a:off x="0" y="0"/>
+          <a:ext cx="0" cy="0"/>
+          <a:chOff x="0" y="0"/>
+          <a:chExt cx="0" cy="0"/>
+        </a:xfrm>
+      </p:grpSpPr>
+    </p:spTree>
+    <p:extLst>
+      <p:ext uri="{BB962C8B-B14F-4D97-AF65-F5344CB8AC3E}">
+        <p14:creationId xmlns:p14="http://schemas.microsoft.com/office/powerpoint/2010/main" val="1808968506"/>
+      </p:ext>
+    </p:extLst>
+  </p:cSld>
+  <p:clrMapOvr>
+    <a:masterClrMapping/>
+  </p:clrMapOvr>
+  <p:timing>
+    <p:tnLst>
+      <p:par>
+        <p:cTn id="1" dur="indefinite" restart="never" nodeType="tmRoot"/>
+      </p:par>
+    </p:tnLst>
+  </p:timing>
+</p:sld>
+</file>
+
+<file path=ppt/slides/slide2.xml><?xml version="1.0" encoding="utf-8"?>
+<p:sld xmlns:a="http://schemas.openxmlformats.org/drawingml/2006/main" xmlns:r="http://schemas.openxmlformats.org/officeDocument/2006/relationships" xmlns:p="http://schemas.openxmlformats.org/presentationml/2006/main">
+  <p:cSld>
+    <p:spTree>
+      <p:nvGrpSpPr>
+        <p:cNvPr id="1" name=""/>
+        <p:cNvGrpSpPr/>
+        <p:nvPr/>
+      </p:nvGrpSpPr>
+      <p:grpSpPr>
+        <a:xfrm>
+          <a:off x="0" y="0"/>
+          <a:ext cx="0" cy="0"/>
+          <a:chOff x="0" y="0"/>
+          <a:chExt cx="0" cy="0"/>
+        </a:xfrm>
+      </p:grpSpPr>
+      <p:sp>
+        <p:nvSpPr>
+          <p:cNvPr id="2" name="Title 1"/>
+          <p:cNvSpPr>
+            <a:spLocks noGrp="1"/>
+          </p:cNvSpPr>
+          <p:nvPr>
+            <p:ph type="title"/>
+          </p:nvPr>
+        </p:nvSpPr>
+        <p:spPr/>
+        <p:txBody>
+          <a:bodyPr>
+            <a:normAutofit/>
+          </a:bodyPr>
+          <a:lstStyle/>
+          <a:p>
+            <a:r>
+              <a:rPr lang="en-US" sz="5400" b="1" dirty="0" err="1" smtClean="0">
+                <a:solidFill>
+                  <a:schemeClr val="accent6">
+                    <a:lumMod val="75000"/>
+                  </a:schemeClr>
+                </a:solidFill>
+              </a:rPr>
+              <a:t>PowerPointLabs</a:t>
+            </a:r>
+            <a:r>
+              <a:rPr lang="en-US" sz="5400" b="1" dirty="0" smtClean="0">
+                <a:solidFill>
+                  <a:schemeClr val="accent6">
+                    <a:lumMod val="75000"/>
+                  </a:schemeClr>
+                </a:solidFill>
+              </a:rPr>
+              <a:t> Test Cases</a:t>
+            </a:r>
+            <a:endParaRPr lang="en-SG" sz="5400" b="1" dirty="0">
+              <a:solidFill>
+                <a:schemeClr val="accent6">
+                  <a:lumMod val="75000"/>
+                </a:schemeClr>
+              </a:solidFill>
+            </a:endParaRPr>
+          </a:p>
+        </p:txBody>
+      </p:sp>
+      <p:sp>
+        <p:nvSpPr>
+          <p:cNvPr id="3" name="Content Placeholder 2"/>
+          <p:cNvSpPr>
+            <a:spLocks noGrp="1"/>
+          </p:cNvSpPr>
+          <p:nvPr>
+            <p:ph idx="1"/>
+          </p:nvPr>
+        </p:nvSpPr>
+        <p:spPr/>
+        <p:txBody>
+          <a:bodyPr/>
+          <a:lstStyle/>
+          <a:p>
+            <a:pPr marL="0" indent="0">
+              <a:buNone/>
+            </a:pPr>
+            <a:r>
+              <a:rPr lang="en-US" b="1" dirty="0" smtClean="0">
+                <a:solidFill>
+                  <a:srgbClr val="0070C0"/>
+                </a:solidFill>
+              </a:rPr>
+              <a:t>General instructions:</a:t>
+            </a:r>
+          </a:p>
+          <a:p>
+            <a:pPr marL="285750" indent="-285750"/>
+            <a:r>
+              <a:rPr lang="en-US" b="1" dirty="0" smtClean="0">
+                <a:solidFill>
+                  <a:srgbClr val="0070C0"/>
+                </a:solidFill>
+              </a:rPr>
+              <a:t>DO </a:t>
+            </a:r>
+            <a:r>
+              <a:rPr lang="en-US" b="1" dirty="0">
+                <a:solidFill>
+                  <a:srgbClr val="0070C0"/>
+                </a:solidFill>
+              </a:rPr>
+              <a:t>NOT SAVE </a:t>
+            </a:r>
+            <a:r>
+              <a:rPr lang="en-US" dirty="0" smtClean="0">
+                <a:solidFill>
+                  <a:srgbClr val="0070C0"/>
+                </a:solidFill>
+              </a:rPr>
+              <a:t>these slides after testing. Keep this file in its original form.</a:t>
+            </a:r>
+            <a:endParaRPr lang="en-US" dirty="0">
+              <a:solidFill>
+                <a:srgbClr val="0070C0"/>
+              </a:solidFill>
+            </a:endParaRPr>
+          </a:p>
+          <a:p>
+            <a:pPr marL="285750" indent="-285750"/>
+            <a:r>
+              <a:rPr lang="en-US" dirty="0">
+                <a:solidFill>
+                  <a:srgbClr val="0070C0"/>
+                </a:solidFill>
+              </a:rPr>
+              <a:t>If </a:t>
+            </a:r>
+            <a:r>
+              <a:rPr lang="en-US" dirty="0" smtClean="0">
+                <a:solidFill>
+                  <a:srgbClr val="0070C0"/>
+                </a:solidFill>
+              </a:rPr>
+              <a:t>your </a:t>
+            </a:r>
+            <a:r>
+              <a:rPr lang="en-US" dirty="0">
+                <a:solidFill>
+                  <a:srgbClr val="0070C0"/>
+                </a:solidFill>
+              </a:rPr>
+              <a:t>result </a:t>
+            </a:r>
+            <a:r>
+              <a:rPr lang="en-US" dirty="0" smtClean="0">
+                <a:solidFill>
+                  <a:srgbClr val="0070C0"/>
+                </a:solidFill>
+              </a:rPr>
+              <a:t>is different from the </a:t>
+            </a:r>
+            <a:r>
+              <a:rPr lang="en-US" dirty="0">
+                <a:solidFill>
+                  <a:srgbClr val="0070C0"/>
+                </a:solidFill>
+              </a:rPr>
+              <a:t>expected output, </a:t>
+            </a:r>
+            <a:r>
+              <a:rPr lang="en-US" dirty="0" smtClean="0">
+                <a:solidFill>
+                  <a:srgbClr val="0070C0"/>
+                </a:solidFill>
+              </a:rPr>
+              <a:t>please submit a bug report (attach slides/screenshots as necessary).</a:t>
+            </a:r>
+            <a:endParaRPr lang="en-SG" dirty="0">
+              <a:solidFill>
+                <a:srgbClr val="0070C0"/>
+              </a:solidFill>
+            </a:endParaRPr>
+          </a:p>
+          <a:p>
+            <a:endParaRPr lang="en-SG" dirty="0"/>
+          </a:p>
+        </p:txBody>
+      </p:sp>
+    </p:spTree>
+    <p:extLst>
+      <p:ext uri="{BB962C8B-B14F-4D97-AF65-F5344CB8AC3E}">
+        <p14:creationId xmlns:p14="http://schemas.microsoft.com/office/powerpoint/2010/main" val="225078323"/>
+      </p:ext>
+    </p:extLst>
+  </p:cSld>
+  <p:clrMapOvr>
+    <a:masterClrMapping/>
+  </p:clrMapOvr>
+  <p:timing>
+    <p:tnLst>
+      <p:par>
+        <p:cTn id="1" dur="indefinite" restart="never" nodeType="tmRoot"/>
+      </p:par>
+    </p:tnLst>
+  </p:timing>
+</p:sld>
+</file>
+
+<file path=ppt/slides/slide20.xml><?xml version="1.0" encoding="utf-8"?>
+<p:sld xmlns:a="http://schemas.openxmlformats.org/drawingml/2006/main" xmlns:r="http://schemas.openxmlformats.org/officeDocument/2006/relationships" xmlns:p="http://schemas.openxmlformats.org/presentationml/2006/main">
+  <p:cSld>
+    <p:spTree>
+      <p:nvGrpSpPr>
+        <p:cNvPr id="1" name=""/>
+        <p:cNvGrpSpPr/>
+        <p:nvPr/>
+      </p:nvGrpSpPr>
+      <p:grpSpPr>
+        <a:xfrm>
+          <a:off x="0" y="0"/>
+          <a:ext cx="0" cy="0"/>
+          <a:chOff x="0" y="0"/>
+          <a:chExt cx="0" cy="0"/>
+        </a:xfrm>
+      </p:grpSpPr>
+    </p:spTree>
+    <p:extLst>
+      <p:ext uri="{BB962C8B-B14F-4D97-AF65-F5344CB8AC3E}">
+        <p14:creationId xmlns:p14="http://schemas.microsoft.com/office/powerpoint/2010/main" val="1808968506"/>
+      </p:ext>
+    </p:extLst>
+  </p:cSld>
+  <p:clrMapOvr>
+    <a:masterClrMapping/>
+  </p:clrMapOvr>
+  <p:timing>
+    <p:tnLst>
+      <p:par>
+        <p:cTn id="1" dur="indefinite" restart="never" nodeType="tmRoot"/>
+      </p:par>
+    </p:tnLst>
+  </p:timing>
+</p:sld>
+</file>
+
+<file path=ppt/slides/slide21.xml><?xml version="1.0" encoding="utf-8"?>
+<p:sld xmlns:a="http://schemas.openxmlformats.org/drawingml/2006/main" xmlns:r="http://schemas.openxmlformats.org/officeDocument/2006/relationships" xmlns:p="http://schemas.openxmlformats.org/presentationml/2006/main">
+  <p:cSld name="PptLabsAgenda_&amp;^@Bullet_&amp;^@End_&amp;^@Same Name_5">
+    <p:spTree>
+      <p:nvGrpSpPr>
+        <p:cNvPr id="1" name=""/>
+        <p:cNvGrpSpPr/>
+        <p:nvPr/>
+      </p:nvGrpSpPr>
+      <p:grpSpPr>
+        <a:xfrm>
+          <a:off x="0" y="0"/>
+          <a:ext cx="0" cy="0"/>
+          <a:chOff x="0" y="0"/>
+          <a:chExt cx="0" cy="0"/>
+        </a:xfrm>
+      </p:grpSpPr>
+      <p:pic>
+        <p:nvPicPr>
+          <p:cNvPr id="2" name="PPTIndicator201506301218262508"/>
           <p:cNvPicPr>
             <a:picLocks/>
           </p:cNvPicPr>
@@ -11530,7 +12822,7 @@
       </p:sp>
       <p:sp>
         <p:nvSpPr>
-          <p:cNvPr id="6" name="PptLabsAgenda_&amp;^@ContentShape_&amp;^@2015061916283877850"/>
+          <p:cNvPr id="6" name="PptLabsAgenda_&amp;^@ContentShape_&amp;^@2015063012182517380"/>
           <p:cNvSpPr txBox="1">
             <a:spLocks/>
           </p:cNvSpPr>
@@ -11691,20 +12983,404 @@
     </p:spTree>
     <p:extLst>
       <p:ext uri="{BB962C8B-B14F-4D97-AF65-F5344CB8AC3E}">
-        <p14:creationId xmlns:p14="http://schemas.microsoft.com/office/powerpoint/2010/main" val="2710074603"/>
+        <p14:creationId xmlns:p14="http://schemas.microsoft.com/office/powerpoint/2010/main" val="329859786"/>
       </p:ext>
     </p:extLst>
   </p:cSld>
   <p:clrMapOvr>
     <a:masterClrMapping/>
   </p:clrMapOvr>
-  <mc:AlternateContent xmlns:mc="http://schemas.openxmlformats.org/markup-compatibility/2006" xmlns:p14="http://schemas.microsoft.com/office/powerpoint/2010/main">
-    <mc:Choice Requires="p14">
+  <mc:AlternateContent xmlns:mc="http://schemas.openxmlformats.org/markup-compatibility/2006">
+    <mc:Choice xmlns:p14="http://schemas.microsoft.com/office/powerpoint/2010/main" Requires="p14">
+      <p:transition spd="slow" p14:dur="800">
+        <p:push dir="u"/>
+      </p:transition>
+    </mc:Choice>
+    <mc:Fallback>
+      <p:transition spd="slow">
+        <p:push dir="u"/>
+      </p:transition>
+    </mc:Fallback>
+  </mc:AlternateContent>
+  <p:timing>
+    <p:tnLst>
+      <p:par>
+        <p:cTn id="1" dur="indefinite" restart="never" nodeType="tmRoot">
+          <p:childTnLst>
+            <p:seq concurrent="1" nextAc="seek">
+              <p:cTn id="2" dur="indefinite" nodeType="mainSeq">
+                <p:childTnLst>
+                  <p:par>
+                    <p:cTn id="3" fill="hold">
+                      <p:stCondLst>
+                        <p:cond delay="indefinite"/>
+                        <p:cond evt="onBegin" delay="0">
+                          <p:tn val="2"/>
+                        </p:cond>
+                      </p:stCondLst>
+                      <p:childTnLst>
+                        <p:par>
+                          <p:cTn id="4" fill="hold">
+                            <p:stCondLst>
+                              <p:cond delay="0"/>
+                            </p:stCondLst>
+                            <p:childTnLst>
+                              <p:par>
+                                <p:cTn id="5" presetID="1" presetClass="entr" presetSubtype="0" fill="hold" nodeType="withEffect">
+                                  <p:stCondLst>
+                                    <p:cond delay="0"/>
+                                  </p:stCondLst>
+                                  <p:childTnLst>
+                                    <p:set>
+                                      <p:cBhvr>
+                                        <p:cTn id="6" dur="1" fill="hold">
+                                          <p:stCondLst>
+                                            <p:cond delay="0"/>
+                                          </p:stCondLst>
+                                        </p:cTn>
+                                        <p:tgtEl>
+                                          <p:spTgt spid="2"/>
+                                        </p:tgtEl>
+                                        <p:attrNameLst>
+                                          <p:attrName>style.visibility</p:attrName>
+                                        </p:attrNameLst>
+                                      </p:cBhvr>
+                                      <p:to>
+                                        <p:strVal val="visible"/>
+                                      </p:to>
+                                    </p:set>
+                                  </p:childTnLst>
+                                </p:cTn>
+                              </p:par>
+                              <p:par>
+                                <p:cTn id="7" presetID="1" presetClass="exit" presetSubtype="0" fill="hold" nodeType="withEffect">
+                                  <p:stCondLst>
+                                    <p:cond delay="0"/>
+                                  </p:stCondLst>
+                                  <p:childTnLst>
+                                    <p:set>
+                                      <p:cBhvr>
+                                        <p:cTn id="8" dur="1" fill="hold">
+                                          <p:stCondLst>
+                                            <p:cond delay="0"/>
+                                          </p:stCondLst>
+                                        </p:cTn>
+                                        <p:tgtEl>
+                                          <p:spTgt spid="2"/>
+                                        </p:tgtEl>
+                                        <p:attrNameLst>
+                                          <p:attrName>style.visibility</p:attrName>
+                                        </p:attrNameLst>
+                                      </p:cBhvr>
+                                      <p:to>
+                                        <p:strVal val="hidden"/>
+                                      </p:to>
+                                    </p:set>
+                                  </p:childTnLst>
+                                </p:cTn>
+                              </p:par>
+                            </p:childTnLst>
+                          </p:cTn>
+                        </p:par>
+                      </p:childTnLst>
+                    </p:cTn>
+                  </p:par>
+                </p:childTnLst>
+              </p:cTn>
+              <p:prevCondLst>
+                <p:cond evt="onPrev" delay="0">
+                  <p:tgtEl>
+                    <p:sldTgt/>
+                  </p:tgtEl>
+                </p:cond>
+              </p:prevCondLst>
+              <p:nextCondLst>
+                <p:cond evt="onNext" delay="0">
+                  <p:tgtEl>
+                    <p:sldTgt/>
+                  </p:tgtEl>
+                </p:cond>
+              </p:nextCondLst>
+            </p:seq>
+          </p:childTnLst>
+        </p:cTn>
+      </p:par>
+    </p:tnLst>
+  </p:timing>
+</p:sld>
+</file>
+
+<file path=ppt/slides/slide22.xml><?xml version="1.0" encoding="utf-8"?>
+<p:sld xmlns:a="http://schemas.openxmlformats.org/drawingml/2006/main" xmlns:r="http://schemas.openxmlformats.org/officeDocument/2006/relationships" xmlns:p="http://schemas.openxmlformats.org/presentationml/2006/main">
+  <p:cSld name="PptLabsAgenda_&amp;^@Bullet_&amp;^@Start_&amp;^@あいうえおkl)(*&amp;%$#@85v_+)0_@#%L:CF]1_6">
+    <p:spTree>
+      <p:nvGrpSpPr>
+        <p:cNvPr id="1" name=""/>
+        <p:cNvGrpSpPr/>
+        <p:nvPr/>
+      </p:nvGrpSpPr>
+      <p:grpSpPr>
+        <a:xfrm>
+          <a:off x="0" y="0"/>
+          <a:ext cx="0" cy="0"/>
+          <a:chOff x="0" y="0"/>
+          <a:chExt cx="0" cy="0"/>
+        </a:xfrm>
+      </p:grpSpPr>
+      <p:pic>
+        <p:nvPicPr>
+          <p:cNvPr id="2" name="PPTIndicator201506301218264899"/>
+          <p:cNvPicPr>
+            <a:picLocks/>
+          </p:cNvPicPr>
+          <p:nvPr/>
+        </p:nvPicPr>
+        <p:blipFill>
+          <a:blip r:embed="rId2" cstate="print">
+            <a:extLst>
+              <a:ext uri="{28A0092B-C50C-407E-A947-70E740481C1C}">
+                <a14:useLocalDpi xmlns:a14="http://schemas.microsoft.com/office/drawing/2010/main" val="0"/>
+              </a:ext>
+            </a:extLst>
+          </a:blip>
+          <a:stretch>
+            <a:fillRect/>
+          </a:stretch>
+        </p:blipFill>
+        <p:spPr>
+          <a:xfrm>
+            <a:off x="7620000" y="0"/>
+            <a:ext cx="1524000" cy="1066800"/>
+          </a:xfrm>
+          <a:prstGeom prst="rect">
+            <a:avLst/>
+          </a:prstGeom>
+        </p:spPr>
+      </p:pic>
+      <p:sp>
+        <p:nvSpPr>
+          <p:cNvPr id="5" name="Title 1"/>
+          <p:cNvSpPr txBox="1">
+            <a:spLocks/>
+          </p:cNvSpPr>
+          <p:nvPr/>
+        </p:nvSpPr>
+        <p:spPr>
+          <a:xfrm>
+            <a:off x="457200" y="274638"/>
+            <a:ext cx="8229600" cy="1143000"/>
+          </a:xfrm>
+          <a:prstGeom prst="rect">
+            <a:avLst/>
+          </a:prstGeom>
+        </p:spPr>
+        <p:txBody>
+          <a:bodyPr vert="horz" lIns="91440" tIns="45720" rIns="91440" bIns="45720" rtlCol="0" anchor="ctr">
+            <a:normAutofit/>
+          </a:bodyPr>
+          <a:lstStyle>
+            <a:lvl1pPr algn="ctr">
+              <a:spcBef>
+                <a:spcPct val="0"/>
+              </a:spcBef>
+              <a:buNone/>
+              <a:defRPr sz="4400">
+                <a:latin typeface="+mj-lt"/>
+                <a:ea typeface="+mj-ea"/>
+                <a:cs typeface="+mj-cs"/>
+              </a:defRPr>
+            </a:lvl1pPr>
+          </a:lstStyle>
+          <a:p>
+            <a:r>
+              <a:rPr lang="en-US">
+                <a:solidFill>
+                  <a:prstClr val="black"/>
+                </a:solidFill>
+              </a:rPr>
+              <a:t>Agenda</a:t>
+            </a:r>
+            <a:endParaRPr lang="en-US"/>
+          </a:p>
+        </p:txBody>
+      </p:sp>
+      <p:sp>
+        <p:nvSpPr>
+          <p:cNvPr id="6" name="PptLabsAgenda_&amp;^@ContentShape_&amp;^@2015063012182517380"/>
+          <p:cNvSpPr txBox="1">
+            <a:spLocks/>
+          </p:cNvSpPr>
+          <p:nvPr/>
+        </p:nvSpPr>
+        <p:spPr>
+          <a:xfrm>
+            <a:off x="457200" y="1600200"/>
+            <a:ext cx="8229600" cy="4525963"/>
+          </a:xfrm>
+          <a:prstGeom prst="rect">
+            <a:avLst/>
+          </a:prstGeom>
+        </p:spPr>
+        <p:txBody>
+          <a:bodyPr vert="horz" lIns="91440" tIns="45720" rIns="91440" bIns="45720" rtlCol="0">
+            <a:normAutofit/>
+          </a:bodyPr>
+          <a:lstStyle>
+            <a:lvl1pPr marL="342900" indent="-342900">
+              <a:spcBef>
+                <a:spcPct val="20000"/>
+              </a:spcBef>
+              <a:buFont typeface="Arial" pitchFamily="34" charset="0"/>
+              <a:buChar char="•"/>
+              <a:defRPr sz="3200">
+                <a:solidFill>
+                  <a:srgbClr val="808080"/>
+                </a:solidFill>
+              </a:defRPr>
+            </a:lvl1pPr>
+            <a:lvl2pPr marL="742950" indent="-285750">
+              <a:spcBef>
+                <a:spcPct val="20000"/>
+              </a:spcBef>
+              <a:buFont typeface="Arial" pitchFamily="34" charset="0"/>
+              <a:buChar char="–"/>
+              <a:defRPr sz="2800"/>
+            </a:lvl2pPr>
+            <a:lvl3pPr marL="1143000" indent="-228600">
+              <a:spcBef>
+                <a:spcPct val="20000"/>
+              </a:spcBef>
+              <a:buFont typeface="Arial" pitchFamily="34" charset="0"/>
+              <a:buChar char="•"/>
+              <a:defRPr sz="2400"/>
+            </a:lvl3pPr>
+            <a:lvl4pPr marL="1600200" indent="-228600">
+              <a:spcBef>
+                <a:spcPct val="20000"/>
+              </a:spcBef>
+              <a:buFont typeface="Arial" pitchFamily="34" charset="0"/>
+              <a:buChar char="–"/>
+              <a:defRPr sz="2000"/>
+            </a:lvl4pPr>
+            <a:lvl5pPr marL="2057400" indent="-228600">
+              <a:spcBef>
+                <a:spcPct val="20000"/>
+              </a:spcBef>
+              <a:buFont typeface="Arial" pitchFamily="34" charset="0"/>
+              <a:buChar char="»"/>
+              <a:defRPr sz="2000"/>
+            </a:lvl5pPr>
+            <a:lvl6pPr marL="2514600" indent="-228600">
+              <a:spcBef>
+                <a:spcPct val="20000"/>
+              </a:spcBef>
+              <a:buFont typeface="Arial" pitchFamily="34" charset="0"/>
+              <a:buChar char="•"/>
+              <a:defRPr sz="2000"/>
+            </a:lvl6pPr>
+            <a:lvl7pPr marL="2971800" indent="-228600">
+              <a:spcBef>
+                <a:spcPct val="20000"/>
+              </a:spcBef>
+              <a:buFont typeface="Arial" pitchFamily="34" charset="0"/>
+              <a:buChar char="•"/>
+              <a:defRPr sz="2000"/>
+            </a:lvl7pPr>
+            <a:lvl8pPr marL="3429000" indent="-228600">
+              <a:spcBef>
+                <a:spcPct val="20000"/>
+              </a:spcBef>
+              <a:buFont typeface="Arial" pitchFamily="34" charset="0"/>
+              <a:buChar char="•"/>
+              <a:defRPr sz="2000"/>
+            </a:lvl8pPr>
+            <a:lvl9pPr marL="3886200" indent="-228600">
+              <a:spcBef>
+                <a:spcPct val="20000"/>
+              </a:spcBef>
+              <a:buFont typeface="Arial" pitchFamily="34" charset="0"/>
+              <a:buChar char="•"/>
+              <a:defRPr sz="2000"/>
+            </a:lvl9pPr>
+          </a:lstStyle>
+          <a:p>
+            <a:pPr lvl="0"/>
+            <a:r>
+              <a:rPr lang="en-US" smtClean="0"/>
+              <a:t>One Slide</a:t>
+            </a:r>
+            <a:endParaRPr lang="en-US"/>
+          </a:p>
+          <a:p>
+            <a:pPr lvl="0"/>
+            <a:r>
+              <a:rPr lang="en-US" smtClean="0"/>
+              <a:t>Two Slides</a:t>
+            </a:r>
+            <a:endParaRPr lang="en-US"/>
+          </a:p>
+          <a:p>
+            <a:pPr lvl="0"/>
+            <a:r>
+              <a:rPr lang="en-US" smtClean="0"/>
+              <a:t>Same Name</a:t>
+            </a:r>
+            <a:endParaRPr lang="en-US"/>
+          </a:p>
+          <a:p>
+            <a:pPr lvl="0"/>
+            <a:r>
+              <a:rPr lang="en-US" smtClean="0"/>
+              <a:t>Same Name</a:t>
+            </a:r>
+            <a:endParaRPr lang="en-US"/>
+          </a:p>
+          <a:p>
+            <a:pPr lvl="0"/>
+            <a:r>
+              <a:rPr lang="ja-JP" altLang="en-US" smtClean="0">
+                <a:solidFill>
+                  <a:srgbClr val="FF0000"/>
+                </a:solidFill>
+              </a:rPr>
+              <a:t>あいうえお</a:t>
+            </a:r>
+            <a:r>
+              <a:rPr lang="en-US" smtClean="0">
+                <a:solidFill>
+                  <a:srgbClr val="FF0000"/>
+                </a:solidFill>
+              </a:rPr>
+              <a:t>kl)(*&amp;%$#@85v_+)0_@#%L:CF]1</a:t>
+            </a:r>
+            <a:endParaRPr lang="en-US">
+              <a:solidFill>
+                <a:srgbClr val="FF0000"/>
+              </a:solidFill>
+            </a:endParaRPr>
+          </a:p>
+          <a:p>
+            <a:endParaRPr lang="en-US"/>
+          </a:p>
+        </p:txBody>
+      </p:sp>
+    </p:spTree>
+    <p:extLst>
+      <p:ext uri="{BB962C8B-B14F-4D97-AF65-F5344CB8AC3E}">
+        <p14:creationId xmlns:p14="http://schemas.microsoft.com/office/powerpoint/2010/main" val="1479205681"/>
+      </p:ext>
+    </p:extLst>
+  </p:cSld>
+  <p:clrMapOvr>
+    <a:masterClrMapping/>
+  </p:clrMapOvr>
+  <mc:AlternateContent xmlns:mc="http://schemas.openxmlformats.org/markup-compatibility/2006">
+    <mc:Choice xmlns:p14="http://schemas.microsoft.com/office/powerpoint/2010/main" Requires="p14">
       <p:transition p14:dur="250">
         <p:fade/>
       </p:transition>
     </mc:Choice>
-    <mc:Fallback xmlns="">
+    <mc:Fallback>
       <p:transition>
         <p:fade/>
       </p:transition>
@@ -11818,171 +13494,7 @@
 </p:sld>
 </file>
 
-<file path=ppt/slides/slide15.xml><?xml version="1.0" encoding="utf-8"?>
-<p:sld xmlns:a="http://schemas.openxmlformats.org/drawingml/2006/main" xmlns:r="http://schemas.openxmlformats.org/officeDocument/2006/relationships" xmlns:p="http://schemas.openxmlformats.org/presentationml/2006/main">
-  <p:cSld>
-    <p:spTree>
-      <p:nvGrpSpPr>
-        <p:cNvPr id="1" name=""/>
-        <p:cNvGrpSpPr/>
-        <p:nvPr/>
-      </p:nvGrpSpPr>
-      <p:grpSpPr>
-        <a:xfrm>
-          <a:off x="0" y="0"/>
-          <a:ext cx="0" cy="0"/>
-          <a:chOff x="0" y="0"/>
-          <a:chExt cx="0" cy="0"/>
-        </a:xfrm>
-      </p:grpSpPr>
-      <p:pic>
-        <p:nvPicPr>
-          <p:cNvPr id="4" name="Picture 3"/>
-          <p:cNvPicPr>
-            <a:picLocks noChangeAspect="1"/>
-          </p:cNvPicPr>
-          <p:nvPr/>
-        </p:nvPicPr>
-        <p:blipFill>
-          <a:blip r:embed="rId2">
-            <a:extLst>
-              <a:ext uri="{28A0092B-C50C-407E-A947-70E740481C1C}">
-                <a14:useLocalDpi xmlns:a14="http://schemas.microsoft.com/office/drawing/2010/main" val="0"/>
-              </a:ext>
-            </a:extLst>
-          </a:blip>
-          <a:stretch>
-            <a:fillRect/>
-          </a:stretch>
-        </p:blipFill>
-        <p:spPr>
-          <a:xfrm>
-            <a:off x="1" y="-1"/>
-            <a:ext cx="9111916" cy="6833937"/>
-          </a:xfrm>
-          <a:prstGeom prst="rect">
-            <a:avLst/>
-          </a:prstGeom>
-        </p:spPr>
-      </p:pic>
-      <p:sp>
-        <p:nvSpPr>
-          <p:cNvPr id="3" name="Title 1"/>
-          <p:cNvSpPr>
-            <a:spLocks noGrp="1"/>
-          </p:cNvSpPr>
-          <p:nvPr>
-            <p:ph type="title"/>
-          </p:nvPr>
-        </p:nvSpPr>
-        <p:spPr>
-          <a:xfrm>
-            <a:off x="457200" y="1676400"/>
-            <a:ext cx="4495800" cy="1295400"/>
-          </a:xfrm>
-        </p:spPr>
-        <p:txBody>
-          <a:bodyPr>
-            <a:noAutofit/>
-          </a:bodyPr>
-          <a:lstStyle/>
-          <a:p>
-            <a:r>
-              <a:rPr lang="en-US" sz="6000" dirty="0" smtClean="0"/>
-              <a:t>Test Image</a:t>
-            </a:r>
-            <a:endParaRPr lang="en-SG" sz="6000" dirty="0"/>
-          </a:p>
-        </p:txBody>
-      </p:sp>
-    </p:spTree>
-    <p:extLst>
-      <p:ext uri="{BB962C8B-B14F-4D97-AF65-F5344CB8AC3E}">
-        <p14:creationId xmlns:p14="http://schemas.microsoft.com/office/powerpoint/2010/main" val="2893950234"/>
-      </p:ext>
-    </p:extLst>
-  </p:cSld>
-  <p:clrMapOvr>
-    <a:masterClrMapping/>
-  </p:clrMapOvr>
-  <p:timing>
-    <p:tnLst>
-      <p:par>
-        <p:cTn id="1" dur="indefinite" restart="never" nodeType="tmRoot"/>
-      </p:par>
-    </p:tnLst>
-  </p:timing>
-</p:sld>
-</file>
-
-<file path=ppt/slides/slide16.xml><?xml version="1.0" encoding="utf-8"?>
-<p:sld xmlns:a="http://schemas.openxmlformats.org/drawingml/2006/main" xmlns:r="http://schemas.openxmlformats.org/officeDocument/2006/relationships" xmlns:p="http://schemas.openxmlformats.org/presentationml/2006/main">
-  <p:cSld>
-    <p:spTree>
-      <p:nvGrpSpPr>
-        <p:cNvPr id="1" name=""/>
-        <p:cNvGrpSpPr/>
-        <p:nvPr/>
-      </p:nvGrpSpPr>
-      <p:grpSpPr>
-        <a:xfrm>
-          <a:off x="0" y="0"/>
-          <a:ext cx="0" cy="0"/>
-          <a:chOff x="0" y="0"/>
-          <a:chExt cx="0" cy="0"/>
-        </a:xfrm>
-      </p:grpSpPr>
-      <p:sp>
-        <p:nvSpPr>
-          <p:cNvPr id="5" name="Title 1"/>
-          <p:cNvSpPr>
-            <a:spLocks noGrp="1"/>
-          </p:cNvSpPr>
-          <p:nvPr>
-            <p:ph type="title"/>
-          </p:nvPr>
-        </p:nvSpPr>
-        <p:spPr>
-          <a:xfrm>
-            <a:off x="457200" y="1676400"/>
-            <a:ext cx="6400800" cy="1295400"/>
-          </a:xfrm>
-        </p:spPr>
-        <p:txBody>
-          <a:bodyPr>
-            <a:noAutofit/>
-          </a:bodyPr>
-          <a:lstStyle/>
-          <a:p>
-            <a:r>
-              <a:rPr lang="en-US" sz="6000" dirty="0" smtClean="0"/>
-              <a:t>A long section</a:t>
-            </a:r>
-            <a:endParaRPr lang="en-SG" sz="6000" dirty="0"/>
-          </a:p>
-        </p:txBody>
-      </p:sp>
-    </p:spTree>
-    <p:extLst>
-      <p:ext uri="{BB962C8B-B14F-4D97-AF65-F5344CB8AC3E}">
-        <p14:creationId xmlns:p14="http://schemas.microsoft.com/office/powerpoint/2010/main" val="2898196237"/>
-      </p:ext>
-    </p:extLst>
-  </p:cSld>
-  <p:clrMapOvr>
-    <a:masterClrMapping/>
-  </p:clrMapOvr>
-  <p:timing>
-    <p:tnLst>
-      <p:par>
-        <p:cTn id="1" dur="indefinite" restart="never" nodeType="tmRoot"/>
-      </p:par>
-    </p:tnLst>
-  </p:timing>
-</p:sld>
-</file>
-
-<file path=ppt/slides/slide17.xml><?xml version="1.0" encoding="utf-8"?>
+<file path=ppt/slides/slide23.xml><?xml version="1.0" encoding="utf-8"?>
 <p:sld xmlns:a="http://schemas.openxmlformats.org/drawingml/2006/main" xmlns:r="http://schemas.openxmlformats.org/officeDocument/2006/relationships" xmlns:p="http://schemas.openxmlformats.org/presentationml/2006/main">
   <p:cSld>
     <p:bg>
@@ -12017,6 +13529,18 @@
   <p:clrMapOvr>
     <a:masterClrMapping/>
   </p:clrMapOvr>
+  <mc:AlternateContent xmlns:mc="http://schemas.openxmlformats.org/markup-compatibility/2006">
+    <mc:Choice xmlns:p14="http://schemas.microsoft.com/office/powerpoint/2010/main" Requires="p14">
+      <p:transition spd="slow" p14:dur="800">
+        <p:push dir="u"/>
+      </p:transition>
+    </mc:Choice>
+    <mc:Fallback>
+      <p:transition spd="slow">
+        <p:push dir="u"/>
+      </p:transition>
+    </mc:Fallback>
+  </mc:AlternateContent>
   <p:timing>
     <p:tnLst>
       <p:par>
@@ -12027,296 +13551,9 @@
 </p:sld>
 </file>
 
-<file path=ppt/slides/slide18.xml><?xml version="1.0" encoding="utf-8"?>
+<file path=ppt/slides/slide24.xml><?xml version="1.0" encoding="utf-8"?>
 <p:sld xmlns:a="http://schemas.openxmlformats.org/drawingml/2006/main" xmlns:r="http://schemas.openxmlformats.org/officeDocument/2006/relationships" xmlns:p="http://schemas.openxmlformats.org/presentationml/2006/main">
-  <p:cSld>
-    <p:bg>
-      <p:bgPr>
-        <a:blipFill>
-          <a:blip r:embed="rId2"/>
-          <a:tile tx="0" ty="0" sx="100000" sy="100000" flip="none" algn="tl"/>
-        </a:blipFill>
-        <a:effectLst/>
-      </p:bgPr>
-    </p:bg>
-    <p:spTree>
-      <p:nvGrpSpPr>
-        <p:cNvPr id="1" name=""/>
-        <p:cNvGrpSpPr/>
-        <p:nvPr/>
-      </p:nvGrpSpPr>
-      <p:grpSpPr>
-        <a:xfrm>
-          <a:off x="0" y="0"/>
-          <a:ext cx="0" cy="0"/>
-          <a:chOff x="0" y="0"/>
-          <a:chExt cx="0" cy="0"/>
-        </a:xfrm>
-      </p:grpSpPr>
-    </p:spTree>
-    <p:extLst>
-      <p:ext uri="{BB962C8B-B14F-4D97-AF65-F5344CB8AC3E}">
-        <p14:creationId xmlns:p14="http://schemas.microsoft.com/office/powerpoint/2010/main" val="1808968506"/>
-      </p:ext>
-    </p:extLst>
-  </p:cSld>
-  <p:clrMapOvr>
-    <a:masterClrMapping/>
-  </p:clrMapOvr>
-  <p:timing>
-    <p:tnLst>
-      <p:par>
-        <p:cTn id="1" dur="indefinite" restart="never" nodeType="tmRoot"/>
-      </p:par>
-    </p:tnLst>
-  </p:timing>
-</p:sld>
-</file>
-
-<file path=ppt/slides/slide19.xml><?xml version="1.0" encoding="utf-8"?>
-<p:sld xmlns:a="http://schemas.openxmlformats.org/drawingml/2006/main" xmlns:r="http://schemas.openxmlformats.org/officeDocument/2006/relationships" xmlns:p="http://schemas.openxmlformats.org/presentationml/2006/main">
-  <p:cSld>
-    <p:spTree>
-      <p:nvGrpSpPr>
-        <p:cNvPr id="1" name=""/>
-        <p:cNvGrpSpPr/>
-        <p:nvPr/>
-      </p:nvGrpSpPr>
-      <p:grpSpPr>
-        <a:xfrm>
-          <a:off x="0" y="0"/>
-          <a:ext cx="0" cy="0"/>
-          <a:chOff x="0" y="0"/>
-          <a:chExt cx="0" cy="0"/>
-        </a:xfrm>
-      </p:grpSpPr>
-    </p:spTree>
-    <p:extLst>
-      <p:ext uri="{BB962C8B-B14F-4D97-AF65-F5344CB8AC3E}">
-        <p14:creationId xmlns:p14="http://schemas.microsoft.com/office/powerpoint/2010/main" val="1808968506"/>
-      </p:ext>
-    </p:extLst>
-  </p:cSld>
-  <p:clrMapOvr>
-    <a:masterClrMapping/>
-  </p:clrMapOvr>
-  <p:timing>
-    <p:tnLst>
-      <p:par>
-        <p:cTn id="1" dur="indefinite" restart="never" nodeType="tmRoot"/>
-      </p:par>
-    </p:tnLst>
-  </p:timing>
-</p:sld>
-</file>
-
-<file path=ppt/slides/slide2.xml><?xml version="1.0" encoding="utf-8"?>
-<p:sld xmlns:a="http://schemas.openxmlformats.org/drawingml/2006/main" xmlns:r="http://schemas.openxmlformats.org/officeDocument/2006/relationships" xmlns:p="http://schemas.openxmlformats.org/presentationml/2006/main">
-  <p:cSld>
-    <p:spTree>
-      <p:nvGrpSpPr>
-        <p:cNvPr id="1" name=""/>
-        <p:cNvGrpSpPr/>
-        <p:nvPr/>
-      </p:nvGrpSpPr>
-      <p:grpSpPr>
-        <a:xfrm>
-          <a:off x="0" y="0"/>
-          <a:ext cx="0" cy="0"/>
-          <a:chOff x="0" y="0"/>
-          <a:chExt cx="0" cy="0"/>
-        </a:xfrm>
-      </p:grpSpPr>
-      <p:sp>
-        <p:nvSpPr>
-          <p:cNvPr id="2" name="Title 1"/>
-          <p:cNvSpPr>
-            <a:spLocks noGrp="1"/>
-          </p:cNvSpPr>
-          <p:nvPr>
-            <p:ph type="title"/>
-          </p:nvPr>
-        </p:nvSpPr>
-        <p:spPr/>
-        <p:txBody>
-          <a:bodyPr>
-            <a:normAutofit/>
-          </a:bodyPr>
-          <a:lstStyle/>
-          <a:p>
-            <a:r>
-              <a:rPr lang="en-US" sz="5400" b="1" dirty="0" err="1" smtClean="0">
-                <a:solidFill>
-                  <a:schemeClr val="accent6">
-                    <a:lumMod val="75000"/>
-                  </a:schemeClr>
-                </a:solidFill>
-              </a:rPr>
-              <a:t>PowerPointLabs</a:t>
-            </a:r>
-            <a:r>
-              <a:rPr lang="en-US" sz="5400" b="1" dirty="0" smtClean="0">
-                <a:solidFill>
-                  <a:schemeClr val="accent6">
-                    <a:lumMod val="75000"/>
-                  </a:schemeClr>
-                </a:solidFill>
-              </a:rPr>
-              <a:t> Test Cases</a:t>
-            </a:r>
-            <a:endParaRPr lang="en-SG" sz="5400" b="1" dirty="0">
-              <a:solidFill>
-                <a:schemeClr val="accent6">
-                  <a:lumMod val="75000"/>
-                </a:schemeClr>
-              </a:solidFill>
-            </a:endParaRPr>
-          </a:p>
-        </p:txBody>
-      </p:sp>
-      <p:sp>
-        <p:nvSpPr>
-          <p:cNvPr id="3" name="Content Placeholder 2"/>
-          <p:cNvSpPr>
-            <a:spLocks noGrp="1"/>
-          </p:cNvSpPr>
-          <p:nvPr>
-            <p:ph idx="1"/>
-          </p:nvPr>
-        </p:nvSpPr>
-        <p:spPr/>
-        <p:txBody>
-          <a:bodyPr/>
-          <a:lstStyle/>
-          <a:p>
-            <a:pPr marL="0" indent="0">
-              <a:buNone/>
-            </a:pPr>
-            <a:r>
-              <a:rPr lang="en-US" b="1" dirty="0" smtClean="0">
-                <a:solidFill>
-                  <a:srgbClr val="0070C0"/>
-                </a:solidFill>
-              </a:rPr>
-              <a:t>General instructions:</a:t>
-            </a:r>
-          </a:p>
-          <a:p>
-            <a:pPr marL="285750" indent="-285750"/>
-            <a:r>
-              <a:rPr lang="en-US" b="1" dirty="0" smtClean="0">
-                <a:solidFill>
-                  <a:srgbClr val="0070C0"/>
-                </a:solidFill>
-              </a:rPr>
-              <a:t>DO </a:t>
-            </a:r>
-            <a:r>
-              <a:rPr lang="en-US" b="1" dirty="0">
-                <a:solidFill>
-                  <a:srgbClr val="0070C0"/>
-                </a:solidFill>
-              </a:rPr>
-              <a:t>NOT SAVE </a:t>
-            </a:r>
-            <a:r>
-              <a:rPr lang="en-US" dirty="0" smtClean="0">
-                <a:solidFill>
-                  <a:srgbClr val="0070C0"/>
-                </a:solidFill>
-              </a:rPr>
-              <a:t>these slides after testing. Keep this file in its original form.</a:t>
-            </a:r>
-            <a:endParaRPr lang="en-US" dirty="0">
-              <a:solidFill>
-                <a:srgbClr val="0070C0"/>
-              </a:solidFill>
-            </a:endParaRPr>
-          </a:p>
-          <a:p>
-            <a:pPr marL="285750" indent="-285750"/>
-            <a:r>
-              <a:rPr lang="en-US" dirty="0">
-                <a:solidFill>
-                  <a:srgbClr val="0070C0"/>
-                </a:solidFill>
-              </a:rPr>
-              <a:t>If </a:t>
-            </a:r>
-            <a:r>
-              <a:rPr lang="en-US" dirty="0" smtClean="0">
-                <a:solidFill>
-                  <a:srgbClr val="0070C0"/>
-                </a:solidFill>
-              </a:rPr>
-              <a:t>your </a:t>
-            </a:r>
-            <a:r>
-              <a:rPr lang="en-US" dirty="0">
-                <a:solidFill>
-                  <a:srgbClr val="0070C0"/>
-                </a:solidFill>
-              </a:rPr>
-              <a:t>result </a:t>
-            </a:r>
-            <a:r>
-              <a:rPr lang="en-US" dirty="0" smtClean="0">
-                <a:solidFill>
-                  <a:srgbClr val="0070C0"/>
-                </a:solidFill>
-              </a:rPr>
-              <a:t>is different from the </a:t>
-            </a:r>
-            <a:r>
-              <a:rPr lang="en-US" dirty="0">
-                <a:solidFill>
-                  <a:srgbClr val="0070C0"/>
-                </a:solidFill>
-              </a:rPr>
-              <a:t>expected output, </a:t>
-            </a:r>
-            <a:r>
-              <a:rPr lang="en-US" dirty="0" smtClean="0">
-                <a:solidFill>
-                  <a:srgbClr val="0070C0"/>
-                </a:solidFill>
-              </a:rPr>
-              <a:t>please submit a bug report (attach slides/screenshots as necessary).</a:t>
-            </a:r>
-            <a:endParaRPr lang="en-SG" dirty="0">
-              <a:solidFill>
-                <a:srgbClr val="0070C0"/>
-              </a:solidFill>
-            </a:endParaRPr>
-          </a:p>
-          <a:p>
-            <a:endParaRPr lang="en-SG" dirty="0"/>
-          </a:p>
-        </p:txBody>
-      </p:sp>
-    </p:spTree>
-    <p:extLst>
-      <p:ext uri="{BB962C8B-B14F-4D97-AF65-F5344CB8AC3E}">
-        <p14:creationId xmlns:p14="http://schemas.microsoft.com/office/powerpoint/2010/main" val="225078323"/>
-      </p:ext>
-    </p:extLst>
-  </p:cSld>
-  <p:clrMapOvr>
-    <a:masterClrMapping/>
-  </p:clrMapOvr>
-  <p:timing>
-    <p:tnLst>
-      <p:par>
-        <p:cTn id="1" dur="indefinite" restart="never" nodeType="tmRoot"/>
-      </p:par>
-    </p:tnLst>
-  </p:timing>
-</p:sld>
-</file>
-
-<file path=ppt/slides/slide20.xml><?xml version="1.0" encoding="utf-8"?>
-<p:sld xmlns:a="http://schemas.openxmlformats.org/drawingml/2006/main" xmlns:r="http://schemas.openxmlformats.org/officeDocument/2006/relationships" xmlns:p="http://schemas.openxmlformats.org/presentationml/2006/main">
-  <p:cSld name="PptLabsAgenda_&amp;^@Bullet_&amp;^@End_&amp;^@Same Name_5">
+  <p:cSld name="PptLabsAgenda_&amp;^@Bullet_&amp;^@End_&amp;^@あいうえおkl)(*&amp;%$#@85v_+)0_@#%L:CF]1_6">
     <p:spTree>
       <p:nvGrpSpPr>
         <p:cNvPr id="1" name=""/>
@@ -12333,7 +13570,7 @@
       </p:grpSpPr>
       <p:pic>
         <p:nvPicPr>
-          <p:cNvPr id="2" name="PPTIndicator201506191628396236"/>
+          <p:cNvPr id="2" name="PPTIndicator201506301218265069"/>
           <p:cNvPicPr>
             <a:picLocks/>
           </p:cNvPicPr>
@@ -12410,7 +13647,7 @@
       </p:sp>
       <p:sp>
         <p:nvSpPr>
-          <p:cNvPr id="6" name="PptLabsAgenda_&amp;^@ContentShape_&amp;^@2015061916283877850"/>
+          <p:cNvPr id="6" name="PptLabsAgenda_&amp;^@ContentShape_&amp;^@2015063012182517380"/>
           <p:cNvSpPr txBox="1">
             <a:spLocks/>
           </p:cNvSpPr>
@@ -12534,12 +13771,28 @@
           <a:p>
             <a:pPr lvl="0"/>
             <a:r>
+              <a:rPr lang="en-US" smtClean="0"/>
+              <a:t>Same Name</a:t>
+            </a:r>
+            <a:endParaRPr lang="en-US"/>
+          </a:p>
+          <a:p>
+            <a:pPr lvl="0"/>
+            <a:r>
+              <a:rPr lang="ja-JP" altLang="en-US" smtClean="0">
+                <a:solidFill>
+                  <a:srgbClr val="FF0000"/>
+                </a:solidFill>
+              </a:rPr>
+              <a:t>あいうえお</a:t>
+            </a:r>
+            <a:r>
               <a:rPr lang="en-US" smtClean="0">
                 <a:solidFill>
                   <a:srgbClr val="FF0000"/>
                 </a:solidFill>
               </a:rPr>
-              <a:t>Same Name</a:t>
+              <a:t>kl)(*&amp;%$#@85v_+)0_@#%L:CF]1</a:t>
             </a:r>
             <a:endParaRPr lang="en-US">
               <a:solidFill>
@@ -12548,22 +13801,6 @@
             </a:endParaRPr>
           </a:p>
           <a:p>
-            <a:r>
-              <a:rPr lang="ja-JP" altLang="en-US" smtClean="0">
-                <a:solidFill>
-                  <a:srgbClr val="000000"/>
-                </a:solidFill>
-              </a:rPr>
-              <a:t>あいうえお</a:t>
-            </a:r>
-            <a:r>
-              <a:rPr lang="en-US" smtClean="0">
-                <a:solidFill>
-                  <a:srgbClr val="000000"/>
-                </a:solidFill>
-              </a:rPr>
-              <a:t>kl)(*&amp;%$#@85v_+)0_@#%L:CF]1</a:t>
-            </a:r>
             <a:endParaRPr lang="en-US"/>
           </a:p>
         </p:txBody>
@@ -12571,20 +13808,392 @@
     </p:spTree>
     <p:extLst>
       <p:ext uri="{BB962C8B-B14F-4D97-AF65-F5344CB8AC3E}">
-        <p14:creationId xmlns:p14="http://schemas.microsoft.com/office/powerpoint/2010/main" val="3551626853"/>
+        <p14:creationId xmlns:p14="http://schemas.microsoft.com/office/powerpoint/2010/main" val="761907263"/>
       </p:ext>
     </p:extLst>
   </p:cSld>
   <p:clrMapOvr>
     <a:masterClrMapping/>
   </p:clrMapOvr>
-  <mc:AlternateContent xmlns:mc="http://schemas.openxmlformats.org/markup-compatibility/2006" xmlns:p14="http://schemas.microsoft.com/office/powerpoint/2010/main">
-    <mc:Choice Requires="p14">
+  <mc:AlternateContent xmlns:mc="http://schemas.openxmlformats.org/markup-compatibility/2006">
+    <mc:Choice xmlns:p14="http://schemas.microsoft.com/office/powerpoint/2010/main" Requires="p14">
+      <p:transition spd="slow" p14:dur="800">
+        <p:push dir="u"/>
+      </p:transition>
+    </mc:Choice>
+    <mc:Fallback>
+      <p:transition spd="slow">
+        <p:push dir="u"/>
+      </p:transition>
+    </mc:Fallback>
+  </mc:AlternateContent>
+  <p:timing>
+    <p:tnLst>
+      <p:par>
+        <p:cTn id="1" dur="indefinite" restart="never" nodeType="tmRoot">
+          <p:childTnLst>
+            <p:seq concurrent="1" nextAc="seek">
+              <p:cTn id="2" dur="indefinite" nodeType="mainSeq">
+                <p:childTnLst>
+                  <p:par>
+                    <p:cTn id="3" fill="hold">
+                      <p:stCondLst>
+                        <p:cond delay="indefinite"/>
+                        <p:cond evt="onBegin" delay="0">
+                          <p:tn val="2"/>
+                        </p:cond>
+                      </p:stCondLst>
+                      <p:childTnLst>
+                        <p:par>
+                          <p:cTn id="4" fill="hold">
+                            <p:stCondLst>
+                              <p:cond delay="0"/>
+                            </p:stCondLst>
+                            <p:childTnLst>
+                              <p:par>
+                                <p:cTn id="5" presetID="1" presetClass="entr" presetSubtype="0" fill="hold" nodeType="withEffect">
+                                  <p:stCondLst>
+                                    <p:cond delay="0"/>
+                                  </p:stCondLst>
+                                  <p:childTnLst>
+                                    <p:set>
+                                      <p:cBhvr>
+                                        <p:cTn id="6" dur="1" fill="hold">
+                                          <p:stCondLst>
+                                            <p:cond delay="0"/>
+                                          </p:stCondLst>
+                                        </p:cTn>
+                                        <p:tgtEl>
+                                          <p:spTgt spid="2"/>
+                                        </p:tgtEl>
+                                        <p:attrNameLst>
+                                          <p:attrName>style.visibility</p:attrName>
+                                        </p:attrNameLst>
+                                      </p:cBhvr>
+                                      <p:to>
+                                        <p:strVal val="visible"/>
+                                      </p:to>
+                                    </p:set>
+                                  </p:childTnLst>
+                                </p:cTn>
+                              </p:par>
+                              <p:par>
+                                <p:cTn id="7" presetID="1" presetClass="exit" presetSubtype="0" fill="hold" nodeType="withEffect">
+                                  <p:stCondLst>
+                                    <p:cond delay="0"/>
+                                  </p:stCondLst>
+                                  <p:childTnLst>
+                                    <p:set>
+                                      <p:cBhvr>
+                                        <p:cTn id="8" dur="1" fill="hold">
+                                          <p:stCondLst>
+                                            <p:cond delay="0"/>
+                                          </p:stCondLst>
+                                        </p:cTn>
+                                        <p:tgtEl>
+                                          <p:spTgt spid="2"/>
+                                        </p:tgtEl>
+                                        <p:attrNameLst>
+                                          <p:attrName>style.visibility</p:attrName>
+                                        </p:attrNameLst>
+                                      </p:cBhvr>
+                                      <p:to>
+                                        <p:strVal val="hidden"/>
+                                      </p:to>
+                                    </p:set>
+                                  </p:childTnLst>
+                                </p:cTn>
+                              </p:par>
+                            </p:childTnLst>
+                          </p:cTn>
+                        </p:par>
+                      </p:childTnLst>
+                    </p:cTn>
+                  </p:par>
+                </p:childTnLst>
+              </p:cTn>
+              <p:prevCondLst>
+                <p:cond evt="onPrev" delay="0">
+                  <p:tgtEl>
+                    <p:sldTgt/>
+                  </p:tgtEl>
+                </p:cond>
+              </p:prevCondLst>
+              <p:nextCondLst>
+                <p:cond evt="onNext" delay="0">
+                  <p:tgtEl>
+                    <p:sldTgt/>
+                  </p:tgtEl>
+                </p:cond>
+              </p:nextCondLst>
+            </p:seq>
+          </p:childTnLst>
+        </p:cTn>
+      </p:par>
+    </p:tnLst>
+  </p:timing>
+</p:sld>
+</file>
+
+<file path=ppt/slides/slide25.xml><?xml version="1.0" encoding="utf-8"?>
+<p:sld xmlns:a="http://schemas.openxmlformats.org/drawingml/2006/main" xmlns:r="http://schemas.openxmlformats.org/officeDocument/2006/relationships" xmlns:p="http://schemas.openxmlformats.org/presentationml/2006/main">
+  <p:cSld name="PptLabsAgenda_&amp;^@Bullet_&amp;^@EndOfBulletAgenda_&amp;^@あいうえおkl)(*&amp;%$#@85v_+)0_@#%L:CF]1_6">
+    <p:spTree>
+      <p:nvGrpSpPr>
+        <p:cNvPr id="1" name=""/>
+        <p:cNvGrpSpPr/>
+        <p:nvPr/>
+      </p:nvGrpSpPr>
+      <p:grpSpPr>
+        <a:xfrm>
+          <a:off x="0" y="0"/>
+          <a:ext cx="0" cy="0"/>
+          <a:chOff x="0" y="0"/>
+          <a:chExt cx="0" cy="0"/>
+        </a:xfrm>
+      </p:grpSpPr>
+      <p:pic>
+        <p:nvPicPr>
+          <p:cNvPr id="2" name="PPTIndicator201506301218265249"/>
+          <p:cNvPicPr>
+            <a:picLocks/>
+          </p:cNvPicPr>
+          <p:nvPr/>
+        </p:nvPicPr>
+        <p:blipFill>
+          <a:blip r:embed="rId2" cstate="print">
+            <a:extLst>
+              <a:ext uri="{28A0092B-C50C-407E-A947-70E740481C1C}">
+                <a14:useLocalDpi xmlns:a14="http://schemas.microsoft.com/office/drawing/2010/main" val="0"/>
+              </a:ext>
+            </a:extLst>
+          </a:blip>
+          <a:stretch>
+            <a:fillRect/>
+          </a:stretch>
+        </p:blipFill>
+        <p:spPr>
+          <a:xfrm>
+            <a:off x="7620000" y="0"/>
+            <a:ext cx="1524000" cy="1066800"/>
+          </a:xfrm>
+          <a:prstGeom prst="rect">
+            <a:avLst/>
+          </a:prstGeom>
+        </p:spPr>
+      </p:pic>
+      <p:sp>
+        <p:nvSpPr>
+          <p:cNvPr id="5" name="Title 1"/>
+          <p:cNvSpPr txBox="1">
+            <a:spLocks/>
+          </p:cNvSpPr>
+          <p:nvPr/>
+        </p:nvSpPr>
+        <p:spPr>
+          <a:xfrm>
+            <a:off x="457200" y="274638"/>
+            <a:ext cx="8229600" cy="1143000"/>
+          </a:xfrm>
+          <a:prstGeom prst="rect">
+            <a:avLst/>
+          </a:prstGeom>
+        </p:spPr>
+        <p:txBody>
+          <a:bodyPr vert="horz" lIns="91440" tIns="45720" rIns="91440" bIns="45720" rtlCol="0" anchor="ctr">
+            <a:normAutofit/>
+          </a:bodyPr>
+          <a:lstStyle>
+            <a:lvl1pPr algn="ctr">
+              <a:spcBef>
+                <a:spcPct val="0"/>
+              </a:spcBef>
+              <a:buNone/>
+              <a:defRPr sz="4400">
+                <a:latin typeface="+mj-lt"/>
+                <a:ea typeface="+mj-ea"/>
+                <a:cs typeface="+mj-cs"/>
+              </a:defRPr>
+            </a:lvl1pPr>
+          </a:lstStyle>
+          <a:p>
+            <a:r>
+              <a:rPr lang="en-US">
+                <a:solidFill>
+                  <a:prstClr val="black"/>
+                </a:solidFill>
+              </a:rPr>
+              <a:t>Agenda</a:t>
+            </a:r>
+            <a:endParaRPr lang="en-US"/>
+          </a:p>
+        </p:txBody>
+      </p:sp>
+      <p:sp>
+        <p:nvSpPr>
+          <p:cNvPr id="6" name="PptLabsAgenda_&amp;^@ContentShape_&amp;^@2015063012182517380"/>
+          <p:cNvSpPr txBox="1">
+            <a:spLocks/>
+          </p:cNvSpPr>
+          <p:nvPr/>
+        </p:nvSpPr>
+        <p:spPr>
+          <a:xfrm>
+            <a:off x="457200" y="1600200"/>
+            <a:ext cx="8229600" cy="4525963"/>
+          </a:xfrm>
+          <a:prstGeom prst="rect">
+            <a:avLst/>
+          </a:prstGeom>
+        </p:spPr>
+        <p:txBody>
+          <a:bodyPr vert="horz" lIns="91440" tIns="45720" rIns="91440" bIns="45720" rtlCol="0">
+            <a:normAutofit/>
+          </a:bodyPr>
+          <a:lstStyle>
+            <a:lvl1pPr marL="342900" indent="-342900">
+              <a:spcBef>
+                <a:spcPct val="20000"/>
+              </a:spcBef>
+              <a:buFont typeface="Arial" pitchFamily="34" charset="0"/>
+              <a:buChar char="•"/>
+              <a:defRPr sz="3200">
+                <a:solidFill>
+                  <a:srgbClr val="808080"/>
+                </a:solidFill>
+              </a:defRPr>
+            </a:lvl1pPr>
+            <a:lvl2pPr marL="742950" indent="-285750">
+              <a:spcBef>
+                <a:spcPct val="20000"/>
+              </a:spcBef>
+              <a:buFont typeface="Arial" pitchFamily="34" charset="0"/>
+              <a:buChar char="–"/>
+              <a:defRPr sz="2800"/>
+            </a:lvl2pPr>
+            <a:lvl3pPr marL="1143000" indent="-228600">
+              <a:spcBef>
+                <a:spcPct val="20000"/>
+              </a:spcBef>
+              <a:buFont typeface="Arial" pitchFamily="34" charset="0"/>
+              <a:buChar char="•"/>
+              <a:defRPr sz="2400"/>
+            </a:lvl3pPr>
+            <a:lvl4pPr marL="1600200" indent="-228600">
+              <a:spcBef>
+                <a:spcPct val="20000"/>
+              </a:spcBef>
+              <a:buFont typeface="Arial" pitchFamily="34" charset="0"/>
+              <a:buChar char="–"/>
+              <a:defRPr sz="2000"/>
+            </a:lvl4pPr>
+            <a:lvl5pPr marL="2057400" indent="-228600">
+              <a:spcBef>
+                <a:spcPct val="20000"/>
+              </a:spcBef>
+              <a:buFont typeface="Arial" pitchFamily="34" charset="0"/>
+              <a:buChar char="»"/>
+              <a:defRPr sz="2000"/>
+            </a:lvl5pPr>
+            <a:lvl6pPr marL="2514600" indent="-228600">
+              <a:spcBef>
+                <a:spcPct val="20000"/>
+              </a:spcBef>
+              <a:buFont typeface="Arial" pitchFamily="34" charset="0"/>
+              <a:buChar char="•"/>
+              <a:defRPr sz="2000"/>
+            </a:lvl6pPr>
+            <a:lvl7pPr marL="2971800" indent="-228600">
+              <a:spcBef>
+                <a:spcPct val="20000"/>
+              </a:spcBef>
+              <a:buFont typeface="Arial" pitchFamily="34" charset="0"/>
+              <a:buChar char="•"/>
+              <a:defRPr sz="2000"/>
+            </a:lvl7pPr>
+            <a:lvl8pPr marL="3429000" indent="-228600">
+              <a:spcBef>
+                <a:spcPct val="20000"/>
+              </a:spcBef>
+              <a:buFont typeface="Arial" pitchFamily="34" charset="0"/>
+              <a:buChar char="•"/>
+              <a:defRPr sz="2000"/>
+            </a:lvl8pPr>
+            <a:lvl9pPr marL="3886200" indent="-228600">
+              <a:spcBef>
+                <a:spcPct val="20000"/>
+              </a:spcBef>
+              <a:buFont typeface="Arial" pitchFamily="34" charset="0"/>
+              <a:buChar char="•"/>
+              <a:defRPr sz="2000"/>
+            </a:lvl9pPr>
+          </a:lstStyle>
+          <a:p>
+            <a:pPr lvl="0"/>
+            <a:r>
+              <a:rPr lang="en-US" smtClean="0"/>
+              <a:t>One Slide</a:t>
+            </a:r>
+            <a:endParaRPr lang="en-US"/>
+          </a:p>
+          <a:p>
+            <a:pPr lvl="0"/>
+            <a:r>
+              <a:rPr lang="en-US" smtClean="0"/>
+              <a:t>Two Slides</a:t>
+            </a:r>
+            <a:endParaRPr lang="en-US"/>
+          </a:p>
+          <a:p>
+            <a:pPr lvl="0"/>
+            <a:r>
+              <a:rPr lang="en-US" smtClean="0"/>
+              <a:t>Same Name</a:t>
+            </a:r>
+            <a:endParaRPr lang="en-US"/>
+          </a:p>
+          <a:p>
+            <a:pPr lvl="0"/>
+            <a:r>
+              <a:rPr lang="en-US" smtClean="0"/>
+              <a:t>Same Name</a:t>
+            </a:r>
+            <a:endParaRPr lang="en-US"/>
+          </a:p>
+          <a:p>
+            <a:pPr lvl="0"/>
+            <a:r>
+              <a:rPr lang="ja-JP" altLang="en-US" smtClean="0"/>
+              <a:t>あいうえお</a:t>
+            </a:r>
+            <a:r>
+              <a:rPr lang="en-US" smtClean="0"/>
+              <a:t>kl)(*&amp;%$#@85v_+)0_@#%L:CF]1</a:t>
+            </a:r>
+            <a:endParaRPr lang="en-US"/>
+          </a:p>
+          <a:p>
+            <a:endParaRPr lang="en-US"/>
+          </a:p>
+        </p:txBody>
+      </p:sp>
+    </p:spTree>
+    <p:extLst>
+      <p:ext uri="{BB962C8B-B14F-4D97-AF65-F5344CB8AC3E}">
+        <p14:creationId xmlns:p14="http://schemas.microsoft.com/office/powerpoint/2010/main" val="2001786014"/>
+      </p:ext>
+    </p:extLst>
+  </p:cSld>
+  <p:clrMapOvr>
+    <a:masterClrMapping/>
+  </p:clrMapOvr>
+  <mc:AlternateContent xmlns:mc="http://schemas.openxmlformats.org/markup-compatibility/2006">
+    <mc:Choice xmlns:p14="http://schemas.microsoft.com/office/powerpoint/2010/main" Requires="p14">
       <p:transition p14:dur="250">
         <p:fade/>
       </p:transition>
     </mc:Choice>
-    <mc:Fallback xmlns="">
+    <mc:Fallback>
       <p:transition>
         <p:fade/>
       </p:transition>
@@ -12698,9 +14307,9 @@
 </p:sld>
 </file>
 
-<file path=ppt/slides/slide21.xml><?xml version="1.0" encoding="utf-8"?>
-<p:sld xmlns:a="http://schemas.openxmlformats.org/drawingml/2006/main" xmlns:r="http://schemas.openxmlformats.org/officeDocument/2006/relationships" xmlns:p="http://schemas.openxmlformats.org/presentationml/2006/main">
-  <p:cSld name="PptLabsAgenda_&amp;^@Bullet_&amp;^@Start_&amp;^@あいうえおkl)(*&amp;%$#@85v_+)0_@#%L:CF]1_6">
+<file path=ppt/slides/slide26.xml><?xml version="1.0" encoding="utf-8"?>
+<p:sld xmlns:a="http://schemas.openxmlformats.org/drawingml/2006/main" xmlns:r="http://schemas.openxmlformats.org/officeDocument/2006/relationships" xmlns:p="http://schemas.openxmlformats.org/presentationml/2006/main" show="0">
+  <p:cSld name="PPTLabsAcknowledgementSlide">
     <p:spTree>
       <p:nvGrpSpPr>
         <p:cNvPr id="1" name=""/>
@@ -12717,7 +14326,82 @@
       </p:grpSpPr>
       <p:pic>
         <p:nvPicPr>
-          <p:cNvPr id="2" name="PPTIndicator201506191628398446"/>
+          <p:cNvPr id="2" name="Picture 1"/>
+          <p:cNvPicPr>
+            <a:picLocks/>
+          </p:cNvPicPr>
+          <p:nvPr/>
+        </p:nvPicPr>
+        <p:blipFill>
+          <a:blip r:embed="rId2">
+            <a:extLst>
+              <a:ext uri="{28A0092B-C50C-407E-A947-70E740481C1C}">
+                <a14:useLocalDpi xmlns:a14="http://schemas.microsoft.com/office/drawing/2010/main" val="0"/>
+              </a:ext>
+            </a:extLst>
+          </a:blip>
+          <a:stretch>
+            <a:fillRect/>
+          </a:stretch>
+        </p:blipFill>
+        <p:spPr>
+          <a:xfrm>
+            <a:off x="649224" y="992124"/>
+            <a:ext cx="7845552" cy="4873752"/>
+          </a:xfrm>
+          <a:prstGeom prst="rect">
+            <a:avLst/>
+          </a:prstGeom>
+        </p:spPr>
+      </p:pic>
+    </p:spTree>
+    <p:extLst>
+      <p:ext uri="{BB962C8B-B14F-4D97-AF65-F5344CB8AC3E}">
+        <p14:creationId xmlns:p14="http://schemas.microsoft.com/office/powerpoint/2010/main" val="901803592"/>
+      </p:ext>
+    </p:extLst>
+  </p:cSld>
+  <p:clrMapOvr>
+    <a:masterClrMapping/>
+  </p:clrMapOvr>
+  <mc:AlternateContent xmlns:mc="http://schemas.openxmlformats.org/markup-compatibility/2006">
+    <mc:Choice xmlns:p14="http://schemas.microsoft.com/office/powerpoint/2010/main" Requires="p14">
+      <p:transition spd="slow" p14:dur="2000"/>
+    </mc:Choice>
+    <mc:Fallback>
+      <p:transition spd="slow"/>
+    </mc:Fallback>
+  </mc:AlternateContent>
+  <p:timing>
+    <p:tnLst>
+      <p:par>
+        <p:cTn id="1" dur="indefinite" restart="never" nodeType="tmRoot"/>
+      </p:par>
+    </p:tnLst>
+  </p:timing>
+</p:sld>
+</file>
+
+<file path=ppt/slides/slide3.xml><?xml version="1.0" encoding="utf-8"?>
+<p:sld xmlns:a="http://schemas.openxmlformats.org/drawingml/2006/main" xmlns:r="http://schemas.openxmlformats.org/officeDocument/2006/relationships" xmlns:p="http://schemas.openxmlformats.org/presentationml/2006/main">
+  <p:cSld name="PptLabsAgenda_&amp;^@Bullet_&amp;^@End_&amp;^@Default Section_1">
+    <p:spTree>
+      <p:nvGrpSpPr>
+        <p:cNvPr id="1" name=""/>
+        <p:cNvGrpSpPr/>
+        <p:nvPr/>
+      </p:nvGrpSpPr>
+      <p:grpSpPr>
+        <a:xfrm>
+          <a:off x="0" y="0"/>
+          <a:ext cx="0" cy="0"/>
+          <a:chOff x="0" y="0"/>
+          <a:chExt cx="0" cy="0"/>
+        </a:xfrm>
+      </p:grpSpPr>
+      <p:pic>
+        <p:nvPicPr>
+          <p:cNvPr id="2" name="PPTIndicator201506301218252748"/>
           <p:cNvPicPr>
             <a:picLocks/>
           </p:cNvPicPr>
@@ -12794,7 +14478,7 @@
       </p:sp>
       <p:sp>
         <p:nvSpPr>
-          <p:cNvPr id="6" name="PptLabsAgenda_&amp;^@ContentShape_&amp;^@2015061916283877850"/>
+          <p:cNvPr id="6" name="PptLabsAgenda_&amp;^@ContentShape_&amp;^@2015063012182517380"/>
           <p:cNvSpPr txBox="1">
             <a:spLocks/>
           </p:cNvSpPr>
@@ -12892,43 +14576,50 @@
             </a:lvl9pPr>
           </a:lstStyle>
           <a:p>
-            <a:pPr lvl="0"/>
-            <a:r>
-              <a:rPr lang="en-US" smtClean="0"/>
+            <a:r>
+              <a:rPr lang="en-US" smtClean="0">
+                <a:solidFill>
+                  <a:srgbClr val="000000"/>
+                </a:solidFill>
+              </a:rPr>
               <a:t>One Slide</a:t>
             </a:r>
-            <a:endParaRPr lang="en-US"/>
-          </a:p>
-          <a:p>
-            <a:pPr lvl="0"/>
-            <a:r>
-              <a:rPr lang="en-US" smtClean="0"/>
+          </a:p>
+          <a:p>
+            <a:r>
+              <a:rPr lang="en-US" smtClean="0">
+                <a:solidFill>
+                  <a:srgbClr val="000000"/>
+                </a:solidFill>
+              </a:rPr>
               <a:t>Two Slides</a:t>
             </a:r>
-            <a:endParaRPr lang="en-US"/>
-          </a:p>
-          <a:p>
-            <a:pPr lvl="0"/>
-            <a:r>
-              <a:rPr lang="en-US" smtClean="0"/>
+          </a:p>
+          <a:p>
+            <a:r>
+              <a:rPr lang="en-US" smtClean="0">
+                <a:solidFill>
+                  <a:srgbClr val="000000"/>
+                </a:solidFill>
+              </a:rPr>
               <a:t>Same Name</a:t>
             </a:r>
-            <a:endParaRPr lang="en-US"/>
-          </a:p>
-          <a:p>
-            <a:pPr lvl="0"/>
-            <a:r>
-              <a:rPr lang="en-US" smtClean="0"/>
+          </a:p>
+          <a:p>
+            <a:r>
+              <a:rPr lang="en-US" smtClean="0">
+                <a:solidFill>
+                  <a:srgbClr val="000000"/>
+                </a:solidFill>
+              </a:rPr>
               <a:t>Same Name</a:t>
             </a:r>
-            <a:endParaRPr lang="en-US"/>
-          </a:p>
-          <a:p>
-            <a:pPr lvl="0"/>
+          </a:p>
+          <a:p>
             <a:r>
               <a:rPr lang="ja-JP" altLang="en-US" smtClean="0">
                 <a:solidFill>
-                  <a:srgbClr val="FF0000"/>
+                  <a:srgbClr val="000000"/>
                 </a:solidFill>
               </a:rPr>
               <a:t>あいうえお</a:t>
@@ -12936,18 +14627,11 @@
             <a:r>
               <a:rPr lang="en-US" smtClean="0">
                 <a:solidFill>
-                  <a:srgbClr val="FF0000"/>
+                  <a:srgbClr val="000000"/>
                 </a:solidFill>
               </a:rPr>
               <a:t>kl)(*&amp;%$#@85v_+)0_@#%L:CF]1</a:t>
             </a:r>
-            <a:endParaRPr lang="en-US">
-              <a:solidFill>
-                <a:srgbClr val="FF0000"/>
-              </a:solidFill>
-            </a:endParaRPr>
-          </a:p>
-          <a:p>
             <a:endParaRPr lang="en-US"/>
           </a:p>
         </p:txBody>
@@ -12955,20 +14639,410 @@
     </p:spTree>
     <p:extLst>
       <p:ext uri="{BB962C8B-B14F-4D97-AF65-F5344CB8AC3E}">
-        <p14:creationId xmlns:p14="http://schemas.microsoft.com/office/powerpoint/2010/main" val="998088174"/>
+        <p14:creationId xmlns:p14="http://schemas.microsoft.com/office/powerpoint/2010/main" val="1094914286"/>
       </p:ext>
     </p:extLst>
   </p:cSld>
   <p:clrMapOvr>
     <a:masterClrMapping/>
   </p:clrMapOvr>
-  <mc:AlternateContent xmlns:mc="http://schemas.openxmlformats.org/markup-compatibility/2006" xmlns:p14="http://schemas.microsoft.com/office/powerpoint/2010/main">
-    <mc:Choice Requires="p14">
+  <mc:AlternateContent xmlns:mc="http://schemas.openxmlformats.org/markup-compatibility/2006">
+    <mc:Choice xmlns:p14="http://schemas.microsoft.com/office/powerpoint/2010/main" Requires="p14">
+      <p:transition spd="slow" p14:dur="800">
+        <p:push dir="u"/>
+      </p:transition>
+    </mc:Choice>
+    <mc:Fallback>
+      <p:transition spd="slow">
+        <p:push dir="u"/>
+      </p:transition>
+    </mc:Fallback>
+  </mc:AlternateContent>
+  <p:timing>
+    <p:tnLst>
+      <p:par>
+        <p:cTn id="1" dur="indefinite" restart="never" nodeType="tmRoot">
+          <p:childTnLst>
+            <p:seq concurrent="1" nextAc="seek">
+              <p:cTn id="2" dur="indefinite" nodeType="mainSeq">
+                <p:childTnLst>
+                  <p:par>
+                    <p:cTn id="3" fill="hold">
+                      <p:stCondLst>
+                        <p:cond delay="indefinite"/>
+                        <p:cond evt="onBegin" delay="0">
+                          <p:tn val="2"/>
+                        </p:cond>
+                      </p:stCondLst>
+                      <p:childTnLst>
+                        <p:par>
+                          <p:cTn id="4" fill="hold">
+                            <p:stCondLst>
+                              <p:cond delay="0"/>
+                            </p:stCondLst>
+                            <p:childTnLst>
+                              <p:par>
+                                <p:cTn id="5" presetID="1" presetClass="entr" presetSubtype="0" fill="hold" nodeType="withEffect">
+                                  <p:stCondLst>
+                                    <p:cond delay="0"/>
+                                  </p:stCondLst>
+                                  <p:childTnLst>
+                                    <p:set>
+                                      <p:cBhvr>
+                                        <p:cTn id="6" dur="1" fill="hold">
+                                          <p:stCondLst>
+                                            <p:cond delay="0"/>
+                                          </p:stCondLst>
+                                        </p:cTn>
+                                        <p:tgtEl>
+                                          <p:spTgt spid="2"/>
+                                        </p:tgtEl>
+                                        <p:attrNameLst>
+                                          <p:attrName>style.visibility</p:attrName>
+                                        </p:attrNameLst>
+                                      </p:cBhvr>
+                                      <p:to>
+                                        <p:strVal val="visible"/>
+                                      </p:to>
+                                    </p:set>
+                                  </p:childTnLst>
+                                </p:cTn>
+                              </p:par>
+                              <p:par>
+                                <p:cTn id="7" presetID="1" presetClass="exit" presetSubtype="0" fill="hold" nodeType="withEffect">
+                                  <p:stCondLst>
+                                    <p:cond delay="0"/>
+                                  </p:stCondLst>
+                                  <p:childTnLst>
+                                    <p:set>
+                                      <p:cBhvr>
+                                        <p:cTn id="8" dur="1" fill="hold">
+                                          <p:stCondLst>
+                                            <p:cond delay="0"/>
+                                          </p:stCondLst>
+                                        </p:cTn>
+                                        <p:tgtEl>
+                                          <p:spTgt spid="2"/>
+                                        </p:tgtEl>
+                                        <p:attrNameLst>
+                                          <p:attrName>style.visibility</p:attrName>
+                                        </p:attrNameLst>
+                                      </p:cBhvr>
+                                      <p:to>
+                                        <p:strVal val="hidden"/>
+                                      </p:to>
+                                    </p:set>
+                                  </p:childTnLst>
+                                </p:cTn>
+                              </p:par>
+                            </p:childTnLst>
+                          </p:cTn>
+                        </p:par>
+                      </p:childTnLst>
+                    </p:cTn>
+                  </p:par>
+                </p:childTnLst>
+              </p:cTn>
+              <p:prevCondLst>
+                <p:cond evt="onPrev" delay="0">
+                  <p:tgtEl>
+                    <p:sldTgt/>
+                  </p:tgtEl>
+                </p:cond>
+              </p:prevCondLst>
+              <p:nextCondLst>
+                <p:cond evt="onNext" delay="0">
+                  <p:tgtEl>
+                    <p:sldTgt/>
+                  </p:tgtEl>
+                </p:cond>
+              </p:nextCondLst>
+            </p:seq>
+          </p:childTnLst>
+        </p:cTn>
+      </p:par>
+    </p:tnLst>
+  </p:timing>
+</p:sld>
+</file>
+
+<file path=ppt/slides/slide4.xml><?xml version="1.0" encoding="utf-8"?>
+<p:sld xmlns:a="http://schemas.openxmlformats.org/drawingml/2006/main" xmlns:r="http://schemas.openxmlformats.org/officeDocument/2006/relationships" xmlns:p="http://schemas.openxmlformats.org/presentationml/2006/main">
+  <p:cSld name="PptLabsAgenda_&amp;^@Bullet_&amp;^@Start_&amp;^@One Slide_2">
+    <p:spTree>
+      <p:nvGrpSpPr>
+        <p:cNvPr id="1" name=""/>
+        <p:cNvGrpSpPr/>
+        <p:nvPr/>
+      </p:nvGrpSpPr>
+      <p:grpSpPr>
+        <a:xfrm>
+          <a:off x="0" y="0"/>
+          <a:ext cx="0" cy="0"/>
+          <a:chOff x="0" y="0"/>
+          <a:chExt cx="0" cy="0"/>
+        </a:xfrm>
+      </p:grpSpPr>
+      <p:pic>
+        <p:nvPicPr>
+          <p:cNvPr id="2" name="PPTIndicator201506301218254258"/>
+          <p:cNvPicPr>
+            <a:picLocks/>
+          </p:cNvPicPr>
+          <p:nvPr/>
+        </p:nvPicPr>
+        <p:blipFill>
+          <a:blip r:embed="rId2" cstate="print">
+            <a:extLst>
+              <a:ext uri="{28A0092B-C50C-407E-A947-70E740481C1C}">
+                <a14:useLocalDpi xmlns:a14="http://schemas.microsoft.com/office/drawing/2010/main" val="0"/>
+              </a:ext>
+            </a:extLst>
+          </a:blip>
+          <a:stretch>
+            <a:fillRect/>
+          </a:stretch>
+        </p:blipFill>
+        <p:spPr>
+          <a:xfrm>
+            <a:off x="7620000" y="0"/>
+            <a:ext cx="1524000" cy="1066800"/>
+          </a:xfrm>
+          <a:prstGeom prst="rect">
+            <a:avLst/>
+          </a:prstGeom>
+        </p:spPr>
+      </p:pic>
+      <p:sp>
+        <p:nvSpPr>
+          <p:cNvPr id="5" name="Title 1"/>
+          <p:cNvSpPr txBox="1">
+            <a:spLocks/>
+          </p:cNvSpPr>
+          <p:nvPr/>
+        </p:nvSpPr>
+        <p:spPr>
+          <a:xfrm>
+            <a:off x="457200" y="274638"/>
+            <a:ext cx="8229600" cy="1143000"/>
+          </a:xfrm>
+          <a:prstGeom prst="rect">
+            <a:avLst/>
+          </a:prstGeom>
+        </p:spPr>
+        <p:txBody>
+          <a:bodyPr vert="horz" lIns="91440" tIns="45720" rIns="91440" bIns="45720" rtlCol="0" anchor="ctr">
+            <a:normAutofit/>
+          </a:bodyPr>
+          <a:lstStyle>
+            <a:lvl1pPr algn="ctr">
+              <a:spcBef>
+                <a:spcPct val="0"/>
+              </a:spcBef>
+              <a:buNone/>
+              <a:defRPr sz="4400">
+                <a:latin typeface="+mj-lt"/>
+                <a:ea typeface="+mj-ea"/>
+                <a:cs typeface="+mj-cs"/>
+              </a:defRPr>
+            </a:lvl1pPr>
+          </a:lstStyle>
+          <a:p>
+            <a:r>
+              <a:rPr lang="en-US">
+                <a:solidFill>
+                  <a:prstClr val="black"/>
+                </a:solidFill>
+              </a:rPr>
+              <a:t>Agenda</a:t>
+            </a:r>
+            <a:endParaRPr lang="en-US"/>
+          </a:p>
+        </p:txBody>
+      </p:sp>
+      <p:sp>
+        <p:nvSpPr>
+          <p:cNvPr id="6" name="PptLabsAgenda_&amp;^@ContentShape_&amp;^@2015063012182517380"/>
+          <p:cNvSpPr txBox="1">
+            <a:spLocks/>
+          </p:cNvSpPr>
+          <p:nvPr/>
+        </p:nvSpPr>
+        <p:spPr>
+          <a:xfrm>
+            <a:off x="457200" y="1600200"/>
+            <a:ext cx="8229600" cy="4525963"/>
+          </a:xfrm>
+          <a:prstGeom prst="rect">
+            <a:avLst/>
+          </a:prstGeom>
+        </p:spPr>
+        <p:txBody>
+          <a:bodyPr vert="horz" lIns="91440" tIns="45720" rIns="91440" bIns="45720" rtlCol="0">
+            <a:normAutofit/>
+          </a:bodyPr>
+          <a:lstStyle>
+            <a:lvl1pPr marL="342900" indent="-342900">
+              <a:spcBef>
+                <a:spcPct val="20000"/>
+              </a:spcBef>
+              <a:buFont typeface="Arial" pitchFamily="34" charset="0"/>
+              <a:buChar char="•"/>
+              <a:defRPr sz="3200">
+                <a:solidFill>
+                  <a:srgbClr val="808080"/>
+                </a:solidFill>
+              </a:defRPr>
+            </a:lvl1pPr>
+            <a:lvl2pPr marL="742950" indent="-285750">
+              <a:spcBef>
+                <a:spcPct val="20000"/>
+              </a:spcBef>
+              <a:buFont typeface="Arial" pitchFamily="34" charset="0"/>
+              <a:buChar char="–"/>
+              <a:defRPr sz="2800"/>
+            </a:lvl2pPr>
+            <a:lvl3pPr marL="1143000" indent="-228600">
+              <a:spcBef>
+                <a:spcPct val="20000"/>
+              </a:spcBef>
+              <a:buFont typeface="Arial" pitchFamily="34" charset="0"/>
+              <a:buChar char="•"/>
+              <a:defRPr sz="2400"/>
+            </a:lvl3pPr>
+            <a:lvl4pPr marL="1600200" indent="-228600">
+              <a:spcBef>
+                <a:spcPct val="20000"/>
+              </a:spcBef>
+              <a:buFont typeface="Arial" pitchFamily="34" charset="0"/>
+              <a:buChar char="–"/>
+              <a:defRPr sz="2000"/>
+            </a:lvl4pPr>
+            <a:lvl5pPr marL="2057400" indent="-228600">
+              <a:spcBef>
+                <a:spcPct val="20000"/>
+              </a:spcBef>
+              <a:buFont typeface="Arial" pitchFamily="34" charset="0"/>
+              <a:buChar char="»"/>
+              <a:defRPr sz="2000"/>
+            </a:lvl5pPr>
+            <a:lvl6pPr marL="2514600" indent="-228600">
+              <a:spcBef>
+                <a:spcPct val="20000"/>
+              </a:spcBef>
+              <a:buFont typeface="Arial" pitchFamily="34" charset="0"/>
+              <a:buChar char="•"/>
+              <a:defRPr sz="2000"/>
+            </a:lvl6pPr>
+            <a:lvl7pPr marL="2971800" indent="-228600">
+              <a:spcBef>
+                <a:spcPct val="20000"/>
+              </a:spcBef>
+              <a:buFont typeface="Arial" pitchFamily="34" charset="0"/>
+              <a:buChar char="•"/>
+              <a:defRPr sz="2000"/>
+            </a:lvl7pPr>
+            <a:lvl8pPr marL="3429000" indent="-228600">
+              <a:spcBef>
+                <a:spcPct val="20000"/>
+              </a:spcBef>
+              <a:buFont typeface="Arial" pitchFamily="34" charset="0"/>
+              <a:buChar char="•"/>
+              <a:defRPr sz="2000"/>
+            </a:lvl8pPr>
+            <a:lvl9pPr marL="3886200" indent="-228600">
+              <a:spcBef>
+                <a:spcPct val="20000"/>
+              </a:spcBef>
+              <a:buFont typeface="Arial" pitchFamily="34" charset="0"/>
+              <a:buChar char="•"/>
+              <a:defRPr sz="2000"/>
+            </a:lvl9pPr>
+          </a:lstStyle>
+          <a:p>
+            <a:pPr lvl="0"/>
+            <a:r>
+              <a:rPr lang="en-US" smtClean="0">
+                <a:solidFill>
+                  <a:srgbClr val="FF0000"/>
+                </a:solidFill>
+              </a:rPr>
+              <a:t>One Slide</a:t>
+            </a:r>
+            <a:endParaRPr lang="en-US">
+              <a:solidFill>
+                <a:srgbClr val="FF0000"/>
+              </a:solidFill>
+            </a:endParaRPr>
+          </a:p>
+          <a:p>
+            <a:r>
+              <a:rPr lang="en-US" smtClean="0">
+                <a:solidFill>
+                  <a:srgbClr val="000000"/>
+                </a:solidFill>
+              </a:rPr>
+              <a:t>Two Slides</a:t>
+            </a:r>
+          </a:p>
+          <a:p>
+            <a:r>
+              <a:rPr lang="en-US" smtClean="0">
+                <a:solidFill>
+                  <a:srgbClr val="000000"/>
+                </a:solidFill>
+              </a:rPr>
+              <a:t>Same Name</a:t>
+            </a:r>
+          </a:p>
+          <a:p>
+            <a:r>
+              <a:rPr lang="en-US" smtClean="0">
+                <a:solidFill>
+                  <a:srgbClr val="000000"/>
+                </a:solidFill>
+              </a:rPr>
+              <a:t>Same Name</a:t>
+            </a:r>
+          </a:p>
+          <a:p>
+            <a:r>
+              <a:rPr lang="ja-JP" altLang="en-US" smtClean="0">
+                <a:solidFill>
+                  <a:srgbClr val="000000"/>
+                </a:solidFill>
+              </a:rPr>
+              <a:t>あいうえお</a:t>
+            </a:r>
+            <a:r>
+              <a:rPr lang="en-US" smtClean="0">
+                <a:solidFill>
+                  <a:srgbClr val="000000"/>
+                </a:solidFill>
+              </a:rPr>
+              <a:t>kl)(*&amp;%$#@85v_+)0_@#%L:CF]1</a:t>
+            </a:r>
+            <a:endParaRPr lang="en-US"/>
+          </a:p>
+        </p:txBody>
+      </p:sp>
+    </p:spTree>
+    <p:extLst>
+      <p:ext uri="{BB962C8B-B14F-4D97-AF65-F5344CB8AC3E}">
+        <p14:creationId xmlns:p14="http://schemas.microsoft.com/office/powerpoint/2010/main" val="1864009513"/>
+      </p:ext>
+    </p:extLst>
+  </p:cSld>
+  <p:clrMapOvr>
+    <a:masterClrMapping/>
+  </p:clrMapOvr>
+  <mc:AlternateContent xmlns:mc="http://schemas.openxmlformats.org/markup-compatibility/2006">
+    <mc:Choice xmlns:p14="http://schemas.microsoft.com/office/powerpoint/2010/main" Requires="p14">
       <p:transition p14:dur="250">
         <p:fade/>
       </p:transition>
     </mc:Choice>
-    <mc:Fallback xmlns="">
+    <mc:Fallback>
       <p:transition>
         <p:fade/>
       </p:transition>
@@ -13082,13 +15156,15 @@
 </p:sld>
 </file>
 
-<file path=ppt/slides/slide22.xml><?xml version="1.0" encoding="utf-8"?>
+<file path=ppt/slides/slide5.xml><?xml version="1.0" encoding="utf-8"?>
 <p:sld xmlns:a="http://schemas.openxmlformats.org/drawingml/2006/main" xmlns:r="http://schemas.openxmlformats.org/officeDocument/2006/relationships" xmlns:p="http://schemas.openxmlformats.org/presentationml/2006/main">
   <p:cSld>
     <p:bg>
       <p:bgPr>
         <a:solidFill>
-          <a:schemeClr val="bg1"/>
+          <a:schemeClr val="accent6">
+            <a:lumMod val="75000"/>
+          </a:schemeClr>
         </a:solidFill>
         <a:effectLst/>
       </p:bgPr>
@@ -13107,16 +15183,114 @@
           <a:chExt cx="0" cy="0"/>
         </a:xfrm>
       </p:grpSpPr>
+      <p:sp>
+        <p:nvSpPr>
+          <p:cNvPr id="2" name="Title 1"/>
+          <p:cNvSpPr>
+            <a:spLocks noGrp="1"/>
+          </p:cNvSpPr>
+          <p:nvPr>
+            <p:ph type="title"/>
+          </p:nvPr>
+        </p:nvSpPr>
+        <p:spPr>
+          <a:xfrm>
+            <a:off x="381000" y="609600"/>
+            <a:ext cx="8229600" cy="1143000"/>
+          </a:xfrm>
+        </p:spPr>
+        <p:txBody>
+          <a:bodyPr>
+            <a:noAutofit/>
+          </a:bodyPr>
+          <a:lstStyle/>
+          <a:p>
+            <a:pPr algn="l"/>
+            <a:r>
+              <a:rPr lang="en-US" sz="7200" dirty="0" smtClean="0">
+                <a:solidFill>
+                  <a:schemeClr val="bg1"/>
+                </a:solidFill>
+              </a:rPr>
+              <a:t>Agenda Lab</a:t>
+            </a:r>
+            <a:endParaRPr lang="en-SG" sz="7200" dirty="0">
+              <a:solidFill>
+                <a:schemeClr val="bg1"/>
+              </a:solidFill>
+            </a:endParaRPr>
+          </a:p>
+        </p:txBody>
+      </p:sp>
+      <p:sp>
+        <p:nvSpPr>
+          <p:cNvPr id="3" name="text 5"/>
+          <p:cNvSpPr txBox="1"/>
+          <p:nvPr/>
+        </p:nvSpPr>
+        <p:spPr>
+          <a:xfrm>
+            <a:off x="542636" y="2819400"/>
+            <a:ext cx="7620000" cy="830997"/>
+          </a:xfrm>
+          <a:prstGeom prst="rect">
+            <a:avLst/>
+          </a:prstGeom>
+          <a:noFill/>
+        </p:spPr>
+        <p:txBody>
+          <a:bodyPr wrap="square" rtlCol="0">
+            <a:spAutoFit/>
+          </a:bodyPr>
+          <a:lstStyle/>
+          <a:p>
+            <a:r>
+              <a:rPr lang="en-US" sz="2400" b="1" dirty="0" smtClean="0">
+                <a:solidFill>
+                  <a:schemeClr val="bg1"/>
+                </a:solidFill>
+              </a:rPr>
+              <a:t>Additional instructions:</a:t>
+            </a:r>
+          </a:p>
+          <a:p>
+            <a:pPr marL="285750" indent="-285750">
+              <a:buFont typeface="Arial" panose="020B0604020202020204" pitchFamily="34" charset="0"/>
+              <a:buChar char="•"/>
+            </a:pPr>
+            <a:r>
+              <a:rPr lang="en-US" sz="2400" dirty="0" smtClean="0">
+                <a:solidFill>
+                  <a:schemeClr val="bg1"/>
+                </a:solidFill>
+              </a:rPr>
+              <a:t>Handled by FT framework.</a:t>
+            </a:r>
+          </a:p>
+        </p:txBody>
+      </p:sp>
     </p:spTree>
     <p:extLst>
       <p:ext uri="{BB962C8B-B14F-4D97-AF65-F5344CB8AC3E}">
-        <p14:creationId xmlns:p14="http://schemas.microsoft.com/office/powerpoint/2010/main" val="1808968506"/>
+        <p14:creationId xmlns:p14="http://schemas.microsoft.com/office/powerpoint/2010/main" val="1569131388"/>
       </p:ext>
     </p:extLst>
   </p:cSld>
   <p:clrMapOvr>
     <a:masterClrMapping/>
   </p:clrMapOvr>
+  <mc:AlternateContent xmlns:mc="http://schemas.openxmlformats.org/markup-compatibility/2006">
+    <mc:Choice xmlns:p14="http://schemas.microsoft.com/office/powerpoint/2010/main" Requires="p14">
+      <p:transition spd="slow" p14:dur="800">
+        <p:push dir="u"/>
+      </p:transition>
+    </mc:Choice>
+    <mc:Fallback>
+      <p:transition spd="slow">
+        <p:push dir="u"/>
+      </p:transition>
+    </mc:Fallback>
+  </mc:AlternateContent>
   <p:timing>
     <p:tnLst>
       <p:par>
@@ -13127,9 +15301,9 @@
 </p:sld>
 </file>
 
-<file path=ppt/slides/slide23.xml><?xml version="1.0" encoding="utf-8"?>
+<file path=ppt/slides/slide6.xml><?xml version="1.0" encoding="utf-8"?>
 <p:sld xmlns:a="http://schemas.openxmlformats.org/drawingml/2006/main" xmlns:r="http://schemas.openxmlformats.org/officeDocument/2006/relationships" xmlns:p="http://schemas.openxmlformats.org/presentationml/2006/main">
-  <p:cSld name="PptLabsAgenda_&amp;^@Bullet_&amp;^@End_&amp;^@あいうえおkl)(*&amp;%$#@85v_+)0_@#%L:CF]1_6">
+  <p:cSld name="PptLabsAgenda_&amp;^@Bullet_&amp;^@End_&amp;^@One Slide_2">
     <p:spTree>
       <p:nvGrpSpPr>
         <p:cNvPr id="1" name=""/>
@@ -13146,7 +15320,7 @@
       </p:grpSpPr>
       <p:pic>
         <p:nvPicPr>
-          <p:cNvPr id="2" name="PPTIndicator201506191628398606"/>
+          <p:cNvPr id="2" name="PPTIndicator201506301218254408"/>
           <p:cNvPicPr>
             <a:picLocks/>
           </p:cNvPicPr>
@@ -13223,7 +15397,7 @@
       </p:sp>
       <p:sp>
         <p:nvSpPr>
-          <p:cNvPr id="6" name="PptLabsAgenda_&amp;^@ContentShape_&amp;^@2015061916283877850"/>
+          <p:cNvPr id="6" name="PptLabsAgenda_&amp;^@ContentShape_&amp;^@2015063012182517380"/>
           <p:cNvSpPr txBox="1">
             <a:spLocks/>
           </p:cNvSpPr>
@@ -13323,52 +15497,12 @@
           <a:p>
             <a:pPr lvl="0"/>
             <a:r>
-              <a:rPr lang="en-US" smtClean="0"/>
-              <a:t>One Slide</a:t>
-            </a:r>
-            <a:endParaRPr lang="en-US"/>
-          </a:p>
-          <a:p>
-            <a:pPr lvl="0"/>
-            <a:r>
-              <a:rPr lang="en-US" smtClean="0"/>
-              <a:t>Two Slides</a:t>
-            </a:r>
-            <a:endParaRPr lang="en-US"/>
-          </a:p>
-          <a:p>
-            <a:pPr lvl="0"/>
-            <a:r>
-              <a:rPr lang="en-US" smtClean="0"/>
-              <a:t>Same Name</a:t>
-            </a:r>
-            <a:endParaRPr lang="en-US"/>
-          </a:p>
-          <a:p>
-            <a:pPr lvl="0"/>
-            <a:r>
-              <a:rPr lang="en-US" smtClean="0"/>
-              <a:t>Same Name</a:t>
-            </a:r>
-            <a:endParaRPr lang="en-US"/>
-          </a:p>
-          <a:p>
-            <a:pPr lvl="0"/>
-            <a:r>
-              <a:rPr lang="ja-JP" altLang="en-US" smtClean="0">
-                <a:solidFill>
-                  <a:srgbClr val="FF0000"/>
-                </a:solidFill>
-              </a:rPr>
-              <a:t>あいうえお</a:t>
-            </a:r>
-            <a:r>
               <a:rPr lang="en-US" smtClean="0">
                 <a:solidFill>
                   <a:srgbClr val="FF0000"/>
                 </a:solidFill>
               </a:rPr>
-              <a:t>kl)(*&amp;%$#@85v_+)0_@#%L:CF]1</a:t>
+              <a:t>One Slide</a:t>
             </a:r>
             <a:endParaRPr lang="en-US">
               <a:solidFill>
@@ -13377,6 +15511,52 @@
             </a:endParaRPr>
           </a:p>
           <a:p>
+            <a:r>
+              <a:rPr lang="en-US" smtClean="0">
+                <a:solidFill>
+                  <a:srgbClr val="000000"/>
+                </a:solidFill>
+              </a:rPr>
+              <a:t>Two Slides</a:t>
+            </a:r>
+          </a:p>
+          <a:p>
+            <a:r>
+              <a:rPr lang="en-US" smtClean="0">
+                <a:solidFill>
+                  <a:srgbClr val="000000"/>
+                </a:solidFill>
+              </a:rPr>
+              <a:t>Same Name</a:t>
+            </a:r>
+          </a:p>
+          <a:p>
+            <a:r>
+              <a:rPr lang="en-US" smtClean="0">
+                <a:solidFill>
+                  <a:srgbClr val="000000"/>
+                </a:solidFill>
+              </a:rPr>
+              <a:t>Same Name</a:t>
+            </a:r>
+          </a:p>
+          <a:p>
+            <a:r>
+              <a:rPr lang="ja-JP" altLang="en-US" smtClean="0">
+                <a:solidFill>
+                  <a:srgbClr val="000000"/>
+                </a:solidFill>
+              </a:rPr>
+              <a:t>あいうえお</a:t>
+            </a:r>
+            <a:r>
+              <a:rPr lang="en-US" smtClean="0">
+                <a:solidFill>
+                  <a:srgbClr val="000000"/>
+                </a:solidFill>
+              </a:rPr>
+              <a:t>kl)(*&amp;%$#@85v_+)0_@#%L:CF]1</a:t>
+            </a:r>
             <a:endParaRPr lang="en-US"/>
           </a:p>
         </p:txBody>
@@ -13384,20 +15564,408 @@
     </p:spTree>
     <p:extLst>
       <p:ext uri="{BB962C8B-B14F-4D97-AF65-F5344CB8AC3E}">
-        <p14:creationId xmlns:p14="http://schemas.microsoft.com/office/powerpoint/2010/main" val="1183687907"/>
+        <p14:creationId xmlns:p14="http://schemas.microsoft.com/office/powerpoint/2010/main" val="3742145592"/>
       </p:ext>
     </p:extLst>
   </p:cSld>
   <p:clrMapOvr>
     <a:masterClrMapping/>
   </p:clrMapOvr>
-  <mc:AlternateContent xmlns:mc="http://schemas.openxmlformats.org/markup-compatibility/2006" xmlns:p14="http://schemas.microsoft.com/office/powerpoint/2010/main">
-    <mc:Choice Requires="p14">
+  <mc:AlternateContent xmlns:mc="http://schemas.openxmlformats.org/markup-compatibility/2006">
+    <mc:Choice xmlns:p14="http://schemas.microsoft.com/office/powerpoint/2010/main" Requires="p14">
+      <p:transition spd="slow" p14:dur="800">
+        <p:push dir="u"/>
+      </p:transition>
+    </mc:Choice>
+    <mc:Fallback>
+      <p:transition spd="slow">
+        <p:push dir="u"/>
+      </p:transition>
+    </mc:Fallback>
+  </mc:AlternateContent>
+  <p:timing>
+    <p:tnLst>
+      <p:par>
+        <p:cTn id="1" dur="indefinite" restart="never" nodeType="tmRoot">
+          <p:childTnLst>
+            <p:seq concurrent="1" nextAc="seek">
+              <p:cTn id="2" dur="indefinite" nodeType="mainSeq">
+                <p:childTnLst>
+                  <p:par>
+                    <p:cTn id="3" fill="hold">
+                      <p:stCondLst>
+                        <p:cond delay="indefinite"/>
+                        <p:cond evt="onBegin" delay="0">
+                          <p:tn val="2"/>
+                        </p:cond>
+                      </p:stCondLst>
+                      <p:childTnLst>
+                        <p:par>
+                          <p:cTn id="4" fill="hold">
+                            <p:stCondLst>
+                              <p:cond delay="0"/>
+                            </p:stCondLst>
+                            <p:childTnLst>
+                              <p:par>
+                                <p:cTn id="5" presetID="1" presetClass="entr" presetSubtype="0" fill="hold" nodeType="withEffect">
+                                  <p:stCondLst>
+                                    <p:cond delay="0"/>
+                                  </p:stCondLst>
+                                  <p:childTnLst>
+                                    <p:set>
+                                      <p:cBhvr>
+                                        <p:cTn id="6" dur="1" fill="hold">
+                                          <p:stCondLst>
+                                            <p:cond delay="0"/>
+                                          </p:stCondLst>
+                                        </p:cTn>
+                                        <p:tgtEl>
+                                          <p:spTgt spid="2"/>
+                                        </p:tgtEl>
+                                        <p:attrNameLst>
+                                          <p:attrName>style.visibility</p:attrName>
+                                        </p:attrNameLst>
+                                      </p:cBhvr>
+                                      <p:to>
+                                        <p:strVal val="visible"/>
+                                      </p:to>
+                                    </p:set>
+                                  </p:childTnLst>
+                                </p:cTn>
+                              </p:par>
+                              <p:par>
+                                <p:cTn id="7" presetID="1" presetClass="exit" presetSubtype="0" fill="hold" nodeType="withEffect">
+                                  <p:stCondLst>
+                                    <p:cond delay="0"/>
+                                  </p:stCondLst>
+                                  <p:childTnLst>
+                                    <p:set>
+                                      <p:cBhvr>
+                                        <p:cTn id="8" dur="1" fill="hold">
+                                          <p:stCondLst>
+                                            <p:cond delay="0"/>
+                                          </p:stCondLst>
+                                        </p:cTn>
+                                        <p:tgtEl>
+                                          <p:spTgt spid="2"/>
+                                        </p:tgtEl>
+                                        <p:attrNameLst>
+                                          <p:attrName>style.visibility</p:attrName>
+                                        </p:attrNameLst>
+                                      </p:cBhvr>
+                                      <p:to>
+                                        <p:strVal val="hidden"/>
+                                      </p:to>
+                                    </p:set>
+                                  </p:childTnLst>
+                                </p:cTn>
+                              </p:par>
+                            </p:childTnLst>
+                          </p:cTn>
+                        </p:par>
+                      </p:childTnLst>
+                    </p:cTn>
+                  </p:par>
+                </p:childTnLst>
+              </p:cTn>
+              <p:prevCondLst>
+                <p:cond evt="onPrev" delay="0">
+                  <p:tgtEl>
+                    <p:sldTgt/>
+                  </p:tgtEl>
+                </p:cond>
+              </p:prevCondLst>
+              <p:nextCondLst>
+                <p:cond evt="onNext" delay="0">
+                  <p:tgtEl>
+                    <p:sldTgt/>
+                  </p:tgtEl>
+                </p:cond>
+              </p:nextCondLst>
+            </p:seq>
+          </p:childTnLst>
+        </p:cTn>
+      </p:par>
+    </p:tnLst>
+  </p:timing>
+</p:sld>
+</file>
+
+<file path=ppt/slides/slide7.xml><?xml version="1.0" encoding="utf-8"?>
+<p:sld xmlns:a="http://schemas.openxmlformats.org/drawingml/2006/main" xmlns:r="http://schemas.openxmlformats.org/officeDocument/2006/relationships" xmlns:p="http://schemas.openxmlformats.org/presentationml/2006/main">
+  <p:cSld name="PptLabsAgenda_&amp;^@Bullet_&amp;^@Start_&amp;^@Two Slides_3">
+    <p:spTree>
+      <p:nvGrpSpPr>
+        <p:cNvPr id="1" name=""/>
+        <p:cNvGrpSpPr/>
+        <p:nvPr/>
+      </p:nvGrpSpPr>
+      <p:grpSpPr>
+        <a:xfrm>
+          <a:off x="0" y="0"/>
+          <a:ext cx="0" cy="0"/>
+          <a:chOff x="0" y="0"/>
+          <a:chExt cx="0" cy="0"/>
+        </a:xfrm>
+      </p:grpSpPr>
+      <p:pic>
+        <p:nvPicPr>
+          <p:cNvPr id="2" name="PPTIndicator201506301218256828"/>
+          <p:cNvPicPr>
+            <a:picLocks/>
+          </p:cNvPicPr>
+          <p:nvPr/>
+        </p:nvPicPr>
+        <p:blipFill>
+          <a:blip r:embed="rId2" cstate="print">
+            <a:extLst>
+              <a:ext uri="{28A0092B-C50C-407E-A947-70E740481C1C}">
+                <a14:useLocalDpi xmlns:a14="http://schemas.microsoft.com/office/drawing/2010/main" val="0"/>
+              </a:ext>
+            </a:extLst>
+          </a:blip>
+          <a:stretch>
+            <a:fillRect/>
+          </a:stretch>
+        </p:blipFill>
+        <p:spPr>
+          <a:xfrm>
+            <a:off x="7620000" y="0"/>
+            <a:ext cx="1524000" cy="1066800"/>
+          </a:xfrm>
+          <a:prstGeom prst="rect">
+            <a:avLst/>
+          </a:prstGeom>
+        </p:spPr>
+      </p:pic>
+      <p:sp>
+        <p:nvSpPr>
+          <p:cNvPr id="5" name="Title 1"/>
+          <p:cNvSpPr txBox="1">
+            <a:spLocks/>
+          </p:cNvSpPr>
+          <p:nvPr/>
+        </p:nvSpPr>
+        <p:spPr>
+          <a:xfrm>
+            <a:off x="457200" y="274638"/>
+            <a:ext cx="8229600" cy="1143000"/>
+          </a:xfrm>
+          <a:prstGeom prst="rect">
+            <a:avLst/>
+          </a:prstGeom>
+        </p:spPr>
+        <p:txBody>
+          <a:bodyPr vert="horz" lIns="91440" tIns="45720" rIns="91440" bIns="45720" rtlCol="0" anchor="ctr">
+            <a:normAutofit/>
+          </a:bodyPr>
+          <a:lstStyle>
+            <a:lvl1pPr algn="ctr">
+              <a:spcBef>
+                <a:spcPct val="0"/>
+              </a:spcBef>
+              <a:buNone/>
+              <a:defRPr sz="4400">
+                <a:latin typeface="+mj-lt"/>
+                <a:ea typeface="+mj-ea"/>
+                <a:cs typeface="+mj-cs"/>
+              </a:defRPr>
+            </a:lvl1pPr>
+          </a:lstStyle>
+          <a:p>
+            <a:r>
+              <a:rPr lang="en-US">
+                <a:solidFill>
+                  <a:prstClr val="black"/>
+                </a:solidFill>
+              </a:rPr>
+              <a:t>Agenda</a:t>
+            </a:r>
+            <a:endParaRPr lang="en-US"/>
+          </a:p>
+        </p:txBody>
+      </p:sp>
+      <p:sp>
+        <p:nvSpPr>
+          <p:cNvPr id="6" name="PptLabsAgenda_&amp;^@ContentShape_&amp;^@2015063012182517380"/>
+          <p:cNvSpPr txBox="1">
+            <a:spLocks/>
+          </p:cNvSpPr>
+          <p:nvPr/>
+        </p:nvSpPr>
+        <p:spPr>
+          <a:xfrm>
+            <a:off x="457200" y="1600200"/>
+            <a:ext cx="8229600" cy="4525963"/>
+          </a:xfrm>
+          <a:prstGeom prst="rect">
+            <a:avLst/>
+          </a:prstGeom>
+        </p:spPr>
+        <p:txBody>
+          <a:bodyPr vert="horz" lIns="91440" tIns="45720" rIns="91440" bIns="45720" rtlCol="0">
+            <a:normAutofit/>
+          </a:bodyPr>
+          <a:lstStyle>
+            <a:lvl1pPr marL="342900" indent="-342900">
+              <a:spcBef>
+                <a:spcPct val="20000"/>
+              </a:spcBef>
+              <a:buFont typeface="Arial" pitchFamily="34" charset="0"/>
+              <a:buChar char="•"/>
+              <a:defRPr sz="3200">
+                <a:solidFill>
+                  <a:srgbClr val="808080"/>
+                </a:solidFill>
+              </a:defRPr>
+            </a:lvl1pPr>
+            <a:lvl2pPr marL="742950" indent="-285750">
+              <a:spcBef>
+                <a:spcPct val="20000"/>
+              </a:spcBef>
+              <a:buFont typeface="Arial" pitchFamily="34" charset="0"/>
+              <a:buChar char="–"/>
+              <a:defRPr sz="2800"/>
+            </a:lvl2pPr>
+            <a:lvl3pPr marL="1143000" indent="-228600">
+              <a:spcBef>
+                <a:spcPct val="20000"/>
+              </a:spcBef>
+              <a:buFont typeface="Arial" pitchFamily="34" charset="0"/>
+              <a:buChar char="•"/>
+              <a:defRPr sz="2400"/>
+            </a:lvl3pPr>
+            <a:lvl4pPr marL="1600200" indent="-228600">
+              <a:spcBef>
+                <a:spcPct val="20000"/>
+              </a:spcBef>
+              <a:buFont typeface="Arial" pitchFamily="34" charset="0"/>
+              <a:buChar char="–"/>
+              <a:defRPr sz="2000"/>
+            </a:lvl4pPr>
+            <a:lvl5pPr marL="2057400" indent="-228600">
+              <a:spcBef>
+                <a:spcPct val="20000"/>
+              </a:spcBef>
+              <a:buFont typeface="Arial" pitchFamily="34" charset="0"/>
+              <a:buChar char="»"/>
+              <a:defRPr sz="2000"/>
+            </a:lvl5pPr>
+            <a:lvl6pPr marL="2514600" indent="-228600">
+              <a:spcBef>
+                <a:spcPct val="20000"/>
+              </a:spcBef>
+              <a:buFont typeface="Arial" pitchFamily="34" charset="0"/>
+              <a:buChar char="•"/>
+              <a:defRPr sz="2000"/>
+            </a:lvl6pPr>
+            <a:lvl7pPr marL="2971800" indent="-228600">
+              <a:spcBef>
+                <a:spcPct val="20000"/>
+              </a:spcBef>
+              <a:buFont typeface="Arial" pitchFamily="34" charset="0"/>
+              <a:buChar char="•"/>
+              <a:defRPr sz="2000"/>
+            </a:lvl7pPr>
+            <a:lvl8pPr marL="3429000" indent="-228600">
+              <a:spcBef>
+                <a:spcPct val="20000"/>
+              </a:spcBef>
+              <a:buFont typeface="Arial" pitchFamily="34" charset="0"/>
+              <a:buChar char="•"/>
+              <a:defRPr sz="2000"/>
+            </a:lvl8pPr>
+            <a:lvl9pPr marL="3886200" indent="-228600">
+              <a:spcBef>
+                <a:spcPct val="20000"/>
+              </a:spcBef>
+              <a:buFont typeface="Arial" pitchFamily="34" charset="0"/>
+              <a:buChar char="•"/>
+              <a:defRPr sz="2000"/>
+            </a:lvl9pPr>
+          </a:lstStyle>
+          <a:p>
+            <a:pPr lvl="0"/>
+            <a:r>
+              <a:rPr lang="en-US" smtClean="0"/>
+              <a:t>One Slide</a:t>
+            </a:r>
+            <a:endParaRPr lang="en-US"/>
+          </a:p>
+          <a:p>
+            <a:pPr lvl="0"/>
+            <a:r>
+              <a:rPr lang="en-US" smtClean="0">
+                <a:solidFill>
+                  <a:srgbClr val="FF0000"/>
+                </a:solidFill>
+              </a:rPr>
+              <a:t>Two Slides</a:t>
+            </a:r>
+            <a:endParaRPr lang="en-US">
+              <a:solidFill>
+                <a:srgbClr val="FF0000"/>
+              </a:solidFill>
+            </a:endParaRPr>
+          </a:p>
+          <a:p>
+            <a:r>
+              <a:rPr lang="en-US" smtClean="0">
+                <a:solidFill>
+                  <a:srgbClr val="000000"/>
+                </a:solidFill>
+              </a:rPr>
+              <a:t>Same Name</a:t>
+            </a:r>
+          </a:p>
+          <a:p>
+            <a:r>
+              <a:rPr lang="en-US" smtClean="0">
+                <a:solidFill>
+                  <a:srgbClr val="000000"/>
+                </a:solidFill>
+              </a:rPr>
+              <a:t>Same Name</a:t>
+            </a:r>
+          </a:p>
+          <a:p>
+            <a:r>
+              <a:rPr lang="ja-JP" altLang="en-US" smtClean="0">
+                <a:solidFill>
+                  <a:srgbClr val="000000"/>
+                </a:solidFill>
+              </a:rPr>
+              <a:t>あいうえお</a:t>
+            </a:r>
+            <a:r>
+              <a:rPr lang="en-US" smtClean="0">
+                <a:solidFill>
+                  <a:srgbClr val="000000"/>
+                </a:solidFill>
+              </a:rPr>
+              <a:t>kl)(*&amp;%$#@85v_+)0_@#%L:CF]1</a:t>
+            </a:r>
+            <a:endParaRPr lang="en-US"/>
+          </a:p>
+        </p:txBody>
+      </p:sp>
+    </p:spTree>
+    <p:extLst>
+      <p:ext uri="{BB962C8B-B14F-4D97-AF65-F5344CB8AC3E}">
+        <p14:creationId xmlns:p14="http://schemas.microsoft.com/office/powerpoint/2010/main" val="3336848639"/>
+      </p:ext>
+    </p:extLst>
+  </p:cSld>
+  <p:clrMapOvr>
+    <a:masterClrMapping/>
+  </p:clrMapOvr>
+  <mc:AlternateContent xmlns:mc="http://schemas.openxmlformats.org/markup-compatibility/2006">
+    <mc:Choice xmlns:p14="http://schemas.microsoft.com/office/powerpoint/2010/main" Requires="p14">
       <p:transition p14:dur="250">
         <p:fade/>
       </p:transition>
     </mc:Choice>
-    <mc:Fallback xmlns="">
+    <mc:Fallback>
       <p:transition>
         <p:fade/>
       </p:transition>
@@ -13511,1376 +16079,7 @@
 </p:sld>
 </file>
 
-<file path=ppt/slides/slide24.xml><?xml version="1.0" encoding="utf-8"?>
-<p:sld xmlns:a="http://schemas.openxmlformats.org/drawingml/2006/main" xmlns:r="http://schemas.openxmlformats.org/officeDocument/2006/relationships" xmlns:p="http://schemas.openxmlformats.org/presentationml/2006/main" show="0">
-  <p:cSld name="PPTLabsAcknowledgementSlide">
-    <p:spTree>
-      <p:nvGrpSpPr>
-        <p:cNvPr id="1" name=""/>
-        <p:cNvGrpSpPr/>
-        <p:nvPr/>
-      </p:nvGrpSpPr>
-      <p:grpSpPr>
-        <a:xfrm>
-          <a:off x="0" y="0"/>
-          <a:ext cx="0" cy="0"/>
-          <a:chOff x="0" y="0"/>
-          <a:chExt cx="0" cy="0"/>
-        </a:xfrm>
-      </p:grpSpPr>
-      <p:pic>
-        <p:nvPicPr>
-          <p:cNvPr id="2" name="Picture 1"/>
-          <p:cNvPicPr>
-            <a:picLocks/>
-          </p:cNvPicPr>
-          <p:nvPr/>
-        </p:nvPicPr>
-        <p:blipFill>
-          <a:blip r:embed="rId2">
-            <a:extLst>
-              <a:ext uri="{28A0092B-C50C-407E-A947-70E740481C1C}">
-                <a14:useLocalDpi xmlns:a14="http://schemas.microsoft.com/office/drawing/2010/main" val="0"/>
-              </a:ext>
-            </a:extLst>
-          </a:blip>
-          <a:stretch>
-            <a:fillRect/>
-          </a:stretch>
-        </p:blipFill>
-        <p:spPr>
-          <a:xfrm>
-            <a:off x="649224" y="992124"/>
-            <a:ext cx="7845552" cy="4873752"/>
-          </a:xfrm>
-          <a:prstGeom prst="rect">
-            <a:avLst/>
-          </a:prstGeom>
-        </p:spPr>
-      </p:pic>
-    </p:spTree>
-    <p:extLst>
-      <p:ext uri="{BB962C8B-B14F-4D97-AF65-F5344CB8AC3E}">
-        <p14:creationId xmlns:p14="http://schemas.microsoft.com/office/powerpoint/2010/main" val="3215240344"/>
-      </p:ext>
-    </p:extLst>
-  </p:cSld>
-  <p:clrMapOvr>
-    <a:masterClrMapping/>
-  </p:clrMapOvr>
-  <mc:AlternateContent xmlns:mc="http://schemas.openxmlformats.org/markup-compatibility/2006" xmlns:p14="http://schemas.microsoft.com/office/powerpoint/2010/main">
-    <mc:Choice Requires="p14">
-      <p:transition spd="slow" p14:dur="2000"/>
-    </mc:Choice>
-    <mc:Fallback xmlns="">
-      <p:transition spd="slow"/>
-    </mc:Fallback>
-  </mc:AlternateContent>
-</p:sld>
-</file>
-
-<file path=ppt/slides/slide3.xml><?xml version="1.0" encoding="utf-8"?>
-<p:sld xmlns:a="http://schemas.openxmlformats.org/drawingml/2006/main" xmlns:r="http://schemas.openxmlformats.org/officeDocument/2006/relationships" xmlns:p="http://schemas.openxmlformats.org/presentationml/2006/main">
-  <p:cSld name="PptLabsAgenda_&amp;^@Bullet_&amp;^@Start_&amp;^@One Slide_2">
-    <p:spTree>
-      <p:nvGrpSpPr>
-        <p:cNvPr id="1" name=""/>
-        <p:cNvGrpSpPr/>
-        <p:nvPr/>
-      </p:nvGrpSpPr>
-      <p:grpSpPr>
-        <a:xfrm>
-          <a:off x="0" y="0"/>
-          <a:ext cx="0" cy="0"/>
-          <a:chOff x="0" y="0"/>
-          <a:chExt cx="0" cy="0"/>
-        </a:xfrm>
-      </p:grpSpPr>
-      <p:pic>
-        <p:nvPicPr>
-          <p:cNvPr id="2" name="PPTIndicator201506191628388345"/>
-          <p:cNvPicPr>
-            <a:picLocks/>
-          </p:cNvPicPr>
-          <p:nvPr/>
-        </p:nvPicPr>
-        <p:blipFill>
-          <a:blip r:embed="rId2" cstate="print">
-            <a:extLst>
-              <a:ext uri="{28A0092B-C50C-407E-A947-70E740481C1C}">
-                <a14:useLocalDpi xmlns:a14="http://schemas.microsoft.com/office/drawing/2010/main" val="0"/>
-              </a:ext>
-            </a:extLst>
-          </a:blip>
-          <a:stretch>
-            <a:fillRect/>
-          </a:stretch>
-        </p:blipFill>
-        <p:spPr>
-          <a:xfrm>
-            <a:off x="7620000" y="0"/>
-            <a:ext cx="1524000" cy="1066800"/>
-          </a:xfrm>
-          <a:prstGeom prst="rect">
-            <a:avLst/>
-          </a:prstGeom>
-        </p:spPr>
-      </p:pic>
-      <p:sp>
-        <p:nvSpPr>
-          <p:cNvPr id="5" name="Title 1"/>
-          <p:cNvSpPr txBox="1">
-            <a:spLocks/>
-          </p:cNvSpPr>
-          <p:nvPr/>
-        </p:nvSpPr>
-        <p:spPr>
-          <a:xfrm>
-            <a:off x="457200" y="274638"/>
-            <a:ext cx="8229600" cy="1143000"/>
-          </a:xfrm>
-          <a:prstGeom prst="rect">
-            <a:avLst/>
-          </a:prstGeom>
-        </p:spPr>
-        <p:txBody>
-          <a:bodyPr vert="horz" lIns="91440" tIns="45720" rIns="91440" bIns="45720" rtlCol="0" anchor="ctr">
-            <a:normAutofit/>
-          </a:bodyPr>
-          <a:lstStyle>
-            <a:lvl1pPr algn="ctr">
-              <a:spcBef>
-                <a:spcPct val="0"/>
-              </a:spcBef>
-              <a:buNone/>
-              <a:defRPr sz="4400">
-                <a:latin typeface="+mj-lt"/>
-                <a:ea typeface="+mj-ea"/>
-                <a:cs typeface="+mj-cs"/>
-              </a:defRPr>
-            </a:lvl1pPr>
-          </a:lstStyle>
-          <a:p>
-            <a:r>
-              <a:rPr lang="en-US">
-                <a:solidFill>
-                  <a:prstClr val="black"/>
-                </a:solidFill>
-              </a:rPr>
-              <a:t>Agenda</a:t>
-            </a:r>
-            <a:endParaRPr lang="en-US"/>
-          </a:p>
-        </p:txBody>
-      </p:sp>
-      <p:sp>
-        <p:nvSpPr>
-          <p:cNvPr id="6" name="PptLabsAgenda_&amp;^@ContentShape_&amp;^@2015061916283877850"/>
-          <p:cNvSpPr txBox="1">
-            <a:spLocks/>
-          </p:cNvSpPr>
-          <p:nvPr/>
-        </p:nvSpPr>
-        <p:spPr>
-          <a:xfrm>
-            <a:off x="457200" y="1600200"/>
-            <a:ext cx="8229600" cy="4525963"/>
-          </a:xfrm>
-          <a:prstGeom prst="rect">
-            <a:avLst/>
-          </a:prstGeom>
-        </p:spPr>
-        <p:txBody>
-          <a:bodyPr vert="horz" lIns="91440" tIns="45720" rIns="91440" bIns="45720" rtlCol="0">
-            <a:normAutofit/>
-          </a:bodyPr>
-          <a:lstStyle>
-            <a:lvl1pPr marL="342900" indent="-342900">
-              <a:spcBef>
-                <a:spcPct val="20000"/>
-              </a:spcBef>
-              <a:buFont typeface="Arial" pitchFamily="34" charset="0"/>
-              <a:buChar char="•"/>
-              <a:defRPr sz="3200">
-                <a:solidFill>
-                  <a:srgbClr val="808080"/>
-                </a:solidFill>
-              </a:defRPr>
-            </a:lvl1pPr>
-            <a:lvl2pPr marL="742950" indent="-285750">
-              <a:spcBef>
-                <a:spcPct val="20000"/>
-              </a:spcBef>
-              <a:buFont typeface="Arial" pitchFamily="34" charset="0"/>
-              <a:buChar char="–"/>
-              <a:defRPr sz="2800"/>
-            </a:lvl2pPr>
-            <a:lvl3pPr marL="1143000" indent="-228600">
-              <a:spcBef>
-                <a:spcPct val="20000"/>
-              </a:spcBef>
-              <a:buFont typeface="Arial" pitchFamily="34" charset="0"/>
-              <a:buChar char="•"/>
-              <a:defRPr sz="2400"/>
-            </a:lvl3pPr>
-            <a:lvl4pPr marL="1600200" indent="-228600">
-              <a:spcBef>
-                <a:spcPct val="20000"/>
-              </a:spcBef>
-              <a:buFont typeface="Arial" pitchFamily="34" charset="0"/>
-              <a:buChar char="–"/>
-              <a:defRPr sz="2000"/>
-            </a:lvl4pPr>
-            <a:lvl5pPr marL="2057400" indent="-228600">
-              <a:spcBef>
-                <a:spcPct val="20000"/>
-              </a:spcBef>
-              <a:buFont typeface="Arial" pitchFamily="34" charset="0"/>
-              <a:buChar char="»"/>
-              <a:defRPr sz="2000"/>
-            </a:lvl5pPr>
-            <a:lvl6pPr marL="2514600" indent="-228600">
-              <a:spcBef>
-                <a:spcPct val="20000"/>
-              </a:spcBef>
-              <a:buFont typeface="Arial" pitchFamily="34" charset="0"/>
-              <a:buChar char="•"/>
-              <a:defRPr sz="2000"/>
-            </a:lvl6pPr>
-            <a:lvl7pPr marL="2971800" indent="-228600">
-              <a:spcBef>
-                <a:spcPct val="20000"/>
-              </a:spcBef>
-              <a:buFont typeface="Arial" pitchFamily="34" charset="0"/>
-              <a:buChar char="•"/>
-              <a:defRPr sz="2000"/>
-            </a:lvl7pPr>
-            <a:lvl8pPr marL="3429000" indent="-228600">
-              <a:spcBef>
-                <a:spcPct val="20000"/>
-              </a:spcBef>
-              <a:buFont typeface="Arial" pitchFamily="34" charset="0"/>
-              <a:buChar char="•"/>
-              <a:defRPr sz="2000"/>
-            </a:lvl8pPr>
-            <a:lvl9pPr marL="3886200" indent="-228600">
-              <a:spcBef>
-                <a:spcPct val="20000"/>
-              </a:spcBef>
-              <a:buFont typeface="Arial" pitchFamily="34" charset="0"/>
-              <a:buChar char="•"/>
-              <a:defRPr sz="2000"/>
-            </a:lvl9pPr>
-          </a:lstStyle>
-          <a:p>
-            <a:pPr lvl="0"/>
-            <a:r>
-              <a:rPr lang="en-US" smtClean="0">
-                <a:solidFill>
-                  <a:srgbClr val="FF0000"/>
-                </a:solidFill>
-              </a:rPr>
-              <a:t>One Slide</a:t>
-            </a:r>
-            <a:endParaRPr lang="en-US">
-              <a:solidFill>
-                <a:srgbClr val="FF0000"/>
-              </a:solidFill>
-            </a:endParaRPr>
-          </a:p>
-          <a:p>
-            <a:r>
-              <a:rPr lang="en-US" smtClean="0">
-                <a:solidFill>
-                  <a:srgbClr val="000000"/>
-                </a:solidFill>
-              </a:rPr>
-              <a:t>Two Slides</a:t>
-            </a:r>
-          </a:p>
-          <a:p>
-            <a:r>
-              <a:rPr lang="en-US" smtClean="0">
-                <a:solidFill>
-                  <a:srgbClr val="000000"/>
-                </a:solidFill>
-              </a:rPr>
-              <a:t>Same Name</a:t>
-            </a:r>
-          </a:p>
-          <a:p>
-            <a:r>
-              <a:rPr lang="en-US" smtClean="0">
-                <a:solidFill>
-                  <a:srgbClr val="000000"/>
-                </a:solidFill>
-              </a:rPr>
-              <a:t>Same Name</a:t>
-            </a:r>
-          </a:p>
-          <a:p>
-            <a:r>
-              <a:rPr lang="ja-JP" altLang="en-US" smtClean="0">
-                <a:solidFill>
-                  <a:srgbClr val="000000"/>
-                </a:solidFill>
-              </a:rPr>
-              <a:t>あいうえお</a:t>
-            </a:r>
-            <a:r>
-              <a:rPr lang="en-US" smtClean="0">
-                <a:solidFill>
-                  <a:srgbClr val="000000"/>
-                </a:solidFill>
-              </a:rPr>
-              <a:t>kl)(*&amp;%$#@85v_+)0_@#%L:CF]1</a:t>
-            </a:r>
-            <a:endParaRPr lang="en-US"/>
-          </a:p>
-        </p:txBody>
-      </p:sp>
-    </p:spTree>
-    <p:extLst>
-      <p:ext uri="{BB962C8B-B14F-4D97-AF65-F5344CB8AC3E}">
-        <p14:creationId xmlns:p14="http://schemas.microsoft.com/office/powerpoint/2010/main" val="159297450"/>
-      </p:ext>
-    </p:extLst>
-  </p:cSld>
-  <p:clrMapOvr>
-    <a:masterClrMapping/>
-  </p:clrMapOvr>
-  <mc:AlternateContent xmlns:mc="http://schemas.openxmlformats.org/markup-compatibility/2006" xmlns:p14="http://schemas.microsoft.com/office/powerpoint/2010/main">
-    <mc:Choice Requires="p14">
-      <p:transition p14:dur="250">
-        <p:fade/>
-      </p:transition>
-    </mc:Choice>
-    <mc:Fallback xmlns="">
-      <p:transition>
-        <p:fade/>
-      </p:transition>
-    </mc:Fallback>
-  </mc:AlternateContent>
-  <p:timing>
-    <p:tnLst>
-      <p:par>
-        <p:cTn id="1" dur="indefinite" restart="never" nodeType="tmRoot">
-          <p:childTnLst>
-            <p:seq concurrent="1" nextAc="seek">
-              <p:cTn id="2" dur="indefinite" nodeType="mainSeq">
-                <p:childTnLst>
-                  <p:par>
-                    <p:cTn id="3" fill="hold">
-                      <p:stCondLst>
-                        <p:cond delay="indefinite"/>
-                        <p:cond evt="onBegin" delay="0">
-                          <p:tn val="2"/>
-                        </p:cond>
-                      </p:stCondLst>
-                      <p:childTnLst>
-                        <p:par>
-                          <p:cTn id="4" fill="hold">
-                            <p:stCondLst>
-                              <p:cond delay="0"/>
-                            </p:stCondLst>
-                            <p:childTnLst>
-                              <p:par>
-                                <p:cTn id="5" presetID="1" presetClass="entr" presetSubtype="0" fill="hold" nodeType="withEffect">
-                                  <p:stCondLst>
-                                    <p:cond delay="0"/>
-                                  </p:stCondLst>
-                                  <p:childTnLst>
-                                    <p:set>
-                                      <p:cBhvr>
-                                        <p:cTn id="6" dur="1" fill="hold">
-                                          <p:stCondLst>
-                                            <p:cond delay="0"/>
-                                          </p:stCondLst>
-                                        </p:cTn>
-                                        <p:tgtEl>
-                                          <p:spTgt spid="2"/>
-                                        </p:tgtEl>
-                                        <p:attrNameLst>
-                                          <p:attrName>style.visibility</p:attrName>
-                                        </p:attrNameLst>
-                                      </p:cBhvr>
-                                      <p:to>
-                                        <p:strVal val="visible"/>
-                                      </p:to>
-                                    </p:set>
-                                  </p:childTnLst>
-                                </p:cTn>
-                              </p:par>
-                              <p:par>
-                                <p:cTn id="7" presetID="1" presetClass="exit" presetSubtype="0" fill="hold" nodeType="withEffect">
-                                  <p:stCondLst>
-                                    <p:cond delay="0"/>
-                                  </p:stCondLst>
-                                  <p:childTnLst>
-                                    <p:set>
-                                      <p:cBhvr>
-                                        <p:cTn id="8" dur="1" fill="hold">
-                                          <p:stCondLst>
-                                            <p:cond delay="0"/>
-                                          </p:stCondLst>
-                                        </p:cTn>
-                                        <p:tgtEl>
-                                          <p:spTgt spid="2"/>
-                                        </p:tgtEl>
-                                        <p:attrNameLst>
-                                          <p:attrName>style.visibility</p:attrName>
-                                        </p:attrNameLst>
-                                      </p:cBhvr>
-                                      <p:to>
-                                        <p:strVal val="hidden"/>
-                                      </p:to>
-                                    </p:set>
-                                  </p:childTnLst>
-                                </p:cTn>
-                              </p:par>
-                            </p:childTnLst>
-                          </p:cTn>
-                        </p:par>
-                      </p:childTnLst>
-                    </p:cTn>
-                  </p:par>
-                </p:childTnLst>
-              </p:cTn>
-              <p:prevCondLst>
-                <p:cond evt="onPrev" delay="0">
-                  <p:tgtEl>
-                    <p:sldTgt/>
-                  </p:tgtEl>
-                </p:cond>
-              </p:prevCondLst>
-              <p:nextCondLst>
-                <p:cond evt="onNext" delay="0">
-                  <p:tgtEl>
-                    <p:sldTgt/>
-                  </p:tgtEl>
-                </p:cond>
-              </p:nextCondLst>
-            </p:seq>
-          </p:childTnLst>
-        </p:cTn>
-      </p:par>
-    </p:tnLst>
-  </p:timing>
-</p:sld>
-</file>
-
-<file path=ppt/slides/slide4.xml><?xml version="1.0" encoding="utf-8"?>
-<p:sld xmlns:a="http://schemas.openxmlformats.org/drawingml/2006/main" xmlns:r="http://schemas.openxmlformats.org/officeDocument/2006/relationships" xmlns:p="http://schemas.openxmlformats.org/presentationml/2006/main">
-  <p:cSld>
-    <p:bg>
-      <p:bgPr>
-        <a:solidFill>
-          <a:schemeClr val="accent6">
-            <a:lumMod val="75000"/>
-          </a:schemeClr>
-        </a:solidFill>
-        <a:effectLst/>
-      </p:bgPr>
-    </p:bg>
-    <p:spTree>
-      <p:nvGrpSpPr>
-        <p:cNvPr id="1" name=""/>
-        <p:cNvGrpSpPr/>
-        <p:nvPr/>
-      </p:nvGrpSpPr>
-      <p:grpSpPr>
-        <a:xfrm>
-          <a:off x="0" y="0"/>
-          <a:ext cx="0" cy="0"/>
-          <a:chOff x="0" y="0"/>
-          <a:chExt cx="0" cy="0"/>
-        </a:xfrm>
-      </p:grpSpPr>
-      <p:sp>
-        <p:nvSpPr>
-          <p:cNvPr id="2" name="Title 1"/>
-          <p:cNvSpPr>
-            <a:spLocks noGrp="1"/>
-          </p:cNvSpPr>
-          <p:nvPr>
-            <p:ph type="title"/>
-          </p:nvPr>
-        </p:nvSpPr>
-        <p:spPr>
-          <a:xfrm>
-            <a:off x="381000" y="609600"/>
-            <a:ext cx="8229600" cy="1143000"/>
-          </a:xfrm>
-        </p:spPr>
-        <p:txBody>
-          <a:bodyPr>
-            <a:noAutofit/>
-          </a:bodyPr>
-          <a:lstStyle/>
-          <a:p>
-            <a:pPr algn="l"/>
-            <a:r>
-              <a:rPr lang="en-US" sz="7200" dirty="0" smtClean="0">
-                <a:solidFill>
-                  <a:schemeClr val="bg1"/>
-                </a:solidFill>
-              </a:rPr>
-              <a:t>Agenda Lab</a:t>
-            </a:r>
-            <a:endParaRPr lang="en-SG" sz="7200" dirty="0">
-              <a:solidFill>
-                <a:schemeClr val="bg1"/>
-              </a:solidFill>
-            </a:endParaRPr>
-          </a:p>
-        </p:txBody>
-      </p:sp>
-      <p:sp>
-        <p:nvSpPr>
-          <p:cNvPr id="3" name="text 5"/>
-          <p:cNvSpPr txBox="1"/>
-          <p:nvPr/>
-        </p:nvSpPr>
-        <p:spPr>
-          <a:xfrm>
-            <a:off x="542636" y="2819400"/>
-            <a:ext cx="7620000" cy="830997"/>
-          </a:xfrm>
-          <a:prstGeom prst="rect">
-            <a:avLst/>
-          </a:prstGeom>
-          <a:noFill/>
-        </p:spPr>
-        <p:txBody>
-          <a:bodyPr wrap="square" rtlCol="0">
-            <a:spAutoFit/>
-          </a:bodyPr>
-          <a:lstStyle/>
-          <a:p>
-            <a:r>
-              <a:rPr lang="en-US" sz="2400" b="1" dirty="0" smtClean="0">
-                <a:solidFill>
-                  <a:schemeClr val="bg1"/>
-                </a:solidFill>
-              </a:rPr>
-              <a:t>Additional instructions:</a:t>
-            </a:r>
-          </a:p>
-          <a:p>
-            <a:pPr marL="285750" indent="-285750">
-              <a:buFont typeface="Arial" panose="020B0604020202020204" pitchFamily="34" charset="0"/>
-              <a:buChar char="•"/>
-            </a:pPr>
-            <a:r>
-              <a:rPr lang="en-US" sz="2400" dirty="0" smtClean="0">
-                <a:solidFill>
-                  <a:schemeClr val="bg1"/>
-                </a:solidFill>
-              </a:rPr>
-              <a:t>Handled by FT framework.</a:t>
-            </a:r>
-          </a:p>
-        </p:txBody>
-      </p:sp>
-    </p:spTree>
-    <p:extLst>
-      <p:ext uri="{BB962C8B-B14F-4D97-AF65-F5344CB8AC3E}">
-        <p14:creationId xmlns:p14="http://schemas.microsoft.com/office/powerpoint/2010/main" val="1569131388"/>
-      </p:ext>
-    </p:extLst>
-  </p:cSld>
-  <p:clrMapOvr>
-    <a:masterClrMapping/>
-  </p:clrMapOvr>
-  <p:timing>
-    <p:tnLst>
-      <p:par>
-        <p:cTn id="1" dur="indefinite" restart="never" nodeType="tmRoot"/>
-      </p:par>
-    </p:tnLst>
-  </p:timing>
-</p:sld>
-</file>
-
-<file path=ppt/slides/slide5.xml><?xml version="1.0" encoding="utf-8"?>
-<p:sld xmlns:a="http://schemas.openxmlformats.org/drawingml/2006/main" xmlns:r="http://schemas.openxmlformats.org/officeDocument/2006/relationships" xmlns:p="http://schemas.openxmlformats.org/presentationml/2006/main">
-  <p:cSld name="PptLabsAgenda_&amp;^@Bullet_&amp;^@End_&amp;^@One Slide_2">
-    <p:spTree>
-      <p:nvGrpSpPr>
-        <p:cNvPr id="1" name=""/>
-        <p:cNvGrpSpPr/>
-        <p:nvPr/>
-      </p:nvGrpSpPr>
-      <p:grpSpPr>
-        <a:xfrm>
-          <a:off x="0" y="0"/>
-          <a:ext cx="0" cy="0"/>
-          <a:chOff x="0" y="0"/>
-          <a:chExt cx="0" cy="0"/>
-        </a:xfrm>
-      </p:grpSpPr>
-      <p:pic>
-        <p:nvPicPr>
-          <p:cNvPr id="2" name="PPTIndicator201506191628388495"/>
-          <p:cNvPicPr>
-            <a:picLocks/>
-          </p:cNvPicPr>
-          <p:nvPr/>
-        </p:nvPicPr>
-        <p:blipFill>
-          <a:blip r:embed="rId2" cstate="print">
-            <a:extLst>
-              <a:ext uri="{28A0092B-C50C-407E-A947-70E740481C1C}">
-                <a14:useLocalDpi xmlns:a14="http://schemas.microsoft.com/office/drawing/2010/main" val="0"/>
-              </a:ext>
-            </a:extLst>
-          </a:blip>
-          <a:stretch>
-            <a:fillRect/>
-          </a:stretch>
-        </p:blipFill>
-        <p:spPr>
-          <a:xfrm>
-            <a:off x="7620000" y="0"/>
-            <a:ext cx="1524000" cy="1066800"/>
-          </a:xfrm>
-          <a:prstGeom prst="rect">
-            <a:avLst/>
-          </a:prstGeom>
-        </p:spPr>
-      </p:pic>
-      <p:sp>
-        <p:nvSpPr>
-          <p:cNvPr id="5" name="Title 1"/>
-          <p:cNvSpPr txBox="1">
-            <a:spLocks/>
-          </p:cNvSpPr>
-          <p:nvPr/>
-        </p:nvSpPr>
-        <p:spPr>
-          <a:xfrm>
-            <a:off x="457200" y="274638"/>
-            <a:ext cx="8229600" cy="1143000"/>
-          </a:xfrm>
-          <a:prstGeom prst="rect">
-            <a:avLst/>
-          </a:prstGeom>
-        </p:spPr>
-        <p:txBody>
-          <a:bodyPr vert="horz" lIns="91440" tIns="45720" rIns="91440" bIns="45720" rtlCol="0" anchor="ctr">
-            <a:normAutofit/>
-          </a:bodyPr>
-          <a:lstStyle>
-            <a:lvl1pPr algn="ctr">
-              <a:spcBef>
-                <a:spcPct val="0"/>
-              </a:spcBef>
-              <a:buNone/>
-              <a:defRPr sz="4400">
-                <a:latin typeface="+mj-lt"/>
-                <a:ea typeface="+mj-ea"/>
-                <a:cs typeface="+mj-cs"/>
-              </a:defRPr>
-            </a:lvl1pPr>
-          </a:lstStyle>
-          <a:p>
-            <a:r>
-              <a:rPr lang="en-US">
-                <a:solidFill>
-                  <a:prstClr val="black"/>
-                </a:solidFill>
-              </a:rPr>
-              <a:t>Agenda</a:t>
-            </a:r>
-            <a:endParaRPr lang="en-US"/>
-          </a:p>
-        </p:txBody>
-      </p:sp>
-      <p:sp>
-        <p:nvSpPr>
-          <p:cNvPr id="6" name="PptLabsAgenda_&amp;^@ContentShape_&amp;^@2015061916283877850"/>
-          <p:cNvSpPr txBox="1">
-            <a:spLocks/>
-          </p:cNvSpPr>
-          <p:nvPr/>
-        </p:nvSpPr>
-        <p:spPr>
-          <a:xfrm>
-            <a:off x="457200" y="1600200"/>
-            <a:ext cx="8229600" cy="4525963"/>
-          </a:xfrm>
-          <a:prstGeom prst="rect">
-            <a:avLst/>
-          </a:prstGeom>
-        </p:spPr>
-        <p:txBody>
-          <a:bodyPr vert="horz" lIns="91440" tIns="45720" rIns="91440" bIns="45720" rtlCol="0">
-            <a:normAutofit/>
-          </a:bodyPr>
-          <a:lstStyle>
-            <a:lvl1pPr marL="342900" indent="-342900">
-              <a:spcBef>
-                <a:spcPct val="20000"/>
-              </a:spcBef>
-              <a:buFont typeface="Arial" pitchFamily="34" charset="0"/>
-              <a:buChar char="•"/>
-              <a:defRPr sz="3200">
-                <a:solidFill>
-                  <a:srgbClr val="808080"/>
-                </a:solidFill>
-              </a:defRPr>
-            </a:lvl1pPr>
-            <a:lvl2pPr marL="742950" indent="-285750">
-              <a:spcBef>
-                <a:spcPct val="20000"/>
-              </a:spcBef>
-              <a:buFont typeface="Arial" pitchFamily="34" charset="0"/>
-              <a:buChar char="–"/>
-              <a:defRPr sz="2800"/>
-            </a:lvl2pPr>
-            <a:lvl3pPr marL="1143000" indent="-228600">
-              <a:spcBef>
-                <a:spcPct val="20000"/>
-              </a:spcBef>
-              <a:buFont typeface="Arial" pitchFamily="34" charset="0"/>
-              <a:buChar char="•"/>
-              <a:defRPr sz="2400"/>
-            </a:lvl3pPr>
-            <a:lvl4pPr marL="1600200" indent="-228600">
-              <a:spcBef>
-                <a:spcPct val="20000"/>
-              </a:spcBef>
-              <a:buFont typeface="Arial" pitchFamily="34" charset="0"/>
-              <a:buChar char="–"/>
-              <a:defRPr sz="2000"/>
-            </a:lvl4pPr>
-            <a:lvl5pPr marL="2057400" indent="-228600">
-              <a:spcBef>
-                <a:spcPct val="20000"/>
-              </a:spcBef>
-              <a:buFont typeface="Arial" pitchFamily="34" charset="0"/>
-              <a:buChar char="»"/>
-              <a:defRPr sz="2000"/>
-            </a:lvl5pPr>
-            <a:lvl6pPr marL="2514600" indent="-228600">
-              <a:spcBef>
-                <a:spcPct val="20000"/>
-              </a:spcBef>
-              <a:buFont typeface="Arial" pitchFamily="34" charset="0"/>
-              <a:buChar char="•"/>
-              <a:defRPr sz="2000"/>
-            </a:lvl6pPr>
-            <a:lvl7pPr marL="2971800" indent="-228600">
-              <a:spcBef>
-                <a:spcPct val="20000"/>
-              </a:spcBef>
-              <a:buFont typeface="Arial" pitchFamily="34" charset="0"/>
-              <a:buChar char="•"/>
-              <a:defRPr sz="2000"/>
-            </a:lvl7pPr>
-            <a:lvl8pPr marL="3429000" indent="-228600">
-              <a:spcBef>
-                <a:spcPct val="20000"/>
-              </a:spcBef>
-              <a:buFont typeface="Arial" pitchFamily="34" charset="0"/>
-              <a:buChar char="•"/>
-              <a:defRPr sz="2000"/>
-            </a:lvl8pPr>
-            <a:lvl9pPr marL="3886200" indent="-228600">
-              <a:spcBef>
-                <a:spcPct val="20000"/>
-              </a:spcBef>
-              <a:buFont typeface="Arial" pitchFamily="34" charset="0"/>
-              <a:buChar char="•"/>
-              <a:defRPr sz="2000"/>
-            </a:lvl9pPr>
-          </a:lstStyle>
-          <a:p>
-            <a:pPr lvl="0"/>
-            <a:r>
-              <a:rPr lang="en-US" smtClean="0">
-                <a:solidFill>
-                  <a:srgbClr val="FF0000"/>
-                </a:solidFill>
-              </a:rPr>
-              <a:t>One Slide</a:t>
-            </a:r>
-            <a:endParaRPr lang="en-US">
-              <a:solidFill>
-                <a:srgbClr val="FF0000"/>
-              </a:solidFill>
-            </a:endParaRPr>
-          </a:p>
-          <a:p>
-            <a:r>
-              <a:rPr lang="en-US" smtClean="0">
-                <a:solidFill>
-                  <a:srgbClr val="000000"/>
-                </a:solidFill>
-              </a:rPr>
-              <a:t>Two Slides</a:t>
-            </a:r>
-          </a:p>
-          <a:p>
-            <a:r>
-              <a:rPr lang="en-US" smtClean="0">
-                <a:solidFill>
-                  <a:srgbClr val="000000"/>
-                </a:solidFill>
-              </a:rPr>
-              <a:t>Same Name</a:t>
-            </a:r>
-          </a:p>
-          <a:p>
-            <a:r>
-              <a:rPr lang="en-US" smtClean="0">
-                <a:solidFill>
-                  <a:srgbClr val="000000"/>
-                </a:solidFill>
-              </a:rPr>
-              <a:t>Same Name</a:t>
-            </a:r>
-          </a:p>
-          <a:p>
-            <a:r>
-              <a:rPr lang="ja-JP" altLang="en-US" smtClean="0">
-                <a:solidFill>
-                  <a:srgbClr val="000000"/>
-                </a:solidFill>
-              </a:rPr>
-              <a:t>あいうえお</a:t>
-            </a:r>
-            <a:r>
-              <a:rPr lang="en-US" smtClean="0">
-                <a:solidFill>
-                  <a:srgbClr val="000000"/>
-                </a:solidFill>
-              </a:rPr>
-              <a:t>kl)(*&amp;%$#@85v_+)0_@#%L:CF]1</a:t>
-            </a:r>
-            <a:endParaRPr lang="en-US"/>
-          </a:p>
-        </p:txBody>
-      </p:sp>
-    </p:spTree>
-    <p:extLst>
-      <p:ext uri="{BB962C8B-B14F-4D97-AF65-F5344CB8AC3E}">
-        <p14:creationId xmlns:p14="http://schemas.microsoft.com/office/powerpoint/2010/main" val="3803963004"/>
-      </p:ext>
-    </p:extLst>
-  </p:cSld>
-  <p:clrMapOvr>
-    <a:masterClrMapping/>
-  </p:clrMapOvr>
-  <mc:AlternateContent xmlns:mc="http://schemas.openxmlformats.org/markup-compatibility/2006" xmlns:p14="http://schemas.microsoft.com/office/powerpoint/2010/main">
-    <mc:Choice Requires="p14">
-      <p:transition p14:dur="250">
-        <p:fade/>
-      </p:transition>
-    </mc:Choice>
-    <mc:Fallback xmlns="">
-      <p:transition>
-        <p:fade/>
-      </p:transition>
-    </mc:Fallback>
-  </mc:AlternateContent>
-  <p:timing>
-    <p:tnLst>
-      <p:par>
-        <p:cTn id="1" dur="indefinite" restart="never" nodeType="tmRoot">
-          <p:childTnLst>
-            <p:seq concurrent="1" nextAc="seek">
-              <p:cTn id="2" dur="indefinite" nodeType="mainSeq">
-                <p:childTnLst>
-                  <p:par>
-                    <p:cTn id="3" fill="hold">
-                      <p:stCondLst>
-                        <p:cond delay="indefinite"/>
-                        <p:cond evt="onBegin" delay="0">
-                          <p:tn val="2"/>
-                        </p:cond>
-                      </p:stCondLst>
-                      <p:childTnLst>
-                        <p:par>
-                          <p:cTn id="4" fill="hold">
-                            <p:stCondLst>
-                              <p:cond delay="0"/>
-                            </p:stCondLst>
-                            <p:childTnLst>
-                              <p:par>
-                                <p:cTn id="5" presetID="1" presetClass="entr" presetSubtype="0" fill="hold" nodeType="withEffect">
-                                  <p:stCondLst>
-                                    <p:cond delay="0"/>
-                                  </p:stCondLst>
-                                  <p:childTnLst>
-                                    <p:set>
-                                      <p:cBhvr>
-                                        <p:cTn id="6" dur="1" fill="hold">
-                                          <p:stCondLst>
-                                            <p:cond delay="0"/>
-                                          </p:stCondLst>
-                                        </p:cTn>
-                                        <p:tgtEl>
-                                          <p:spTgt spid="2"/>
-                                        </p:tgtEl>
-                                        <p:attrNameLst>
-                                          <p:attrName>style.visibility</p:attrName>
-                                        </p:attrNameLst>
-                                      </p:cBhvr>
-                                      <p:to>
-                                        <p:strVal val="visible"/>
-                                      </p:to>
-                                    </p:set>
-                                  </p:childTnLst>
-                                </p:cTn>
-                              </p:par>
-                              <p:par>
-                                <p:cTn id="7" presetID="1" presetClass="exit" presetSubtype="0" fill="hold" nodeType="withEffect">
-                                  <p:stCondLst>
-                                    <p:cond delay="0"/>
-                                  </p:stCondLst>
-                                  <p:childTnLst>
-                                    <p:set>
-                                      <p:cBhvr>
-                                        <p:cTn id="8" dur="1" fill="hold">
-                                          <p:stCondLst>
-                                            <p:cond delay="0"/>
-                                          </p:stCondLst>
-                                        </p:cTn>
-                                        <p:tgtEl>
-                                          <p:spTgt spid="2"/>
-                                        </p:tgtEl>
-                                        <p:attrNameLst>
-                                          <p:attrName>style.visibility</p:attrName>
-                                        </p:attrNameLst>
-                                      </p:cBhvr>
-                                      <p:to>
-                                        <p:strVal val="hidden"/>
-                                      </p:to>
-                                    </p:set>
-                                  </p:childTnLst>
-                                </p:cTn>
-                              </p:par>
-                            </p:childTnLst>
-                          </p:cTn>
-                        </p:par>
-                      </p:childTnLst>
-                    </p:cTn>
-                  </p:par>
-                </p:childTnLst>
-              </p:cTn>
-              <p:prevCondLst>
-                <p:cond evt="onPrev" delay="0">
-                  <p:tgtEl>
-                    <p:sldTgt/>
-                  </p:tgtEl>
-                </p:cond>
-              </p:prevCondLst>
-              <p:nextCondLst>
-                <p:cond evt="onNext" delay="0">
-                  <p:tgtEl>
-                    <p:sldTgt/>
-                  </p:tgtEl>
-                </p:cond>
-              </p:nextCondLst>
-            </p:seq>
-          </p:childTnLst>
-        </p:cTn>
-      </p:par>
-    </p:tnLst>
-  </p:timing>
-</p:sld>
-</file>
-
-<file path=ppt/slides/slide6.xml><?xml version="1.0" encoding="utf-8"?>
-<p:sld xmlns:a="http://schemas.openxmlformats.org/drawingml/2006/main" xmlns:r="http://schemas.openxmlformats.org/officeDocument/2006/relationships" xmlns:p="http://schemas.openxmlformats.org/presentationml/2006/main">
-  <p:cSld name="PptLabsAgenda_&amp;^@Bullet_&amp;^@Start_&amp;^@Two Slides_3">
-    <p:spTree>
-      <p:nvGrpSpPr>
-        <p:cNvPr id="1" name=""/>
-        <p:cNvGrpSpPr/>
-        <p:nvPr/>
-      </p:nvGrpSpPr>
-      <p:grpSpPr>
-        <a:xfrm>
-          <a:off x="0" y="0"/>
-          <a:ext cx="0" cy="0"/>
-          <a:chOff x="0" y="0"/>
-          <a:chExt cx="0" cy="0"/>
-        </a:xfrm>
-      </p:grpSpPr>
-      <p:pic>
-        <p:nvPicPr>
-          <p:cNvPr id="2" name="PPTIndicator201506191628391316"/>
-          <p:cNvPicPr>
-            <a:picLocks/>
-          </p:cNvPicPr>
-          <p:nvPr/>
-        </p:nvPicPr>
-        <p:blipFill>
-          <a:blip r:embed="rId2" cstate="print">
-            <a:extLst>
-              <a:ext uri="{28A0092B-C50C-407E-A947-70E740481C1C}">
-                <a14:useLocalDpi xmlns:a14="http://schemas.microsoft.com/office/drawing/2010/main" val="0"/>
-              </a:ext>
-            </a:extLst>
-          </a:blip>
-          <a:stretch>
-            <a:fillRect/>
-          </a:stretch>
-        </p:blipFill>
-        <p:spPr>
-          <a:xfrm>
-            <a:off x="7620000" y="0"/>
-            <a:ext cx="1524000" cy="1066800"/>
-          </a:xfrm>
-          <a:prstGeom prst="rect">
-            <a:avLst/>
-          </a:prstGeom>
-        </p:spPr>
-      </p:pic>
-      <p:sp>
-        <p:nvSpPr>
-          <p:cNvPr id="5" name="Title 1"/>
-          <p:cNvSpPr txBox="1">
-            <a:spLocks/>
-          </p:cNvSpPr>
-          <p:nvPr/>
-        </p:nvSpPr>
-        <p:spPr>
-          <a:xfrm>
-            <a:off x="457200" y="274638"/>
-            <a:ext cx="8229600" cy="1143000"/>
-          </a:xfrm>
-          <a:prstGeom prst="rect">
-            <a:avLst/>
-          </a:prstGeom>
-        </p:spPr>
-        <p:txBody>
-          <a:bodyPr vert="horz" lIns="91440" tIns="45720" rIns="91440" bIns="45720" rtlCol="0" anchor="ctr">
-            <a:normAutofit/>
-          </a:bodyPr>
-          <a:lstStyle>
-            <a:lvl1pPr algn="ctr">
-              <a:spcBef>
-                <a:spcPct val="0"/>
-              </a:spcBef>
-              <a:buNone/>
-              <a:defRPr sz="4400">
-                <a:latin typeface="+mj-lt"/>
-                <a:ea typeface="+mj-ea"/>
-                <a:cs typeface="+mj-cs"/>
-              </a:defRPr>
-            </a:lvl1pPr>
-          </a:lstStyle>
-          <a:p>
-            <a:r>
-              <a:rPr lang="en-US">
-                <a:solidFill>
-                  <a:prstClr val="black"/>
-                </a:solidFill>
-              </a:rPr>
-              <a:t>Agenda</a:t>
-            </a:r>
-            <a:endParaRPr lang="en-US"/>
-          </a:p>
-        </p:txBody>
-      </p:sp>
-      <p:sp>
-        <p:nvSpPr>
-          <p:cNvPr id="6" name="PptLabsAgenda_&amp;^@ContentShape_&amp;^@2015061916283877850"/>
-          <p:cNvSpPr txBox="1">
-            <a:spLocks/>
-          </p:cNvSpPr>
-          <p:nvPr/>
-        </p:nvSpPr>
-        <p:spPr>
-          <a:xfrm>
-            <a:off x="457200" y="1600200"/>
-            <a:ext cx="8229600" cy="4525963"/>
-          </a:xfrm>
-          <a:prstGeom prst="rect">
-            <a:avLst/>
-          </a:prstGeom>
-        </p:spPr>
-        <p:txBody>
-          <a:bodyPr vert="horz" lIns="91440" tIns="45720" rIns="91440" bIns="45720" rtlCol="0">
-            <a:normAutofit/>
-          </a:bodyPr>
-          <a:lstStyle>
-            <a:lvl1pPr marL="342900" indent="-342900">
-              <a:spcBef>
-                <a:spcPct val="20000"/>
-              </a:spcBef>
-              <a:buFont typeface="Arial" pitchFamily="34" charset="0"/>
-              <a:buChar char="•"/>
-              <a:defRPr sz="3200">
-                <a:solidFill>
-                  <a:srgbClr val="808080"/>
-                </a:solidFill>
-              </a:defRPr>
-            </a:lvl1pPr>
-            <a:lvl2pPr marL="742950" indent="-285750">
-              <a:spcBef>
-                <a:spcPct val="20000"/>
-              </a:spcBef>
-              <a:buFont typeface="Arial" pitchFamily="34" charset="0"/>
-              <a:buChar char="–"/>
-              <a:defRPr sz="2800"/>
-            </a:lvl2pPr>
-            <a:lvl3pPr marL="1143000" indent="-228600">
-              <a:spcBef>
-                <a:spcPct val="20000"/>
-              </a:spcBef>
-              <a:buFont typeface="Arial" pitchFamily="34" charset="0"/>
-              <a:buChar char="•"/>
-              <a:defRPr sz="2400"/>
-            </a:lvl3pPr>
-            <a:lvl4pPr marL="1600200" indent="-228600">
-              <a:spcBef>
-                <a:spcPct val="20000"/>
-              </a:spcBef>
-              <a:buFont typeface="Arial" pitchFamily="34" charset="0"/>
-              <a:buChar char="–"/>
-              <a:defRPr sz="2000"/>
-            </a:lvl4pPr>
-            <a:lvl5pPr marL="2057400" indent="-228600">
-              <a:spcBef>
-                <a:spcPct val="20000"/>
-              </a:spcBef>
-              <a:buFont typeface="Arial" pitchFamily="34" charset="0"/>
-              <a:buChar char="»"/>
-              <a:defRPr sz="2000"/>
-            </a:lvl5pPr>
-            <a:lvl6pPr marL="2514600" indent="-228600">
-              <a:spcBef>
-                <a:spcPct val="20000"/>
-              </a:spcBef>
-              <a:buFont typeface="Arial" pitchFamily="34" charset="0"/>
-              <a:buChar char="•"/>
-              <a:defRPr sz="2000"/>
-            </a:lvl6pPr>
-            <a:lvl7pPr marL="2971800" indent="-228600">
-              <a:spcBef>
-                <a:spcPct val="20000"/>
-              </a:spcBef>
-              <a:buFont typeface="Arial" pitchFamily="34" charset="0"/>
-              <a:buChar char="•"/>
-              <a:defRPr sz="2000"/>
-            </a:lvl7pPr>
-            <a:lvl8pPr marL="3429000" indent="-228600">
-              <a:spcBef>
-                <a:spcPct val="20000"/>
-              </a:spcBef>
-              <a:buFont typeface="Arial" pitchFamily="34" charset="0"/>
-              <a:buChar char="•"/>
-              <a:defRPr sz="2000"/>
-            </a:lvl8pPr>
-            <a:lvl9pPr marL="3886200" indent="-228600">
-              <a:spcBef>
-                <a:spcPct val="20000"/>
-              </a:spcBef>
-              <a:buFont typeface="Arial" pitchFamily="34" charset="0"/>
-              <a:buChar char="•"/>
-              <a:defRPr sz="2000"/>
-            </a:lvl9pPr>
-          </a:lstStyle>
-          <a:p>
-            <a:pPr lvl="0"/>
-            <a:r>
-              <a:rPr lang="en-US" smtClean="0"/>
-              <a:t>One Slide</a:t>
-            </a:r>
-            <a:endParaRPr lang="en-US"/>
-          </a:p>
-          <a:p>
-            <a:pPr lvl="0"/>
-            <a:r>
-              <a:rPr lang="en-US" smtClean="0">
-                <a:solidFill>
-                  <a:srgbClr val="FF0000"/>
-                </a:solidFill>
-              </a:rPr>
-              <a:t>Two Slides</a:t>
-            </a:r>
-            <a:endParaRPr lang="en-US">
-              <a:solidFill>
-                <a:srgbClr val="FF0000"/>
-              </a:solidFill>
-            </a:endParaRPr>
-          </a:p>
-          <a:p>
-            <a:r>
-              <a:rPr lang="en-US" smtClean="0">
-                <a:solidFill>
-                  <a:srgbClr val="000000"/>
-                </a:solidFill>
-              </a:rPr>
-              <a:t>Same Name</a:t>
-            </a:r>
-          </a:p>
-          <a:p>
-            <a:r>
-              <a:rPr lang="en-US" smtClean="0">
-                <a:solidFill>
-                  <a:srgbClr val="000000"/>
-                </a:solidFill>
-              </a:rPr>
-              <a:t>Same Name</a:t>
-            </a:r>
-          </a:p>
-          <a:p>
-            <a:r>
-              <a:rPr lang="ja-JP" altLang="en-US" smtClean="0">
-                <a:solidFill>
-                  <a:srgbClr val="000000"/>
-                </a:solidFill>
-              </a:rPr>
-              <a:t>あいうえお</a:t>
-            </a:r>
-            <a:r>
-              <a:rPr lang="en-US" smtClean="0">
-                <a:solidFill>
-                  <a:srgbClr val="000000"/>
-                </a:solidFill>
-              </a:rPr>
-              <a:t>kl)(*&amp;%$#@85v_+)0_@#%L:CF]1</a:t>
-            </a:r>
-            <a:endParaRPr lang="en-US"/>
-          </a:p>
-        </p:txBody>
-      </p:sp>
-    </p:spTree>
-    <p:extLst>
-      <p:ext uri="{BB962C8B-B14F-4D97-AF65-F5344CB8AC3E}">
-        <p14:creationId xmlns:p14="http://schemas.microsoft.com/office/powerpoint/2010/main" val="2680276080"/>
-      </p:ext>
-    </p:extLst>
-  </p:cSld>
-  <p:clrMapOvr>
-    <a:masterClrMapping/>
-  </p:clrMapOvr>
-  <mc:AlternateContent xmlns:mc="http://schemas.openxmlformats.org/markup-compatibility/2006" xmlns:p14="http://schemas.microsoft.com/office/powerpoint/2010/main">
-    <mc:Choice Requires="p14">
-      <p:transition p14:dur="250">
-        <p:fade/>
-      </p:transition>
-    </mc:Choice>
-    <mc:Fallback xmlns="">
-      <p:transition>
-        <p:fade/>
-      </p:transition>
-    </mc:Fallback>
-  </mc:AlternateContent>
-  <p:timing>
-    <p:tnLst>
-      <p:par>
-        <p:cTn id="1" dur="indefinite" restart="never" nodeType="tmRoot">
-          <p:childTnLst>
-            <p:seq concurrent="1" nextAc="seek">
-              <p:cTn id="2" dur="indefinite" nodeType="mainSeq">
-                <p:childTnLst>
-                  <p:par>
-                    <p:cTn id="3" fill="hold">
-                      <p:stCondLst>
-                        <p:cond delay="indefinite"/>
-                        <p:cond evt="onBegin" delay="0">
-                          <p:tn val="2"/>
-                        </p:cond>
-                      </p:stCondLst>
-                      <p:childTnLst>
-                        <p:par>
-                          <p:cTn id="4" fill="hold">
-                            <p:stCondLst>
-                              <p:cond delay="0"/>
-                            </p:stCondLst>
-                            <p:childTnLst>
-                              <p:par>
-                                <p:cTn id="5" presetID="1" presetClass="entr" presetSubtype="0" fill="hold" nodeType="withEffect">
-                                  <p:stCondLst>
-                                    <p:cond delay="0"/>
-                                  </p:stCondLst>
-                                  <p:childTnLst>
-                                    <p:set>
-                                      <p:cBhvr>
-                                        <p:cTn id="6" dur="1" fill="hold">
-                                          <p:stCondLst>
-                                            <p:cond delay="0"/>
-                                          </p:stCondLst>
-                                        </p:cTn>
-                                        <p:tgtEl>
-                                          <p:spTgt spid="2"/>
-                                        </p:tgtEl>
-                                        <p:attrNameLst>
-                                          <p:attrName>style.visibility</p:attrName>
-                                        </p:attrNameLst>
-                                      </p:cBhvr>
-                                      <p:to>
-                                        <p:strVal val="visible"/>
-                                      </p:to>
-                                    </p:set>
-                                  </p:childTnLst>
-                                </p:cTn>
-                              </p:par>
-                              <p:par>
-                                <p:cTn id="7" presetID="1" presetClass="exit" presetSubtype="0" fill="hold" nodeType="withEffect">
-                                  <p:stCondLst>
-                                    <p:cond delay="0"/>
-                                  </p:stCondLst>
-                                  <p:childTnLst>
-                                    <p:set>
-                                      <p:cBhvr>
-                                        <p:cTn id="8" dur="1" fill="hold">
-                                          <p:stCondLst>
-                                            <p:cond delay="0"/>
-                                          </p:stCondLst>
-                                        </p:cTn>
-                                        <p:tgtEl>
-                                          <p:spTgt spid="2"/>
-                                        </p:tgtEl>
-                                        <p:attrNameLst>
-                                          <p:attrName>style.visibility</p:attrName>
-                                        </p:attrNameLst>
-                                      </p:cBhvr>
-                                      <p:to>
-                                        <p:strVal val="hidden"/>
-                                      </p:to>
-                                    </p:set>
-                                  </p:childTnLst>
-                                </p:cTn>
-                              </p:par>
-                            </p:childTnLst>
-                          </p:cTn>
-                        </p:par>
-                      </p:childTnLst>
-                    </p:cTn>
-                  </p:par>
-                </p:childTnLst>
-              </p:cTn>
-              <p:prevCondLst>
-                <p:cond evt="onPrev" delay="0">
-                  <p:tgtEl>
-                    <p:sldTgt/>
-                  </p:tgtEl>
-                </p:cond>
-              </p:prevCondLst>
-              <p:nextCondLst>
-                <p:cond evt="onNext" delay="0">
-                  <p:tgtEl>
-                    <p:sldTgt/>
-                  </p:tgtEl>
-                </p:cond>
-              </p:nextCondLst>
-            </p:seq>
-          </p:childTnLst>
-        </p:cTn>
-      </p:par>
-    </p:tnLst>
-  </p:timing>
-</p:sld>
-</file>
-
-<file path=ppt/slides/slide7.xml><?xml version="1.0" encoding="utf-8"?>
+<file path=ppt/slides/slide8.xml><?xml version="1.0" encoding="utf-8"?>
 <p:sld xmlns:a="http://schemas.openxmlformats.org/drawingml/2006/main" xmlns:r="http://schemas.openxmlformats.org/officeDocument/2006/relationships" xmlns:p="http://schemas.openxmlformats.org/presentationml/2006/main">
   <p:cSld>
     <p:spTree>
@@ -14967,6 +16166,18 @@
   <p:clrMapOvr>
     <a:masterClrMapping/>
   </p:clrMapOvr>
+  <mc:AlternateContent xmlns:mc="http://schemas.openxmlformats.org/markup-compatibility/2006">
+    <mc:Choice xmlns:p14="http://schemas.microsoft.com/office/powerpoint/2010/main" Requires="p14">
+      <p:transition spd="slow" p14:dur="800">
+        <p:push dir="u"/>
+      </p:transition>
+    </mc:Choice>
+    <mc:Fallback>
+      <p:transition spd="slow">
+        <p:push dir="u"/>
+      </p:transition>
+    </mc:Fallback>
+  </mc:AlternateContent>
   <p:timing>
     <p:tnLst>
       <p:par>
@@ -14977,7 +16188,7 @@
 </p:sld>
 </file>
 
-<file path=ppt/slides/slide8.xml><?xml version="1.0" encoding="utf-8"?>
+<file path=ppt/slides/slide9.xml><?xml version="1.0" encoding="utf-8"?>
 <p:sld xmlns:a="http://schemas.openxmlformats.org/drawingml/2006/main" xmlns:r="http://schemas.openxmlformats.org/officeDocument/2006/relationships" xmlns:p="http://schemas.openxmlformats.org/presentationml/2006/main">
   <p:cSld>
     <p:spTree>
@@ -15008,394 +16219,6 @@
     <p:tnLst>
       <p:par>
         <p:cTn id="1" dur="indefinite" restart="never" nodeType="tmRoot"/>
-      </p:par>
-    </p:tnLst>
-  </p:timing>
-</p:sld>
-</file>
-
-<file path=ppt/slides/slide9.xml><?xml version="1.0" encoding="utf-8"?>
-<p:sld xmlns:a="http://schemas.openxmlformats.org/drawingml/2006/main" xmlns:r="http://schemas.openxmlformats.org/officeDocument/2006/relationships" xmlns:p="http://schemas.openxmlformats.org/presentationml/2006/main">
-  <p:cSld name="PptLabsAgenda_&amp;^@Bullet_&amp;^@End_&amp;^@Two Slides_3">
-    <p:spTree>
-      <p:nvGrpSpPr>
-        <p:cNvPr id="1" name=""/>
-        <p:cNvGrpSpPr/>
-        <p:nvPr/>
-      </p:nvGrpSpPr>
-      <p:grpSpPr>
-        <a:xfrm>
-          <a:off x="0" y="0"/>
-          <a:ext cx="0" cy="0"/>
-          <a:chOff x="0" y="0"/>
-          <a:chExt cx="0" cy="0"/>
-        </a:xfrm>
-      </p:grpSpPr>
-      <p:pic>
-        <p:nvPicPr>
-          <p:cNvPr id="2" name="PPTIndicator201506191628391466"/>
-          <p:cNvPicPr>
-            <a:picLocks/>
-          </p:cNvPicPr>
-          <p:nvPr/>
-        </p:nvPicPr>
-        <p:blipFill>
-          <a:blip r:embed="rId2" cstate="print">
-            <a:extLst>
-              <a:ext uri="{28A0092B-C50C-407E-A947-70E740481C1C}">
-                <a14:useLocalDpi xmlns:a14="http://schemas.microsoft.com/office/drawing/2010/main" val="0"/>
-              </a:ext>
-            </a:extLst>
-          </a:blip>
-          <a:stretch>
-            <a:fillRect/>
-          </a:stretch>
-        </p:blipFill>
-        <p:spPr>
-          <a:xfrm>
-            <a:off x="7620000" y="0"/>
-            <a:ext cx="1524000" cy="1066800"/>
-          </a:xfrm>
-          <a:prstGeom prst="rect">
-            <a:avLst/>
-          </a:prstGeom>
-        </p:spPr>
-      </p:pic>
-      <p:sp>
-        <p:nvSpPr>
-          <p:cNvPr id="5" name="Title 1"/>
-          <p:cNvSpPr txBox="1">
-            <a:spLocks/>
-          </p:cNvSpPr>
-          <p:nvPr/>
-        </p:nvSpPr>
-        <p:spPr>
-          <a:xfrm>
-            <a:off x="457200" y="274638"/>
-            <a:ext cx="8229600" cy="1143000"/>
-          </a:xfrm>
-          <a:prstGeom prst="rect">
-            <a:avLst/>
-          </a:prstGeom>
-        </p:spPr>
-        <p:txBody>
-          <a:bodyPr vert="horz" lIns="91440" tIns="45720" rIns="91440" bIns="45720" rtlCol="0" anchor="ctr">
-            <a:normAutofit/>
-          </a:bodyPr>
-          <a:lstStyle>
-            <a:lvl1pPr algn="ctr">
-              <a:spcBef>
-                <a:spcPct val="0"/>
-              </a:spcBef>
-              <a:buNone/>
-              <a:defRPr sz="4400">
-                <a:latin typeface="+mj-lt"/>
-                <a:ea typeface="+mj-ea"/>
-                <a:cs typeface="+mj-cs"/>
-              </a:defRPr>
-            </a:lvl1pPr>
-          </a:lstStyle>
-          <a:p>
-            <a:r>
-              <a:rPr lang="en-US">
-                <a:solidFill>
-                  <a:prstClr val="black"/>
-                </a:solidFill>
-              </a:rPr>
-              <a:t>Agenda</a:t>
-            </a:r>
-            <a:endParaRPr lang="en-US"/>
-          </a:p>
-        </p:txBody>
-      </p:sp>
-      <p:sp>
-        <p:nvSpPr>
-          <p:cNvPr id="6" name="PptLabsAgenda_&amp;^@ContentShape_&amp;^@2015061916283877850"/>
-          <p:cNvSpPr txBox="1">
-            <a:spLocks/>
-          </p:cNvSpPr>
-          <p:nvPr/>
-        </p:nvSpPr>
-        <p:spPr>
-          <a:xfrm>
-            <a:off x="457200" y="1600200"/>
-            <a:ext cx="8229600" cy="4525963"/>
-          </a:xfrm>
-          <a:prstGeom prst="rect">
-            <a:avLst/>
-          </a:prstGeom>
-        </p:spPr>
-        <p:txBody>
-          <a:bodyPr vert="horz" lIns="91440" tIns="45720" rIns="91440" bIns="45720" rtlCol="0">
-            <a:normAutofit/>
-          </a:bodyPr>
-          <a:lstStyle>
-            <a:lvl1pPr marL="342900" indent="-342900">
-              <a:spcBef>
-                <a:spcPct val="20000"/>
-              </a:spcBef>
-              <a:buFont typeface="Arial" pitchFamily="34" charset="0"/>
-              <a:buChar char="•"/>
-              <a:defRPr sz="3200">
-                <a:solidFill>
-                  <a:srgbClr val="808080"/>
-                </a:solidFill>
-              </a:defRPr>
-            </a:lvl1pPr>
-            <a:lvl2pPr marL="742950" indent="-285750">
-              <a:spcBef>
-                <a:spcPct val="20000"/>
-              </a:spcBef>
-              <a:buFont typeface="Arial" pitchFamily="34" charset="0"/>
-              <a:buChar char="–"/>
-              <a:defRPr sz="2800"/>
-            </a:lvl2pPr>
-            <a:lvl3pPr marL="1143000" indent="-228600">
-              <a:spcBef>
-                <a:spcPct val="20000"/>
-              </a:spcBef>
-              <a:buFont typeface="Arial" pitchFamily="34" charset="0"/>
-              <a:buChar char="•"/>
-              <a:defRPr sz="2400"/>
-            </a:lvl3pPr>
-            <a:lvl4pPr marL="1600200" indent="-228600">
-              <a:spcBef>
-                <a:spcPct val="20000"/>
-              </a:spcBef>
-              <a:buFont typeface="Arial" pitchFamily="34" charset="0"/>
-              <a:buChar char="–"/>
-              <a:defRPr sz="2000"/>
-            </a:lvl4pPr>
-            <a:lvl5pPr marL="2057400" indent="-228600">
-              <a:spcBef>
-                <a:spcPct val="20000"/>
-              </a:spcBef>
-              <a:buFont typeface="Arial" pitchFamily="34" charset="0"/>
-              <a:buChar char="»"/>
-              <a:defRPr sz="2000"/>
-            </a:lvl5pPr>
-            <a:lvl6pPr marL="2514600" indent="-228600">
-              <a:spcBef>
-                <a:spcPct val="20000"/>
-              </a:spcBef>
-              <a:buFont typeface="Arial" pitchFamily="34" charset="0"/>
-              <a:buChar char="•"/>
-              <a:defRPr sz="2000"/>
-            </a:lvl6pPr>
-            <a:lvl7pPr marL="2971800" indent="-228600">
-              <a:spcBef>
-                <a:spcPct val="20000"/>
-              </a:spcBef>
-              <a:buFont typeface="Arial" pitchFamily="34" charset="0"/>
-              <a:buChar char="•"/>
-              <a:defRPr sz="2000"/>
-            </a:lvl7pPr>
-            <a:lvl8pPr marL="3429000" indent="-228600">
-              <a:spcBef>
-                <a:spcPct val="20000"/>
-              </a:spcBef>
-              <a:buFont typeface="Arial" pitchFamily="34" charset="0"/>
-              <a:buChar char="•"/>
-              <a:defRPr sz="2000"/>
-            </a:lvl8pPr>
-            <a:lvl9pPr marL="3886200" indent="-228600">
-              <a:spcBef>
-                <a:spcPct val="20000"/>
-              </a:spcBef>
-              <a:buFont typeface="Arial" pitchFamily="34" charset="0"/>
-              <a:buChar char="•"/>
-              <a:defRPr sz="2000"/>
-            </a:lvl9pPr>
-          </a:lstStyle>
-          <a:p>
-            <a:pPr lvl="0"/>
-            <a:r>
-              <a:rPr lang="en-US" smtClean="0"/>
-              <a:t>One Slide</a:t>
-            </a:r>
-            <a:endParaRPr lang="en-US"/>
-          </a:p>
-          <a:p>
-            <a:pPr lvl="0"/>
-            <a:r>
-              <a:rPr lang="en-US" smtClean="0">
-                <a:solidFill>
-                  <a:srgbClr val="FF0000"/>
-                </a:solidFill>
-              </a:rPr>
-              <a:t>Two Slides</a:t>
-            </a:r>
-            <a:endParaRPr lang="en-US">
-              <a:solidFill>
-                <a:srgbClr val="FF0000"/>
-              </a:solidFill>
-            </a:endParaRPr>
-          </a:p>
-          <a:p>
-            <a:r>
-              <a:rPr lang="en-US" smtClean="0">
-                <a:solidFill>
-                  <a:srgbClr val="000000"/>
-                </a:solidFill>
-              </a:rPr>
-              <a:t>Same Name</a:t>
-            </a:r>
-          </a:p>
-          <a:p>
-            <a:r>
-              <a:rPr lang="en-US" smtClean="0">
-                <a:solidFill>
-                  <a:srgbClr val="000000"/>
-                </a:solidFill>
-              </a:rPr>
-              <a:t>Same Name</a:t>
-            </a:r>
-          </a:p>
-          <a:p>
-            <a:r>
-              <a:rPr lang="ja-JP" altLang="en-US" smtClean="0">
-                <a:solidFill>
-                  <a:srgbClr val="000000"/>
-                </a:solidFill>
-              </a:rPr>
-              <a:t>あいうえお</a:t>
-            </a:r>
-            <a:r>
-              <a:rPr lang="en-US" smtClean="0">
-                <a:solidFill>
-                  <a:srgbClr val="000000"/>
-                </a:solidFill>
-              </a:rPr>
-              <a:t>kl)(*&amp;%$#@85v_+)0_@#%L:CF]1</a:t>
-            </a:r>
-            <a:endParaRPr lang="en-US"/>
-          </a:p>
-        </p:txBody>
-      </p:sp>
-    </p:spTree>
-    <p:extLst>
-      <p:ext uri="{BB962C8B-B14F-4D97-AF65-F5344CB8AC3E}">
-        <p14:creationId xmlns:p14="http://schemas.microsoft.com/office/powerpoint/2010/main" val="3764000446"/>
-      </p:ext>
-    </p:extLst>
-  </p:cSld>
-  <p:clrMapOvr>
-    <a:masterClrMapping/>
-  </p:clrMapOvr>
-  <mc:AlternateContent xmlns:mc="http://schemas.openxmlformats.org/markup-compatibility/2006" xmlns:p14="http://schemas.microsoft.com/office/powerpoint/2010/main">
-    <mc:Choice Requires="p14">
-      <p:transition p14:dur="250">
-        <p:fade/>
-      </p:transition>
-    </mc:Choice>
-    <mc:Fallback xmlns="">
-      <p:transition>
-        <p:fade/>
-      </p:transition>
-    </mc:Fallback>
-  </mc:AlternateContent>
-  <p:timing>
-    <p:tnLst>
-      <p:par>
-        <p:cTn id="1" dur="indefinite" restart="never" nodeType="tmRoot">
-          <p:childTnLst>
-            <p:seq concurrent="1" nextAc="seek">
-              <p:cTn id="2" dur="indefinite" nodeType="mainSeq">
-                <p:childTnLst>
-                  <p:par>
-                    <p:cTn id="3" fill="hold">
-                      <p:stCondLst>
-                        <p:cond delay="indefinite"/>
-                        <p:cond evt="onBegin" delay="0">
-                          <p:tn val="2"/>
-                        </p:cond>
-                      </p:stCondLst>
-                      <p:childTnLst>
-                        <p:par>
-                          <p:cTn id="4" fill="hold">
-                            <p:stCondLst>
-                              <p:cond delay="0"/>
-                            </p:stCondLst>
-                            <p:childTnLst>
-                              <p:par>
-                                <p:cTn id="5" presetID="1" presetClass="entr" presetSubtype="0" fill="hold" nodeType="withEffect">
-                                  <p:stCondLst>
-                                    <p:cond delay="0"/>
-                                  </p:stCondLst>
-                                  <p:childTnLst>
-                                    <p:set>
-                                      <p:cBhvr>
-                                        <p:cTn id="6" dur="1" fill="hold">
-                                          <p:stCondLst>
-                                            <p:cond delay="0"/>
-                                          </p:stCondLst>
-                                        </p:cTn>
-                                        <p:tgtEl>
-                                          <p:spTgt spid="2"/>
-                                        </p:tgtEl>
-                                        <p:attrNameLst>
-                                          <p:attrName>style.visibility</p:attrName>
-                                        </p:attrNameLst>
-                                      </p:cBhvr>
-                                      <p:to>
-                                        <p:strVal val="visible"/>
-                                      </p:to>
-                                    </p:set>
-                                  </p:childTnLst>
-                                </p:cTn>
-                              </p:par>
-                              <p:par>
-                                <p:cTn id="7" presetID="1" presetClass="exit" presetSubtype="0" fill="hold" nodeType="withEffect">
-                                  <p:stCondLst>
-                                    <p:cond delay="0"/>
-                                  </p:stCondLst>
-                                  <p:childTnLst>
-                                    <p:set>
-                                      <p:cBhvr>
-                                        <p:cTn id="8" dur="1" fill="hold">
-                                          <p:stCondLst>
-                                            <p:cond delay="0"/>
-                                          </p:stCondLst>
-                                        </p:cTn>
-                                        <p:tgtEl>
-                                          <p:spTgt spid="2"/>
-                                        </p:tgtEl>
-                                        <p:attrNameLst>
-                                          <p:attrName>style.visibility</p:attrName>
-                                        </p:attrNameLst>
-                                      </p:cBhvr>
-                                      <p:to>
-                                        <p:strVal val="hidden"/>
-                                      </p:to>
-                                    </p:set>
-                                  </p:childTnLst>
-                                </p:cTn>
-                              </p:par>
-                            </p:childTnLst>
-                          </p:cTn>
-                        </p:par>
-                      </p:childTnLst>
-                    </p:cTn>
-                  </p:par>
-                </p:childTnLst>
-              </p:cTn>
-              <p:prevCondLst>
-                <p:cond evt="onPrev" delay="0">
-                  <p:tgtEl>
-                    <p:sldTgt/>
-                  </p:tgtEl>
-                </p:cond>
-              </p:prevCondLst>
-              <p:nextCondLst>
-                <p:cond evt="onNext" delay="0">
-                  <p:tgtEl>
-                    <p:sldTgt/>
-                  </p:tgtEl>
-                </p:cond>
-              </p:nextCondLst>
-            </p:seq>
-          </p:childTnLst>
-        </p:cTn>
       </p:par>
     </p:tnLst>
   </p:timing>

--- a/doc/test/AgendaSlidesTextDefault.pptx
+++ b/doc/test/AgendaSlidesTextDefault.pptx
@@ -35,7 +35,7 @@
     <p:sldId id="314" r:id="rId26"/>
     <p:sldId id="326" r:id="rId27"/>
     <p:sldId id="327" r:id="rId28"/>
-    <p:sldId id="328" r:id="rId29"/>
+    <p:sldId id="331" r:id="rId29"/>
   </p:sldIdLst>
   <p:sldSz cx="9144000" cy="6858000" type="screen4x3"/>
   <p:notesSz cx="6858000" cy="9144000"/>
@@ -184,13 +184,13 @@
             <p14:sldId id="314"/>
             <p14:sldId id="326"/>
             <p14:sldId id="327"/>
-            <p14:sldId id="328"/>
+            <p14:sldId id="331"/>
           </p14:sldIdLst>
         </p14:section>
       </p14:sectionLst>
     </p:ext>
     <p:ext uri="{EFAFB233-063F-42B5-8137-9DF3F51BA10A}">
-      <p15:sldGuideLst xmlns="" xmlns:p15="http://schemas.microsoft.com/office/powerpoint/2012/main">
+      <p15:sldGuideLst xmlns:p15="http://schemas.microsoft.com/office/powerpoint/2012/main">
         <p15:guide id="1" orient="horz" pos="2160">
           <p15:clr>
             <a:srgbClr val="A4A3A4"/>
@@ -289,7 +289,7 @@
           <a:p>
             <a:fld id="{C33977A5-270E-4E03-B118-17345E304686}" type="datetimeFigureOut">
               <a:rPr lang="en-US" smtClean="0"/>
-              <a:t>30-Jun-15</a:t>
+              <a:t>1/23/2017</a:t>
             </a:fld>
             <a:endParaRPr lang="en-US"/>
           </a:p>
@@ -353,38 +353,37 @@
           <a:p>
             <a:pPr lvl="0"/>
             <a:r>
-              <a:rPr lang="en-US" smtClean="0"/>
+              <a:rPr lang="en-US"/>
               <a:t>Click to edit Master text styles</a:t>
             </a:r>
           </a:p>
           <a:p>
             <a:pPr lvl="1"/>
             <a:r>
-              <a:rPr lang="en-US" smtClean="0"/>
+              <a:rPr lang="en-US"/>
               <a:t>Second level</a:t>
             </a:r>
           </a:p>
           <a:p>
             <a:pPr lvl="2"/>
             <a:r>
-              <a:rPr lang="en-US" smtClean="0"/>
+              <a:rPr lang="en-US"/>
               <a:t>Third level</a:t>
             </a:r>
           </a:p>
           <a:p>
             <a:pPr lvl="3"/>
             <a:r>
-              <a:rPr lang="en-US" smtClean="0"/>
+              <a:rPr lang="en-US"/>
               <a:t>Fourth level</a:t>
             </a:r>
           </a:p>
           <a:p>
             <a:pPr lvl="4"/>
             <a:r>
-              <a:rPr lang="en-US" smtClean="0"/>
+              <a:rPr lang="en-US"/>
               <a:t>Fifth level</a:t>
             </a:r>
-            <a:endParaRPr lang="en-US"/>
           </a:p>
         </p:txBody>
       </p:sp>
@@ -602,10 +601,9 @@
           <a:lstStyle/>
           <a:p>
             <a:r>
-              <a:rPr lang="en-US" smtClean="0"/>
+              <a:rPr lang="en-US"/>
               <a:t>This notes page is used to store data - Do not edit the notes. UFBUVGVtcGxhdGVNYXJrZXI=@VGl0bGUgMQ==@UHB0TGFic0FnZW5kYV8mXkBDb250ZW50U2hhcGVfJl5AMjAxNTA2MzAxMjE4MjUxNzM4MA==@2742932019</a:t>
             </a:r>
-            <a:endParaRPr lang="en-US"/>
           </a:p>
         </p:txBody>
       </p:sp>
@@ -683,10 +681,9 @@
           <a:lstStyle/>
           <a:p>
             <a:r>
-              <a:rPr lang="en-US" smtClean="0"/>
+              <a:rPr lang="en-US"/>
               <a:t>Click to edit Master title style</a:t>
             </a:r>
-            <a:endParaRPr lang="en-US"/>
           </a:p>
         </p:txBody>
       </p:sp>
@@ -802,10 +799,9 @@
           </a:lstStyle>
           <a:p>
             <a:r>
-              <a:rPr lang="en-US" smtClean="0"/>
+              <a:rPr lang="en-US"/>
               <a:t>Click to edit Master subtitle style</a:t>
             </a:r>
-            <a:endParaRPr lang="en-US"/>
           </a:p>
         </p:txBody>
       </p:sp>
@@ -826,7 +822,7 @@
           <a:p>
             <a:fld id="{699DC775-C286-4358-8C92-D7E584E969B3}" type="datetimeFigureOut">
               <a:rPr lang="en-US" smtClean="0"/>
-              <a:t>30-Jun-15</a:t>
+              <a:t>1/23/2017</a:t>
             </a:fld>
             <a:endParaRPr lang="en-US"/>
           </a:p>
@@ -920,10 +916,9 @@
           <a:lstStyle/>
           <a:p>
             <a:r>
-              <a:rPr lang="en-US" smtClean="0"/>
+              <a:rPr lang="en-US"/>
               <a:t>Click to edit Master title style</a:t>
             </a:r>
-            <a:endParaRPr lang="en-US"/>
           </a:p>
         </p:txBody>
       </p:sp>
@@ -944,38 +939,37 @@
           <a:p>
             <a:pPr lvl="0"/>
             <a:r>
-              <a:rPr lang="en-US" smtClean="0"/>
+              <a:rPr lang="en-US"/>
               <a:t>Click to edit Master text styles</a:t>
             </a:r>
           </a:p>
           <a:p>
             <a:pPr lvl="1"/>
             <a:r>
-              <a:rPr lang="en-US" smtClean="0"/>
+              <a:rPr lang="en-US"/>
               <a:t>Second level</a:t>
             </a:r>
           </a:p>
           <a:p>
             <a:pPr lvl="2"/>
             <a:r>
-              <a:rPr lang="en-US" smtClean="0"/>
+              <a:rPr lang="en-US"/>
               <a:t>Third level</a:t>
             </a:r>
           </a:p>
           <a:p>
             <a:pPr lvl="3"/>
             <a:r>
-              <a:rPr lang="en-US" smtClean="0"/>
+              <a:rPr lang="en-US"/>
               <a:t>Fourth level</a:t>
             </a:r>
           </a:p>
           <a:p>
             <a:pPr lvl="4"/>
             <a:r>
-              <a:rPr lang="en-US" smtClean="0"/>
+              <a:rPr lang="en-US"/>
               <a:t>Fifth level</a:t>
             </a:r>
-            <a:endParaRPr lang="en-US"/>
           </a:p>
         </p:txBody>
       </p:sp>
@@ -996,7 +990,7 @@
           <a:p>
             <a:fld id="{699DC775-C286-4358-8C92-D7E584E969B3}" type="datetimeFigureOut">
               <a:rPr lang="en-US" smtClean="0"/>
-              <a:t>30-Jun-15</a:t>
+              <a:t>1/23/2017</a:t>
             </a:fld>
             <a:endParaRPr lang="en-US"/>
           </a:p>
@@ -1095,10 +1089,9 @@
           <a:lstStyle/>
           <a:p>
             <a:r>
-              <a:rPr lang="en-US" smtClean="0"/>
+              <a:rPr lang="en-US"/>
               <a:t>Click to edit Master title style</a:t>
             </a:r>
-            <a:endParaRPr lang="en-US"/>
           </a:p>
         </p:txBody>
       </p:sp>
@@ -1124,38 +1117,37 @@
           <a:p>
             <a:pPr lvl="0"/>
             <a:r>
-              <a:rPr lang="en-US" smtClean="0"/>
+              <a:rPr lang="en-US"/>
               <a:t>Click to edit Master text styles</a:t>
             </a:r>
           </a:p>
           <a:p>
             <a:pPr lvl="1"/>
             <a:r>
-              <a:rPr lang="en-US" smtClean="0"/>
+              <a:rPr lang="en-US"/>
               <a:t>Second level</a:t>
             </a:r>
           </a:p>
           <a:p>
             <a:pPr lvl="2"/>
             <a:r>
-              <a:rPr lang="en-US" smtClean="0"/>
+              <a:rPr lang="en-US"/>
               <a:t>Third level</a:t>
             </a:r>
           </a:p>
           <a:p>
             <a:pPr lvl="3"/>
             <a:r>
-              <a:rPr lang="en-US" smtClean="0"/>
+              <a:rPr lang="en-US"/>
               <a:t>Fourth level</a:t>
             </a:r>
           </a:p>
           <a:p>
             <a:pPr lvl="4"/>
             <a:r>
-              <a:rPr lang="en-US" smtClean="0"/>
+              <a:rPr lang="en-US"/>
               <a:t>Fifth level</a:t>
             </a:r>
-            <a:endParaRPr lang="en-US"/>
           </a:p>
         </p:txBody>
       </p:sp>
@@ -1176,7 +1168,7 @@
           <a:p>
             <a:fld id="{699DC775-C286-4358-8C92-D7E584E969B3}" type="datetimeFigureOut">
               <a:rPr lang="en-US" smtClean="0"/>
-              <a:t>30-Jun-15</a:t>
+              <a:t>1/23/2017</a:t>
             </a:fld>
             <a:endParaRPr lang="en-US"/>
           </a:p>
@@ -1270,10 +1262,9 @@
           <a:lstStyle/>
           <a:p>
             <a:r>
-              <a:rPr lang="en-US" smtClean="0"/>
+              <a:rPr lang="en-US"/>
               <a:t>Click to edit Master title style</a:t>
             </a:r>
-            <a:endParaRPr lang="en-US"/>
           </a:p>
         </p:txBody>
       </p:sp>
@@ -1294,38 +1285,37 @@
           <a:p>
             <a:pPr lvl="0"/>
             <a:r>
-              <a:rPr lang="en-US" smtClean="0"/>
+              <a:rPr lang="en-US"/>
               <a:t>Click to edit Master text styles</a:t>
             </a:r>
           </a:p>
           <a:p>
             <a:pPr lvl="1"/>
             <a:r>
-              <a:rPr lang="en-US" smtClean="0"/>
+              <a:rPr lang="en-US"/>
               <a:t>Second level</a:t>
             </a:r>
           </a:p>
           <a:p>
             <a:pPr lvl="2"/>
             <a:r>
-              <a:rPr lang="en-US" smtClean="0"/>
+              <a:rPr lang="en-US"/>
               <a:t>Third level</a:t>
             </a:r>
           </a:p>
           <a:p>
             <a:pPr lvl="3"/>
             <a:r>
-              <a:rPr lang="en-US" smtClean="0"/>
+              <a:rPr lang="en-US"/>
               <a:t>Fourth level</a:t>
             </a:r>
           </a:p>
           <a:p>
             <a:pPr lvl="4"/>
             <a:r>
-              <a:rPr lang="en-US" smtClean="0"/>
+              <a:rPr lang="en-US"/>
               <a:t>Fifth level</a:t>
             </a:r>
-            <a:endParaRPr lang="en-US"/>
           </a:p>
         </p:txBody>
       </p:sp>
@@ -1346,7 +1336,7 @@
           <a:p>
             <a:fld id="{699DC775-C286-4358-8C92-D7E584E969B3}" type="datetimeFigureOut">
               <a:rPr lang="en-US" smtClean="0"/>
-              <a:t>30-Jun-15</a:t>
+              <a:t>1/23/2017</a:t>
             </a:fld>
             <a:endParaRPr lang="en-US"/>
           </a:p>
@@ -1445,10 +1435,9 @@
           <a:lstStyle/>
           <a:p>
             <a:r>
-              <a:rPr lang="en-US" smtClean="0"/>
+              <a:rPr lang="en-US"/>
               <a:t>Click to edit Master title style</a:t>
             </a:r>
-            <a:endParaRPr lang="en-US"/>
           </a:p>
         </p:txBody>
       </p:sp>
@@ -1564,10 +1553,9 @@
           </a:lstStyle>
           <a:p>
             <a:r>
-              <a:rPr lang="en-US" smtClean="0"/>
+              <a:rPr lang="en-US"/>
               <a:t>Click to edit Master subtitle style</a:t>
             </a:r>
-            <a:endParaRPr lang="en-US"/>
           </a:p>
         </p:txBody>
       </p:sp>
@@ -1588,7 +1576,7 @@
           <a:p>
             <a:fld id="{699DC775-C286-4358-8C92-D7E584E969B3}" type="datetimeFigureOut">
               <a:rPr lang="en-US" smtClean="0"/>
-              <a:t>30-Jun-15</a:t>
+              <a:t>1/23/2017</a:t>
             </a:fld>
             <a:endParaRPr lang="en-US"/>
           </a:p>
@@ -1682,10 +1670,9 @@
           <a:lstStyle/>
           <a:p>
             <a:r>
-              <a:rPr lang="en-US" smtClean="0"/>
+              <a:rPr lang="en-US"/>
               <a:t>Click to edit Master title style</a:t>
             </a:r>
-            <a:endParaRPr lang="en-US"/>
           </a:p>
         </p:txBody>
       </p:sp>
@@ -1706,38 +1693,37 @@
           <a:p>
             <a:pPr lvl="0"/>
             <a:r>
-              <a:rPr lang="en-US" smtClean="0"/>
+              <a:rPr lang="en-US"/>
               <a:t>Click to edit Master text styles</a:t>
             </a:r>
           </a:p>
           <a:p>
             <a:pPr lvl="1"/>
             <a:r>
-              <a:rPr lang="en-US" smtClean="0"/>
+              <a:rPr lang="en-US"/>
               <a:t>Second level</a:t>
             </a:r>
           </a:p>
           <a:p>
             <a:pPr lvl="2"/>
             <a:r>
-              <a:rPr lang="en-US" smtClean="0"/>
+              <a:rPr lang="en-US"/>
               <a:t>Third level</a:t>
             </a:r>
           </a:p>
           <a:p>
             <a:pPr lvl="3"/>
             <a:r>
-              <a:rPr lang="en-US" smtClean="0"/>
+              <a:rPr lang="en-US"/>
               <a:t>Fourth level</a:t>
             </a:r>
           </a:p>
           <a:p>
             <a:pPr lvl="4"/>
             <a:r>
-              <a:rPr lang="en-US" smtClean="0"/>
+              <a:rPr lang="en-US"/>
               <a:t>Fifth level</a:t>
             </a:r>
-            <a:endParaRPr lang="en-US"/>
           </a:p>
         </p:txBody>
       </p:sp>
@@ -1758,7 +1744,7 @@
           <a:p>
             <a:fld id="{699DC775-C286-4358-8C92-D7E584E969B3}" type="datetimeFigureOut">
               <a:rPr lang="en-US" smtClean="0"/>
-              <a:t>30-Jun-15</a:t>
+              <a:t>1/23/2017</a:t>
             </a:fld>
             <a:endParaRPr lang="en-US"/>
           </a:p>
@@ -1861,10 +1847,9 @@
           </a:lstStyle>
           <a:p>
             <a:r>
-              <a:rPr lang="en-US" smtClean="0"/>
+              <a:rPr lang="en-US"/>
               <a:t>Click to edit Master title style</a:t>
             </a:r>
-            <a:endParaRPr lang="en-US"/>
           </a:p>
         </p:txBody>
       </p:sp>
@@ -1981,7 +1966,7 @@
           <a:p>
             <a:pPr lvl="0"/>
             <a:r>
-              <a:rPr lang="en-US" smtClean="0"/>
+              <a:rPr lang="en-US"/>
               <a:t>Click to edit Master text styles</a:t>
             </a:r>
           </a:p>
@@ -2004,7 +1989,7 @@
           <a:p>
             <a:fld id="{699DC775-C286-4358-8C92-D7E584E969B3}" type="datetimeFigureOut">
               <a:rPr lang="en-US" smtClean="0"/>
-              <a:t>30-Jun-15</a:t>
+              <a:t>1/23/2017</a:t>
             </a:fld>
             <a:endParaRPr lang="en-US"/>
           </a:p>
@@ -2098,10 +2083,9 @@
           <a:lstStyle/>
           <a:p>
             <a:r>
-              <a:rPr lang="en-US" smtClean="0"/>
+              <a:rPr lang="en-US"/>
               <a:t>Click to edit Master title style</a:t>
             </a:r>
-            <a:endParaRPr lang="en-US"/>
           </a:p>
         </p:txBody>
       </p:sp>
@@ -2155,38 +2139,37 @@
           <a:p>
             <a:pPr lvl="0"/>
             <a:r>
-              <a:rPr lang="en-US" smtClean="0"/>
+              <a:rPr lang="en-US"/>
               <a:t>Click to edit Master text styles</a:t>
             </a:r>
           </a:p>
           <a:p>
             <a:pPr lvl="1"/>
             <a:r>
-              <a:rPr lang="en-US" smtClean="0"/>
+              <a:rPr lang="en-US"/>
               <a:t>Second level</a:t>
             </a:r>
           </a:p>
           <a:p>
             <a:pPr lvl="2"/>
             <a:r>
-              <a:rPr lang="en-US" smtClean="0"/>
+              <a:rPr lang="en-US"/>
               <a:t>Third level</a:t>
             </a:r>
           </a:p>
           <a:p>
             <a:pPr lvl="3"/>
             <a:r>
-              <a:rPr lang="en-US" smtClean="0"/>
+              <a:rPr lang="en-US"/>
               <a:t>Fourth level</a:t>
             </a:r>
           </a:p>
           <a:p>
             <a:pPr lvl="4"/>
             <a:r>
-              <a:rPr lang="en-US" smtClean="0"/>
+              <a:rPr lang="en-US"/>
               <a:t>Fifth level</a:t>
             </a:r>
-            <a:endParaRPr lang="en-US"/>
           </a:p>
         </p:txBody>
       </p:sp>
@@ -2240,38 +2223,37 @@
           <a:p>
             <a:pPr lvl="0"/>
             <a:r>
-              <a:rPr lang="en-US" smtClean="0"/>
+              <a:rPr lang="en-US"/>
               <a:t>Click to edit Master text styles</a:t>
             </a:r>
           </a:p>
           <a:p>
             <a:pPr lvl="1"/>
             <a:r>
-              <a:rPr lang="en-US" smtClean="0"/>
+              <a:rPr lang="en-US"/>
               <a:t>Second level</a:t>
             </a:r>
           </a:p>
           <a:p>
             <a:pPr lvl="2"/>
             <a:r>
-              <a:rPr lang="en-US" smtClean="0"/>
+              <a:rPr lang="en-US"/>
               <a:t>Third level</a:t>
             </a:r>
           </a:p>
           <a:p>
             <a:pPr lvl="3"/>
             <a:r>
-              <a:rPr lang="en-US" smtClean="0"/>
+              <a:rPr lang="en-US"/>
               <a:t>Fourth level</a:t>
             </a:r>
           </a:p>
           <a:p>
             <a:pPr lvl="4"/>
             <a:r>
-              <a:rPr lang="en-US" smtClean="0"/>
+              <a:rPr lang="en-US"/>
               <a:t>Fifth level</a:t>
             </a:r>
-            <a:endParaRPr lang="en-US"/>
           </a:p>
         </p:txBody>
       </p:sp>
@@ -2292,7 +2274,7 @@
           <a:p>
             <a:fld id="{699DC775-C286-4358-8C92-D7E584E969B3}" type="datetimeFigureOut">
               <a:rPr lang="en-US" smtClean="0"/>
-              <a:t>30-Jun-15</a:t>
+              <a:t>1/23/2017</a:t>
             </a:fld>
             <a:endParaRPr lang="en-US"/>
           </a:p>
@@ -2390,10 +2372,9 @@
           </a:lstStyle>
           <a:p>
             <a:r>
-              <a:rPr lang="en-US" smtClean="0"/>
+              <a:rPr lang="en-US"/>
               <a:t>Click to edit Master title style</a:t>
             </a:r>
-            <a:endParaRPr lang="en-US"/>
           </a:p>
         </p:txBody>
       </p:sp>
@@ -2456,7 +2437,7 @@
           <a:p>
             <a:pPr lvl="0"/>
             <a:r>
-              <a:rPr lang="en-US" smtClean="0"/>
+              <a:rPr lang="en-US"/>
               <a:t>Click to edit Master text styles</a:t>
             </a:r>
           </a:p>
@@ -2512,38 +2493,37 @@
           <a:p>
             <a:pPr lvl="0"/>
             <a:r>
-              <a:rPr lang="en-US" smtClean="0"/>
+              <a:rPr lang="en-US"/>
               <a:t>Click to edit Master text styles</a:t>
             </a:r>
           </a:p>
           <a:p>
             <a:pPr lvl="1"/>
             <a:r>
-              <a:rPr lang="en-US" smtClean="0"/>
+              <a:rPr lang="en-US"/>
               <a:t>Second level</a:t>
             </a:r>
           </a:p>
           <a:p>
             <a:pPr lvl="2"/>
             <a:r>
-              <a:rPr lang="en-US" smtClean="0"/>
+              <a:rPr lang="en-US"/>
               <a:t>Third level</a:t>
             </a:r>
           </a:p>
           <a:p>
             <a:pPr lvl="3"/>
             <a:r>
-              <a:rPr lang="en-US" smtClean="0"/>
+              <a:rPr lang="en-US"/>
               <a:t>Fourth level</a:t>
             </a:r>
           </a:p>
           <a:p>
             <a:pPr lvl="4"/>
             <a:r>
-              <a:rPr lang="en-US" smtClean="0"/>
+              <a:rPr lang="en-US"/>
               <a:t>Fifth level</a:t>
             </a:r>
-            <a:endParaRPr lang="en-US"/>
           </a:p>
         </p:txBody>
       </p:sp>
@@ -2606,7 +2586,7 @@
           <a:p>
             <a:pPr lvl="0"/>
             <a:r>
-              <a:rPr lang="en-US" smtClean="0"/>
+              <a:rPr lang="en-US"/>
               <a:t>Click to edit Master text styles</a:t>
             </a:r>
           </a:p>
@@ -2662,38 +2642,37 @@
           <a:p>
             <a:pPr lvl="0"/>
             <a:r>
-              <a:rPr lang="en-US" smtClean="0"/>
+              <a:rPr lang="en-US"/>
               <a:t>Click to edit Master text styles</a:t>
             </a:r>
           </a:p>
           <a:p>
             <a:pPr lvl="1"/>
             <a:r>
-              <a:rPr lang="en-US" smtClean="0"/>
+              <a:rPr lang="en-US"/>
               <a:t>Second level</a:t>
             </a:r>
           </a:p>
           <a:p>
             <a:pPr lvl="2"/>
             <a:r>
-              <a:rPr lang="en-US" smtClean="0"/>
+              <a:rPr lang="en-US"/>
               <a:t>Third level</a:t>
             </a:r>
           </a:p>
           <a:p>
             <a:pPr lvl="3"/>
             <a:r>
-              <a:rPr lang="en-US" smtClean="0"/>
+              <a:rPr lang="en-US"/>
               <a:t>Fourth level</a:t>
             </a:r>
           </a:p>
           <a:p>
             <a:pPr lvl="4"/>
             <a:r>
-              <a:rPr lang="en-US" smtClean="0"/>
+              <a:rPr lang="en-US"/>
               <a:t>Fifth level</a:t>
             </a:r>
-            <a:endParaRPr lang="en-US"/>
           </a:p>
         </p:txBody>
       </p:sp>
@@ -2714,7 +2693,7 @@
           <a:p>
             <a:fld id="{699DC775-C286-4358-8C92-D7E584E969B3}" type="datetimeFigureOut">
               <a:rPr lang="en-US" smtClean="0"/>
-              <a:t>30-Jun-15</a:t>
+              <a:t>1/23/2017</a:t>
             </a:fld>
             <a:endParaRPr lang="en-US"/>
           </a:p>
@@ -2808,10 +2787,9 @@
           <a:lstStyle/>
           <a:p>
             <a:r>
-              <a:rPr lang="en-US" smtClean="0"/>
+              <a:rPr lang="en-US"/>
               <a:t>Click to edit Master title style</a:t>
             </a:r>
-            <a:endParaRPr lang="en-US"/>
           </a:p>
         </p:txBody>
       </p:sp>
@@ -2832,7 +2810,7 @@
           <a:p>
             <a:fld id="{699DC775-C286-4358-8C92-D7E584E969B3}" type="datetimeFigureOut">
               <a:rPr lang="en-US" smtClean="0"/>
-              <a:t>30-Jun-15</a:t>
+              <a:t>1/23/2017</a:t>
             </a:fld>
             <a:endParaRPr lang="en-US"/>
           </a:p>
@@ -2927,7 +2905,7 @@
           <a:p>
             <a:fld id="{699DC775-C286-4358-8C92-D7E584E969B3}" type="datetimeFigureOut">
               <a:rPr lang="en-US" smtClean="0"/>
-              <a:t>30-Jun-15</a:t>
+              <a:t>1/23/2017</a:t>
             </a:fld>
             <a:endParaRPr lang="en-US"/>
           </a:p>
@@ -3021,10 +2999,9 @@
           <a:lstStyle/>
           <a:p>
             <a:r>
-              <a:rPr lang="en-US" smtClean="0"/>
+              <a:rPr lang="en-US"/>
               <a:t>Click to edit Master title style</a:t>
             </a:r>
-            <a:endParaRPr lang="en-US"/>
           </a:p>
         </p:txBody>
       </p:sp>
@@ -3045,38 +3022,37 @@
           <a:p>
             <a:pPr lvl="0"/>
             <a:r>
-              <a:rPr lang="en-US" smtClean="0"/>
+              <a:rPr lang="en-US"/>
               <a:t>Click to edit Master text styles</a:t>
             </a:r>
           </a:p>
           <a:p>
             <a:pPr lvl="1"/>
             <a:r>
-              <a:rPr lang="en-US" smtClean="0"/>
+              <a:rPr lang="en-US"/>
               <a:t>Second level</a:t>
             </a:r>
           </a:p>
           <a:p>
             <a:pPr lvl="2"/>
             <a:r>
-              <a:rPr lang="en-US" smtClean="0"/>
+              <a:rPr lang="en-US"/>
               <a:t>Third level</a:t>
             </a:r>
           </a:p>
           <a:p>
             <a:pPr lvl="3"/>
             <a:r>
-              <a:rPr lang="en-US" smtClean="0"/>
+              <a:rPr lang="en-US"/>
               <a:t>Fourth level</a:t>
             </a:r>
           </a:p>
           <a:p>
             <a:pPr lvl="4"/>
             <a:r>
-              <a:rPr lang="en-US" smtClean="0"/>
+              <a:rPr lang="en-US"/>
               <a:t>Fifth level</a:t>
             </a:r>
-            <a:endParaRPr lang="en-US"/>
           </a:p>
         </p:txBody>
       </p:sp>
@@ -3097,7 +3073,7 @@
           <a:p>
             <a:fld id="{699DC775-C286-4358-8C92-D7E584E969B3}" type="datetimeFigureOut">
               <a:rPr lang="en-US" smtClean="0"/>
-              <a:t>30-Jun-15</a:t>
+              <a:t>1/23/2017</a:t>
             </a:fld>
             <a:endParaRPr lang="en-US"/>
           </a:p>
@@ -3200,10 +3176,9 @@
           </a:lstStyle>
           <a:p>
             <a:r>
-              <a:rPr lang="en-US" smtClean="0"/>
+              <a:rPr lang="en-US"/>
               <a:t>Click to edit Master title style</a:t>
             </a:r>
-            <a:endParaRPr lang="en-US"/>
           </a:p>
         </p:txBody>
       </p:sp>
@@ -3257,38 +3232,37 @@
           <a:p>
             <a:pPr lvl="0"/>
             <a:r>
-              <a:rPr lang="en-US" smtClean="0"/>
+              <a:rPr lang="en-US"/>
               <a:t>Click to edit Master text styles</a:t>
             </a:r>
           </a:p>
           <a:p>
             <a:pPr lvl="1"/>
             <a:r>
-              <a:rPr lang="en-US" smtClean="0"/>
+              <a:rPr lang="en-US"/>
               <a:t>Second level</a:t>
             </a:r>
           </a:p>
           <a:p>
             <a:pPr lvl="2"/>
             <a:r>
-              <a:rPr lang="en-US" smtClean="0"/>
+              <a:rPr lang="en-US"/>
               <a:t>Third level</a:t>
             </a:r>
           </a:p>
           <a:p>
             <a:pPr lvl="3"/>
             <a:r>
-              <a:rPr lang="en-US" smtClean="0"/>
+              <a:rPr lang="en-US"/>
               <a:t>Fourth level</a:t>
             </a:r>
           </a:p>
           <a:p>
             <a:pPr lvl="4"/>
             <a:r>
-              <a:rPr lang="en-US" smtClean="0"/>
+              <a:rPr lang="en-US"/>
               <a:t>Fifth level</a:t>
             </a:r>
-            <a:endParaRPr lang="en-US"/>
           </a:p>
         </p:txBody>
       </p:sp>
@@ -3351,7 +3325,7 @@
           <a:p>
             <a:pPr lvl="0"/>
             <a:r>
-              <a:rPr lang="en-US" smtClean="0"/>
+              <a:rPr lang="en-US"/>
               <a:t>Click to edit Master text styles</a:t>
             </a:r>
           </a:p>
@@ -3374,7 +3348,7 @@
           <a:p>
             <a:fld id="{699DC775-C286-4358-8C92-D7E584E969B3}" type="datetimeFigureOut">
               <a:rPr lang="en-US" smtClean="0"/>
-              <a:t>30-Jun-15</a:t>
+              <a:t>1/23/2017</a:t>
             </a:fld>
             <a:endParaRPr lang="en-US"/>
           </a:p>
@@ -3477,10 +3451,9 @@
           </a:lstStyle>
           <a:p>
             <a:r>
-              <a:rPr lang="en-US" smtClean="0"/>
+              <a:rPr lang="en-US"/>
               <a:t>Click to edit Master title style</a:t>
             </a:r>
-            <a:endParaRPr lang="en-US"/>
           </a:p>
         </p:txBody>
       </p:sp>
@@ -3604,7 +3577,7 @@
           <a:p>
             <a:pPr lvl="0"/>
             <a:r>
-              <a:rPr lang="en-US" smtClean="0"/>
+              <a:rPr lang="en-US"/>
               <a:t>Click to edit Master text styles</a:t>
             </a:r>
           </a:p>
@@ -3627,7 +3600,7 @@
           <a:p>
             <a:fld id="{699DC775-C286-4358-8C92-D7E584E969B3}" type="datetimeFigureOut">
               <a:rPr lang="en-US" smtClean="0"/>
-              <a:t>30-Jun-15</a:t>
+              <a:t>1/23/2017</a:t>
             </a:fld>
             <a:endParaRPr lang="en-US"/>
           </a:p>
@@ -3721,10 +3694,9 @@
           <a:lstStyle/>
           <a:p>
             <a:r>
-              <a:rPr lang="en-US" smtClean="0"/>
+              <a:rPr lang="en-US"/>
               <a:t>Click to edit Master title style</a:t>
             </a:r>
-            <a:endParaRPr lang="en-US"/>
           </a:p>
         </p:txBody>
       </p:sp>
@@ -3745,38 +3717,37 @@
           <a:p>
             <a:pPr lvl="0"/>
             <a:r>
-              <a:rPr lang="en-US" smtClean="0"/>
+              <a:rPr lang="en-US"/>
               <a:t>Click to edit Master text styles</a:t>
             </a:r>
           </a:p>
           <a:p>
             <a:pPr lvl="1"/>
             <a:r>
-              <a:rPr lang="en-US" smtClean="0"/>
+              <a:rPr lang="en-US"/>
               <a:t>Second level</a:t>
             </a:r>
           </a:p>
           <a:p>
             <a:pPr lvl="2"/>
             <a:r>
-              <a:rPr lang="en-US" smtClean="0"/>
+              <a:rPr lang="en-US"/>
               <a:t>Third level</a:t>
             </a:r>
           </a:p>
           <a:p>
             <a:pPr lvl="3"/>
             <a:r>
-              <a:rPr lang="en-US" smtClean="0"/>
+              <a:rPr lang="en-US"/>
               <a:t>Fourth level</a:t>
             </a:r>
           </a:p>
           <a:p>
             <a:pPr lvl="4"/>
             <a:r>
-              <a:rPr lang="en-US" smtClean="0"/>
+              <a:rPr lang="en-US"/>
               <a:t>Fifth level</a:t>
             </a:r>
-            <a:endParaRPr lang="en-US"/>
           </a:p>
         </p:txBody>
       </p:sp>
@@ -3797,7 +3768,7 @@
           <a:p>
             <a:fld id="{699DC775-C286-4358-8C92-D7E584E969B3}" type="datetimeFigureOut">
               <a:rPr lang="en-US" smtClean="0"/>
-              <a:t>30-Jun-15</a:t>
+              <a:t>1/23/2017</a:t>
             </a:fld>
             <a:endParaRPr lang="en-US"/>
           </a:p>
@@ -3896,10 +3867,9 @@
           <a:lstStyle/>
           <a:p>
             <a:r>
-              <a:rPr lang="en-US" smtClean="0"/>
+              <a:rPr lang="en-US"/>
               <a:t>Click to edit Master title style</a:t>
             </a:r>
-            <a:endParaRPr lang="en-US"/>
           </a:p>
         </p:txBody>
       </p:sp>
@@ -3925,38 +3895,37 @@
           <a:p>
             <a:pPr lvl="0"/>
             <a:r>
-              <a:rPr lang="en-US" smtClean="0"/>
+              <a:rPr lang="en-US"/>
               <a:t>Click to edit Master text styles</a:t>
             </a:r>
           </a:p>
           <a:p>
             <a:pPr lvl="1"/>
             <a:r>
-              <a:rPr lang="en-US" smtClean="0"/>
+              <a:rPr lang="en-US"/>
               <a:t>Second level</a:t>
             </a:r>
           </a:p>
           <a:p>
             <a:pPr lvl="2"/>
             <a:r>
-              <a:rPr lang="en-US" smtClean="0"/>
+              <a:rPr lang="en-US"/>
               <a:t>Third level</a:t>
             </a:r>
           </a:p>
           <a:p>
             <a:pPr lvl="3"/>
             <a:r>
-              <a:rPr lang="en-US" smtClean="0"/>
+              <a:rPr lang="en-US"/>
               <a:t>Fourth level</a:t>
             </a:r>
           </a:p>
           <a:p>
             <a:pPr lvl="4"/>
             <a:r>
-              <a:rPr lang="en-US" smtClean="0"/>
+              <a:rPr lang="en-US"/>
               <a:t>Fifth level</a:t>
             </a:r>
-            <a:endParaRPr lang="en-US"/>
           </a:p>
         </p:txBody>
       </p:sp>
@@ -3977,7 +3946,7 @@
           <a:p>
             <a:fld id="{699DC775-C286-4358-8C92-D7E584E969B3}" type="datetimeFigureOut">
               <a:rPr lang="en-US" smtClean="0"/>
-              <a:t>30-Jun-15</a:t>
+              <a:t>1/23/2017</a:t>
             </a:fld>
             <a:endParaRPr lang="en-US"/>
           </a:p>
@@ -4071,10 +4040,9 @@
           <a:lstStyle/>
           <a:p>
             <a:r>
-              <a:rPr lang="en-US" smtClean="0"/>
+              <a:rPr lang="en-US"/>
               <a:t>Click to edit Master title style</a:t>
             </a:r>
-            <a:endParaRPr lang="en-US"/>
           </a:p>
         </p:txBody>
       </p:sp>
@@ -4095,38 +4063,37 @@
           <a:p>
             <a:pPr lvl="0"/>
             <a:r>
-              <a:rPr lang="en-US" smtClean="0"/>
+              <a:rPr lang="en-US"/>
               <a:t>Click to edit Master text styles</a:t>
             </a:r>
           </a:p>
           <a:p>
             <a:pPr lvl="1"/>
             <a:r>
-              <a:rPr lang="en-US" smtClean="0"/>
+              <a:rPr lang="en-US"/>
               <a:t>Second level</a:t>
             </a:r>
           </a:p>
           <a:p>
             <a:pPr lvl="2"/>
             <a:r>
-              <a:rPr lang="en-US" smtClean="0"/>
+              <a:rPr lang="en-US"/>
               <a:t>Third level</a:t>
             </a:r>
           </a:p>
           <a:p>
             <a:pPr lvl="3"/>
             <a:r>
-              <a:rPr lang="en-US" smtClean="0"/>
+              <a:rPr lang="en-US"/>
               <a:t>Fourth level</a:t>
             </a:r>
           </a:p>
           <a:p>
             <a:pPr lvl="4"/>
             <a:r>
-              <a:rPr lang="en-US" smtClean="0"/>
+              <a:rPr lang="en-US"/>
               <a:t>Fifth level</a:t>
             </a:r>
-            <a:endParaRPr lang="en-US"/>
           </a:p>
         </p:txBody>
       </p:sp>
@@ -4147,7 +4114,7 @@
           <a:p>
             <a:fld id="{699DC775-C286-4358-8C92-D7E584E969B3}" type="datetimeFigureOut">
               <a:rPr lang="en-US" smtClean="0"/>
-              <a:t>30-Jun-15</a:t>
+              <a:t>1/23/2017</a:t>
             </a:fld>
             <a:endParaRPr lang="en-US"/>
           </a:p>
@@ -4254,10 +4221,9 @@
           <a:lstStyle/>
           <a:p>
             <a:r>
-              <a:rPr lang="en-US" smtClean="0"/>
+              <a:rPr lang="en-US"/>
               <a:t>Click to edit Master title style</a:t>
             </a:r>
-            <a:endParaRPr lang="en-US"/>
           </a:p>
         </p:txBody>
       </p:sp>
@@ -4373,10 +4339,9 @@
           </a:lstStyle>
           <a:p>
             <a:r>
-              <a:rPr lang="en-US" smtClean="0"/>
+              <a:rPr lang="en-US"/>
               <a:t>Click to edit Master subtitle style</a:t>
             </a:r>
-            <a:endParaRPr lang="en-US"/>
           </a:p>
         </p:txBody>
       </p:sp>
@@ -4397,7 +4362,7 @@
           <a:p>
             <a:fld id="{699DC775-C286-4358-8C92-D7E584E969B3}" type="datetimeFigureOut">
               <a:rPr lang="en-US" smtClean="0"/>
-              <a:t>30-Jun-15</a:t>
+              <a:t>1/23/2017</a:t>
             </a:fld>
             <a:endParaRPr lang="en-US"/>
           </a:p>
@@ -4499,10 +4464,9 @@
           <a:lstStyle/>
           <a:p>
             <a:r>
-              <a:rPr lang="en-US" smtClean="0"/>
+              <a:rPr lang="en-US"/>
               <a:t>Click to edit Master title style</a:t>
             </a:r>
-            <a:endParaRPr lang="en-US"/>
           </a:p>
         </p:txBody>
       </p:sp>
@@ -4523,38 +4487,37 @@
           <a:p>
             <a:pPr lvl="0"/>
             <a:r>
-              <a:rPr lang="en-US" smtClean="0"/>
+              <a:rPr lang="en-US"/>
               <a:t>Click to edit Master text styles</a:t>
             </a:r>
           </a:p>
           <a:p>
             <a:pPr lvl="1"/>
             <a:r>
-              <a:rPr lang="en-US" smtClean="0"/>
+              <a:rPr lang="en-US"/>
               <a:t>Second level</a:t>
             </a:r>
           </a:p>
           <a:p>
             <a:pPr lvl="2"/>
             <a:r>
-              <a:rPr lang="en-US" smtClean="0"/>
+              <a:rPr lang="en-US"/>
               <a:t>Third level</a:t>
             </a:r>
           </a:p>
           <a:p>
             <a:pPr lvl="3"/>
             <a:r>
-              <a:rPr lang="en-US" smtClean="0"/>
+              <a:rPr lang="en-US"/>
               <a:t>Fourth level</a:t>
             </a:r>
           </a:p>
           <a:p>
             <a:pPr lvl="4"/>
             <a:r>
-              <a:rPr lang="en-US" smtClean="0"/>
+              <a:rPr lang="en-US"/>
               <a:t>Fifth level</a:t>
             </a:r>
-            <a:endParaRPr lang="en-US"/>
           </a:p>
         </p:txBody>
       </p:sp>
@@ -4575,7 +4538,7 @@
           <a:p>
             <a:fld id="{699DC775-C286-4358-8C92-D7E584E969B3}" type="datetimeFigureOut">
               <a:rPr lang="en-US" smtClean="0"/>
-              <a:t>30-Jun-15</a:t>
+              <a:t>1/23/2017</a:t>
             </a:fld>
             <a:endParaRPr lang="en-US"/>
           </a:p>
@@ -4686,10 +4649,9 @@
           </a:lstStyle>
           <a:p>
             <a:r>
-              <a:rPr lang="en-US" smtClean="0"/>
+              <a:rPr lang="en-US"/>
               <a:t>Click to edit Master title style</a:t>
             </a:r>
-            <a:endParaRPr lang="en-US"/>
           </a:p>
         </p:txBody>
       </p:sp>
@@ -4806,7 +4768,7 @@
           <a:p>
             <a:pPr lvl="0"/>
             <a:r>
-              <a:rPr lang="en-US" smtClean="0"/>
+              <a:rPr lang="en-US"/>
               <a:t>Click to edit Master text styles</a:t>
             </a:r>
           </a:p>
@@ -4829,7 +4791,7 @@
           <a:p>
             <a:fld id="{699DC775-C286-4358-8C92-D7E584E969B3}" type="datetimeFigureOut">
               <a:rPr lang="en-US" smtClean="0"/>
-              <a:t>30-Jun-15</a:t>
+              <a:t>1/23/2017</a:t>
             </a:fld>
             <a:endParaRPr lang="en-US"/>
           </a:p>
@@ -4931,10 +4893,9 @@
           <a:lstStyle/>
           <a:p>
             <a:r>
-              <a:rPr lang="en-US" smtClean="0"/>
+              <a:rPr lang="en-US"/>
               <a:t>Click to edit Master title style</a:t>
             </a:r>
-            <a:endParaRPr lang="en-US"/>
           </a:p>
         </p:txBody>
       </p:sp>
@@ -4988,38 +4949,37 @@
           <a:p>
             <a:pPr lvl="0"/>
             <a:r>
-              <a:rPr lang="en-US" smtClean="0"/>
+              <a:rPr lang="en-US"/>
               <a:t>Click to edit Master text styles</a:t>
             </a:r>
           </a:p>
           <a:p>
             <a:pPr lvl="1"/>
             <a:r>
-              <a:rPr lang="en-US" smtClean="0"/>
+              <a:rPr lang="en-US"/>
               <a:t>Second level</a:t>
             </a:r>
           </a:p>
           <a:p>
             <a:pPr lvl="2"/>
             <a:r>
-              <a:rPr lang="en-US" smtClean="0"/>
+              <a:rPr lang="en-US"/>
               <a:t>Third level</a:t>
             </a:r>
           </a:p>
           <a:p>
             <a:pPr lvl="3"/>
             <a:r>
-              <a:rPr lang="en-US" smtClean="0"/>
+              <a:rPr lang="en-US"/>
               <a:t>Fourth level</a:t>
             </a:r>
           </a:p>
           <a:p>
             <a:pPr lvl="4"/>
             <a:r>
-              <a:rPr lang="en-US" smtClean="0"/>
+              <a:rPr lang="en-US"/>
               <a:t>Fifth level</a:t>
             </a:r>
-            <a:endParaRPr lang="en-US"/>
           </a:p>
         </p:txBody>
       </p:sp>
@@ -5073,38 +5033,37 @@
           <a:p>
             <a:pPr lvl="0"/>
             <a:r>
-              <a:rPr lang="en-US" smtClean="0"/>
+              <a:rPr lang="en-US"/>
               <a:t>Click to edit Master text styles</a:t>
             </a:r>
           </a:p>
           <a:p>
             <a:pPr lvl="1"/>
             <a:r>
-              <a:rPr lang="en-US" smtClean="0"/>
+              <a:rPr lang="en-US"/>
               <a:t>Second level</a:t>
             </a:r>
           </a:p>
           <a:p>
             <a:pPr lvl="2"/>
             <a:r>
-              <a:rPr lang="en-US" smtClean="0"/>
+              <a:rPr lang="en-US"/>
               <a:t>Third level</a:t>
             </a:r>
           </a:p>
           <a:p>
             <a:pPr lvl="3"/>
             <a:r>
-              <a:rPr lang="en-US" smtClean="0"/>
+              <a:rPr lang="en-US"/>
               <a:t>Fourth level</a:t>
             </a:r>
           </a:p>
           <a:p>
             <a:pPr lvl="4"/>
             <a:r>
-              <a:rPr lang="en-US" smtClean="0"/>
+              <a:rPr lang="en-US"/>
               <a:t>Fifth level</a:t>
             </a:r>
-            <a:endParaRPr lang="en-US"/>
           </a:p>
         </p:txBody>
       </p:sp>
@@ -5125,7 +5084,7 @@
           <a:p>
             <a:fld id="{699DC775-C286-4358-8C92-D7E584E969B3}" type="datetimeFigureOut">
               <a:rPr lang="en-US" smtClean="0"/>
-              <a:t>30-Jun-15</a:t>
+              <a:t>1/23/2017</a:t>
             </a:fld>
             <a:endParaRPr lang="en-US"/>
           </a:p>
@@ -5231,10 +5190,9 @@
           </a:lstStyle>
           <a:p>
             <a:r>
-              <a:rPr lang="en-US" smtClean="0"/>
+              <a:rPr lang="en-US"/>
               <a:t>Click to edit Master title style</a:t>
             </a:r>
-            <a:endParaRPr lang="en-US"/>
           </a:p>
         </p:txBody>
       </p:sp>
@@ -5297,7 +5255,7 @@
           <a:p>
             <a:pPr lvl="0"/>
             <a:r>
-              <a:rPr lang="en-US" smtClean="0"/>
+              <a:rPr lang="en-US"/>
               <a:t>Click to edit Master text styles</a:t>
             </a:r>
           </a:p>
@@ -5353,38 +5311,37 @@
           <a:p>
             <a:pPr lvl="0"/>
             <a:r>
-              <a:rPr lang="en-US" smtClean="0"/>
+              <a:rPr lang="en-US"/>
               <a:t>Click to edit Master text styles</a:t>
             </a:r>
           </a:p>
           <a:p>
             <a:pPr lvl="1"/>
             <a:r>
-              <a:rPr lang="en-US" smtClean="0"/>
+              <a:rPr lang="en-US"/>
               <a:t>Second level</a:t>
             </a:r>
           </a:p>
           <a:p>
             <a:pPr lvl="2"/>
             <a:r>
-              <a:rPr lang="en-US" smtClean="0"/>
+              <a:rPr lang="en-US"/>
               <a:t>Third level</a:t>
             </a:r>
           </a:p>
           <a:p>
             <a:pPr lvl="3"/>
             <a:r>
-              <a:rPr lang="en-US" smtClean="0"/>
+              <a:rPr lang="en-US"/>
               <a:t>Fourth level</a:t>
             </a:r>
           </a:p>
           <a:p>
             <a:pPr lvl="4"/>
             <a:r>
-              <a:rPr lang="en-US" smtClean="0"/>
+              <a:rPr lang="en-US"/>
               <a:t>Fifth level</a:t>
             </a:r>
-            <a:endParaRPr lang="en-US"/>
           </a:p>
         </p:txBody>
       </p:sp>
@@ -5447,7 +5404,7 @@
           <a:p>
             <a:pPr lvl="0"/>
             <a:r>
-              <a:rPr lang="en-US" smtClean="0"/>
+              <a:rPr lang="en-US"/>
               <a:t>Click to edit Master text styles</a:t>
             </a:r>
           </a:p>
@@ -5503,38 +5460,37 @@
           <a:p>
             <a:pPr lvl="0"/>
             <a:r>
-              <a:rPr lang="en-US" smtClean="0"/>
+              <a:rPr lang="en-US"/>
               <a:t>Click to edit Master text styles</a:t>
             </a:r>
           </a:p>
           <a:p>
             <a:pPr lvl="1"/>
             <a:r>
-              <a:rPr lang="en-US" smtClean="0"/>
+              <a:rPr lang="en-US"/>
               <a:t>Second level</a:t>
             </a:r>
           </a:p>
           <a:p>
             <a:pPr lvl="2"/>
             <a:r>
-              <a:rPr lang="en-US" smtClean="0"/>
+              <a:rPr lang="en-US"/>
               <a:t>Third level</a:t>
             </a:r>
           </a:p>
           <a:p>
             <a:pPr lvl="3"/>
             <a:r>
-              <a:rPr lang="en-US" smtClean="0"/>
+              <a:rPr lang="en-US"/>
               <a:t>Fourth level</a:t>
             </a:r>
           </a:p>
           <a:p>
             <a:pPr lvl="4"/>
             <a:r>
-              <a:rPr lang="en-US" smtClean="0"/>
+              <a:rPr lang="en-US"/>
               <a:t>Fifth level</a:t>
             </a:r>
-            <a:endParaRPr lang="en-US"/>
           </a:p>
         </p:txBody>
       </p:sp>
@@ -5555,7 +5511,7 @@
           <a:p>
             <a:fld id="{699DC775-C286-4358-8C92-D7E584E969B3}" type="datetimeFigureOut">
               <a:rPr lang="en-US" smtClean="0"/>
-              <a:t>30-Jun-15</a:t>
+              <a:t>1/23/2017</a:t>
             </a:fld>
             <a:endParaRPr lang="en-US"/>
           </a:p>
@@ -5658,10 +5614,9 @@
           </a:lstStyle>
           <a:p>
             <a:r>
-              <a:rPr lang="en-US" smtClean="0"/>
+              <a:rPr lang="en-US"/>
               <a:t>Click to edit Master title style</a:t>
             </a:r>
-            <a:endParaRPr lang="en-US"/>
           </a:p>
         </p:txBody>
       </p:sp>
@@ -5778,7 +5733,7 @@
           <a:p>
             <a:pPr lvl="0"/>
             <a:r>
-              <a:rPr lang="en-US" smtClean="0"/>
+              <a:rPr lang="en-US"/>
               <a:t>Click to edit Master text styles</a:t>
             </a:r>
           </a:p>
@@ -5801,7 +5756,7 @@
           <a:p>
             <a:fld id="{699DC775-C286-4358-8C92-D7E584E969B3}" type="datetimeFigureOut">
               <a:rPr lang="en-US" smtClean="0"/>
-              <a:t>30-Jun-15</a:t>
+              <a:t>1/23/2017</a:t>
             </a:fld>
             <a:endParaRPr lang="en-US"/>
           </a:p>
@@ -5903,10 +5858,9 @@
           <a:lstStyle/>
           <a:p>
             <a:r>
-              <a:rPr lang="en-US" smtClean="0"/>
+              <a:rPr lang="en-US"/>
               <a:t>Click to edit Master title style</a:t>
             </a:r>
-            <a:endParaRPr lang="en-US"/>
           </a:p>
         </p:txBody>
       </p:sp>
@@ -5927,7 +5881,7 @@
           <a:p>
             <a:fld id="{699DC775-C286-4358-8C92-D7E584E969B3}" type="datetimeFigureOut">
               <a:rPr lang="en-US" smtClean="0"/>
-              <a:t>30-Jun-15</a:t>
+              <a:t>1/23/2017</a:t>
             </a:fld>
             <a:endParaRPr lang="en-US"/>
           </a:p>
@@ -6030,7 +5984,7 @@
           <a:p>
             <a:fld id="{699DC775-C286-4358-8C92-D7E584E969B3}" type="datetimeFigureOut">
               <a:rPr lang="en-US" smtClean="0"/>
-              <a:t>30-Jun-15</a:t>
+              <a:t>1/23/2017</a:t>
             </a:fld>
             <a:endParaRPr lang="en-US"/>
           </a:p>
@@ -6141,10 +6095,9 @@
           </a:lstStyle>
           <a:p>
             <a:r>
-              <a:rPr lang="en-US" smtClean="0"/>
+              <a:rPr lang="en-US"/>
               <a:t>Click to edit Master title style</a:t>
             </a:r>
-            <a:endParaRPr lang="en-US"/>
           </a:p>
         </p:txBody>
       </p:sp>
@@ -6198,38 +6151,37 @@
           <a:p>
             <a:pPr lvl="0"/>
             <a:r>
-              <a:rPr lang="en-US" smtClean="0"/>
+              <a:rPr lang="en-US"/>
               <a:t>Click to edit Master text styles</a:t>
             </a:r>
           </a:p>
           <a:p>
             <a:pPr lvl="1"/>
             <a:r>
-              <a:rPr lang="en-US" smtClean="0"/>
+              <a:rPr lang="en-US"/>
               <a:t>Second level</a:t>
             </a:r>
           </a:p>
           <a:p>
             <a:pPr lvl="2"/>
             <a:r>
-              <a:rPr lang="en-US" smtClean="0"/>
+              <a:rPr lang="en-US"/>
               <a:t>Third level</a:t>
             </a:r>
           </a:p>
           <a:p>
             <a:pPr lvl="3"/>
             <a:r>
-              <a:rPr lang="en-US" smtClean="0"/>
+              <a:rPr lang="en-US"/>
               <a:t>Fourth level</a:t>
             </a:r>
           </a:p>
           <a:p>
             <a:pPr lvl="4"/>
             <a:r>
-              <a:rPr lang="en-US" smtClean="0"/>
+              <a:rPr lang="en-US"/>
               <a:t>Fifth level</a:t>
             </a:r>
-            <a:endParaRPr lang="en-US"/>
           </a:p>
         </p:txBody>
       </p:sp>
@@ -6292,7 +6244,7 @@
           <a:p>
             <a:pPr lvl="0"/>
             <a:r>
-              <a:rPr lang="en-US" smtClean="0"/>
+              <a:rPr lang="en-US"/>
               <a:t>Click to edit Master text styles</a:t>
             </a:r>
           </a:p>
@@ -6315,7 +6267,7 @@
           <a:p>
             <a:fld id="{699DC775-C286-4358-8C92-D7E584E969B3}" type="datetimeFigureOut">
               <a:rPr lang="en-US" smtClean="0"/>
-              <a:t>30-Jun-15</a:t>
+              <a:t>1/23/2017</a:t>
             </a:fld>
             <a:endParaRPr lang="en-US"/>
           </a:p>
@@ -6426,10 +6378,9 @@
           </a:lstStyle>
           <a:p>
             <a:r>
-              <a:rPr lang="en-US" smtClean="0"/>
+              <a:rPr lang="en-US"/>
               <a:t>Click to edit Master title style</a:t>
             </a:r>
-            <a:endParaRPr lang="en-US"/>
           </a:p>
         </p:txBody>
       </p:sp>
@@ -6553,7 +6504,7 @@
           <a:p>
             <a:pPr lvl="0"/>
             <a:r>
-              <a:rPr lang="en-US" smtClean="0"/>
+              <a:rPr lang="en-US"/>
               <a:t>Click to edit Master text styles</a:t>
             </a:r>
           </a:p>
@@ -6576,7 +6527,7 @@
           <a:p>
             <a:fld id="{699DC775-C286-4358-8C92-D7E584E969B3}" type="datetimeFigureOut">
               <a:rPr lang="en-US" smtClean="0"/>
-              <a:t>30-Jun-15</a:t>
+              <a:t>1/23/2017</a:t>
             </a:fld>
             <a:endParaRPr lang="en-US"/>
           </a:p>
@@ -6678,10 +6629,9 @@
           <a:lstStyle/>
           <a:p>
             <a:r>
-              <a:rPr lang="en-US" smtClean="0"/>
+              <a:rPr lang="en-US"/>
               <a:t>Click to edit Master title style</a:t>
             </a:r>
-            <a:endParaRPr lang="en-US"/>
           </a:p>
         </p:txBody>
       </p:sp>
@@ -6702,38 +6652,37 @@
           <a:p>
             <a:pPr lvl="0"/>
             <a:r>
-              <a:rPr lang="en-US" smtClean="0"/>
+              <a:rPr lang="en-US"/>
               <a:t>Click to edit Master text styles</a:t>
             </a:r>
           </a:p>
           <a:p>
             <a:pPr lvl="1"/>
             <a:r>
-              <a:rPr lang="en-US" smtClean="0"/>
+              <a:rPr lang="en-US"/>
               <a:t>Second level</a:t>
             </a:r>
           </a:p>
           <a:p>
             <a:pPr lvl="2"/>
             <a:r>
-              <a:rPr lang="en-US" smtClean="0"/>
+              <a:rPr lang="en-US"/>
               <a:t>Third level</a:t>
             </a:r>
           </a:p>
           <a:p>
             <a:pPr lvl="3"/>
             <a:r>
-              <a:rPr lang="en-US" smtClean="0"/>
+              <a:rPr lang="en-US"/>
               <a:t>Fourth level</a:t>
             </a:r>
           </a:p>
           <a:p>
             <a:pPr lvl="4"/>
             <a:r>
-              <a:rPr lang="en-US" smtClean="0"/>
+              <a:rPr lang="en-US"/>
               <a:t>Fifth level</a:t>
             </a:r>
-            <a:endParaRPr lang="en-US"/>
           </a:p>
         </p:txBody>
       </p:sp>
@@ -6754,7 +6703,7 @@
           <a:p>
             <a:fld id="{699DC775-C286-4358-8C92-D7E584E969B3}" type="datetimeFigureOut">
               <a:rPr lang="en-US" smtClean="0"/>
-              <a:t>30-Jun-15</a:t>
+              <a:t>1/23/2017</a:t>
             </a:fld>
             <a:endParaRPr lang="en-US"/>
           </a:p>
@@ -6861,10 +6810,9 @@
           <a:lstStyle/>
           <a:p>
             <a:r>
-              <a:rPr lang="en-US" smtClean="0"/>
+              <a:rPr lang="en-US"/>
               <a:t>Click to edit Master title style</a:t>
             </a:r>
-            <a:endParaRPr lang="en-US"/>
           </a:p>
         </p:txBody>
       </p:sp>
@@ -6890,38 +6838,37 @@
           <a:p>
             <a:pPr lvl="0"/>
             <a:r>
-              <a:rPr lang="en-US" smtClean="0"/>
+              <a:rPr lang="en-US"/>
               <a:t>Click to edit Master text styles</a:t>
             </a:r>
           </a:p>
           <a:p>
             <a:pPr lvl="1"/>
             <a:r>
-              <a:rPr lang="en-US" smtClean="0"/>
+              <a:rPr lang="en-US"/>
               <a:t>Second level</a:t>
             </a:r>
           </a:p>
           <a:p>
             <a:pPr lvl="2"/>
             <a:r>
-              <a:rPr lang="en-US" smtClean="0"/>
+              <a:rPr lang="en-US"/>
               <a:t>Third level</a:t>
             </a:r>
           </a:p>
           <a:p>
             <a:pPr lvl="3"/>
             <a:r>
-              <a:rPr lang="en-US" smtClean="0"/>
+              <a:rPr lang="en-US"/>
               <a:t>Fourth level</a:t>
             </a:r>
           </a:p>
           <a:p>
             <a:pPr lvl="4"/>
             <a:r>
-              <a:rPr lang="en-US" smtClean="0"/>
+              <a:rPr lang="en-US"/>
               <a:t>Fifth level</a:t>
             </a:r>
-            <a:endParaRPr lang="en-US"/>
           </a:p>
         </p:txBody>
       </p:sp>
@@ -6942,7 +6889,7 @@
           <a:p>
             <a:fld id="{699DC775-C286-4358-8C92-D7E584E969B3}" type="datetimeFigureOut">
               <a:rPr lang="en-US" smtClean="0"/>
-              <a:t>30-Jun-15</a:t>
+              <a:t>1/23/2017</a:t>
             </a:fld>
             <a:endParaRPr lang="en-US"/>
           </a:p>
@@ -7036,10 +6983,9 @@
           <a:lstStyle/>
           <a:p>
             <a:r>
-              <a:rPr lang="en-US" smtClean="0"/>
+              <a:rPr lang="en-US"/>
               <a:t>Click to edit Master title style</a:t>
             </a:r>
-            <a:endParaRPr lang="en-US"/>
           </a:p>
         </p:txBody>
       </p:sp>
@@ -7060,38 +7006,37 @@
           <a:p>
             <a:pPr lvl="0"/>
             <a:r>
-              <a:rPr lang="en-US" smtClean="0"/>
+              <a:rPr lang="en-US"/>
               <a:t>Click to edit Master text styles</a:t>
             </a:r>
           </a:p>
           <a:p>
             <a:pPr lvl="1"/>
             <a:r>
-              <a:rPr lang="en-US" smtClean="0"/>
+              <a:rPr lang="en-US"/>
               <a:t>Second level</a:t>
             </a:r>
           </a:p>
           <a:p>
             <a:pPr lvl="2"/>
             <a:r>
-              <a:rPr lang="en-US" smtClean="0"/>
+              <a:rPr lang="en-US"/>
               <a:t>Third level</a:t>
             </a:r>
           </a:p>
           <a:p>
             <a:pPr lvl="3"/>
             <a:r>
-              <a:rPr lang="en-US" smtClean="0"/>
+              <a:rPr lang="en-US"/>
               <a:t>Fourth level</a:t>
             </a:r>
           </a:p>
           <a:p>
             <a:pPr lvl="4"/>
             <a:r>
-              <a:rPr lang="en-US" smtClean="0"/>
+              <a:rPr lang="en-US"/>
               <a:t>Fifth level</a:t>
             </a:r>
-            <a:endParaRPr lang="en-US"/>
           </a:p>
         </p:txBody>
       </p:sp>
@@ -7112,7 +7057,7 @@
           <a:p>
             <a:fld id="{699DC775-C286-4358-8C92-D7E584E969B3}" type="datetimeFigureOut">
               <a:rPr lang="en-US" smtClean="0"/>
-              <a:t>30-Jun-15</a:t>
+              <a:t>1/23/2017</a:t>
             </a:fld>
             <a:endParaRPr lang="en-US"/>
           </a:p>
@@ -7206,10 +7151,9 @@
           <a:lstStyle/>
           <a:p>
             <a:r>
-              <a:rPr lang="en-US" smtClean="0"/>
+              <a:rPr lang="en-US"/>
               <a:t>Click to edit Master title style</a:t>
             </a:r>
-            <a:endParaRPr lang="en-US"/>
           </a:p>
         </p:txBody>
       </p:sp>
@@ -7263,38 +7207,37 @@
           <a:p>
             <a:pPr lvl="0"/>
             <a:r>
-              <a:rPr lang="en-US" smtClean="0"/>
+              <a:rPr lang="en-US"/>
               <a:t>Click to edit Master text styles</a:t>
             </a:r>
           </a:p>
           <a:p>
             <a:pPr lvl="1"/>
             <a:r>
-              <a:rPr lang="en-US" smtClean="0"/>
+              <a:rPr lang="en-US"/>
               <a:t>Second level</a:t>
             </a:r>
           </a:p>
           <a:p>
             <a:pPr lvl="2"/>
             <a:r>
-              <a:rPr lang="en-US" smtClean="0"/>
+              <a:rPr lang="en-US"/>
               <a:t>Third level</a:t>
             </a:r>
           </a:p>
           <a:p>
             <a:pPr lvl="3"/>
             <a:r>
-              <a:rPr lang="en-US" smtClean="0"/>
+              <a:rPr lang="en-US"/>
               <a:t>Fourth level</a:t>
             </a:r>
           </a:p>
           <a:p>
             <a:pPr lvl="4"/>
             <a:r>
-              <a:rPr lang="en-US" smtClean="0"/>
+              <a:rPr lang="en-US"/>
               <a:t>Fifth level</a:t>
             </a:r>
-            <a:endParaRPr lang="en-US"/>
           </a:p>
         </p:txBody>
       </p:sp>
@@ -7348,38 +7291,37 @@
           <a:p>
             <a:pPr lvl="0"/>
             <a:r>
-              <a:rPr lang="en-US" smtClean="0"/>
+              <a:rPr lang="en-US"/>
               <a:t>Click to edit Master text styles</a:t>
             </a:r>
           </a:p>
           <a:p>
             <a:pPr lvl="1"/>
             <a:r>
-              <a:rPr lang="en-US" smtClean="0"/>
+              <a:rPr lang="en-US"/>
               <a:t>Second level</a:t>
             </a:r>
           </a:p>
           <a:p>
             <a:pPr lvl="2"/>
             <a:r>
-              <a:rPr lang="en-US" smtClean="0"/>
+              <a:rPr lang="en-US"/>
               <a:t>Third level</a:t>
             </a:r>
           </a:p>
           <a:p>
             <a:pPr lvl="3"/>
             <a:r>
-              <a:rPr lang="en-US" smtClean="0"/>
+              <a:rPr lang="en-US"/>
               <a:t>Fourth level</a:t>
             </a:r>
           </a:p>
           <a:p>
             <a:pPr lvl="4"/>
             <a:r>
-              <a:rPr lang="en-US" smtClean="0"/>
+              <a:rPr lang="en-US"/>
               <a:t>Fifth level</a:t>
             </a:r>
-            <a:endParaRPr lang="en-US"/>
           </a:p>
         </p:txBody>
       </p:sp>
@@ -7400,7 +7342,7 @@
           <a:p>
             <a:fld id="{699DC775-C286-4358-8C92-D7E584E969B3}" type="datetimeFigureOut">
               <a:rPr lang="en-US" smtClean="0"/>
-              <a:t>30-Jun-15</a:t>
+              <a:t>1/23/2017</a:t>
             </a:fld>
             <a:endParaRPr lang="en-US"/>
           </a:p>
@@ -7498,10 +7440,9 @@
           </a:lstStyle>
           <a:p>
             <a:r>
-              <a:rPr lang="en-US" smtClean="0"/>
+              <a:rPr lang="en-US"/>
               <a:t>Click to edit Master title style</a:t>
             </a:r>
-            <a:endParaRPr lang="en-US"/>
           </a:p>
         </p:txBody>
       </p:sp>
@@ -7564,7 +7505,7 @@
           <a:p>
             <a:pPr lvl="0"/>
             <a:r>
-              <a:rPr lang="en-US" smtClean="0"/>
+              <a:rPr lang="en-US"/>
               <a:t>Click to edit Master text styles</a:t>
             </a:r>
           </a:p>
@@ -7620,38 +7561,37 @@
           <a:p>
             <a:pPr lvl="0"/>
             <a:r>
-              <a:rPr lang="en-US" smtClean="0"/>
+              <a:rPr lang="en-US"/>
               <a:t>Click to edit Master text styles</a:t>
             </a:r>
           </a:p>
           <a:p>
             <a:pPr lvl="1"/>
             <a:r>
-              <a:rPr lang="en-US" smtClean="0"/>
+              <a:rPr lang="en-US"/>
               <a:t>Second level</a:t>
             </a:r>
           </a:p>
           <a:p>
             <a:pPr lvl="2"/>
             <a:r>
-              <a:rPr lang="en-US" smtClean="0"/>
+              <a:rPr lang="en-US"/>
               <a:t>Third level</a:t>
             </a:r>
           </a:p>
           <a:p>
             <a:pPr lvl="3"/>
             <a:r>
-              <a:rPr lang="en-US" smtClean="0"/>
+              <a:rPr lang="en-US"/>
               <a:t>Fourth level</a:t>
             </a:r>
           </a:p>
           <a:p>
             <a:pPr lvl="4"/>
             <a:r>
-              <a:rPr lang="en-US" smtClean="0"/>
+              <a:rPr lang="en-US"/>
               <a:t>Fifth level</a:t>
             </a:r>
-            <a:endParaRPr lang="en-US"/>
           </a:p>
         </p:txBody>
       </p:sp>
@@ -7714,7 +7654,7 @@
           <a:p>
             <a:pPr lvl="0"/>
             <a:r>
-              <a:rPr lang="en-US" smtClean="0"/>
+              <a:rPr lang="en-US"/>
               <a:t>Click to edit Master text styles</a:t>
             </a:r>
           </a:p>
@@ -7770,38 +7710,37 @@
           <a:p>
             <a:pPr lvl="0"/>
             <a:r>
-              <a:rPr lang="en-US" smtClean="0"/>
+              <a:rPr lang="en-US"/>
               <a:t>Click to edit Master text styles</a:t>
             </a:r>
           </a:p>
           <a:p>
             <a:pPr lvl="1"/>
             <a:r>
-              <a:rPr lang="en-US" smtClean="0"/>
+              <a:rPr lang="en-US"/>
               <a:t>Second level</a:t>
             </a:r>
           </a:p>
           <a:p>
             <a:pPr lvl="2"/>
             <a:r>
-              <a:rPr lang="en-US" smtClean="0"/>
+              <a:rPr lang="en-US"/>
               <a:t>Third level</a:t>
             </a:r>
           </a:p>
           <a:p>
             <a:pPr lvl="3"/>
             <a:r>
-              <a:rPr lang="en-US" smtClean="0"/>
+              <a:rPr lang="en-US"/>
               <a:t>Fourth level</a:t>
             </a:r>
           </a:p>
           <a:p>
             <a:pPr lvl="4"/>
             <a:r>
-              <a:rPr lang="en-US" smtClean="0"/>
+              <a:rPr lang="en-US"/>
               <a:t>Fifth level</a:t>
             </a:r>
-            <a:endParaRPr lang="en-US"/>
           </a:p>
         </p:txBody>
       </p:sp>
@@ -7822,7 +7761,7 @@
           <a:p>
             <a:fld id="{699DC775-C286-4358-8C92-D7E584E969B3}" type="datetimeFigureOut">
               <a:rPr lang="en-US" smtClean="0"/>
-              <a:t>30-Jun-15</a:t>
+              <a:t>1/23/2017</a:t>
             </a:fld>
             <a:endParaRPr lang="en-US"/>
           </a:p>
@@ -7916,10 +7855,9 @@
           <a:lstStyle/>
           <a:p>
             <a:r>
-              <a:rPr lang="en-US" smtClean="0"/>
+              <a:rPr lang="en-US"/>
               <a:t>Click to edit Master title style</a:t>
             </a:r>
-            <a:endParaRPr lang="en-US"/>
           </a:p>
         </p:txBody>
       </p:sp>
@@ -7940,7 +7878,7 @@
           <a:p>
             <a:fld id="{699DC775-C286-4358-8C92-D7E584E969B3}" type="datetimeFigureOut">
               <a:rPr lang="en-US" smtClean="0"/>
-              <a:t>30-Jun-15</a:t>
+              <a:t>1/23/2017</a:t>
             </a:fld>
             <a:endParaRPr lang="en-US"/>
           </a:p>
@@ -8035,7 +7973,7 @@
           <a:p>
             <a:fld id="{699DC775-C286-4358-8C92-D7E584E969B3}" type="datetimeFigureOut">
               <a:rPr lang="en-US" smtClean="0"/>
-              <a:t>30-Jun-15</a:t>
+              <a:t>1/23/2017</a:t>
             </a:fld>
             <a:endParaRPr lang="en-US"/>
           </a:p>
@@ -8138,10 +8076,9 @@
           </a:lstStyle>
           <a:p>
             <a:r>
-              <a:rPr lang="en-US" smtClean="0"/>
+              <a:rPr lang="en-US"/>
               <a:t>Click to edit Master title style</a:t>
             </a:r>
-            <a:endParaRPr lang="en-US"/>
           </a:p>
         </p:txBody>
       </p:sp>
@@ -8195,38 +8132,37 @@
           <a:p>
             <a:pPr lvl="0"/>
             <a:r>
-              <a:rPr lang="en-US" smtClean="0"/>
+              <a:rPr lang="en-US"/>
               <a:t>Click to edit Master text styles</a:t>
             </a:r>
           </a:p>
           <a:p>
             <a:pPr lvl="1"/>
             <a:r>
-              <a:rPr lang="en-US" smtClean="0"/>
+              <a:rPr lang="en-US"/>
               <a:t>Second level</a:t>
             </a:r>
           </a:p>
           <a:p>
             <a:pPr lvl="2"/>
             <a:r>
-              <a:rPr lang="en-US" smtClean="0"/>
+              <a:rPr lang="en-US"/>
               <a:t>Third level</a:t>
             </a:r>
           </a:p>
           <a:p>
             <a:pPr lvl="3"/>
             <a:r>
-              <a:rPr lang="en-US" smtClean="0"/>
+              <a:rPr lang="en-US"/>
               <a:t>Fourth level</a:t>
             </a:r>
           </a:p>
           <a:p>
             <a:pPr lvl="4"/>
             <a:r>
-              <a:rPr lang="en-US" smtClean="0"/>
+              <a:rPr lang="en-US"/>
               <a:t>Fifth level</a:t>
             </a:r>
-            <a:endParaRPr lang="en-US"/>
           </a:p>
         </p:txBody>
       </p:sp>
@@ -8289,7 +8225,7 @@
           <a:p>
             <a:pPr lvl="0"/>
             <a:r>
-              <a:rPr lang="en-US" smtClean="0"/>
+              <a:rPr lang="en-US"/>
               <a:t>Click to edit Master text styles</a:t>
             </a:r>
           </a:p>
@@ -8312,7 +8248,7 @@
           <a:p>
             <a:fld id="{699DC775-C286-4358-8C92-D7E584E969B3}" type="datetimeFigureOut">
               <a:rPr lang="en-US" smtClean="0"/>
-              <a:t>30-Jun-15</a:t>
+              <a:t>1/23/2017</a:t>
             </a:fld>
             <a:endParaRPr lang="en-US"/>
           </a:p>
@@ -8415,10 +8351,9 @@
           </a:lstStyle>
           <a:p>
             <a:r>
-              <a:rPr lang="en-US" smtClean="0"/>
+              <a:rPr lang="en-US"/>
               <a:t>Click to edit Master title style</a:t>
             </a:r>
-            <a:endParaRPr lang="en-US"/>
           </a:p>
         </p:txBody>
       </p:sp>
@@ -8542,7 +8477,7 @@
           <a:p>
             <a:pPr lvl="0"/>
             <a:r>
-              <a:rPr lang="en-US" smtClean="0"/>
+              <a:rPr lang="en-US"/>
               <a:t>Click to edit Master text styles</a:t>
             </a:r>
           </a:p>
@@ -8565,7 +8500,7 @@
           <a:p>
             <a:fld id="{699DC775-C286-4358-8C92-D7E584E969B3}" type="datetimeFigureOut">
               <a:rPr lang="en-US" smtClean="0"/>
-              <a:t>30-Jun-15</a:t>
+              <a:t>1/23/2017</a:t>
             </a:fld>
             <a:endParaRPr lang="en-US"/>
           </a:p>
@@ -8674,10 +8609,9 @@
           <a:lstStyle/>
           <a:p>
             <a:r>
-              <a:rPr lang="en-US" smtClean="0"/>
+              <a:rPr lang="en-US"/>
               <a:t>Click to edit Master title style</a:t>
             </a:r>
-            <a:endParaRPr lang="en-US"/>
           </a:p>
         </p:txBody>
       </p:sp>
@@ -8708,38 +8642,37 @@
           <a:p>
             <a:pPr lvl="0"/>
             <a:r>
-              <a:rPr lang="en-US" smtClean="0"/>
+              <a:rPr lang="en-US"/>
               <a:t>Click to edit Master text styles</a:t>
             </a:r>
           </a:p>
           <a:p>
             <a:pPr lvl="1"/>
             <a:r>
-              <a:rPr lang="en-US" smtClean="0"/>
+              <a:rPr lang="en-US"/>
               <a:t>Second level</a:t>
             </a:r>
           </a:p>
           <a:p>
             <a:pPr lvl="2"/>
             <a:r>
-              <a:rPr lang="en-US" smtClean="0"/>
+              <a:rPr lang="en-US"/>
               <a:t>Third level</a:t>
             </a:r>
           </a:p>
           <a:p>
             <a:pPr lvl="3"/>
             <a:r>
-              <a:rPr lang="en-US" smtClean="0"/>
+              <a:rPr lang="en-US"/>
               <a:t>Fourth level</a:t>
             </a:r>
           </a:p>
           <a:p>
             <a:pPr lvl="4"/>
             <a:r>
-              <a:rPr lang="en-US" smtClean="0"/>
+              <a:rPr lang="en-US"/>
               <a:t>Fifth level</a:t>
             </a:r>
-            <a:endParaRPr lang="en-US"/>
           </a:p>
         </p:txBody>
       </p:sp>
@@ -8778,7 +8711,7 @@
           <a:p>
             <a:fld id="{699DC775-C286-4358-8C92-D7E584E969B3}" type="datetimeFigureOut">
               <a:rPr lang="en-US" smtClean="0"/>
-              <a:t>30-Jun-15</a:t>
+              <a:t>1/23/2017</a:t>
             </a:fld>
             <a:endParaRPr lang="en-US"/>
           </a:p>
@@ -9190,10 +9123,9 @@
           <a:lstStyle/>
           <a:p>
             <a:r>
-              <a:rPr lang="en-US" smtClean="0"/>
+              <a:rPr lang="en-US"/>
               <a:t>Click to edit Master title style</a:t>
             </a:r>
-            <a:endParaRPr lang="en-US"/>
           </a:p>
         </p:txBody>
       </p:sp>
@@ -9224,38 +9156,37 @@
           <a:p>
             <a:pPr lvl="0"/>
             <a:r>
-              <a:rPr lang="en-US" smtClean="0"/>
+              <a:rPr lang="en-US"/>
               <a:t>Click to edit Master text styles</a:t>
             </a:r>
           </a:p>
           <a:p>
             <a:pPr lvl="1"/>
             <a:r>
-              <a:rPr lang="en-US" smtClean="0"/>
+              <a:rPr lang="en-US"/>
               <a:t>Second level</a:t>
             </a:r>
           </a:p>
           <a:p>
             <a:pPr lvl="2"/>
             <a:r>
-              <a:rPr lang="en-US" smtClean="0"/>
+              <a:rPr lang="en-US"/>
               <a:t>Third level</a:t>
             </a:r>
           </a:p>
           <a:p>
             <a:pPr lvl="3"/>
             <a:r>
-              <a:rPr lang="en-US" smtClean="0"/>
+              <a:rPr lang="en-US"/>
               <a:t>Fourth level</a:t>
             </a:r>
           </a:p>
           <a:p>
             <a:pPr lvl="4"/>
             <a:r>
-              <a:rPr lang="en-US" smtClean="0"/>
+              <a:rPr lang="en-US"/>
               <a:t>Fifth level</a:t>
             </a:r>
-            <a:endParaRPr lang="en-US"/>
           </a:p>
         </p:txBody>
       </p:sp>
@@ -9294,7 +9225,7 @@
           <a:p>
             <a:fld id="{699DC775-C286-4358-8C92-D7E584E969B3}" type="datetimeFigureOut">
               <a:rPr lang="en-US" smtClean="0"/>
-              <a:t>30-Jun-15</a:t>
+              <a:t>1/23/2017</a:t>
             </a:fld>
             <a:endParaRPr lang="en-US"/>
           </a:p>
@@ -9704,10 +9635,9 @@
           <a:lstStyle/>
           <a:p>
             <a:r>
-              <a:rPr lang="en-US" dirty="0" smtClean="0"/>
+              <a:rPr lang="en-US" dirty="0"/>
               <a:t>Click to edit Master title style</a:t>
             </a:r>
-            <a:endParaRPr lang="en-US" dirty="0"/>
           </a:p>
         </p:txBody>
       </p:sp>
@@ -9738,38 +9668,37 @@
           <a:p>
             <a:pPr lvl="0"/>
             <a:r>
-              <a:rPr lang="en-US" smtClean="0"/>
+              <a:rPr lang="en-US"/>
               <a:t>Click to edit Master text styles</a:t>
             </a:r>
           </a:p>
           <a:p>
             <a:pPr lvl="1"/>
             <a:r>
-              <a:rPr lang="en-US" smtClean="0"/>
+              <a:rPr lang="en-US"/>
               <a:t>Second level</a:t>
             </a:r>
           </a:p>
           <a:p>
             <a:pPr lvl="2"/>
             <a:r>
-              <a:rPr lang="en-US" smtClean="0"/>
+              <a:rPr lang="en-US"/>
               <a:t>Third level</a:t>
             </a:r>
           </a:p>
           <a:p>
             <a:pPr lvl="3"/>
             <a:r>
-              <a:rPr lang="en-US" smtClean="0"/>
+              <a:rPr lang="en-US"/>
               <a:t>Fourth level</a:t>
             </a:r>
           </a:p>
           <a:p>
             <a:pPr lvl="4"/>
             <a:r>
-              <a:rPr lang="en-US" smtClean="0"/>
+              <a:rPr lang="en-US"/>
               <a:t>Fifth level</a:t>
             </a:r>
-            <a:endParaRPr lang="en-US"/>
           </a:p>
         </p:txBody>
       </p:sp>
@@ -9808,7 +9737,7 @@
           <a:p>
             <a:fld id="{699DC775-C286-4358-8C92-D7E584E969B3}" type="datetimeFigureOut">
               <a:rPr lang="en-US" smtClean="0"/>
-              <a:t>30-Jun-15</a:t>
+              <a:t>1/23/2017</a:t>
             </a:fld>
             <a:endParaRPr lang="en-US"/>
           </a:p>
@@ -10210,7 +10139,7 @@
           <a:p>
             <a:pPr algn="ctr"/>
             <a:r>
-              <a:rPr lang="en-US" b="1" smtClean="0">
+              <a:rPr lang="en-US" b="1">
                 <a:solidFill>
                   <a:srgbClr val="FFFF00"/>
                 </a:solidFill>
@@ -10221,18 +10150,13 @@
           <a:p>
             <a:pPr algn="ctr"/>
             <a:r>
-              <a:rPr lang="en-US" smtClean="0">
+              <a:rPr lang="en-US">
                 <a:solidFill>
                   <a:srgbClr val="FFFFFF"/>
                 </a:solidFill>
               </a:rPr>
               <a:t>Adjust the design of this slide and click the 'Sync Agenda' (in Agenda Lab) to replicate the design in the other slides.</a:t>
             </a:r>
-            <a:endParaRPr lang="en-US">
-              <a:solidFill>
-                <a:srgbClr val="FFFFFF"/>
-              </a:solidFill>
-            </a:endParaRPr>
           </a:p>
         </p:txBody>
       </p:sp>
@@ -10252,10 +10176,9 @@
           <a:lstStyle/>
           <a:p>
             <a:r>
-              <a:rPr lang="en-US" smtClean="0"/>
+              <a:rPr lang="en-US"/>
               <a:t>Agenda</a:t>
             </a:r>
-            <a:endParaRPr lang="en-US"/>
           </a:p>
         </p:txBody>
       </p:sp>
@@ -10275,7 +10198,7 @@
           <a:lstStyle/>
           <a:p>
             <a:r>
-              <a:rPr lang="en-US" smtClean="0">
+              <a:rPr lang="en-US">
                 <a:solidFill>
                   <a:srgbClr val="808080"/>
                 </a:solidFill>
@@ -10285,7 +10208,7 @@
           </a:p>
           <a:p>
             <a:r>
-              <a:rPr lang="en-US" smtClean="0">
+              <a:rPr lang="en-US">
                 <a:solidFill>
                   <a:srgbClr val="FF0000"/>
                 </a:solidFill>
@@ -10295,18 +10218,13 @@
           </a:p>
           <a:p>
             <a:r>
-              <a:rPr lang="en-US" smtClean="0">
+              <a:rPr lang="en-US">
                 <a:solidFill>
                   <a:srgbClr val="000000"/>
                 </a:solidFill>
               </a:rPr>
               <a:t>Unvisited bullet format</a:t>
             </a:r>
-            <a:endParaRPr lang="en-US">
-              <a:solidFill>
-                <a:srgbClr val="000000"/>
-              </a:solidFill>
-            </a:endParaRPr>
           </a:p>
         </p:txBody>
       </p:sp>
@@ -10320,13 +10238,13 @@
   <p:clrMapOvr>
     <a:masterClrMapping/>
   </p:clrMapOvr>
-  <mc:AlternateContent xmlns:mc="http://schemas.openxmlformats.org/markup-compatibility/2006">
-    <mc:Choice xmlns:p14="http://schemas.microsoft.com/office/powerpoint/2010/main" Requires="p14">
+  <mc:AlternateContent xmlns:mc="http://schemas.openxmlformats.org/markup-compatibility/2006" xmlns:p14="http://schemas.microsoft.com/office/powerpoint/2010/main">
+    <mc:Choice Requires="p14">
       <p:transition spd="slow" p14:dur="800">
         <p:push dir="u"/>
       </p:transition>
     </mc:Choice>
-    <mc:Fallback>
+    <mc:Fallback xmlns="">
       <p:transition spd="slow">
         <p:push dir="u"/>
       </p:transition>
@@ -10640,30 +10558,24 @@
           <a:p>
             <a:pPr lvl="0"/>
             <a:r>
-              <a:rPr lang="en-US" smtClean="0"/>
+              <a:rPr lang="en-US"/>
               <a:t>One Slide</a:t>
             </a:r>
-            <a:endParaRPr lang="en-US"/>
           </a:p>
           <a:p>
             <a:pPr lvl="0"/>
             <a:r>
-              <a:rPr lang="en-US" smtClean="0">
+              <a:rPr lang="en-US">
                 <a:solidFill>
                   <a:srgbClr val="FF0000"/>
                 </a:solidFill>
               </a:rPr>
               <a:t>Two Slides</a:t>
             </a:r>
-            <a:endParaRPr lang="en-US">
-              <a:solidFill>
-                <a:srgbClr val="FF0000"/>
-              </a:solidFill>
-            </a:endParaRPr>
-          </a:p>
-          <a:p>
-            <a:r>
-              <a:rPr lang="en-US" smtClean="0">
+          </a:p>
+          <a:p>
+            <a:r>
+              <a:rPr lang="en-US">
                 <a:solidFill>
                   <a:srgbClr val="000000"/>
                 </a:solidFill>
@@ -10673,7 +10585,7 @@
           </a:p>
           <a:p>
             <a:r>
-              <a:rPr lang="en-US" smtClean="0">
+              <a:rPr lang="en-US">
                 <a:solidFill>
                   <a:srgbClr val="000000"/>
                 </a:solidFill>
@@ -10683,7 +10595,7 @@
           </a:p>
           <a:p>
             <a:r>
-              <a:rPr lang="ja-JP" altLang="en-US" smtClean="0">
+              <a:rPr lang="ja-JP" altLang="en-US">
                 <a:solidFill>
                   <a:srgbClr val="000000"/>
                 </a:solidFill>
@@ -10691,7 +10603,7 @@
               <a:t>あいうえお</a:t>
             </a:r>
             <a:r>
-              <a:rPr lang="en-US" smtClean="0">
+              <a:rPr lang="en-US">
                 <a:solidFill>
                   <a:srgbClr val="000000"/>
                 </a:solidFill>
@@ -10712,13 +10624,13 @@
   <p:clrMapOvr>
     <a:masterClrMapping/>
   </p:clrMapOvr>
-  <mc:AlternateContent xmlns:mc="http://schemas.openxmlformats.org/markup-compatibility/2006">
-    <mc:Choice xmlns:p14="http://schemas.microsoft.com/office/powerpoint/2010/main" Requires="p14">
+  <mc:AlternateContent xmlns:mc="http://schemas.openxmlformats.org/markup-compatibility/2006" xmlns:p14="http://schemas.microsoft.com/office/powerpoint/2010/main">
+    <mc:Choice Requires="p14">
       <p:transition spd="slow" p14:dur="800">
         <p:push dir="u"/>
       </p:transition>
     </mc:Choice>
-    <mc:Fallback>
+    <mc:Fallback xmlns="">
       <p:transition spd="slow">
         <p:push dir="u"/>
       </p:transition>
@@ -11028,38 +10940,31 @@
           <a:p>
             <a:pPr lvl="0"/>
             <a:r>
-              <a:rPr lang="en-US" smtClean="0"/>
+              <a:rPr lang="en-US"/>
               <a:t>One Slide</a:t>
             </a:r>
-            <a:endParaRPr lang="en-US"/>
           </a:p>
           <a:p>
             <a:pPr lvl="0"/>
             <a:r>
-              <a:rPr lang="en-US" smtClean="0"/>
+              <a:rPr lang="en-US"/>
               <a:t>Two Slides</a:t>
             </a:r>
-            <a:endParaRPr lang="en-US"/>
           </a:p>
           <a:p>
             <a:pPr lvl="0"/>
             <a:r>
-              <a:rPr lang="en-US" smtClean="0">
+              <a:rPr lang="en-US">
                 <a:solidFill>
                   <a:srgbClr val="FF0000"/>
                 </a:solidFill>
               </a:rPr>
               <a:t>Same Name</a:t>
             </a:r>
-            <a:endParaRPr lang="en-US">
-              <a:solidFill>
-                <a:srgbClr val="FF0000"/>
-              </a:solidFill>
-            </a:endParaRPr>
-          </a:p>
-          <a:p>
-            <a:r>
-              <a:rPr lang="en-US" smtClean="0">
+          </a:p>
+          <a:p>
+            <a:r>
+              <a:rPr lang="en-US">
                 <a:solidFill>
                   <a:srgbClr val="000000"/>
                 </a:solidFill>
@@ -11069,7 +10974,7 @@
           </a:p>
           <a:p>
             <a:r>
-              <a:rPr lang="ja-JP" altLang="en-US" smtClean="0">
+              <a:rPr lang="ja-JP" altLang="en-US">
                 <a:solidFill>
                   <a:srgbClr val="000000"/>
                 </a:solidFill>
@@ -11077,7 +10982,7 @@
               <a:t>あいうえお</a:t>
             </a:r>
             <a:r>
-              <a:rPr lang="en-US" smtClean="0">
+              <a:rPr lang="en-US">
                 <a:solidFill>
                   <a:srgbClr val="000000"/>
                 </a:solidFill>
@@ -11098,13 +11003,13 @@
   <p:clrMapOvr>
     <a:masterClrMapping/>
   </p:clrMapOvr>
-  <mc:AlternateContent xmlns:mc="http://schemas.openxmlformats.org/markup-compatibility/2006">
-    <mc:Choice xmlns:p14="http://schemas.microsoft.com/office/powerpoint/2010/main" Requires="p14">
+  <mc:AlternateContent xmlns:mc="http://schemas.openxmlformats.org/markup-compatibility/2006" xmlns:p14="http://schemas.microsoft.com/office/powerpoint/2010/main">
+    <mc:Choice Requires="p14">
       <p:transition p14:dur="250">
         <p:fade/>
       </p:transition>
     </mc:Choice>
-    <mc:Fallback>
+    <mc:Fallback xmlns="">
       <p:transition>
         <p:fade/>
       </p:transition>
@@ -11372,10 +11277,9 @@
           </a:lstStyle>
           <a:p>
             <a:r>
-              <a:rPr lang="en-US" dirty="0" smtClean="0"/>
+              <a:rPr lang="en-US" dirty="0"/>
               <a:t>Pattern</a:t>
             </a:r>
-            <a:endParaRPr lang="en-US" dirty="0"/>
           </a:p>
         </p:txBody>
       </p:sp>
@@ -11389,25 +11293,18 @@
   <p:clrMapOvr>
     <a:masterClrMapping/>
   </p:clrMapOvr>
-  <mc:AlternateContent xmlns:mc="http://schemas.openxmlformats.org/markup-compatibility/2006">
-    <mc:Choice xmlns:p14="http://schemas.microsoft.com/office/powerpoint/2010/main" Requires="p14">
+  <mc:AlternateContent xmlns:mc="http://schemas.openxmlformats.org/markup-compatibility/2006" xmlns:p14="http://schemas.microsoft.com/office/powerpoint/2010/main">
+    <mc:Choice Requires="p14">
       <p:transition spd="slow" p14:dur="800">
         <p:push dir="u"/>
       </p:transition>
     </mc:Choice>
-    <mc:Fallback>
+    <mc:Fallback xmlns="">
       <p:transition spd="slow">
         <p:push dir="u"/>
       </p:transition>
     </mc:Fallback>
   </mc:AlternateContent>
-  <p:timing>
-    <p:tnLst>
-      <p:par>
-        <p:cTn id="1" dur="indefinite" restart="never" nodeType="tmRoot"/>
-      </p:par>
-    </p:tnLst>
-  </p:timing>
 </p:sld>
 </file>
 
@@ -11438,13 +11335,6 @@
   <p:clrMapOvr>
     <a:masterClrMapping/>
   </p:clrMapOvr>
-  <p:timing>
-    <p:tnLst>
-      <p:par>
-        <p:cTn id="1" dur="indefinite" restart="never" nodeType="tmRoot"/>
-      </p:par>
-    </p:tnLst>
-  </p:timing>
 </p:sld>
 </file>
 
@@ -11644,38 +11534,31 @@
           <a:p>
             <a:pPr lvl="0"/>
             <a:r>
-              <a:rPr lang="en-US" smtClean="0"/>
+              <a:rPr lang="en-US"/>
               <a:t>One Slide</a:t>
             </a:r>
-            <a:endParaRPr lang="en-US"/>
           </a:p>
           <a:p>
             <a:pPr lvl="0"/>
             <a:r>
-              <a:rPr lang="en-US" smtClean="0"/>
+              <a:rPr lang="en-US"/>
               <a:t>Two Slides</a:t>
             </a:r>
-            <a:endParaRPr lang="en-US"/>
           </a:p>
           <a:p>
             <a:pPr lvl="0"/>
             <a:r>
-              <a:rPr lang="en-US" smtClean="0">
+              <a:rPr lang="en-US">
                 <a:solidFill>
                   <a:srgbClr val="FF0000"/>
                 </a:solidFill>
               </a:rPr>
               <a:t>Same Name</a:t>
             </a:r>
-            <a:endParaRPr lang="en-US">
-              <a:solidFill>
-                <a:srgbClr val="FF0000"/>
-              </a:solidFill>
-            </a:endParaRPr>
-          </a:p>
-          <a:p>
-            <a:r>
-              <a:rPr lang="en-US" smtClean="0">
+          </a:p>
+          <a:p>
+            <a:r>
+              <a:rPr lang="en-US">
                 <a:solidFill>
                   <a:srgbClr val="000000"/>
                 </a:solidFill>
@@ -11685,7 +11568,7 @@
           </a:p>
           <a:p>
             <a:r>
-              <a:rPr lang="ja-JP" altLang="en-US" smtClean="0">
+              <a:rPr lang="ja-JP" altLang="en-US">
                 <a:solidFill>
                   <a:srgbClr val="000000"/>
                 </a:solidFill>
@@ -11693,7 +11576,7 @@
               <a:t>あいうえお</a:t>
             </a:r>
             <a:r>
-              <a:rPr lang="en-US" smtClean="0">
+              <a:rPr lang="en-US">
                 <a:solidFill>
                   <a:srgbClr val="000000"/>
                 </a:solidFill>
@@ -11714,13 +11597,13 @@
   <p:clrMapOvr>
     <a:masterClrMapping/>
   </p:clrMapOvr>
-  <mc:AlternateContent xmlns:mc="http://schemas.openxmlformats.org/markup-compatibility/2006">
-    <mc:Choice xmlns:p14="http://schemas.microsoft.com/office/powerpoint/2010/main" Requires="p14">
+  <mc:AlternateContent xmlns:mc="http://schemas.openxmlformats.org/markup-compatibility/2006" xmlns:p14="http://schemas.microsoft.com/office/powerpoint/2010/main">
+    <mc:Choice Requires="p14">
       <p:transition spd="slow" p14:dur="800">
         <p:push dir="u"/>
       </p:transition>
     </mc:Choice>
-    <mc:Fallback>
+    <mc:Fallback xmlns="">
       <p:transition spd="slow">
         <p:push dir="u"/>
       </p:transition>
@@ -12030,46 +11913,38 @@
           <a:p>
             <a:pPr lvl="0"/>
             <a:r>
-              <a:rPr lang="en-US" smtClean="0"/>
+              <a:rPr lang="en-US"/>
               <a:t>One Slide</a:t>
             </a:r>
-            <a:endParaRPr lang="en-US"/>
           </a:p>
           <a:p>
             <a:pPr lvl="0"/>
             <a:r>
-              <a:rPr lang="en-US" smtClean="0"/>
+              <a:rPr lang="en-US"/>
               <a:t>Two Slides</a:t>
             </a:r>
-            <a:endParaRPr lang="en-US"/>
           </a:p>
           <a:p>
             <a:pPr lvl="0"/>
             <a:r>
-              <a:rPr lang="en-US" smtClean="0"/>
+              <a:rPr lang="en-US"/>
               <a:t>Same Name</a:t>
             </a:r>
-            <a:endParaRPr lang="en-US"/>
           </a:p>
           <a:p>
             <a:pPr lvl="0"/>
             <a:r>
-              <a:rPr lang="en-US" smtClean="0">
+              <a:rPr lang="en-US">
                 <a:solidFill>
                   <a:srgbClr val="FF0000"/>
                 </a:solidFill>
               </a:rPr>
               <a:t>Same Name</a:t>
             </a:r>
-            <a:endParaRPr lang="en-US">
-              <a:solidFill>
-                <a:srgbClr val="FF0000"/>
-              </a:solidFill>
-            </a:endParaRPr>
-          </a:p>
-          <a:p>
-            <a:r>
-              <a:rPr lang="ja-JP" altLang="en-US" smtClean="0">
+          </a:p>
+          <a:p>
+            <a:r>
+              <a:rPr lang="ja-JP" altLang="en-US">
                 <a:solidFill>
                   <a:srgbClr val="000000"/>
                 </a:solidFill>
@@ -12077,7 +11952,7 @@
               <a:t>あいうえお</a:t>
             </a:r>
             <a:r>
-              <a:rPr lang="en-US" smtClean="0">
+              <a:rPr lang="en-US">
                 <a:solidFill>
                   <a:srgbClr val="000000"/>
                 </a:solidFill>
@@ -12098,13 +11973,13 @@
   <p:clrMapOvr>
     <a:masterClrMapping/>
   </p:clrMapOvr>
-  <mc:AlternateContent xmlns:mc="http://schemas.openxmlformats.org/markup-compatibility/2006">
-    <mc:Choice xmlns:p14="http://schemas.microsoft.com/office/powerpoint/2010/main" Requires="p14">
+  <mc:AlternateContent xmlns:mc="http://schemas.openxmlformats.org/markup-compatibility/2006" xmlns:p14="http://schemas.microsoft.com/office/powerpoint/2010/main">
+    <mc:Choice Requires="p14">
       <p:transition p14:dur="250">
         <p:fade/>
       </p:transition>
     </mc:Choice>
-    <mc:Fallback>
+    <mc:Fallback xmlns="">
       <p:transition>
         <p:fade/>
       </p:transition>
@@ -12288,7 +12163,7 @@
           <a:lstStyle/>
           <a:p>
             <a:r>
-              <a:rPr lang="en-US" sz="6000" dirty="0" smtClean="0"/>
+              <a:rPr lang="en-US" sz="6000" dirty="0"/>
               <a:t>Test Image</a:t>
             </a:r>
             <a:endParaRPr lang="en-SG" sz="6000" dirty="0"/>
@@ -12305,25 +12180,18 @@
   <p:clrMapOvr>
     <a:masterClrMapping/>
   </p:clrMapOvr>
-  <mc:AlternateContent xmlns:mc="http://schemas.openxmlformats.org/markup-compatibility/2006">
-    <mc:Choice xmlns:p14="http://schemas.microsoft.com/office/powerpoint/2010/main" Requires="p14">
+  <mc:AlternateContent xmlns:mc="http://schemas.openxmlformats.org/markup-compatibility/2006" xmlns:p14="http://schemas.microsoft.com/office/powerpoint/2010/main">
+    <mc:Choice Requires="p14">
       <p:transition spd="slow" p14:dur="800">
         <p:push dir="u"/>
       </p:transition>
     </mc:Choice>
-    <mc:Fallback>
+    <mc:Fallback xmlns="">
       <p:transition spd="slow">
         <p:push dir="u"/>
       </p:transition>
     </mc:Fallback>
   </mc:AlternateContent>
-  <p:timing>
-    <p:tnLst>
-      <p:par>
-        <p:cTn id="1" dur="indefinite" restart="never" nodeType="tmRoot"/>
-      </p:par>
-    </p:tnLst>
-  </p:timing>
 </p:sld>
 </file>
 
@@ -12367,7 +12235,7 @@
           <a:lstStyle/>
           <a:p>
             <a:r>
-              <a:rPr lang="en-US" sz="6000" dirty="0" smtClean="0"/>
+              <a:rPr lang="en-US" sz="6000" dirty="0"/>
               <a:t>A long section</a:t>
             </a:r>
             <a:endParaRPr lang="en-SG" sz="6000" dirty="0"/>
@@ -12384,13 +12252,6 @@
   <p:clrMapOvr>
     <a:masterClrMapping/>
   </p:clrMapOvr>
-  <p:timing>
-    <p:tnLst>
-      <p:par>
-        <p:cTn id="1" dur="indefinite" restart="never" nodeType="tmRoot"/>
-      </p:par>
-    </p:tnLst>
-  </p:timing>
 </p:sld>
 </file>
 
@@ -12429,13 +12290,6 @@
   <p:clrMapOvr>
     <a:masterClrMapping/>
   </p:clrMapOvr>
-  <p:timing>
-    <p:tnLst>
-      <p:par>
-        <p:cTn id="1" dur="indefinite" restart="never" nodeType="tmRoot"/>
-      </p:par>
-    </p:tnLst>
-  </p:timing>
 </p:sld>
 </file>
 
@@ -12475,13 +12329,6 @@
   <p:clrMapOvr>
     <a:masterClrMapping/>
   </p:clrMapOvr>
-  <p:timing>
-    <p:tnLst>
-      <p:par>
-        <p:cTn id="1" dur="indefinite" restart="never" nodeType="tmRoot"/>
-      </p:par>
-    </p:tnLst>
-  </p:timing>
 </p:sld>
 </file>
 
@@ -12520,7 +12367,7 @@
           <a:lstStyle/>
           <a:p>
             <a:r>
-              <a:rPr lang="en-US" sz="5400" b="1" dirty="0" err="1" smtClean="0">
+              <a:rPr lang="en-US" sz="5400" b="1" dirty="0" err="1">
                 <a:solidFill>
                   <a:schemeClr val="accent6">
                     <a:lumMod val="75000"/>
@@ -12530,7 +12377,7 @@
               <a:t>PowerPointLabs</a:t>
             </a:r>
             <a:r>
-              <a:rPr lang="en-US" sz="5400" b="1" dirty="0" smtClean="0">
+              <a:rPr lang="en-US" sz="5400" b="1" dirty="0">
                 <a:solidFill>
                   <a:schemeClr val="accent6">
                     <a:lumMod val="75000"/>
@@ -12568,7 +12415,7 @@
               <a:buNone/>
             </a:pPr>
             <a:r>
-              <a:rPr lang="en-US" b="1" dirty="0" smtClean="0">
+              <a:rPr lang="en-US" b="1" dirty="0">
                 <a:solidFill>
                   <a:srgbClr val="0070C0"/>
                 </a:solidFill>
@@ -12579,34 +12426,21 @@
           <a:p>
             <a:pPr marL="285750" indent="-285750"/>
             <a:r>
-              <a:rPr lang="en-US" b="1" dirty="0" smtClean="0">
-                <a:solidFill>
-                  <a:srgbClr val="0070C0"/>
-                </a:solidFill>
-              </a:rPr>
-              <a:t>DO </a:t>
-            </a:r>
-            <a:r>
               <a:rPr lang="en-US" b="1" dirty="0">
                 <a:solidFill>
                   <a:srgbClr val="0070C0"/>
                 </a:solidFill>
               </a:rPr>
-              <a:t>NOT SAVE </a:t>
-            </a:r>
-            <a:r>
-              <a:rPr lang="en-US" dirty="0" smtClean="0">
+              <a:t>DO NOT SAVE </a:t>
+            </a:r>
+            <a:r>
+              <a:rPr lang="en-US" dirty="0">
                 <a:solidFill>
                   <a:srgbClr val="0070C0"/>
                 </a:solidFill>
               </a:rPr>
               <a:t>these slides after testing. Keep this file in its original form.</a:t>
             </a:r>
-            <a:endParaRPr lang="en-US" dirty="0">
-              <a:solidFill>
-                <a:srgbClr val="0070C0"/>
-              </a:solidFill>
-            </a:endParaRPr>
           </a:p>
           <a:p>
             <a:pPr marL="285750" indent="-285750"/>
@@ -12616,47 +12450,7 @@
                   <a:srgbClr val="0070C0"/>
                 </a:solidFill>
               </a:rPr>
-              <a:t>If </a:t>
-            </a:r>
-            <a:r>
-              <a:rPr lang="en-US" dirty="0" smtClean="0">
-                <a:solidFill>
-                  <a:srgbClr val="0070C0"/>
-                </a:solidFill>
-              </a:rPr>
-              <a:t>your </a:t>
-            </a:r>
-            <a:r>
-              <a:rPr lang="en-US" dirty="0">
-                <a:solidFill>
-                  <a:srgbClr val="0070C0"/>
-                </a:solidFill>
-              </a:rPr>
-              <a:t>result </a:t>
-            </a:r>
-            <a:r>
-              <a:rPr lang="en-US" dirty="0" smtClean="0">
-                <a:solidFill>
-                  <a:srgbClr val="0070C0"/>
-                </a:solidFill>
-              </a:rPr>
-              <a:t>is different from the </a:t>
-            </a:r>
-            <a:r>
-              <a:rPr lang="en-US" dirty="0">
-                <a:solidFill>
-                  <a:srgbClr val="0070C0"/>
-                </a:solidFill>
-              </a:rPr>
-              <a:t>expected output, </a:t>
-            </a:r>
-            <a:r>
-              <a:rPr lang="en-US" dirty="0" smtClean="0">
-                <a:solidFill>
-                  <a:srgbClr val="0070C0"/>
-                </a:solidFill>
-              </a:rPr>
-              <a:t>please submit a bug report (attach slides/screenshots as necessary).</a:t>
+              <a:t>If your result is different from the expected output, please submit a bug report (attach slides/screenshots as necessary).</a:t>
             </a:r>
             <a:endParaRPr lang="en-SG" dirty="0">
               <a:solidFill>
@@ -12679,13 +12473,6 @@
   <p:clrMapOvr>
     <a:masterClrMapping/>
   </p:clrMapOvr>
-  <p:timing>
-    <p:tnLst>
-      <p:par>
-        <p:cTn id="1" dur="indefinite" restart="never" nodeType="tmRoot"/>
-      </p:par>
-    </p:tnLst>
-  </p:timing>
 </p:sld>
 </file>
 
@@ -12716,13 +12503,6 @@
   <p:clrMapOvr>
     <a:masterClrMapping/>
   </p:clrMapOvr>
-  <p:timing>
-    <p:tnLst>
-      <p:par>
-        <p:cTn id="1" dur="indefinite" restart="never" nodeType="tmRoot"/>
-      </p:par>
-    </p:tnLst>
-  </p:timing>
 </p:sld>
 </file>
 
@@ -12922,46 +12702,38 @@
           <a:p>
             <a:pPr lvl="0"/>
             <a:r>
-              <a:rPr lang="en-US" smtClean="0"/>
+              <a:rPr lang="en-US"/>
               <a:t>One Slide</a:t>
             </a:r>
-            <a:endParaRPr lang="en-US"/>
           </a:p>
           <a:p>
             <a:pPr lvl="0"/>
             <a:r>
-              <a:rPr lang="en-US" smtClean="0"/>
+              <a:rPr lang="en-US"/>
               <a:t>Two Slides</a:t>
             </a:r>
-            <a:endParaRPr lang="en-US"/>
           </a:p>
           <a:p>
             <a:pPr lvl="0"/>
             <a:r>
-              <a:rPr lang="en-US" smtClean="0"/>
+              <a:rPr lang="en-US"/>
               <a:t>Same Name</a:t>
             </a:r>
-            <a:endParaRPr lang="en-US"/>
           </a:p>
           <a:p>
             <a:pPr lvl="0"/>
             <a:r>
-              <a:rPr lang="en-US" smtClean="0">
+              <a:rPr lang="en-US">
                 <a:solidFill>
                   <a:srgbClr val="FF0000"/>
                 </a:solidFill>
               </a:rPr>
               <a:t>Same Name</a:t>
             </a:r>
-            <a:endParaRPr lang="en-US">
-              <a:solidFill>
-                <a:srgbClr val="FF0000"/>
-              </a:solidFill>
-            </a:endParaRPr>
-          </a:p>
-          <a:p>
-            <a:r>
-              <a:rPr lang="ja-JP" altLang="en-US" smtClean="0">
+          </a:p>
+          <a:p>
+            <a:r>
+              <a:rPr lang="ja-JP" altLang="en-US">
                 <a:solidFill>
                   <a:srgbClr val="000000"/>
                 </a:solidFill>
@@ -12969,7 +12741,7 @@
               <a:t>あいうえお</a:t>
             </a:r>
             <a:r>
-              <a:rPr lang="en-US" smtClean="0">
+              <a:rPr lang="en-US">
                 <a:solidFill>
                   <a:srgbClr val="000000"/>
                 </a:solidFill>
@@ -12990,13 +12762,13 @@
   <p:clrMapOvr>
     <a:masterClrMapping/>
   </p:clrMapOvr>
-  <mc:AlternateContent xmlns:mc="http://schemas.openxmlformats.org/markup-compatibility/2006">
-    <mc:Choice xmlns:p14="http://schemas.microsoft.com/office/powerpoint/2010/main" Requires="p14">
+  <mc:AlternateContent xmlns:mc="http://schemas.openxmlformats.org/markup-compatibility/2006" xmlns:p14="http://schemas.microsoft.com/office/powerpoint/2010/main">
+    <mc:Choice Requires="p14">
       <p:transition spd="slow" p14:dur="800">
         <p:push dir="u"/>
       </p:transition>
     </mc:Choice>
-    <mc:Fallback>
+    <mc:Fallback xmlns="">
       <p:transition spd="slow">
         <p:push dir="u"/>
       </p:transition>
@@ -13306,39 +13078,35 @@
           <a:p>
             <a:pPr lvl="0"/>
             <a:r>
-              <a:rPr lang="en-US" smtClean="0"/>
+              <a:rPr lang="en-US"/>
               <a:t>One Slide</a:t>
             </a:r>
-            <a:endParaRPr lang="en-US"/>
           </a:p>
           <a:p>
             <a:pPr lvl="0"/>
             <a:r>
-              <a:rPr lang="en-US" smtClean="0"/>
+              <a:rPr lang="en-US"/>
               <a:t>Two Slides</a:t>
             </a:r>
-            <a:endParaRPr lang="en-US"/>
           </a:p>
           <a:p>
             <a:pPr lvl="0"/>
             <a:r>
-              <a:rPr lang="en-US" smtClean="0"/>
+              <a:rPr lang="en-US"/>
               <a:t>Same Name</a:t>
             </a:r>
-            <a:endParaRPr lang="en-US"/>
           </a:p>
           <a:p>
             <a:pPr lvl="0"/>
             <a:r>
-              <a:rPr lang="en-US" smtClean="0"/>
+              <a:rPr lang="en-US"/>
               <a:t>Same Name</a:t>
             </a:r>
-            <a:endParaRPr lang="en-US"/>
           </a:p>
           <a:p>
             <a:pPr lvl="0"/>
             <a:r>
-              <a:rPr lang="ja-JP" altLang="en-US" smtClean="0">
+              <a:rPr lang="ja-JP" altLang="en-US">
                 <a:solidFill>
                   <a:srgbClr val="FF0000"/>
                 </a:solidFill>
@@ -13346,18 +13114,13 @@
               <a:t>あいうえお</a:t>
             </a:r>
             <a:r>
-              <a:rPr lang="en-US" smtClean="0">
+              <a:rPr lang="en-US">
                 <a:solidFill>
                   <a:srgbClr val="FF0000"/>
                 </a:solidFill>
               </a:rPr>
               <a:t>kl)(*&amp;%$#@85v_+)0_@#%L:CF]1</a:t>
             </a:r>
-            <a:endParaRPr lang="en-US">
-              <a:solidFill>
-                <a:srgbClr val="FF0000"/>
-              </a:solidFill>
-            </a:endParaRPr>
           </a:p>
           <a:p>
             <a:endParaRPr lang="en-US"/>
@@ -13374,13 +13137,13 @@
   <p:clrMapOvr>
     <a:masterClrMapping/>
   </p:clrMapOvr>
-  <mc:AlternateContent xmlns:mc="http://schemas.openxmlformats.org/markup-compatibility/2006">
-    <mc:Choice xmlns:p14="http://schemas.microsoft.com/office/powerpoint/2010/main" Requires="p14">
+  <mc:AlternateContent xmlns:mc="http://schemas.openxmlformats.org/markup-compatibility/2006" xmlns:p14="http://schemas.microsoft.com/office/powerpoint/2010/main">
+    <mc:Choice Requires="p14">
       <p:transition p14:dur="250">
         <p:fade/>
       </p:transition>
     </mc:Choice>
-    <mc:Fallback>
+    <mc:Fallback xmlns="">
       <p:transition>
         <p:fade/>
       </p:transition>
@@ -13529,25 +13292,18 @@
   <p:clrMapOvr>
     <a:masterClrMapping/>
   </p:clrMapOvr>
-  <mc:AlternateContent xmlns:mc="http://schemas.openxmlformats.org/markup-compatibility/2006">
-    <mc:Choice xmlns:p14="http://schemas.microsoft.com/office/powerpoint/2010/main" Requires="p14">
+  <mc:AlternateContent xmlns:mc="http://schemas.openxmlformats.org/markup-compatibility/2006" xmlns:p14="http://schemas.microsoft.com/office/powerpoint/2010/main">
+    <mc:Choice Requires="p14">
       <p:transition spd="slow" p14:dur="800">
         <p:push dir="u"/>
       </p:transition>
     </mc:Choice>
-    <mc:Fallback>
+    <mc:Fallback xmlns="">
       <p:transition spd="slow">
         <p:push dir="u"/>
       </p:transition>
     </mc:Fallback>
   </mc:AlternateContent>
-  <p:timing>
-    <p:tnLst>
-      <p:par>
-        <p:cTn id="1" dur="indefinite" restart="never" nodeType="tmRoot"/>
-      </p:par>
-    </p:tnLst>
-  </p:timing>
 </p:sld>
 </file>
 
@@ -13747,39 +13503,35 @@
           <a:p>
             <a:pPr lvl="0"/>
             <a:r>
-              <a:rPr lang="en-US" smtClean="0"/>
+              <a:rPr lang="en-US"/>
               <a:t>One Slide</a:t>
             </a:r>
-            <a:endParaRPr lang="en-US"/>
           </a:p>
           <a:p>
             <a:pPr lvl="0"/>
             <a:r>
-              <a:rPr lang="en-US" smtClean="0"/>
+              <a:rPr lang="en-US"/>
               <a:t>Two Slides</a:t>
             </a:r>
-            <a:endParaRPr lang="en-US"/>
           </a:p>
           <a:p>
             <a:pPr lvl="0"/>
             <a:r>
-              <a:rPr lang="en-US" smtClean="0"/>
+              <a:rPr lang="en-US"/>
               <a:t>Same Name</a:t>
             </a:r>
-            <a:endParaRPr lang="en-US"/>
           </a:p>
           <a:p>
             <a:pPr lvl="0"/>
             <a:r>
-              <a:rPr lang="en-US" smtClean="0"/>
+              <a:rPr lang="en-US"/>
               <a:t>Same Name</a:t>
             </a:r>
-            <a:endParaRPr lang="en-US"/>
           </a:p>
           <a:p>
             <a:pPr lvl="0"/>
             <a:r>
-              <a:rPr lang="ja-JP" altLang="en-US" smtClean="0">
+              <a:rPr lang="ja-JP" altLang="en-US">
                 <a:solidFill>
                   <a:srgbClr val="FF0000"/>
                 </a:solidFill>
@@ -13787,18 +13539,13 @@
               <a:t>あいうえお</a:t>
             </a:r>
             <a:r>
-              <a:rPr lang="en-US" smtClean="0">
+              <a:rPr lang="en-US">
                 <a:solidFill>
                   <a:srgbClr val="FF0000"/>
                 </a:solidFill>
               </a:rPr>
               <a:t>kl)(*&amp;%$#@85v_+)0_@#%L:CF]1</a:t>
             </a:r>
-            <a:endParaRPr lang="en-US">
-              <a:solidFill>
-                <a:srgbClr val="FF0000"/>
-              </a:solidFill>
-            </a:endParaRPr>
           </a:p>
           <a:p>
             <a:endParaRPr lang="en-US"/>
@@ -13815,13 +13562,13 @@
   <p:clrMapOvr>
     <a:masterClrMapping/>
   </p:clrMapOvr>
-  <mc:AlternateContent xmlns:mc="http://schemas.openxmlformats.org/markup-compatibility/2006">
-    <mc:Choice xmlns:p14="http://schemas.microsoft.com/office/powerpoint/2010/main" Requires="p14">
+  <mc:AlternateContent xmlns:mc="http://schemas.openxmlformats.org/markup-compatibility/2006" xmlns:p14="http://schemas.microsoft.com/office/powerpoint/2010/main">
+    <mc:Choice Requires="p14">
       <p:transition spd="slow" p14:dur="800">
         <p:push dir="u"/>
       </p:transition>
     </mc:Choice>
-    <mc:Fallback>
+    <mc:Fallback xmlns="">
       <p:transition spd="slow">
         <p:push dir="u"/>
       </p:transition>
@@ -14131,46 +13878,41 @@
           <a:p>
             <a:pPr lvl="0"/>
             <a:r>
-              <a:rPr lang="en-US" smtClean="0"/>
+              <a:rPr lang="en-US"/>
               <a:t>One Slide</a:t>
             </a:r>
-            <a:endParaRPr lang="en-US"/>
           </a:p>
           <a:p>
             <a:pPr lvl="0"/>
             <a:r>
-              <a:rPr lang="en-US" smtClean="0"/>
+              <a:rPr lang="en-US"/>
               <a:t>Two Slides</a:t>
             </a:r>
-            <a:endParaRPr lang="en-US"/>
           </a:p>
           <a:p>
             <a:pPr lvl="0"/>
             <a:r>
-              <a:rPr lang="en-US" smtClean="0"/>
+              <a:rPr lang="en-US"/>
               <a:t>Same Name</a:t>
             </a:r>
-            <a:endParaRPr lang="en-US"/>
           </a:p>
           <a:p>
             <a:pPr lvl="0"/>
             <a:r>
-              <a:rPr lang="en-US" smtClean="0"/>
+              <a:rPr lang="en-US"/>
               <a:t>Same Name</a:t>
             </a:r>
-            <a:endParaRPr lang="en-US"/>
           </a:p>
           <a:p>
             <a:pPr lvl="0"/>
             <a:r>
-              <a:rPr lang="ja-JP" altLang="en-US" smtClean="0"/>
+              <a:rPr lang="ja-JP" altLang="en-US"/>
               <a:t>あいうえお</a:t>
             </a:r>
             <a:r>
-              <a:rPr lang="en-US" smtClean="0"/>
+              <a:rPr lang="en-US"/>
               <a:t>kl)(*&amp;%$#@85v_+)0_@#%L:CF]1</a:t>
             </a:r>
-            <a:endParaRPr lang="en-US"/>
           </a:p>
           <a:p>
             <a:endParaRPr lang="en-US"/>
@@ -14187,13 +13929,13 @@
   <p:clrMapOvr>
     <a:masterClrMapping/>
   </p:clrMapOvr>
-  <mc:AlternateContent xmlns:mc="http://schemas.openxmlformats.org/markup-compatibility/2006">
-    <mc:Choice xmlns:p14="http://schemas.microsoft.com/office/powerpoint/2010/main" Requires="p14">
+  <mc:AlternateContent xmlns:mc="http://schemas.openxmlformats.org/markup-compatibility/2006" xmlns:p14="http://schemas.microsoft.com/office/powerpoint/2010/main">
+    <mc:Choice Requires="p14">
       <p:transition p14:dur="250">
         <p:fade/>
       </p:transition>
     </mc:Choice>
-    <mc:Fallback>
+    <mc:Fallback xmlns="">
       <p:transition>
         <p:fade/>
       </p:transition>
@@ -14328,7 +14070,7 @@
         <p:nvPicPr>
           <p:cNvPr id="2" name="Picture 1"/>
           <p:cNvPicPr>
-            <a:picLocks/>
+            <a:picLocks noChangeAspect="1"/>
           </p:cNvPicPr>
           <p:nvPr/>
         </p:nvPicPr>
@@ -14346,8 +14088,8 @@
         </p:blipFill>
         <p:spPr>
           <a:xfrm>
-            <a:off x="649224" y="992124"/>
-            <a:ext cx="7845552" cy="4873752"/>
+            <a:off x="0" y="1029202"/>
+            <a:ext cx="9144000" cy="4799596"/>
           </a:xfrm>
           <a:prstGeom prst="rect">
             <a:avLst/>
@@ -14357,28 +14099,13 @@
     </p:spTree>
     <p:extLst>
       <p:ext uri="{BB962C8B-B14F-4D97-AF65-F5344CB8AC3E}">
-        <p14:creationId xmlns:p14="http://schemas.microsoft.com/office/powerpoint/2010/main" val="901803592"/>
+        <p14:creationId xmlns:p14="http://schemas.microsoft.com/office/powerpoint/2010/main" val="1327855781"/>
       </p:ext>
     </p:extLst>
   </p:cSld>
   <p:clrMapOvr>
     <a:masterClrMapping/>
   </p:clrMapOvr>
-  <mc:AlternateContent xmlns:mc="http://schemas.openxmlformats.org/markup-compatibility/2006">
-    <mc:Choice xmlns:p14="http://schemas.microsoft.com/office/powerpoint/2010/main" Requires="p14">
-      <p:transition spd="slow" p14:dur="2000"/>
-    </mc:Choice>
-    <mc:Fallback>
-      <p:transition spd="slow"/>
-    </mc:Fallback>
-  </mc:AlternateContent>
-  <p:timing>
-    <p:tnLst>
-      <p:par>
-        <p:cTn id="1" dur="indefinite" restart="never" nodeType="tmRoot"/>
-      </p:par>
-    </p:tnLst>
-  </p:timing>
 </p:sld>
 </file>
 
@@ -14577,7 +14304,7 @@
           </a:lstStyle>
           <a:p>
             <a:r>
-              <a:rPr lang="en-US" smtClean="0">
+              <a:rPr lang="en-US">
                 <a:solidFill>
                   <a:srgbClr val="000000"/>
                 </a:solidFill>
@@ -14587,7 +14314,7 @@
           </a:p>
           <a:p>
             <a:r>
-              <a:rPr lang="en-US" smtClean="0">
+              <a:rPr lang="en-US">
                 <a:solidFill>
                   <a:srgbClr val="000000"/>
                 </a:solidFill>
@@ -14597,7 +14324,7 @@
           </a:p>
           <a:p>
             <a:r>
-              <a:rPr lang="en-US" smtClean="0">
+              <a:rPr lang="en-US">
                 <a:solidFill>
                   <a:srgbClr val="000000"/>
                 </a:solidFill>
@@ -14607,7 +14334,7 @@
           </a:p>
           <a:p>
             <a:r>
-              <a:rPr lang="en-US" smtClean="0">
+              <a:rPr lang="en-US">
                 <a:solidFill>
                   <a:srgbClr val="000000"/>
                 </a:solidFill>
@@ -14617,7 +14344,7 @@
           </a:p>
           <a:p>
             <a:r>
-              <a:rPr lang="ja-JP" altLang="en-US" smtClean="0">
+              <a:rPr lang="ja-JP" altLang="en-US">
                 <a:solidFill>
                   <a:srgbClr val="000000"/>
                 </a:solidFill>
@@ -14625,7 +14352,7 @@
               <a:t>あいうえお</a:t>
             </a:r>
             <a:r>
-              <a:rPr lang="en-US" smtClean="0">
+              <a:rPr lang="en-US">
                 <a:solidFill>
                   <a:srgbClr val="000000"/>
                 </a:solidFill>
@@ -14646,13 +14373,13 @@
   <p:clrMapOvr>
     <a:masterClrMapping/>
   </p:clrMapOvr>
-  <mc:AlternateContent xmlns:mc="http://schemas.openxmlformats.org/markup-compatibility/2006">
-    <mc:Choice xmlns:p14="http://schemas.microsoft.com/office/powerpoint/2010/main" Requires="p14">
+  <mc:AlternateContent xmlns:mc="http://schemas.openxmlformats.org/markup-compatibility/2006" xmlns:p14="http://schemas.microsoft.com/office/powerpoint/2010/main">
+    <mc:Choice Requires="p14">
       <p:transition spd="slow" p14:dur="800">
         <p:push dir="u"/>
       </p:transition>
     </mc:Choice>
-    <mc:Fallback>
+    <mc:Fallback xmlns="">
       <p:transition spd="slow">
         <p:push dir="u"/>
       </p:transition>
@@ -14962,22 +14689,17 @@
           <a:p>
             <a:pPr lvl="0"/>
             <a:r>
-              <a:rPr lang="en-US" smtClean="0">
+              <a:rPr lang="en-US">
                 <a:solidFill>
                   <a:srgbClr val="FF0000"/>
                 </a:solidFill>
               </a:rPr>
               <a:t>One Slide</a:t>
             </a:r>
-            <a:endParaRPr lang="en-US">
-              <a:solidFill>
-                <a:srgbClr val="FF0000"/>
-              </a:solidFill>
-            </a:endParaRPr>
-          </a:p>
-          <a:p>
-            <a:r>
-              <a:rPr lang="en-US" smtClean="0">
+          </a:p>
+          <a:p>
+            <a:r>
+              <a:rPr lang="en-US">
                 <a:solidFill>
                   <a:srgbClr val="000000"/>
                 </a:solidFill>
@@ -14987,7 +14709,7 @@
           </a:p>
           <a:p>
             <a:r>
-              <a:rPr lang="en-US" smtClean="0">
+              <a:rPr lang="en-US">
                 <a:solidFill>
                   <a:srgbClr val="000000"/>
                 </a:solidFill>
@@ -14997,7 +14719,7 @@
           </a:p>
           <a:p>
             <a:r>
-              <a:rPr lang="en-US" smtClean="0">
+              <a:rPr lang="en-US">
                 <a:solidFill>
                   <a:srgbClr val="000000"/>
                 </a:solidFill>
@@ -15007,7 +14729,7 @@
           </a:p>
           <a:p>
             <a:r>
-              <a:rPr lang="ja-JP" altLang="en-US" smtClean="0">
+              <a:rPr lang="ja-JP" altLang="en-US">
                 <a:solidFill>
                   <a:srgbClr val="000000"/>
                 </a:solidFill>
@@ -15015,7 +14737,7 @@
               <a:t>あいうえお</a:t>
             </a:r>
             <a:r>
-              <a:rPr lang="en-US" smtClean="0">
+              <a:rPr lang="en-US">
                 <a:solidFill>
                   <a:srgbClr val="000000"/>
                 </a:solidFill>
@@ -15036,13 +14758,13 @@
   <p:clrMapOvr>
     <a:masterClrMapping/>
   </p:clrMapOvr>
-  <mc:AlternateContent xmlns:mc="http://schemas.openxmlformats.org/markup-compatibility/2006">
-    <mc:Choice xmlns:p14="http://schemas.microsoft.com/office/powerpoint/2010/main" Requires="p14">
+  <mc:AlternateContent xmlns:mc="http://schemas.openxmlformats.org/markup-compatibility/2006" xmlns:p14="http://schemas.microsoft.com/office/powerpoint/2010/main">
+    <mc:Choice Requires="p14">
       <p:transition p14:dur="250">
         <p:fade/>
       </p:transition>
     </mc:Choice>
-    <mc:Fallback>
+    <mc:Fallback xmlns="">
       <p:transition>
         <p:fade/>
       </p:transition>
@@ -15207,7 +14929,7 @@
           <a:p>
             <a:pPr algn="l"/>
             <a:r>
-              <a:rPr lang="en-US" sz="7200" dirty="0" smtClean="0">
+              <a:rPr lang="en-US" sz="7200" dirty="0">
                 <a:solidFill>
                   <a:schemeClr val="bg1"/>
                 </a:solidFill>
@@ -15245,7 +14967,7 @@
           <a:lstStyle/>
           <a:p>
             <a:r>
-              <a:rPr lang="en-US" sz="2400" b="1" dirty="0" smtClean="0">
+              <a:rPr lang="en-US" sz="2400" b="1" dirty="0">
                 <a:solidFill>
                   <a:schemeClr val="bg1"/>
                 </a:solidFill>
@@ -15259,7 +14981,7 @@
               <a:buChar char="•"/>
             </a:pPr>
             <a:r>
-              <a:rPr lang="en-US" sz="2400" dirty="0" smtClean="0">
+              <a:rPr lang="en-US" sz="2400" dirty="0">
                 <a:solidFill>
                   <a:schemeClr val="bg1"/>
                 </a:solidFill>
@@ -15279,25 +15001,18 @@
   <p:clrMapOvr>
     <a:masterClrMapping/>
   </p:clrMapOvr>
-  <mc:AlternateContent xmlns:mc="http://schemas.openxmlformats.org/markup-compatibility/2006">
-    <mc:Choice xmlns:p14="http://schemas.microsoft.com/office/powerpoint/2010/main" Requires="p14">
+  <mc:AlternateContent xmlns:mc="http://schemas.openxmlformats.org/markup-compatibility/2006" xmlns:p14="http://schemas.microsoft.com/office/powerpoint/2010/main">
+    <mc:Choice Requires="p14">
       <p:transition spd="slow" p14:dur="800">
         <p:push dir="u"/>
       </p:transition>
     </mc:Choice>
-    <mc:Fallback>
+    <mc:Fallback xmlns="">
       <p:transition spd="slow">
         <p:push dir="u"/>
       </p:transition>
     </mc:Fallback>
   </mc:AlternateContent>
-  <p:timing>
-    <p:tnLst>
-      <p:par>
-        <p:cTn id="1" dur="indefinite" restart="never" nodeType="tmRoot"/>
-      </p:par>
-    </p:tnLst>
-  </p:timing>
 </p:sld>
 </file>
 
@@ -15497,22 +15212,17 @@
           <a:p>
             <a:pPr lvl="0"/>
             <a:r>
-              <a:rPr lang="en-US" smtClean="0">
+              <a:rPr lang="en-US">
                 <a:solidFill>
                   <a:srgbClr val="FF0000"/>
                 </a:solidFill>
               </a:rPr>
               <a:t>One Slide</a:t>
             </a:r>
-            <a:endParaRPr lang="en-US">
-              <a:solidFill>
-                <a:srgbClr val="FF0000"/>
-              </a:solidFill>
-            </a:endParaRPr>
-          </a:p>
-          <a:p>
-            <a:r>
-              <a:rPr lang="en-US" smtClean="0">
+          </a:p>
+          <a:p>
+            <a:r>
+              <a:rPr lang="en-US">
                 <a:solidFill>
                   <a:srgbClr val="000000"/>
                 </a:solidFill>
@@ -15522,7 +15232,7 @@
           </a:p>
           <a:p>
             <a:r>
-              <a:rPr lang="en-US" smtClean="0">
+              <a:rPr lang="en-US">
                 <a:solidFill>
                   <a:srgbClr val="000000"/>
                 </a:solidFill>
@@ -15532,7 +15242,7 @@
           </a:p>
           <a:p>
             <a:r>
-              <a:rPr lang="en-US" smtClean="0">
+              <a:rPr lang="en-US">
                 <a:solidFill>
                   <a:srgbClr val="000000"/>
                 </a:solidFill>
@@ -15542,7 +15252,7 @@
           </a:p>
           <a:p>
             <a:r>
-              <a:rPr lang="ja-JP" altLang="en-US" smtClean="0">
+              <a:rPr lang="ja-JP" altLang="en-US">
                 <a:solidFill>
                   <a:srgbClr val="000000"/>
                 </a:solidFill>
@@ -15550,7 +15260,7 @@
               <a:t>あいうえお</a:t>
             </a:r>
             <a:r>
-              <a:rPr lang="en-US" smtClean="0">
+              <a:rPr lang="en-US">
                 <a:solidFill>
                   <a:srgbClr val="000000"/>
                 </a:solidFill>
@@ -15571,13 +15281,13 @@
   <p:clrMapOvr>
     <a:masterClrMapping/>
   </p:clrMapOvr>
-  <mc:AlternateContent xmlns:mc="http://schemas.openxmlformats.org/markup-compatibility/2006">
-    <mc:Choice xmlns:p14="http://schemas.microsoft.com/office/powerpoint/2010/main" Requires="p14">
+  <mc:AlternateContent xmlns:mc="http://schemas.openxmlformats.org/markup-compatibility/2006" xmlns:p14="http://schemas.microsoft.com/office/powerpoint/2010/main">
+    <mc:Choice Requires="p14">
       <p:transition spd="slow" p14:dur="800">
         <p:push dir="u"/>
       </p:transition>
     </mc:Choice>
-    <mc:Fallback>
+    <mc:Fallback xmlns="">
       <p:transition spd="slow">
         <p:push dir="u"/>
       </p:transition>
@@ -15887,30 +15597,24 @@
           <a:p>
             <a:pPr lvl="0"/>
             <a:r>
-              <a:rPr lang="en-US" smtClean="0"/>
+              <a:rPr lang="en-US"/>
               <a:t>One Slide</a:t>
             </a:r>
-            <a:endParaRPr lang="en-US"/>
           </a:p>
           <a:p>
             <a:pPr lvl="0"/>
             <a:r>
-              <a:rPr lang="en-US" smtClean="0">
+              <a:rPr lang="en-US">
                 <a:solidFill>
                   <a:srgbClr val="FF0000"/>
                 </a:solidFill>
               </a:rPr>
               <a:t>Two Slides</a:t>
             </a:r>
-            <a:endParaRPr lang="en-US">
-              <a:solidFill>
-                <a:srgbClr val="FF0000"/>
-              </a:solidFill>
-            </a:endParaRPr>
-          </a:p>
-          <a:p>
-            <a:r>
-              <a:rPr lang="en-US" smtClean="0">
+          </a:p>
+          <a:p>
+            <a:r>
+              <a:rPr lang="en-US">
                 <a:solidFill>
                   <a:srgbClr val="000000"/>
                 </a:solidFill>
@@ -15920,7 +15624,7 @@
           </a:p>
           <a:p>
             <a:r>
-              <a:rPr lang="en-US" smtClean="0">
+              <a:rPr lang="en-US">
                 <a:solidFill>
                   <a:srgbClr val="000000"/>
                 </a:solidFill>
@@ -15930,7 +15634,7 @@
           </a:p>
           <a:p>
             <a:r>
-              <a:rPr lang="ja-JP" altLang="en-US" smtClean="0">
+              <a:rPr lang="ja-JP" altLang="en-US">
                 <a:solidFill>
                   <a:srgbClr val="000000"/>
                 </a:solidFill>
@@ -15938,7 +15642,7 @@
               <a:t>あいうえお</a:t>
             </a:r>
             <a:r>
-              <a:rPr lang="en-US" smtClean="0">
+              <a:rPr lang="en-US">
                 <a:solidFill>
                   <a:srgbClr val="000000"/>
                 </a:solidFill>
@@ -15959,13 +15663,13 @@
   <p:clrMapOvr>
     <a:masterClrMapping/>
   </p:clrMapOvr>
-  <mc:AlternateContent xmlns:mc="http://schemas.openxmlformats.org/markup-compatibility/2006">
-    <mc:Choice xmlns:p14="http://schemas.microsoft.com/office/powerpoint/2010/main" Requires="p14">
+  <mc:AlternateContent xmlns:mc="http://schemas.openxmlformats.org/markup-compatibility/2006" xmlns:p14="http://schemas.microsoft.com/office/powerpoint/2010/main">
+    <mc:Choice Requires="p14">
       <p:transition p14:dur="250">
         <p:fade/>
       </p:transition>
     </mc:Choice>
-    <mc:Fallback>
+    <mc:Fallback xmlns="">
       <p:transition>
         <p:fade/>
       </p:transition>
@@ -16149,7 +15853,7 @@
           <a:lstStyle/>
           <a:p>
             <a:r>
-              <a:rPr lang="en-US" sz="6000" dirty="0" smtClean="0"/>
+              <a:rPr lang="en-US" sz="6000" dirty="0"/>
               <a:t>Test Image</a:t>
             </a:r>
             <a:endParaRPr lang="en-SG" sz="6000" dirty="0"/>
@@ -16166,25 +15870,18 @@
   <p:clrMapOvr>
     <a:masterClrMapping/>
   </p:clrMapOvr>
-  <mc:AlternateContent xmlns:mc="http://schemas.openxmlformats.org/markup-compatibility/2006">
-    <mc:Choice xmlns:p14="http://schemas.microsoft.com/office/powerpoint/2010/main" Requires="p14">
+  <mc:AlternateContent xmlns:mc="http://schemas.openxmlformats.org/markup-compatibility/2006" xmlns:p14="http://schemas.microsoft.com/office/powerpoint/2010/main">
+    <mc:Choice Requires="p14">
       <p:transition spd="slow" p14:dur="800">
         <p:push dir="u"/>
       </p:transition>
     </mc:Choice>
-    <mc:Fallback>
+    <mc:Fallback xmlns="">
       <p:transition spd="slow">
         <p:push dir="u"/>
       </p:transition>
     </mc:Fallback>
   </mc:AlternateContent>
-  <p:timing>
-    <p:tnLst>
-      <p:par>
-        <p:cTn id="1" dur="indefinite" restart="never" nodeType="tmRoot"/>
-      </p:par>
-    </p:tnLst>
-  </p:timing>
 </p:sld>
 </file>
 
@@ -16215,13 +15912,6 @@
   <p:clrMapOvr>
     <a:masterClrMapping/>
   </p:clrMapOvr>
-  <p:timing>
-    <p:tnLst>
-      <p:par>
-        <p:cTn id="1" dur="indefinite" restart="never" nodeType="tmRoot"/>
-      </p:par>
-    </p:tnLst>
-  </p:timing>
 </p:sld>
 </file>
 

--- a/doc/test/AgendaSlidesTextDefault.pptx
+++ b/doc/test/AgendaSlidesTextDefault.pptx
@@ -35,7 +35,7 @@
     <p:sldId id="314" r:id="rId26"/>
     <p:sldId id="326" r:id="rId27"/>
     <p:sldId id="327" r:id="rId28"/>
-    <p:sldId id="331" r:id="rId29"/>
+    <p:sldId id="328" r:id="rId29"/>
   </p:sldIdLst>
   <p:sldSz cx="9144000" cy="6858000" type="screen4x3"/>
   <p:notesSz cx="6858000" cy="9144000"/>
@@ -184,13 +184,13 @@
             <p14:sldId id="314"/>
             <p14:sldId id="326"/>
             <p14:sldId id="327"/>
-            <p14:sldId id="331"/>
+            <p14:sldId id="328"/>
           </p14:sldIdLst>
         </p14:section>
       </p14:sectionLst>
     </p:ext>
     <p:ext uri="{EFAFB233-063F-42B5-8137-9DF3F51BA10A}">
-      <p15:sldGuideLst xmlns:p15="http://schemas.microsoft.com/office/powerpoint/2012/main">
+      <p15:sldGuideLst xmlns="" xmlns:p15="http://schemas.microsoft.com/office/powerpoint/2012/main">
         <p15:guide id="1" orient="horz" pos="2160">
           <p15:clr>
             <a:srgbClr val="A4A3A4"/>
@@ -289,7 +289,7 @@
           <a:p>
             <a:fld id="{C33977A5-270E-4E03-B118-17345E304686}" type="datetimeFigureOut">
               <a:rPr lang="en-US" smtClean="0"/>
-              <a:t>1/23/2017</a:t>
+              <a:t>30-Jun-15</a:t>
             </a:fld>
             <a:endParaRPr lang="en-US"/>
           </a:p>
@@ -353,37 +353,38 @@
           <a:p>
             <a:pPr lvl="0"/>
             <a:r>
-              <a:rPr lang="en-US"/>
+              <a:rPr lang="en-US" smtClean="0"/>
               <a:t>Click to edit Master text styles</a:t>
             </a:r>
           </a:p>
           <a:p>
             <a:pPr lvl="1"/>
             <a:r>
-              <a:rPr lang="en-US"/>
+              <a:rPr lang="en-US" smtClean="0"/>
               <a:t>Second level</a:t>
             </a:r>
           </a:p>
           <a:p>
             <a:pPr lvl="2"/>
             <a:r>
-              <a:rPr lang="en-US"/>
+              <a:rPr lang="en-US" smtClean="0"/>
               <a:t>Third level</a:t>
             </a:r>
           </a:p>
           <a:p>
             <a:pPr lvl="3"/>
             <a:r>
-              <a:rPr lang="en-US"/>
+              <a:rPr lang="en-US" smtClean="0"/>
               <a:t>Fourth level</a:t>
             </a:r>
           </a:p>
           <a:p>
             <a:pPr lvl="4"/>
             <a:r>
-              <a:rPr lang="en-US"/>
+              <a:rPr lang="en-US" smtClean="0"/>
               <a:t>Fifth level</a:t>
             </a:r>
+            <a:endParaRPr lang="en-US"/>
           </a:p>
         </p:txBody>
       </p:sp>
@@ -601,9 +602,10 @@
           <a:lstStyle/>
           <a:p>
             <a:r>
-              <a:rPr lang="en-US"/>
+              <a:rPr lang="en-US" smtClean="0"/>
               <a:t>This notes page is used to store data - Do not edit the notes. UFBUVGVtcGxhdGVNYXJrZXI=@VGl0bGUgMQ==@UHB0TGFic0FnZW5kYV8mXkBDb250ZW50U2hhcGVfJl5AMjAxNTA2MzAxMjE4MjUxNzM4MA==@2742932019</a:t>
             </a:r>
+            <a:endParaRPr lang="en-US"/>
           </a:p>
         </p:txBody>
       </p:sp>
@@ -681,9 +683,10 @@
           <a:lstStyle/>
           <a:p>
             <a:r>
-              <a:rPr lang="en-US"/>
+              <a:rPr lang="en-US" smtClean="0"/>
               <a:t>Click to edit Master title style</a:t>
             </a:r>
+            <a:endParaRPr lang="en-US"/>
           </a:p>
         </p:txBody>
       </p:sp>
@@ -799,9 +802,10 @@
           </a:lstStyle>
           <a:p>
             <a:r>
-              <a:rPr lang="en-US"/>
+              <a:rPr lang="en-US" smtClean="0"/>
               <a:t>Click to edit Master subtitle style</a:t>
             </a:r>
+            <a:endParaRPr lang="en-US"/>
           </a:p>
         </p:txBody>
       </p:sp>
@@ -822,7 +826,7 @@
           <a:p>
             <a:fld id="{699DC775-C286-4358-8C92-D7E584E969B3}" type="datetimeFigureOut">
               <a:rPr lang="en-US" smtClean="0"/>
-              <a:t>1/23/2017</a:t>
+              <a:t>30-Jun-15</a:t>
             </a:fld>
             <a:endParaRPr lang="en-US"/>
           </a:p>
@@ -916,9 +920,10 @@
           <a:lstStyle/>
           <a:p>
             <a:r>
-              <a:rPr lang="en-US"/>
+              <a:rPr lang="en-US" smtClean="0"/>
               <a:t>Click to edit Master title style</a:t>
             </a:r>
+            <a:endParaRPr lang="en-US"/>
           </a:p>
         </p:txBody>
       </p:sp>
@@ -939,37 +944,38 @@
           <a:p>
             <a:pPr lvl="0"/>
             <a:r>
-              <a:rPr lang="en-US"/>
+              <a:rPr lang="en-US" smtClean="0"/>
               <a:t>Click to edit Master text styles</a:t>
             </a:r>
           </a:p>
           <a:p>
             <a:pPr lvl="1"/>
             <a:r>
-              <a:rPr lang="en-US"/>
+              <a:rPr lang="en-US" smtClean="0"/>
               <a:t>Second level</a:t>
             </a:r>
           </a:p>
           <a:p>
             <a:pPr lvl="2"/>
             <a:r>
-              <a:rPr lang="en-US"/>
+              <a:rPr lang="en-US" smtClean="0"/>
               <a:t>Third level</a:t>
             </a:r>
           </a:p>
           <a:p>
             <a:pPr lvl="3"/>
             <a:r>
-              <a:rPr lang="en-US"/>
+              <a:rPr lang="en-US" smtClean="0"/>
               <a:t>Fourth level</a:t>
             </a:r>
           </a:p>
           <a:p>
             <a:pPr lvl="4"/>
             <a:r>
-              <a:rPr lang="en-US"/>
+              <a:rPr lang="en-US" smtClean="0"/>
               <a:t>Fifth level</a:t>
             </a:r>
+            <a:endParaRPr lang="en-US"/>
           </a:p>
         </p:txBody>
       </p:sp>
@@ -990,7 +996,7 @@
           <a:p>
             <a:fld id="{699DC775-C286-4358-8C92-D7E584E969B3}" type="datetimeFigureOut">
               <a:rPr lang="en-US" smtClean="0"/>
-              <a:t>1/23/2017</a:t>
+              <a:t>30-Jun-15</a:t>
             </a:fld>
             <a:endParaRPr lang="en-US"/>
           </a:p>
@@ -1089,9 +1095,10 @@
           <a:lstStyle/>
           <a:p>
             <a:r>
-              <a:rPr lang="en-US"/>
+              <a:rPr lang="en-US" smtClean="0"/>
               <a:t>Click to edit Master title style</a:t>
             </a:r>
+            <a:endParaRPr lang="en-US"/>
           </a:p>
         </p:txBody>
       </p:sp>
@@ -1117,37 +1124,38 @@
           <a:p>
             <a:pPr lvl="0"/>
             <a:r>
-              <a:rPr lang="en-US"/>
+              <a:rPr lang="en-US" smtClean="0"/>
               <a:t>Click to edit Master text styles</a:t>
             </a:r>
           </a:p>
           <a:p>
             <a:pPr lvl="1"/>
             <a:r>
-              <a:rPr lang="en-US"/>
+              <a:rPr lang="en-US" smtClean="0"/>
               <a:t>Second level</a:t>
             </a:r>
           </a:p>
           <a:p>
             <a:pPr lvl="2"/>
             <a:r>
-              <a:rPr lang="en-US"/>
+              <a:rPr lang="en-US" smtClean="0"/>
               <a:t>Third level</a:t>
             </a:r>
           </a:p>
           <a:p>
             <a:pPr lvl="3"/>
             <a:r>
-              <a:rPr lang="en-US"/>
+              <a:rPr lang="en-US" smtClean="0"/>
               <a:t>Fourth level</a:t>
             </a:r>
           </a:p>
           <a:p>
             <a:pPr lvl="4"/>
             <a:r>
-              <a:rPr lang="en-US"/>
+              <a:rPr lang="en-US" smtClean="0"/>
               <a:t>Fifth level</a:t>
             </a:r>
+            <a:endParaRPr lang="en-US"/>
           </a:p>
         </p:txBody>
       </p:sp>
@@ -1168,7 +1176,7 @@
           <a:p>
             <a:fld id="{699DC775-C286-4358-8C92-D7E584E969B3}" type="datetimeFigureOut">
               <a:rPr lang="en-US" smtClean="0"/>
-              <a:t>1/23/2017</a:t>
+              <a:t>30-Jun-15</a:t>
             </a:fld>
             <a:endParaRPr lang="en-US"/>
           </a:p>
@@ -1262,9 +1270,10 @@
           <a:lstStyle/>
           <a:p>
             <a:r>
-              <a:rPr lang="en-US"/>
+              <a:rPr lang="en-US" smtClean="0"/>
               <a:t>Click to edit Master title style</a:t>
             </a:r>
+            <a:endParaRPr lang="en-US"/>
           </a:p>
         </p:txBody>
       </p:sp>
@@ -1285,37 +1294,38 @@
           <a:p>
             <a:pPr lvl="0"/>
             <a:r>
-              <a:rPr lang="en-US"/>
+              <a:rPr lang="en-US" smtClean="0"/>
               <a:t>Click to edit Master text styles</a:t>
             </a:r>
           </a:p>
           <a:p>
             <a:pPr lvl="1"/>
             <a:r>
-              <a:rPr lang="en-US"/>
+              <a:rPr lang="en-US" smtClean="0"/>
               <a:t>Second level</a:t>
             </a:r>
           </a:p>
           <a:p>
             <a:pPr lvl="2"/>
             <a:r>
-              <a:rPr lang="en-US"/>
+              <a:rPr lang="en-US" smtClean="0"/>
               <a:t>Third level</a:t>
             </a:r>
           </a:p>
           <a:p>
             <a:pPr lvl="3"/>
             <a:r>
-              <a:rPr lang="en-US"/>
+              <a:rPr lang="en-US" smtClean="0"/>
               <a:t>Fourth level</a:t>
             </a:r>
           </a:p>
           <a:p>
             <a:pPr lvl="4"/>
             <a:r>
-              <a:rPr lang="en-US"/>
+              <a:rPr lang="en-US" smtClean="0"/>
               <a:t>Fifth level</a:t>
             </a:r>
+            <a:endParaRPr lang="en-US"/>
           </a:p>
         </p:txBody>
       </p:sp>
@@ -1336,7 +1346,7 @@
           <a:p>
             <a:fld id="{699DC775-C286-4358-8C92-D7E584E969B3}" type="datetimeFigureOut">
               <a:rPr lang="en-US" smtClean="0"/>
-              <a:t>1/23/2017</a:t>
+              <a:t>30-Jun-15</a:t>
             </a:fld>
             <a:endParaRPr lang="en-US"/>
           </a:p>
@@ -1435,9 +1445,10 @@
           <a:lstStyle/>
           <a:p>
             <a:r>
-              <a:rPr lang="en-US"/>
+              <a:rPr lang="en-US" smtClean="0"/>
               <a:t>Click to edit Master title style</a:t>
             </a:r>
+            <a:endParaRPr lang="en-US"/>
           </a:p>
         </p:txBody>
       </p:sp>
@@ -1553,9 +1564,10 @@
           </a:lstStyle>
           <a:p>
             <a:r>
-              <a:rPr lang="en-US"/>
+              <a:rPr lang="en-US" smtClean="0"/>
               <a:t>Click to edit Master subtitle style</a:t>
             </a:r>
+            <a:endParaRPr lang="en-US"/>
           </a:p>
         </p:txBody>
       </p:sp>
@@ -1576,7 +1588,7 @@
           <a:p>
             <a:fld id="{699DC775-C286-4358-8C92-D7E584E969B3}" type="datetimeFigureOut">
               <a:rPr lang="en-US" smtClean="0"/>
-              <a:t>1/23/2017</a:t>
+              <a:t>30-Jun-15</a:t>
             </a:fld>
             <a:endParaRPr lang="en-US"/>
           </a:p>
@@ -1670,9 +1682,10 @@
           <a:lstStyle/>
           <a:p>
             <a:r>
-              <a:rPr lang="en-US"/>
+              <a:rPr lang="en-US" smtClean="0"/>
               <a:t>Click to edit Master title style</a:t>
             </a:r>
+            <a:endParaRPr lang="en-US"/>
           </a:p>
         </p:txBody>
       </p:sp>
@@ -1693,37 +1706,38 @@
           <a:p>
             <a:pPr lvl="0"/>
             <a:r>
-              <a:rPr lang="en-US"/>
+              <a:rPr lang="en-US" smtClean="0"/>
               <a:t>Click to edit Master text styles</a:t>
             </a:r>
           </a:p>
           <a:p>
             <a:pPr lvl="1"/>
             <a:r>
-              <a:rPr lang="en-US"/>
+              <a:rPr lang="en-US" smtClean="0"/>
               <a:t>Second level</a:t>
             </a:r>
           </a:p>
           <a:p>
             <a:pPr lvl="2"/>
             <a:r>
-              <a:rPr lang="en-US"/>
+              <a:rPr lang="en-US" smtClean="0"/>
               <a:t>Third level</a:t>
             </a:r>
           </a:p>
           <a:p>
             <a:pPr lvl="3"/>
             <a:r>
-              <a:rPr lang="en-US"/>
+              <a:rPr lang="en-US" smtClean="0"/>
               <a:t>Fourth level</a:t>
             </a:r>
           </a:p>
           <a:p>
             <a:pPr lvl="4"/>
             <a:r>
-              <a:rPr lang="en-US"/>
+              <a:rPr lang="en-US" smtClean="0"/>
               <a:t>Fifth level</a:t>
             </a:r>
+            <a:endParaRPr lang="en-US"/>
           </a:p>
         </p:txBody>
       </p:sp>
@@ -1744,7 +1758,7 @@
           <a:p>
             <a:fld id="{699DC775-C286-4358-8C92-D7E584E969B3}" type="datetimeFigureOut">
               <a:rPr lang="en-US" smtClean="0"/>
-              <a:t>1/23/2017</a:t>
+              <a:t>30-Jun-15</a:t>
             </a:fld>
             <a:endParaRPr lang="en-US"/>
           </a:p>
@@ -1847,9 +1861,10 @@
           </a:lstStyle>
           <a:p>
             <a:r>
-              <a:rPr lang="en-US"/>
+              <a:rPr lang="en-US" smtClean="0"/>
               <a:t>Click to edit Master title style</a:t>
             </a:r>
+            <a:endParaRPr lang="en-US"/>
           </a:p>
         </p:txBody>
       </p:sp>
@@ -1966,7 +1981,7 @@
           <a:p>
             <a:pPr lvl="0"/>
             <a:r>
-              <a:rPr lang="en-US"/>
+              <a:rPr lang="en-US" smtClean="0"/>
               <a:t>Click to edit Master text styles</a:t>
             </a:r>
           </a:p>
@@ -1989,7 +2004,7 @@
           <a:p>
             <a:fld id="{699DC775-C286-4358-8C92-D7E584E969B3}" type="datetimeFigureOut">
               <a:rPr lang="en-US" smtClean="0"/>
-              <a:t>1/23/2017</a:t>
+              <a:t>30-Jun-15</a:t>
             </a:fld>
             <a:endParaRPr lang="en-US"/>
           </a:p>
@@ -2083,9 +2098,10 @@
           <a:lstStyle/>
           <a:p>
             <a:r>
-              <a:rPr lang="en-US"/>
+              <a:rPr lang="en-US" smtClean="0"/>
               <a:t>Click to edit Master title style</a:t>
             </a:r>
+            <a:endParaRPr lang="en-US"/>
           </a:p>
         </p:txBody>
       </p:sp>
@@ -2139,37 +2155,38 @@
           <a:p>
             <a:pPr lvl="0"/>
             <a:r>
-              <a:rPr lang="en-US"/>
+              <a:rPr lang="en-US" smtClean="0"/>
               <a:t>Click to edit Master text styles</a:t>
             </a:r>
           </a:p>
           <a:p>
             <a:pPr lvl="1"/>
             <a:r>
-              <a:rPr lang="en-US"/>
+              <a:rPr lang="en-US" smtClean="0"/>
               <a:t>Second level</a:t>
             </a:r>
           </a:p>
           <a:p>
             <a:pPr lvl="2"/>
             <a:r>
-              <a:rPr lang="en-US"/>
+              <a:rPr lang="en-US" smtClean="0"/>
               <a:t>Third level</a:t>
             </a:r>
           </a:p>
           <a:p>
             <a:pPr lvl="3"/>
             <a:r>
-              <a:rPr lang="en-US"/>
+              <a:rPr lang="en-US" smtClean="0"/>
               <a:t>Fourth level</a:t>
             </a:r>
           </a:p>
           <a:p>
             <a:pPr lvl="4"/>
             <a:r>
-              <a:rPr lang="en-US"/>
+              <a:rPr lang="en-US" smtClean="0"/>
               <a:t>Fifth level</a:t>
             </a:r>
+            <a:endParaRPr lang="en-US"/>
           </a:p>
         </p:txBody>
       </p:sp>
@@ -2223,37 +2240,38 @@
           <a:p>
             <a:pPr lvl="0"/>
             <a:r>
-              <a:rPr lang="en-US"/>
+              <a:rPr lang="en-US" smtClean="0"/>
               <a:t>Click to edit Master text styles</a:t>
             </a:r>
           </a:p>
           <a:p>
             <a:pPr lvl="1"/>
             <a:r>
-              <a:rPr lang="en-US"/>
+              <a:rPr lang="en-US" smtClean="0"/>
               <a:t>Second level</a:t>
             </a:r>
           </a:p>
           <a:p>
             <a:pPr lvl="2"/>
             <a:r>
-              <a:rPr lang="en-US"/>
+              <a:rPr lang="en-US" smtClean="0"/>
               <a:t>Third level</a:t>
             </a:r>
           </a:p>
           <a:p>
             <a:pPr lvl="3"/>
             <a:r>
-              <a:rPr lang="en-US"/>
+              <a:rPr lang="en-US" smtClean="0"/>
               <a:t>Fourth level</a:t>
             </a:r>
           </a:p>
           <a:p>
             <a:pPr lvl="4"/>
             <a:r>
-              <a:rPr lang="en-US"/>
+              <a:rPr lang="en-US" smtClean="0"/>
               <a:t>Fifth level</a:t>
             </a:r>
+            <a:endParaRPr lang="en-US"/>
           </a:p>
         </p:txBody>
       </p:sp>
@@ -2274,7 +2292,7 @@
           <a:p>
             <a:fld id="{699DC775-C286-4358-8C92-D7E584E969B3}" type="datetimeFigureOut">
               <a:rPr lang="en-US" smtClean="0"/>
-              <a:t>1/23/2017</a:t>
+              <a:t>30-Jun-15</a:t>
             </a:fld>
             <a:endParaRPr lang="en-US"/>
           </a:p>
@@ -2372,9 +2390,10 @@
           </a:lstStyle>
           <a:p>
             <a:r>
-              <a:rPr lang="en-US"/>
+              <a:rPr lang="en-US" smtClean="0"/>
               <a:t>Click to edit Master title style</a:t>
             </a:r>
+            <a:endParaRPr lang="en-US"/>
           </a:p>
         </p:txBody>
       </p:sp>
@@ -2437,7 +2456,7 @@
           <a:p>
             <a:pPr lvl="0"/>
             <a:r>
-              <a:rPr lang="en-US"/>
+              <a:rPr lang="en-US" smtClean="0"/>
               <a:t>Click to edit Master text styles</a:t>
             </a:r>
           </a:p>
@@ -2493,37 +2512,38 @@
           <a:p>
             <a:pPr lvl="0"/>
             <a:r>
-              <a:rPr lang="en-US"/>
+              <a:rPr lang="en-US" smtClean="0"/>
               <a:t>Click to edit Master text styles</a:t>
             </a:r>
           </a:p>
           <a:p>
             <a:pPr lvl="1"/>
             <a:r>
-              <a:rPr lang="en-US"/>
+              <a:rPr lang="en-US" smtClean="0"/>
               <a:t>Second level</a:t>
             </a:r>
           </a:p>
           <a:p>
             <a:pPr lvl="2"/>
             <a:r>
-              <a:rPr lang="en-US"/>
+              <a:rPr lang="en-US" smtClean="0"/>
               <a:t>Third level</a:t>
             </a:r>
           </a:p>
           <a:p>
             <a:pPr lvl="3"/>
             <a:r>
-              <a:rPr lang="en-US"/>
+              <a:rPr lang="en-US" smtClean="0"/>
               <a:t>Fourth level</a:t>
             </a:r>
           </a:p>
           <a:p>
             <a:pPr lvl="4"/>
             <a:r>
-              <a:rPr lang="en-US"/>
+              <a:rPr lang="en-US" smtClean="0"/>
               <a:t>Fifth level</a:t>
             </a:r>
+            <a:endParaRPr lang="en-US"/>
           </a:p>
         </p:txBody>
       </p:sp>
@@ -2586,7 +2606,7 @@
           <a:p>
             <a:pPr lvl="0"/>
             <a:r>
-              <a:rPr lang="en-US"/>
+              <a:rPr lang="en-US" smtClean="0"/>
               <a:t>Click to edit Master text styles</a:t>
             </a:r>
           </a:p>
@@ -2642,37 +2662,38 @@
           <a:p>
             <a:pPr lvl="0"/>
             <a:r>
-              <a:rPr lang="en-US"/>
+              <a:rPr lang="en-US" smtClean="0"/>
               <a:t>Click to edit Master text styles</a:t>
             </a:r>
           </a:p>
           <a:p>
             <a:pPr lvl="1"/>
             <a:r>
-              <a:rPr lang="en-US"/>
+              <a:rPr lang="en-US" smtClean="0"/>
               <a:t>Second level</a:t>
             </a:r>
           </a:p>
           <a:p>
             <a:pPr lvl="2"/>
             <a:r>
-              <a:rPr lang="en-US"/>
+              <a:rPr lang="en-US" smtClean="0"/>
               <a:t>Third level</a:t>
             </a:r>
           </a:p>
           <a:p>
             <a:pPr lvl="3"/>
             <a:r>
-              <a:rPr lang="en-US"/>
+              <a:rPr lang="en-US" smtClean="0"/>
               <a:t>Fourth level</a:t>
             </a:r>
           </a:p>
           <a:p>
             <a:pPr lvl="4"/>
             <a:r>
-              <a:rPr lang="en-US"/>
+              <a:rPr lang="en-US" smtClean="0"/>
               <a:t>Fifth level</a:t>
             </a:r>
+            <a:endParaRPr lang="en-US"/>
           </a:p>
         </p:txBody>
       </p:sp>
@@ -2693,7 +2714,7 @@
           <a:p>
             <a:fld id="{699DC775-C286-4358-8C92-D7E584E969B3}" type="datetimeFigureOut">
               <a:rPr lang="en-US" smtClean="0"/>
-              <a:t>1/23/2017</a:t>
+              <a:t>30-Jun-15</a:t>
             </a:fld>
             <a:endParaRPr lang="en-US"/>
           </a:p>
@@ -2787,9 +2808,10 @@
           <a:lstStyle/>
           <a:p>
             <a:r>
-              <a:rPr lang="en-US"/>
+              <a:rPr lang="en-US" smtClean="0"/>
               <a:t>Click to edit Master title style</a:t>
             </a:r>
+            <a:endParaRPr lang="en-US"/>
           </a:p>
         </p:txBody>
       </p:sp>
@@ -2810,7 +2832,7 @@
           <a:p>
             <a:fld id="{699DC775-C286-4358-8C92-D7E584E969B3}" type="datetimeFigureOut">
               <a:rPr lang="en-US" smtClean="0"/>
-              <a:t>1/23/2017</a:t>
+              <a:t>30-Jun-15</a:t>
             </a:fld>
             <a:endParaRPr lang="en-US"/>
           </a:p>
@@ -2905,7 +2927,7 @@
           <a:p>
             <a:fld id="{699DC775-C286-4358-8C92-D7E584E969B3}" type="datetimeFigureOut">
               <a:rPr lang="en-US" smtClean="0"/>
-              <a:t>1/23/2017</a:t>
+              <a:t>30-Jun-15</a:t>
             </a:fld>
             <a:endParaRPr lang="en-US"/>
           </a:p>
@@ -2999,9 +3021,10 @@
           <a:lstStyle/>
           <a:p>
             <a:r>
-              <a:rPr lang="en-US"/>
+              <a:rPr lang="en-US" smtClean="0"/>
               <a:t>Click to edit Master title style</a:t>
             </a:r>
+            <a:endParaRPr lang="en-US"/>
           </a:p>
         </p:txBody>
       </p:sp>
@@ -3022,37 +3045,38 @@
           <a:p>
             <a:pPr lvl="0"/>
             <a:r>
-              <a:rPr lang="en-US"/>
+              <a:rPr lang="en-US" smtClean="0"/>
               <a:t>Click to edit Master text styles</a:t>
             </a:r>
           </a:p>
           <a:p>
             <a:pPr lvl="1"/>
             <a:r>
-              <a:rPr lang="en-US"/>
+              <a:rPr lang="en-US" smtClean="0"/>
               <a:t>Second level</a:t>
             </a:r>
           </a:p>
           <a:p>
             <a:pPr lvl="2"/>
             <a:r>
-              <a:rPr lang="en-US"/>
+              <a:rPr lang="en-US" smtClean="0"/>
               <a:t>Third level</a:t>
             </a:r>
           </a:p>
           <a:p>
             <a:pPr lvl="3"/>
             <a:r>
-              <a:rPr lang="en-US"/>
+              <a:rPr lang="en-US" smtClean="0"/>
               <a:t>Fourth level</a:t>
             </a:r>
           </a:p>
           <a:p>
             <a:pPr lvl="4"/>
             <a:r>
-              <a:rPr lang="en-US"/>
+              <a:rPr lang="en-US" smtClean="0"/>
               <a:t>Fifth level</a:t>
             </a:r>
+            <a:endParaRPr lang="en-US"/>
           </a:p>
         </p:txBody>
       </p:sp>
@@ -3073,7 +3097,7 @@
           <a:p>
             <a:fld id="{699DC775-C286-4358-8C92-D7E584E969B3}" type="datetimeFigureOut">
               <a:rPr lang="en-US" smtClean="0"/>
-              <a:t>1/23/2017</a:t>
+              <a:t>30-Jun-15</a:t>
             </a:fld>
             <a:endParaRPr lang="en-US"/>
           </a:p>
@@ -3176,9 +3200,10 @@
           </a:lstStyle>
           <a:p>
             <a:r>
-              <a:rPr lang="en-US"/>
+              <a:rPr lang="en-US" smtClean="0"/>
               <a:t>Click to edit Master title style</a:t>
             </a:r>
+            <a:endParaRPr lang="en-US"/>
           </a:p>
         </p:txBody>
       </p:sp>
@@ -3232,37 +3257,38 @@
           <a:p>
             <a:pPr lvl="0"/>
             <a:r>
-              <a:rPr lang="en-US"/>
+              <a:rPr lang="en-US" smtClean="0"/>
               <a:t>Click to edit Master text styles</a:t>
             </a:r>
           </a:p>
           <a:p>
             <a:pPr lvl="1"/>
             <a:r>
-              <a:rPr lang="en-US"/>
+              <a:rPr lang="en-US" smtClean="0"/>
               <a:t>Second level</a:t>
             </a:r>
           </a:p>
           <a:p>
             <a:pPr lvl="2"/>
             <a:r>
-              <a:rPr lang="en-US"/>
+              <a:rPr lang="en-US" smtClean="0"/>
               <a:t>Third level</a:t>
             </a:r>
           </a:p>
           <a:p>
             <a:pPr lvl="3"/>
             <a:r>
-              <a:rPr lang="en-US"/>
+              <a:rPr lang="en-US" smtClean="0"/>
               <a:t>Fourth level</a:t>
             </a:r>
           </a:p>
           <a:p>
             <a:pPr lvl="4"/>
             <a:r>
-              <a:rPr lang="en-US"/>
+              <a:rPr lang="en-US" smtClean="0"/>
               <a:t>Fifth level</a:t>
             </a:r>
+            <a:endParaRPr lang="en-US"/>
           </a:p>
         </p:txBody>
       </p:sp>
@@ -3325,7 +3351,7 @@
           <a:p>
             <a:pPr lvl="0"/>
             <a:r>
-              <a:rPr lang="en-US"/>
+              <a:rPr lang="en-US" smtClean="0"/>
               <a:t>Click to edit Master text styles</a:t>
             </a:r>
           </a:p>
@@ -3348,7 +3374,7 @@
           <a:p>
             <a:fld id="{699DC775-C286-4358-8C92-D7E584E969B3}" type="datetimeFigureOut">
               <a:rPr lang="en-US" smtClean="0"/>
-              <a:t>1/23/2017</a:t>
+              <a:t>30-Jun-15</a:t>
             </a:fld>
             <a:endParaRPr lang="en-US"/>
           </a:p>
@@ -3451,9 +3477,10 @@
           </a:lstStyle>
           <a:p>
             <a:r>
-              <a:rPr lang="en-US"/>
+              <a:rPr lang="en-US" smtClean="0"/>
               <a:t>Click to edit Master title style</a:t>
             </a:r>
+            <a:endParaRPr lang="en-US"/>
           </a:p>
         </p:txBody>
       </p:sp>
@@ -3577,7 +3604,7 @@
           <a:p>
             <a:pPr lvl="0"/>
             <a:r>
-              <a:rPr lang="en-US"/>
+              <a:rPr lang="en-US" smtClean="0"/>
               <a:t>Click to edit Master text styles</a:t>
             </a:r>
           </a:p>
@@ -3600,7 +3627,7 @@
           <a:p>
             <a:fld id="{699DC775-C286-4358-8C92-D7E584E969B3}" type="datetimeFigureOut">
               <a:rPr lang="en-US" smtClean="0"/>
-              <a:t>1/23/2017</a:t>
+              <a:t>30-Jun-15</a:t>
             </a:fld>
             <a:endParaRPr lang="en-US"/>
           </a:p>
@@ -3694,9 +3721,10 @@
           <a:lstStyle/>
           <a:p>
             <a:r>
-              <a:rPr lang="en-US"/>
+              <a:rPr lang="en-US" smtClean="0"/>
               <a:t>Click to edit Master title style</a:t>
             </a:r>
+            <a:endParaRPr lang="en-US"/>
           </a:p>
         </p:txBody>
       </p:sp>
@@ -3717,37 +3745,38 @@
           <a:p>
             <a:pPr lvl="0"/>
             <a:r>
-              <a:rPr lang="en-US"/>
+              <a:rPr lang="en-US" smtClean="0"/>
               <a:t>Click to edit Master text styles</a:t>
             </a:r>
           </a:p>
           <a:p>
             <a:pPr lvl="1"/>
             <a:r>
-              <a:rPr lang="en-US"/>
+              <a:rPr lang="en-US" smtClean="0"/>
               <a:t>Second level</a:t>
             </a:r>
           </a:p>
           <a:p>
             <a:pPr lvl="2"/>
             <a:r>
-              <a:rPr lang="en-US"/>
+              <a:rPr lang="en-US" smtClean="0"/>
               <a:t>Third level</a:t>
             </a:r>
           </a:p>
           <a:p>
             <a:pPr lvl="3"/>
             <a:r>
-              <a:rPr lang="en-US"/>
+              <a:rPr lang="en-US" smtClean="0"/>
               <a:t>Fourth level</a:t>
             </a:r>
           </a:p>
           <a:p>
             <a:pPr lvl="4"/>
             <a:r>
-              <a:rPr lang="en-US"/>
+              <a:rPr lang="en-US" smtClean="0"/>
               <a:t>Fifth level</a:t>
             </a:r>
+            <a:endParaRPr lang="en-US"/>
           </a:p>
         </p:txBody>
       </p:sp>
@@ -3768,7 +3797,7 @@
           <a:p>
             <a:fld id="{699DC775-C286-4358-8C92-D7E584E969B3}" type="datetimeFigureOut">
               <a:rPr lang="en-US" smtClean="0"/>
-              <a:t>1/23/2017</a:t>
+              <a:t>30-Jun-15</a:t>
             </a:fld>
             <a:endParaRPr lang="en-US"/>
           </a:p>
@@ -3867,9 +3896,10 @@
           <a:lstStyle/>
           <a:p>
             <a:r>
-              <a:rPr lang="en-US"/>
+              <a:rPr lang="en-US" smtClean="0"/>
               <a:t>Click to edit Master title style</a:t>
             </a:r>
+            <a:endParaRPr lang="en-US"/>
           </a:p>
         </p:txBody>
       </p:sp>
@@ -3895,37 +3925,38 @@
           <a:p>
             <a:pPr lvl="0"/>
             <a:r>
-              <a:rPr lang="en-US"/>
+              <a:rPr lang="en-US" smtClean="0"/>
               <a:t>Click to edit Master text styles</a:t>
             </a:r>
           </a:p>
           <a:p>
             <a:pPr lvl="1"/>
             <a:r>
-              <a:rPr lang="en-US"/>
+              <a:rPr lang="en-US" smtClean="0"/>
               <a:t>Second level</a:t>
             </a:r>
           </a:p>
           <a:p>
             <a:pPr lvl="2"/>
             <a:r>
-              <a:rPr lang="en-US"/>
+              <a:rPr lang="en-US" smtClean="0"/>
               <a:t>Third level</a:t>
             </a:r>
           </a:p>
           <a:p>
             <a:pPr lvl="3"/>
             <a:r>
-              <a:rPr lang="en-US"/>
+              <a:rPr lang="en-US" smtClean="0"/>
               <a:t>Fourth level</a:t>
             </a:r>
           </a:p>
           <a:p>
             <a:pPr lvl="4"/>
             <a:r>
-              <a:rPr lang="en-US"/>
+              <a:rPr lang="en-US" smtClean="0"/>
               <a:t>Fifth level</a:t>
             </a:r>
+            <a:endParaRPr lang="en-US"/>
           </a:p>
         </p:txBody>
       </p:sp>
@@ -3946,7 +3977,7 @@
           <a:p>
             <a:fld id="{699DC775-C286-4358-8C92-D7E584E969B3}" type="datetimeFigureOut">
               <a:rPr lang="en-US" smtClean="0"/>
-              <a:t>1/23/2017</a:t>
+              <a:t>30-Jun-15</a:t>
             </a:fld>
             <a:endParaRPr lang="en-US"/>
           </a:p>
@@ -4040,9 +4071,10 @@
           <a:lstStyle/>
           <a:p>
             <a:r>
-              <a:rPr lang="en-US"/>
+              <a:rPr lang="en-US" smtClean="0"/>
               <a:t>Click to edit Master title style</a:t>
             </a:r>
+            <a:endParaRPr lang="en-US"/>
           </a:p>
         </p:txBody>
       </p:sp>
@@ -4063,37 +4095,38 @@
           <a:p>
             <a:pPr lvl="0"/>
             <a:r>
-              <a:rPr lang="en-US"/>
+              <a:rPr lang="en-US" smtClean="0"/>
               <a:t>Click to edit Master text styles</a:t>
             </a:r>
           </a:p>
           <a:p>
             <a:pPr lvl="1"/>
             <a:r>
-              <a:rPr lang="en-US"/>
+              <a:rPr lang="en-US" smtClean="0"/>
               <a:t>Second level</a:t>
             </a:r>
           </a:p>
           <a:p>
             <a:pPr lvl="2"/>
             <a:r>
-              <a:rPr lang="en-US"/>
+              <a:rPr lang="en-US" smtClean="0"/>
               <a:t>Third level</a:t>
             </a:r>
           </a:p>
           <a:p>
             <a:pPr lvl="3"/>
             <a:r>
-              <a:rPr lang="en-US"/>
+              <a:rPr lang="en-US" smtClean="0"/>
               <a:t>Fourth level</a:t>
             </a:r>
           </a:p>
           <a:p>
             <a:pPr lvl="4"/>
             <a:r>
-              <a:rPr lang="en-US"/>
+              <a:rPr lang="en-US" smtClean="0"/>
               <a:t>Fifth level</a:t>
             </a:r>
+            <a:endParaRPr lang="en-US"/>
           </a:p>
         </p:txBody>
       </p:sp>
@@ -4114,7 +4147,7 @@
           <a:p>
             <a:fld id="{699DC775-C286-4358-8C92-D7E584E969B3}" type="datetimeFigureOut">
               <a:rPr lang="en-US" smtClean="0"/>
-              <a:t>1/23/2017</a:t>
+              <a:t>30-Jun-15</a:t>
             </a:fld>
             <a:endParaRPr lang="en-US"/>
           </a:p>
@@ -4221,9 +4254,10 @@
           <a:lstStyle/>
           <a:p>
             <a:r>
-              <a:rPr lang="en-US"/>
+              <a:rPr lang="en-US" smtClean="0"/>
               <a:t>Click to edit Master title style</a:t>
             </a:r>
+            <a:endParaRPr lang="en-US"/>
           </a:p>
         </p:txBody>
       </p:sp>
@@ -4339,9 +4373,10 @@
           </a:lstStyle>
           <a:p>
             <a:r>
-              <a:rPr lang="en-US"/>
+              <a:rPr lang="en-US" smtClean="0"/>
               <a:t>Click to edit Master subtitle style</a:t>
             </a:r>
+            <a:endParaRPr lang="en-US"/>
           </a:p>
         </p:txBody>
       </p:sp>
@@ -4362,7 +4397,7 @@
           <a:p>
             <a:fld id="{699DC775-C286-4358-8C92-D7E584E969B3}" type="datetimeFigureOut">
               <a:rPr lang="en-US" smtClean="0"/>
-              <a:t>1/23/2017</a:t>
+              <a:t>30-Jun-15</a:t>
             </a:fld>
             <a:endParaRPr lang="en-US"/>
           </a:p>
@@ -4464,9 +4499,10 @@
           <a:lstStyle/>
           <a:p>
             <a:r>
-              <a:rPr lang="en-US"/>
+              <a:rPr lang="en-US" smtClean="0"/>
               <a:t>Click to edit Master title style</a:t>
             </a:r>
+            <a:endParaRPr lang="en-US"/>
           </a:p>
         </p:txBody>
       </p:sp>
@@ -4487,37 +4523,38 @@
           <a:p>
             <a:pPr lvl="0"/>
             <a:r>
-              <a:rPr lang="en-US"/>
+              <a:rPr lang="en-US" smtClean="0"/>
               <a:t>Click to edit Master text styles</a:t>
             </a:r>
           </a:p>
           <a:p>
             <a:pPr lvl="1"/>
             <a:r>
-              <a:rPr lang="en-US"/>
+              <a:rPr lang="en-US" smtClean="0"/>
               <a:t>Second level</a:t>
             </a:r>
           </a:p>
           <a:p>
             <a:pPr lvl="2"/>
             <a:r>
-              <a:rPr lang="en-US"/>
+              <a:rPr lang="en-US" smtClean="0"/>
               <a:t>Third level</a:t>
             </a:r>
           </a:p>
           <a:p>
             <a:pPr lvl="3"/>
             <a:r>
-              <a:rPr lang="en-US"/>
+              <a:rPr lang="en-US" smtClean="0"/>
               <a:t>Fourth level</a:t>
             </a:r>
           </a:p>
           <a:p>
             <a:pPr lvl="4"/>
             <a:r>
-              <a:rPr lang="en-US"/>
+              <a:rPr lang="en-US" smtClean="0"/>
               <a:t>Fifth level</a:t>
             </a:r>
+            <a:endParaRPr lang="en-US"/>
           </a:p>
         </p:txBody>
       </p:sp>
@@ -4538,7 +4575,7 @@
           <a:p>
             <a:fld id="{699DC775-C286-4358-8C92-D7E584E969B3}" type="datetimeFigureOut">
               <a:rPr lang="en-US" smtClean="0"/>
-              <a:t>1/23/2017</a:t>
+              <a:t>30-Jun-15</a:t>
             </a:fld>
             <a:endParaRPr lang="en-US"/>
           </a:p>
@@ -4649,9 +4686,10 @@
           </a:lstStyle>
           <a:p>
             <a:r>
-              <a:rPr lang="en-US"/>
+              <a:rPr lang="en-US" smtClean="0"/>
               <a:t>Click to edit Master title style</a:t>
             </a:r>
+            <a:endParaRPr lang="en-US"/>
           </a:p>
         </p:txBody>
       </p:sp>
@@ -4768,7 +4806,7 @@
           <a:p>
             <a:pPr lvl="0"/>
             <a:r>
-              <a:rPr lang="en-US"/>
+              <a:rPr lang="en-US" smtClean="0"/>
               <a:t>Click to edit Master text styles</a:t>
             </a:r>
           </a:p>
@@ -4791,7 +4829,7 @@
           <a:p>
             <a:fld id="{699DC775-C286-4358-8C92-D7E584E969B3}" type="datetimeFigureOut">
               <a:rPr lang="en-US" smtClean="0"/>
-              <a:t>1/23/2017</a:t>
+              <a:t>30-Jun-15</a:t>
             </a:fld>
             <a:endParaRPr lang="en-US"/>
           </a:p>
@@ -4893,9 +4931,10 @@
           <a:lstStyle/>
           <a:p>
             <a:r>
-              <a:rPr lang="en-US"/>
+              <a:rPr lang="en-US" smtClean="0"/>
               <a:t>Click to edit Master title style</a:t>
             </a:r>
+            <a:endParaRPr lang="en-US"/>
           </a:p>
         </p:txBody>
       </p:sp>
@@ -4949,37 +4988,38 @@
           <a:p>
             <a:pPr lvl="0"/>
             <a:r>
-              <a:rPr lang="en-US"/>
+              <a:rPr lang="en-US" smtClean="0"/>
               <a:t>Click to edit Master text styles</a:t>
             </a:r>
           </a:p>
           <a:p>
             <a:pPr lvl="1"/>
             <a:r>
-              <a:rPr lang="en-US"/>
+              <a:rPr lang="en-US" smtClean="0"/>
               <a:t>Second level</a:t>
             </a:r>
           </a:p>
           <a:p>
             <a:pPr lvl="2"/>
             <a:r>
-              <a:rPr lang="en-US"/>
+              <a:rPr lang="en-US" smtClean="0"/>
               <a:t>Third level</a:t>
             </a:r>
           </a:p>
           <a:p>
             <a:pPr lvl="3"/>
             <a:r>
-              <a:rPr lang="en-US"/>
+              <a:rPr lang="en-US" smtClean="0"/>
               <a:t>Fourth level</a:t>
             </a:r>
           </a:p>
           <a:p>
             <a:pPr lvl="4"/>
             <a:r>
-              <a:rPr lang="en-US"/>
+              <a:rPr lang="en-US" smtClean="0"/>
               <a:t>Fifth level</a:t>
             </a:r>
+            <a:endParaRPr lang="en-US"/>
           </a:p>
         </p:txBody>
       </p:sp>
@@ -5033,37 +5073,38 @@
           <a:p>
             <a:pPr lvl="0"/>
             <a:r>
-              <a:rPr lang="en-US"/>
+              <a:rPr lang="en-US" smtClean="0"/>
               <a:t>Click to edit Master text styles</a:t>
             </a:r>
           </a:p>
           <a:p>
             <a:pPr lvl="1"/>
             <a:r>
-              <a:rPr lang="en-US"/>
+              <a:rPr lang="en-US" smtClean="0"/>
               <a:t>Second level</a:t>
             </a:r>
           </a:p>
           <a:p>
             <a:pPr lvl="2"/>
             <a:r>
-              <a:rPr lang="en-US"/>
+              <a:rPr lang="en-US" smtClean="0"/>
               <a:t>Third level</a:t>
             </a:r>
           </a:p>
           <a:p>
             <a:pPr lvl="3"/>
             <a:r>
-              <a:rPr lang="en-US"/>
+              <a:rPr lang="en-US" smtClean="0"/>
               <a:t>Fourth level</a:t>
             </a:r>
           </a:p>
           <a:p>
             <a:pPr lvl="4"/>
             <a:r>
-              <a:rPr lang="en-US"/>
+              <a:rPr lang="en-US" smtClean="0"/>
               <a:t>Fifth level</a:t>
             </a:r>
+            <a:endParaRPr lang="en-US"/>
           </a:p>
         </p:txBody>
       </p:sp>
@@ -5084,7 +5125,7 @@
           <a:p>
             <a:fld id="{699DC775-C286-4358-8C92-D7E584E969B3}" type="datetimeFigureOut">
               <a:rPr lang="en-US" smtClean="0"/>
-              <a:t>1/23/2017</a:t>
+              <a:t>30-Jun-15</a:t>
             </a:fld>
             <a:endParaRPr lang="en-US"/>
           </a:p>
@@ -5190,9 +5231,10 @@
           </a:lstStyle>
           <a:p>
             <a:r>
-              <a:rPr lang="en-US"/>
+              <a:rPr lang="en-US" smtClean="0"/>
               <a:t>Click to edit Master title style</a:t>
             </a:r>
+            <a:endParaRPr lang="en-US"/>
           </a:p>
         </p:txBody>
       </p:sp>
@@ -5255,7 +5297,7 @@
           <a:p>
             <a:pPr lvl="0"/>
             <a:r>
-              <a:rPr lang="en-US"/>
+              <a:rPr lang="en-US" smtClean="0"/>
               <a:t>Click to edit Master text styles</a:t>
             </a:r>
           </a:p>
@@ -5311,37 +5353,38 @@
           <a:p>
             <a:pPr lvl="0"/>
             <a:r>
-              <a:rPr lang="en-US"/>
+              <a:rPr lang="en-US" smtClean="0"/>
               <a:t>Click to edit Master text styles</a:t>
             </a:r>
           </a:p>
           <a:p>
             <a:pPr lvl="1"/>
             <a:r>
-              <a:rPr lang="en-US"/>
+              <a:rPr lang="en-US" smtClean="0"/>
               <a:t>Second level</a:t>
             </a:r>
           </a:p>
           <a:p>
             <a:pPr lvl="2"/>
             <a:r>
-              <a:rPr lang="en-US"/>
+              <a:rPr lang="en-US" smtClean="0"/>
               <a:t>Third level</a:t>
             </a:r>
           </a:p>
           <a:p>
             <a:pPr lvl="3"/>
             <a:r>
-              <a:rPr lang="en-US"/>
+              <a:rPr lang="en-US" smtClean="0"/>
               <a:t>Fourth level</a:t>
             </a:r>
           </a:p>
           <a:p>
             <a:pPr lvl="4"/>
             <a:r>
-              <a:rPr lang="en-US"/>
+              <a:rPr lang="en-US" smtClean="0"/>
               <a:t>Fifth level</a:t>
             </a:r>
+            <a:endParaRPr lang="en-US"/>
           </a:p>
         </p:txBody>
       </p:sp>
@@ -5404,7 +5447,7 @@
           <a:p>
             <a:pPr lvl="0"/>
             <a:r>
-              <a:rPr lang="en-US"/>
+              <a:rPr lang="en-US" smtClean="0"/>
               <a:t>Click to edit Master text styles</a:t>
             </a:r>
           </a:p>
@@ -5460,37 +5503,38 @@
           <a:p>
             <a:pPr lvl="0"/>
             <a:r>
-              <a:rPr lang="en-US"/>
+              <a:rPr lang="en-US" smtClean="0"/>
               <a:t>Click to edit Master text styles</a:t>
             </a:r>
           </a:p>
           <a:p>
             <a:pPr lvl="1"/>
             <a:r>
-              <a:rPr lang="en-US"/>
+              <a:rPr lang="en-US" smtClean="0"/>
               <a:t>Second level</a:t>
             </a:r>
           </a:p>
           <a:p>
             <a:pPr lvl="2"/>
             <a:r>
-              <a:rPr lang="en-US"/>
+              <a:rPr lang="en-US" smtClean="0"/>
               <a:t>Third level</a:t>
             </a:r>
           </a:p>
           <a:p>
             <a:pPr lvl="3"/>
             <a:r>
-              <a:rPr lang="en-US"/>
+              <a:rPr lang="en-US" smtClean="0"/>
               <a:t>Fourth level</a:t>
             </a:r>
           </a:p>
           <a:p>
             <a:pPr lvl="4"/>
             <a:r>
-              <a:rPr lang="en-US"/>
+              <a:rPr lang="en-US" smtClean="0"/>
               <a:t>Fifth level</a:t>
             </a:r>
+            <a:endParaRPr lang="en-US"/>
           </a:p>
         </p:txBody>
       </p:sp>
@@ -5511,7 +5555,7 @@
           <a:p>
             <a:fld id="{699DC775-C286-4358-8C92-D7E584E969B3}" type="datetimeFigureOut">
               <a:rPr lang="en-US" smtClean="0"/>
-              <a:t>1/23/2017</a:t>
+              <a:t>30-Jun-15</a:t>
             </a:fld>
             <a:endParaRPr lang="en-US"/>
           </a:p>
@@ -5614,9 +5658,10 @@
           </a:lstStyle>
           <a:p>
             <a:r>
-              <a:rPr lang="en-US"/>
+              <a:rPr lang="en-US" smtClean="0"/>
               <a:t>Click to edit Master title style</a:t>
             </a:r>
+            <a:endParaRPr lang="en-US"/>
           </a:p>
         </p:txBody>
       </p:sp>
@@ -5733,7 +5778,7 @@
           <a:p>
             <a:pPr lvl="0"/>
             <a:r>
-              <a:rPr lang="en-US"/>
+              <a:rPr lang="en-US" smtClean="0"/>
               <a:t>Click to edit Master text styles</a:t>
             </a:r>
           </a:p>
@@ -5756,7 +5801,7 @@
           <a:p>
             <a:fld id="{699DC775-C286-4358-8C92-D7E584E969B3}" type="datetimeFigureOut">
               <a:rPr lang="en-US" smtClean="0"/>
-              <a:t>1/23/2017</a:t>
+              <a:t>30-Jun-15</a:t>
             </a:fld>
             <a:endParaRPr lang="en-US"/>
           </a:p>
@@ -5858,9 +5903,10 @@
           <a:lstStyle/>
           <a:p>
             <a:r>
-              <a:rPr lang="en-US"/>
+              <a:rPr lang="en-US" smtClean="0"/>
               <a:t>Click to edit Master title style</a:t>
             </a:r>
+            <a:endParaRPr lang="en-US"/>
           </a:p>
         </p:txBody>
       </p:sp>
@@ -5881,7 +5927,7 @@
           <a:p>
             <a:fld id="{699DC775-C286-4358-8C92-D7E584E969B3}" type="datetimeFigureOut">
               <a:rPr lang="en-US" smtClean="0"/>
-              <a:t>1/23/2017</a:t>
+              <a:t>30-Jun-15</a:t>
             </a:fld>
             <a:endParaRPr lang="en-US"/>
           </a:p>
@@ -5984,7 +6030,7 @@
           <a:p>
             <a:fld id="{699DC775-C286-4358-8C92-D7E584E969B3}" type="datetimeFigureOut">
               <a:rPr lang="en-US" smtClean="0"/>
-              <a:t>1/23/2017</a:t>
+              <a:t>30-Jun-15</a:t>
             </a:fld>
             <a:endParaRPr lang="en-US"/>
           </a:p>
@@ -6095,9 +6141,10 @@
           </a:lstStyle>
           <a:p>
             <a:r>
-              <a:rPr lang="en-US"/>
+              <a:rPr lang="en-US" smtClean="0"/>
               <a:t>Click to edit Master title style</a:t>
             </a:r>
+            <a:endParaRPr lang="en-US"/>
           </a:p>
         </p:txBody>
       </p:sp>
@@ -6151,37 +6198,38 @@
           <a:p>
             <a:pPr lvl="0"/>
             <a:r>
-              <a:rPr lang="en-US"/>
+              <a:rPr lang="en-US" smtClean="0"/>
               <a:t>Click to edit Master text styles</a:t>
             </a:r>
           </a:p>
           <a:p>
             <a:pPr lvl="1"/>
             <a:r>
-              <a:rPr lang="en-US"/>
+              <a:rPr lang="en-US" smtClean="0"/>
               <a:t>Second level</a:t>
             </a:r>
           </a:p>
           <a:p>
             <a:pPr lvl="2"/>
             <a:r>
-              <a:rPr lang="en-US"/>
+              <a:rPr lang="en-US" smtClean="0"/>
               <a:t>Third level</a:t>
             </a:r>
           </a:p>
           <a:p>
             <a:pPr lvl="3"/>
             <a:r>
-              <a:rPr lang="en-US"/>
+              <a:rPr lang="en-US" smtClean="0"/>
               <a:t>Fourth level</a:t>
             </a:r>
           </a:p>
           <a:p>
             <a:pPr lvl="4"/>
             <a:r>
-              <a:rPr lang="en-US"/>
+              <a:rPr lang="en-US" smtClean="0"/>
               <a:t>Fifth level</a:t>
             </a:r>
+            <a:endParaRPr lang="en-US"/>
           </a:p>
         </p:txBody>
       </p:sp>
@@ -6244,7 +6292,7 @@
           <a:p>
             <a:pPr lvl="0"/>
             <a:r>
-              <a:rPr lang="en-US"/>
+              <a:rPr lang="en-US" smtClean="0"/>
               <a:t>Click to edit Master text styles</a:t>
             </a:r>
           </a:p>
@@ -6267,7 +6315,7 @@
           <a:p>
             <a:fld id="{699DC775-C286-4358-8C92-D7E584E969B3}" type="datetimeFigureOut">
               <a:rPr lang="en-US" smtClean="0"/>
-              <a:t>1/23/2017</a:t>
+              <a:t>30-Jun-15</a:t>
             </a:fld>
             <a:endParaRPr lang="en-US"/>
           </a:p>
@@ -6378,9 +6426,10 @@
           </a:lstStyle>
           <a:p>
             <a:r>
-              <a:rPr lang="en-US"/>
+              <a:rPr lang="en-US" smtClean="0"/>
               <a:t>Click to edit Master title style</a:t>
             </a:r>
+            <a:endParaRPr lang="en-US"/>
           </a:p>
         </p:txBody>
       </p:sp>
@@ -6504,7 +6553,7 @@
           <a:p>
             <a:pPr lvl="0"/>
             <a:r>
-              <a:rPr lang="en-US"/>
+              <a:rPr lang="en-US" smtClean="0"/>
               <a:t>Click to edit Master text styles</a:t>
             </a:r>
           </a:p>
@@ -6527,7 +6576,7 @@
           <a:p>
             <a:fld id="{699DC775-C286-4358-8C92-D7E584E969B3}" type="datetimeFigureOut">
               <a:rPr lang="en-US" smtClean="0"/>
-              <a:t>1/23/2017</a:t>
+              <a:t>30-Jun-15</a:t>
             </a:fld>
             <a:endParaRPr lang="en-US"/>
           </a:p>
@@ -6629,9 +6678,10 @@
           <a:lstStyle/>
           <a:p>
             <a:r>
-              <a:rPr lang="en-US"/>
+              <a:rPr lang="en-US" smtClean="0"/>
               <a:t>Click to edit Master title style</a:t>
             </a:r>
+            <a:endParaRPr lang="en-US"/>
           </a:p>
         </p:txBody>
       </p:sp>
@@ -6652,37 +6702,38 @@
           <a:p>
             <a:pPr lvl="0"/>
             <a:r>
-              <a:rPr lang="en-US"/>
+              <a:rPr lang="en-US" smtClean="0"/>
               <a:t>Click to edit Master text styles</a:t>
             </a:r>
           </a:p>
           <a:p>
             <a:pPr lvl="1"/>
             <a:r>
-              <a:rPr lang="en-US"/>
+              <a:rPr lang="en-US" smtClean="0"/>
               <a:t>Second level</a:t>
             </a:r>
           </a:p>
           <a:p>
             <a:pPr lvl="2"/>
             <a:r>
-              <a:rPr lang="en-US"/>
+              <a:rPr lang="en-US" smtClean="0"/>
               <a:t>Third level</a:t>
             </a:r>
           </a:p>
           <a:p>
             <a:pPr lvl="3"/>
             <a:r>
-              <a:rPr lang="en-US"/>
+              <a:rPr lang="en-US" smtClean="0"/>
               <a:t>Fourth level</a:t>
             </a:r>
           </a:p>
           <a:p>
             <a:pPr lvl="4"/>
             <a:r>
-              <a:rPr lang="en-US"/>
+              <a:rPr lang="en-US" smtClean="0"/>
               <a:t>Fifth level</a:t>
             </a:r>
+            <a:endParaRPr lang="en-US"/>
           </a:p>
         </p:txBody>
       </p:sp>
@@ -6703,7 +6754,7 @@
           <a:p>
             <a:fld id="{699DC775-C286-4358-8C92-D7E584E969B3}" type="datetimeFigureOut">
               <a:rPr lang="en-US" smtClean="0"/>
-              <a:t>1/23/2017</a:t>
+              <a:t>30-Jun-15</a:t>
             </a:fld>
             <a:endParaRPr lang="en-US"/>
           </a:p>
@@ -6810,9 +6861,10 @@
           <a:lstStyle/>
           <a:p>
             <a:r>
-              <a:rPr lang="en-US"/>
+              <a:rPr lang="en-US" smtClean="0"/>
               <a:t>Click to edit Master title style</a:t>
             </a:r>
+            <a:endParaRPr lang="en-US"/>
           </a:p>
         </p:txBody>
       </p:sp>
@@ -6838,37 +6890,38 @@
           <a:p>
             <a:pPr lvl="0"/>
             <a:r>
-              <a:rPr lang="en-US"/>
+              <a:rPr lang="en-US" smtClean="0"/>
               <a:t>Click to edit Master text styles</a:t>
             </a:r>
           </a:p>
           <a:p>
             <a:pPr lvl="1"/>
             <a:r>
-              <a:rPr lang="en-US"/>
+              <a:rPr lang="en-US" smtClean="0"/>
               <a:t>Second level</a:t>
             </a:r>
           </a:p>
           <a:p>
             <a:pPr lvl="2"/>
             <a:r>
-              <a:rPr lang="en-US"/>
+              <a:rPr lang="en-US" smtClean="0"/>
               <a:t>Third level</a:t>
             </a:r>
           </a:p>
           <a:p>
             <a:pPr lvl="3"/>
             <a:r>
-              <a:rPr lang="en-US"/>
+              <a:rPr lang="en-US" smtClean="0"/>
               <a:t>Fourth level</a:t>
             </a:r>
           </a:p>
           <a:p>
             <a:pPr lvl="4"/>
             <a:r>
-              <a:rPr lang="en-US"/>
+              <a:rPr lang="en-US" smtClean="0"/>
               <a:t>Fifth level</a:t>
             </a:r>
+            <a:endParaRPr lang="en-US"/>
           </a:p>
         </p:txBody>
       </p:sp>
@@ -6889,7 +6942,7 @@
           <a:p>
             <a:fld id="{699DC775-C286-4358-8C92-D7E584E969B3}" type="datetimeFigureOut">
               <a:rPr lang="en-US" smtClean="0"/>
-              <a:t>1/23/2017</a:t>
+              <a:t>30-Jun-15</a:t>
             </a:fld>
             <a:endParaRPr lang="en-US"/>
           </a:p>
@@ -6983,9 +7036,10 @@
           <a:lstStyle/>
           <a:p>
             <a:r>
-              <a:rPr lang="en-US"/>
+              <a:rPr lang="en-US" smtClean="0"/>
               <a:t>Click to edit Master title style</a:t>
             </a:r>
+            <a:endParaRPr lang="en-US"/>
           </a:p>
         </p:txBody>
       </p:sp>
@@ -7006,37 +7060,38 @@
           <a:p>
             <a:pPr lvl="0"/>
             <a:r>
-              <a:rPr lang="en-US"/>
+              <a:rPr lang="en-US" smtClean="0"/>
               <a:t>Click to edit Master text styles</a:t>
             </a:r>
           </a:p>
           <a:p>
             <a:pPr lvl="1"/>
             <a:r>
-              <a:rPr lang="en-US"/>
+              <a:rPr lang="en-US" smtClean="0"/>
               <a:t>Second level</a:t>
             </a:r>
           </a:p>
           <a:p>
             <a:pPr lvl="2"/>
             <a:r>
-              <a:rPr lang="en-US"/>
+              <a:rPr lang="en-US" smtClean="0"/>
               <a:t>Third level</a:t>
             </a:r>
           </a:p>
           <a:p>
             <a:pPr lvl="3"/>
             <a:r>
-              <a:rPr lang="en-US"/>
+              <a:rPr lang="en-US" smtClean="0"/>
               <a:t>Fourth level</a:t>
             </a:r>
           </a:p>
           <a:p>
             <a:pPr lvl="4"/>
             <a:r>
-              <a:rPr lang="en-US"/>
+              <a:rPr lang="en-US" smtClean="0"/>
               <a:t>Fifth level</a:t>
             </a:r>
+            <a:endParaRPr lang="en-US"/>
           </a:p>
         </p:txBody>
       </p:sp>
@@ -7057,7 +7112,7 @@
           <a:p>
             <a:fld id="{699DC775-C286-4358-8C92-D7E584E969B3}" type="datetimeFigureOut">
               <a:rPr lang="en-US" smtClean="0"/>
-              <a:t>1/23/2017</a:t>
+              <a:t>30-Jun-15</a:t>
             </a:fld>
             <a:endParaRPr lang="en-US"/>
           </a:p>
@@ -7151,9 +7206,10 @@
           <a:lstStyle/>
           <a:p>
             <a:r>
-              <a:rPr lang="en-US"/>
+              <a:rPr lang="en-US" smtClean="0"/>
               <a:t>Click to edit Master title style</a:t>
             </a:r>
+            <a:endParaRPr lang="en-US"/>
           </a:p>
         </p:txBody>
       </p:sp>
@@ -7207,37 +7263,38 @@
           <a:p>
             <a:pPr lvl="0"/>
             <a:r>
-              <a:rPr lang="en-US"/>
+              <a:rPr lang="en-US" smtClean="0"/>
               <a:t>Click to edit Master text styles</a:t>
             </a:r>
           </a:p>
           <a:p>
             <a:pPr lvl="1"/>
             <a:r>
-              <a:rPr lang="en-US"/>
+              <a:rPr lang="en-US" smtClean="0"/>
               <a:t>Second level</a:t>
             </a:r>
           </a:p>
           <a:p>
             <a:pPr lvl="2"/>
             <a:r>
-              <a:rPr lang="en-US"/>
+              <a:rPr lang="en-US" smtClean="0"/>
               <a:t>Third level</a:t>
             </a:r>
           </a:p>
           <a:p>
             <a:pPr lvl="3"/>
             <a:r>
-              <a:rPr lang="en-US"/>
+              <a:rPr lang="en-US" smtClean="0"/>
               <a:t>Fourth level</a:t>
             </a:r>
           </a:p>
           <a:p>
             <a:pPr lvl="4"/>
             <a:r>
-              <a:rPr lang="en-US"/>
+              <a:rPr lang="en-US" smtClean="0"/>
               <a:t>Fifth level</a:t>
             </a:r>
+            <a:endParaRPr lang="en-US"/>
           </a:p>
         </p:txBody>
       </p:sp>
@@ -7291,37 +7348,38 @@
           <a:p>
             <a:pPr lvl="0"/>
             <a:r>
-              <a:rPr lang="en-US"/>
+              <a:rPr lang="en-US" smtClean="0"/>
               <a:t>Click to edit Master text styles</a:t>
             </a:r>
           </a:p>
           <a:p>
             <a:pPr lvl="1"/>
             <a:r>
-              <a:rPr lang="en-US"/>
+              <a:rPr lang="en-US" smtClean="0"/>
               <a:t>Second level</a:t>
             </a:r>
           </a:p>
           <a:p>
             <a:pPr lvl="2"/>
             <a:r>
-              <a:rPr lang="en-US"/>
+              <a:rPr lang="en-US" smtClean="0"/>
               <a:t>Third level</a:t>
             </a:r>
           </a:p>
           <a:p>
             <a:pPr lvl="3"/>
             <a:r>
-              <a:rPr lang="en-US"/>
+              <a:rPr lang="en-US" smtClean="0"/>
               <a:t>Fourth level</a:t>
             </a:r>
           </a:p>
           <a:p>
             <a:pPr lvl="4"/>
             <a:r>
-              <a:rPr lang="en-US"/>
+              <a:rPr lang="en-US" smtClean="0"/>
               <a:t>Fifth level</a:t>
             </a:r>
+            <a:endParaRPr lang="en-US"/>
           </a:p>
         </p:txBody>
       </p:sp>
@@ -7342,7 +7400,7 @@
           <a:p>
             <a:fld id="{699DC775-C286-4358-8C92-D7E584E969B3}" type="datetimeFigureOut">
               <a:rPr lang="en-US" smtClean="0"/>
-              <a:t>1/23/2017</a:t>
+              <a:t>30-Jun-15</a:t>
             </a:fld>
             <a:endParaRPr lang="en-US"/>
           </a:p>
@@ -7440,9 +7498,10 @@
           </a:lstStyle>
           <a:p>
             <a:r>
-              <a:rPr lang="en-US"/>
+              <a:rPr lang="en-US" smtClean="0"/>
               <a:t>Click to edit Master title style</a:t>
             </a:r>
+            <a:endParaRPr lang="en-US"/>
           </a:p>
         </p:txBody>
       </p:sp>
@@ -7505,7 +7564,7 @@
           <a:p>
             <a:pPr lvl="0"/>
             <a:r>
-              <a:rPr lang="en-US"/>
+              <a:rPr lang="en-US" smtClean="0"/>
               <a:t>Click to edit Master text styles</a:t>
             </a:r>
           </a:p>
@@ -7561,37 +7620,38 @@
           <a:p>
             <a:pPr lvl="0"/>
             <a:r>
-              <a:rPr lang="en-US"/>
+              <a:rPr lang="en-US" smtClean="0"/>
               <a:t>Click to edit Master text styles</a:t>
             </a:r>
           </a:p>
           <a:p>
             <a:pPr lvl="1"/>
             <a:r>
-              <a:rPr lang="en-US"/>
+              <a:rPr lang="en-US" smtClean="0"/>
               <a:t>Second level</a:t>
             </a:r>
           </a:p>
           <a:p>
             <a:pPr lvl="2"/>
             <a:r>
-              <a:rPr lang="en-US"/>
+              <a:rPr lang="en-US" smtClean="0"/>
               <a:t>Third level</a:t>
             </a:r>
           </a:p>
           <a:p>
             <a:pPr lvl="3"/>
             <a:r>
-              <a:rPr lang="en-US"/>
+              <a:rPr lang="en-US" smtClean="0"/>
               <a:t>Fourth level</a:t>
             </a:r>
           </a:p>
           <a:p>
             <a:pPr lvl="4"/>
             <a:r>
-              <a:rPr lang="en-US"/>
+              <a:rPr lang="en-US" smtClean="0"/>
               <a:t>Fifth level</a:t>
             </a:r>
+            <a:endParaRPr lang="en-US"/>
           </a:p>
         </p:txBody>
       </p:sp>
@@ -7654,7 +7714,7 @@
           <a:p>
             <a:pPr lvl="0"/>
             <a:r>
-              <a:rPr lang="en-US"/>
+              <a:rPr lang="en-US" smtClean="0"/>
               <a:t>Click to edit Master text styles</a:t>
             </a:r>
           </a:p>
@@ -7710,37 +7770,38 @@
           <a:p>
             <a:pPr lvl="0"/>
             <a:r>
-              <a:rPr lang="en-US"/>
+              <a:rPr lang="en-US" smtClean="0"/>
               <a:t>Click to edit Master text styles</a:t>
             </a:r>
           </a:p>
           <a:p>
             <a:pPr lvl="1"/>
             <a:r>
-              <a:rPr lang="en-US"/>
+              <a:rPr lang="en-US" smtClean="0"/>
               <a:t>Second level</a:t>
             </a:r>
           </a:p>
           <a:p>
             <a:pPr lvl="2"/>
             <a:r>
-              <a:rPr lang="en-US"/>
+              <a:rPr lang="en-US" smtClean="0"/>
               <a:t>Third level</a:t>
             </a:r>
           </a:p>
           <a:p>
             <a:pPr lvl="3"/>
             <a:r>
-              <a:rPr lang="en-US"/>
+              <a:rPr lang="en-US" smtClean="0"/>
               <a:t>Fourth level</a:t>
             </a:r>
           </a:p>
           <a:p>
             <a:pPr lvl="4"/>
             <a:r>
-              <a:rPr lang="en-US"/>
+              <a:rPr lang="en-US" smtClean="0"/>
               <a:t>Fifth level</a:t>
             </a:r>
+            <a:endParaRPr lang="en-US"/>
           </a:p>
         </p:txBody>
       </p:sp>
@@ -7761,7 +7822,7 @@
           <a:p>
             <a:fld id="{699DC775-C286-4358-8C92-D7E584E969B3}" type="datetimeFigureOut">
               <a:rPr lang="en-US" smtClean="0"/>
-              <a:t>1/23/2017</a:t>
+              <a:t>30-Jun-15</a:t>
             </a:fld>
             <a:endParaRPr lang="en-US"/>
           </a:p>
@@ -7855,9 +7916,10 @@
           <a:lstStyle/>
           <a:p>
             <a:r>
-              <a:rPr lang="en-US"/>
+              <a:rPr lang="en-US" smtClean="0"/>
               <a:t>Click to edit Master title style</a:t>
             </a:r>
+            <a:endParaRPr lang="en-US"/>
           </a:p>
         </p:txBody>
       </p:sp>
@@ -7878,7 +7940,7 @@
           <a:p>
             <a:fld id="{699DC775-C286-4358-8C92-D7E584E969B3}" type="datetimeFigureOut">
               <a:rPr lang="en-US" smtClean="0"/>
-              <a:t>1/23/2017</a:t>
+              <a:t>30-Jun-15</a:t>
             </a:fld>
             <a:endParaRPr lang="en-US"/>
           </a:p>
@@ -7973,7 +8035,7 @@
           <a:p>
             <a:fld id="{699DC775-C286-4358-8C92-D7E584E969B3}" type="datetimeFigureOut">
               <a:rPr lang="en-US" smtClean="0"/>
-              <a:t>1/23/2017</a:t>
+              <a:t>30-Jun-15</a:t>
             </a:fld>
             <a:endParaRPr lang="en-US"/>
           </a:p>
@@ -8076,9 +8138,10 @@
           </a:lstStyle>
           <a:p>
             <a:r>
-              <a:rPr lang="en-US"/>
+              <a:rPr lang="en-US" smtClean="0"/>
               <a:t>Click to edit Master title style</a:t>
             </a:r>
+            <a:endParaRPr lang="en-US"/>
           </a:p>
         </p:txBody>
       </p:sp>
@@ -8132,37 +8195,38 @@
           <a:p>
             <a:pPr lvl="0"/>
             <a:r>
-              <a:rPr lang="en-US"/>
+              <a:rPr lang="en-US" smtClean="0"/>
               <a:t>Click to edit Master text styles</a:t>
             </a:r>
           </a:p>
           <a:p>
             <a:pPr lvl="1"/>
             <a:r>
-              <a:rPr lang="en-US"/>
+              <a:rPr lang="en-US" smtClean="0"/>
               <a:t>Second level</a:t>
             </a:r>
           </a:p>
           <a:p>
             <a:pPr lvl="2"/>
             <a:r>
-              <a:rPr lang="en-US"/>
+              <a:rPr lang="en-US" smtClean="0"/>
               <a:t>Third level</a:t>
             </a:r>
           </a:p>
           <a:p>
             <a:pPr lvl="3"/>
             <a:r>
-              <a:rPr lang="en-US"/>
+              <a:rPr lang="en-US" smtClean="0"/>
               <a:t>Fourth level</a:t>
             </a:r>
           </a:p>
           <a:p>
             <a:pPr lvl="4"/>
             <a:r>
-              <a:rPr lang="en-US"/>
+              <a:rPr lang="en-US" smtClean="0"/>
               <a:t>Fifth level</a:t>
             </a:r>
+            <a:endParaRPr lang="en-US"/>
           </a:p>
         </p:txBody>
       </p:sp>
@@ -8225,7 +8289,7 @@
           <a:p>
             <a:pPr lvl="0"/>
             <a:r>
-              <a:rPr lang="en-US"/>
+              <a:rPr lang="en-US" smtClean="0"/>
               <a:t>Click to edit Master text styles</a:t>
             </a:r>
           </a:p>
@@ -8248,7 +8312,7 @@
           <a:p>
             <a:fld id="{699DC775-C286-4358-8C92-D7E584E969B3}" type="datetimeFigureOut">
               <a:rPr lang="en-US" smtClean="0"/>
-              <a:t>1/23/2017</a:t>
+              <a:t>30-Jun-15</a:t>
             </a:fld>
             <a:endParaRPr lang="en-US"/>
           </a:p>
@@ -8351,9 +8415,10 @@
           </a:lstStyle>
           <a:p>
             <a:r>
-              <a:rPr lang="en-US"/>
+              <a:rPr lang="en-US" smtClean="0"/>
               <a:t>Click to edit Master title style</a:t>
             </a:r>
+            <a:endParaRPr lang="en-US"/>
           </a:p>
         </p:txBody>
       </p:sp>
@@ -8477,7 +8542,7 @@
           <a:p>
             <a:pPr lvl="0"/>
             <a:r>
-              <a:rPr lang="en-US"/>
+              <a:rPr lang="en-US" smtClean="0"/>
               <a:t>Click to edit Master text styles</a:t>
             </a:r>
           </a:p>
@@ -8500,7 +8565,7 @@
           <a:p>
             <a:fld id="{699DC775-C286-4358-8C92-D7E584E969B3}" type="datetimeFigureOut">
               <a:rPr lang="en-US" smtClean="0"/>
-              <a:t>1/23/2017</a:t>
+              <a:t>30-Jun-15</a:t>
             </a:fld>
             <a:endParaRPr lang="en-US"/>
           </a:p>
@@ -8609,9 +8674,10 @@
           <a:lstStyle/>
           <a:p>
             <a:r>
-              <a:rPr lang="en-US"/>
+              <a:rPr lang="en-US" smtClean="0"/>
               <a:t>Click to edit Master title style</a:t>
             </a:r>
+            <a:endParaRPr lang="en-US"/>
           </a:p>
         </p:txBody>
       </p:sp>
@@ -8642,37 +8708,38 @@
           <a:p>
             <a:pPr lvl="0"/>
             <a:r>
-              <a:rPr lang="en-US"/>
+              <a:rPr lang="en-US" smtClean="0"/>
               <a:t>Click to edit Master text styles</a:t>
             </a:r>
           </a:p>
           <a:p>
             <a:pPr lvl="1"/>
             <a:r>
-              <a:rPr lang="en-US"/>
+              <a:rPr lang="en-US" smtClean="0"/>
               <a:t>Second level</a:t>
             </a:r>
           </a:p>
           <a:p>
             <a:pPr lvl="2"/>
             <a:r>
-              <a:rPr lang="en-US"/>
+              <a:rPr lang="en-US" smtClean="0"/>
               <a:t>Third level</a:t>
             </a:r>
           </a:p>
           <a:p>
             <a:pPr lvl="3"/>
             <a:r>
-              <a:rPr lang="en-US"/>
+              <a:rPr lang="en-US" smtClean="0"/>
               <a:t>Fourth level</a:t>
             </a:r>
           </a:p>
           <a:p>
             <a:pPr lvl="4"/>
             <a:r>
-              <a:rPr lang="en-US"/>
+              <a:rPr lang="en-US" smtClean="0"/>
               <a:t>Fifth level</a:t>
             </a:r>
+            <a:endParaRPr lang="en-US"/>
           </a:p>
         </p:txBody>
       </p:sp>
@@ -8711,7 +8778,7 @@
           <a:p>
             <a:fld id="{699DC775-C286-4358-8C92-D7E584E969B3}" type="datetimeFigureOut">
               <a:rPr lang="en-US" smtClean="0"/>
-              <a:t>1/23/2017</a:t>
+              <a:t>30-Jun-15</a:t>
             </a:fld>
             <a:endParaRPr lang="en-US"/>
           </a:p>
@@ -9123,9 +9190,10 @@
           <a:lstStyle/>
           <a:p>
             <a:r>
-              <a:rPr lang="en-US"/>
+              <a:rPr lang="en-US" smtClean="0"/>
               <a:t>Click to edit Master title style</a:t>
             </a:r>
+            <a:endParaRPr lang="en-US"/>
           </a:p>
         </p:txBody>
       </p:sp>
@@ -9156,37 +9224,38 @@
           <a:p>
             <a:pPr lvl="0"/>
             <a:r>
-              <a:rPr lang="en-US"/>
+              <a:rPr lang="en-US" smtClean="0"/>
               <a:t>Click to edit Master text styles</a:t>
             </a:r>
           </a:p>
           <a:p>
             <a:pPr lvl="1"/>
             <a:r>
-              <a:rPr lang="en-US"/>
+              <a:rPr lang="en-US" smtClean="0"/>
               <a:t>Second level</a:t>
             </a:r>
           </a:p>
           <a:p>
             <a:pPr lvl="2"/>
             <a:r>
-              <a:rPr lang="en-US"/>
+              <a:rPr lang="en-US" smtClean="0"/>
               <a:t>Third level</a:t>
             </a:r>
           </a:p>
           <a:p>
             <a:pPr lvl="3"/>
             <a:r>
-              <a:rPr lang="en-US"/>
+              <a:rPr lang="en-US" smtClean="0"/>
               <a:t>Fourth level</a:t>
             </a:r>
           </a:p>
           <a:p>
             <a:pPr lvl="4"/>
             <a:r>
-              <a:rPr lang="en-US"/>
+              <a:rPr lang="en-US" smtClean="0"/>
               <a:t>Fifth level</a:t>
             </a:r>
+            <a:endParaRPr lang="en-US"/>
           </a:p>
         </p:txBody>
       </p:sp>
@@ -9225,7 +9294,7 @@
           <a:p>
             <a:fld id="{699DC775-C286-4358-8C92-D7E584E969B3}" type="datetimeFigureOut">
               <a:rPr lang="en-US" smtClean="0"/>
-              <a:t>1/23/2017</a:t>
+              <a:t>30-Jun-15</a:t>
             </a:fld>
             <a:endParaRPr lang="en-US"/>
           </a:p>
@@ -9635,9 +9704,10 @@
           <a:lstStyle/>
           <a:p>
             <a:r>
-              <a:rPr lang="en-US" dirty="0"/>
+              <a:rPr lang="en-US" dirty="0" smtClean="0"/>
               <a:t>Click to edit Master title style</a:t>
             </a:r>
+            <a:endParaRPr lang="en-US" dirty="0"/>
           </a:p>
         </p:txBody>
       </p:sp>
@@ -9668,37 +9738,38 @@
           <a:p>
             <a:pPr lvl="0"/>
             <a:r>
-              <a:rPr lang="en-US"/>
+              <a:rPr lang="en-US" smtClean="0"/>
               <a:t>Click to edit Master text styles</a:t>
             </a:r>
           </a:p>
           <a:p>
             <a:pPr lvl="1"/>
             <a:r>
-              <a:rPr lang="en-US"/>
+              <a:rPr lang="en-US" smtClean="0"/>
               <a:t>Second level</a:t>
             </a:r>
           </a:p>
           <a:p>
             <a:pPr lvl="2"/>
             <a:r>
-              <a:rPr lang="en-US"/>
+              <a:rPr lang="en-US" smtClean="0"/>
               <a:t>Third level</a:t>
             </a:r>
           </a:p>
           <a:p>
             <a:pPr lvl="3"/>
             <a:r>
-              <a:rPr lang="en-US"/>
+              <a:rPr lang="en-US" smtClean="0"/>
               <a:t>Fourth level</a:t>
             </a:r>
           </a:p>
           <a:p>
             <a:pPr lvl="4"/>
             <a:r>
-              <a:rPr lang="en-US"/>
+              <a:rPr lang="en-US" smtClean="0"/>
               <a:t>Fifth level</a:t>
             </a:r>
+            <a:endParaRPr lang="en-US"/>
           </a:p>
         </p:txBody>
       </p:sp>
@@ -9737,7 +9808,7 @@
           <a:p>
             <a:fld id="{699DC775-C286-4358-8C92-D7E584E969B3}" type="datetimeFigureOut">
               <a:rPr lang="en-US" smtClean="0"/>
-              <a:t>1/23/2017</a:t>
+              <a:t>30-Jun-15</a:t>
             </a:fld>
             <a:endParaRPr lang="en-US"/>
           </a:p>
@@ -10139,7 +10210,7 @@
           <a:p>
             <a:pPr algn="ctr"/>
             <a:r>
-              <a:rPr lang="en-US" b="1">
+              <a:rPr lang="en-US" b="1" smtClean="0">
                 <a:solidFill>
                   <a:srgbClr val="FFFF00"/>
                 </a:solidFill>
@@ -10150,13 +10221,18 @@
           <a:p>
             <a:pPr algn="ctr"/>
             <a:r>
-              <a:rPr lang="en-US">
+              <a:rPr lang="en-US" smtClean="0">
                 <a:solidFill>
                   <a:srgbClr val="FFFFFF"/>
                 </a:solidFill>
               </a:rPr>
               <a:t>Adjust the design of this slide and click the 'Sync Agenda' (in Agenda Lab) to replicate the design in the other slides.</a:t>
             </a:r>
+            <a:endParaRPr lang="en-US">
+              <a:solidFill>
+                <a:srgbClr val="FFFFFF"/>
+              </a:solidFill>
+            </a:endParaRPr>
           </a:p>
         </p:txBody>
       </p:sp>
@@ -10176,9 +10252,10 @@
           <a:lstStyle/>
           <a:p>
             <a:r>
-              <a:rPr lang="en-US"/>
+              <a:rPr lang="en-US" smtClean="0"/>
               <a:t>Agenda</a:t>
             </a:r>
+            <a:endParaRPr lang="en-US"/>
           </a:p>
         </p:txBody>
       </p:sp>
@@ -10198,7 +10275,7 @@
           <a:lstStyle/>
           <a:p>
             <a:r>
-              <a:rPr lang="en-US">
+              <a:rPr lang="en-US" smtClean="0">
                 <a:solidFill>
                   <a:srgbClr val="808080"/>
                 </a:solidFill>
@@ -10208,7 +10285,7 @@
           </a:p>
           <a:p>
             <a:r>
-              <a:rPr lang="en-US">
+              <a:rPr lang="en-US" smtClean="0">
                 <a:solidFill>
                   <a:srgbClr val="FF0000"/>
                 </a:solidFill>
@@ -10218,13 +10295,18 @@
           </a:p>
           <a:p>
             <a:r>
-              <a:rPr lang="en-US">
+              <a:rPr lang="en-US" smtClean="0">
                 <a:solidFill>
                   <a:srgbClr val="000000"/>
                 </a:solidFill>
               </a:rPr>
               <a:t>Unvisited bullet format</a:t>
             </a:r>
+            <a:endParaRPr lang="en-US">
+              <a:solidFill>
+                <a:srgbClr val="000000"/>
+              </a:solidFill>
+            </a:endParaRPr>
           </a:p>
         </p:txBody>
       </p:sp>
@@ -10238,13 +10320,13 @@
   <p:clrMapOvr>
     <a:masterClrMapping/>
   </p:clrMapOvr>
-  <mc:AlternateContent xmlns:mc="http://schemas.openxmlformats.org/markup-compatibility/2006" xmlns:p14="http://schemas.microsoft.com/office/powerpoint/2010/main">
-    <mc:Choice Requires="p14">
+  <mc:AlternateContent xmlns:mc="http://schemas.openxmlformats.org/markup-compatibility/2006">
+    <mc:Choice xmlns:p14="http://schemas.microsoft.com/office/powerpoint/2010/main" Requires="p14">
       <p:transition spd="slow" p14:dur="800">
         <p:push dir="u"/>
       </p:transition>
     </mc:Choice>
-    <mc:Fallback xmlns="">
+    <mc:Fallback>
       <p:transition spd="slow">
         <p:push dir="u"/>
       </p:transition>
@@ -10558,24 +10640,30 @@
           <a:p>
             <a:pPr lvl="0"/>
             <a:r>
-              <a:rPr lang="en-US"/>
+              <a:rPr lang="en-US" smtClean="0"/>
               <a:t>One Slide</a:t>
             </a:r>
+            <a:endParaRPr lang="en-US"/>
           </a:p>
           <a:p>
             <a:pPr lvl="0"/>
             <a:r>
-              <a:rPr lang="en-US">
+              <a:rPr lang="en-US" smtClean="0">
                 <a:solidFill>
                   <a:srgbClr val="FF0000"/>
                 </a:solidFill>
               </a:rPr>
               <a:t>Two Slides</a:t>
             </a:r>
-          </a:p>
-          <a:p>
-            <a:r>
-              <a:rPr lang="en-US">
+            <a:endParaRPr lang="en-US">
+              <a:solidFill>
+                <a:srgbClr val="FF0000"/>
+              </a:solidFill>
+            </a:endParaRPr>
+          </a:p>
+          <a:p>
+            <a:r>
+              <a:rPr lang="en-US" smtClean="0">
                 <a:solidFill>
                   <a:srgbClr val="000000"/>
                 </a:solidFill>
@@ -10585,7 +10673,7 @@
           </a:p>
           <a:p>
             <a:r>
-              <a:rPr lang="en-US">
+              <a:rPr lang="en-US" smtClean="0">
                 <a:solidFill>
                   <a:srgbClr val="000000"/>
                 </a:solidFill>
@@ -10595,7 +10683,7 @@
           </a:p>
           <a:p>
             <a:r>
-              <a:rPr lang="ja-JP" altLang="en-US">
+              <a:rPr lang="ja-JP" altLang="en-US" smtClean="0">
                 <a:solidFill>
                   <a:srgbClr val="000000"/>
                 </a:solidFill>
@@ -10603,7 +10691,7 @@
               <a:t>あいうえお</a:t>
             </a:r>
             <a:r>
-              <a:rPr lang="en-US">
+              <a:rPr lang="en-US" smtClean="0">
                 <a:solidFill>
                   <a:srgbClr val="000000"/>
                 </a:solidFill>
@@ -10624,13 +10712,13 @@
   <p:clrMapOvr>
     <a:masterClrMapping/>
   </p:clrMapOvr>
-  <mc:AlternateContent xmlns:mc="http://schemas.openxmlformats.org/markup-compatibility/2006" xmlns:p14="http://schemas.microsoft.com/office/powerpoint/2010/main">
-    <mc:Choice Requires="p14">
+  <mc:AlternateContent xmlns:mc="http://schemas.openxmlformats.org/markup-compatibility/2006">
+    <mc:Choice xmlns:p14="http://schemas.microsoft.com/office/powerpoint/2010/main" Requires="p14">
       <p:transition spd="slow" p14:dur="800">
         <p:push dir="u"/>
       </p:transition>
     </mc:Choice>
-    <mc:Fallback xmlns="">
+    <mc:Fallback>
       <p:transition spd="slow">
         <p:push dir="u"/>
       </p:transition>
@@ -10940,31 +11028,38 @@
           <a:p>
             <a:pPr lvl="0"/>
             <a:r>
-              <a:rPr lang="en-US"/>
+              <a:rPr lang="en-US" smtClean="0"/>
               <a:t>One Slide</a:t>
             </a:r>
+            <a:endParaRPr lang="en-US"/>
           </a:p>
           <a:p>
             <a:pPr lvl="0"/>
             <a:r>
-              <a:rPr lang="en-US"/>
+              <a:rPr lang="en-US" smtClean="0"/>
               <a:t>Two Slides</a:t>
             </a:r>
+            <a:endParaRPr lang="en-US"/>
           </a:p>
           <a:p>
             <a:pPr lvl="0"/>
             <a:r>
-              <a:rPr lang="en-US">
+              <a:rPr lang="en-US" smtClean="0">
                 <a:solidFill>
                   <a:srgbClr val="FF0000"/>
                 </a:solidFill>
               </a:rPr>
               <a:t>Same Name</a:t>
             </a:r>
-          </a:p>
-          <a:p>
-            <a:r>
-              <a:rPr lang="en-US">
+            <a:endParaRPr lang="en-US">
+              <a:solidFill>
+                <a:srgbClr val="FF0000"/>
+              </a:solidFill>
+            </a:endParaRPr>
+          </a:p>
+          <a:p>
+            <a:r>
+              <a:rPr lang="en-US" smtClean="0">
                 <a:solidFill>
                   <a:srgbClr val="000000"/>
                 </a:solidFill>
@@ -10974,7 +11069,7 @@
           </a:p>
           <a:p>
             <a:r>
-              <a:rPr lang="ja-JP" altLang="en-US">
+              <a:rPr lang="ja-JP" altLang="en-US" smtClean="0">
                 <a:solidFill>
                   <a:srgbClr val="000000"/>
                 </a:solidFill>
@@ -10982,7 +11077,7 @@
               <a:t>あいうえお</a:t>
             </a:r>
             <a:r>
-              <a:rPr lang="en-US">
+              <a:rPr lang="en-US" smtClean="0">
                 <a:solidFill>
                   <a:srgbClr val="000000"/>
                 </a:solidFill>
@@ -11003,13 +11098,13 @@
   <p:clrMapOvr>
     <a:masterClrMapping/>
   </p:clrMapOvr>
-  <mc:AlternateContent xmlns:mc="http://schemas.openxmlformats.org/markup-compatibility/2006" xmlns:p14="http://schemas.microsoft.com/office/powerpoint/2010/main">
-    <mc:Choice Requires="p14">
+  <mc:AlternateContent xmlns:mc="http://schemas.openxmlformats.org/markup-compatibility/2006">
+    <mc:Choice xmlns:p14="http://schemas.microsoft.com/office/powerpoint/2010/main" Requires="p14">
       <p:transition p14:dur="250">
         <p:fade/>
       </p:transition>
     </mc:Choice>
-    <mc:Fallback xmlns="">
+    <mc:Fallback>
       <p:transition>
         <p:fade/>
       </p:transition>
@@ -11277,9 +11372,10 @@
           </a:lstStyle>
           <a:p>
             <a:r>
-              <a:rPr lang="en-US" dirty="0"/>
+              <a:rPr lang="en-US" dirty="0" smtClean="0"/>
               <a:t>Pattern</a:t>
             </a:r>
+            <a:endParaRPr lang="en-US" dirty="0"/>
           </a:p>
         </p:txBody>
       </p:sp>
@@ -11293,18 +11389,25 @@
   <p:clrMapOvr>
     <a:masterClrMapping/>
   </p:clrMapOvr>
-  <mc:AlternateContent xmlns:mc="http://schemas.openxmlformats.org/markup-compatibility/2006" xmlns:p14="http://schemas.microsoft.com/office/powerpoint/2010/main">
-    <mc:Choice Requires="p14">
+  <mc:AlternateContent xmlns:mc="http://schemas.openxmlformats.org/markup-compatibility/2006">
+    <mc:Choice xmlns:p14="http://schemas.microsoft.com/office/powerpoint/2010/main" Requires="p14">
       <p:transition spd="slow" p14:dur="800">
         <p:push dir="u"/>
       </p:transition>
     </mc:Choice>
-    <mc:Fallback xmlns="">
+    <mc:Fallback>
       <p:transition spd="slow">
         <p:push dir="u"/>
       </p:transition>
     </mc:Fallback>
   </mc:AlternateContent>
+  <p:timing>
+    <p:tnLst>
+      <p:par>
+        <p:cTn id="1" dur="indefinite" restart="never" nodeType="tmRoot"/>
+      </p:par>
+    </p:tnLst>
+  </p:timing>
 </p:sld>
 </file>
 
@@ -11335,6 +11438,13 @@
   <p:clrMapOvr>
     <a:masterClrMapping/>
   </p:clrMapOvr>
+  <p:timing>
+    <p:tnLst>
+      <p:par>
+        <p:cTn id="1" dur="indefinite" restart="never" nodeType="tmRoot"/>
+      </p:par>
+    </p:tnLst>
+  </p:timing>
 </p:sld>
 </file>
 
@@ -11534,31 +11644,38 @@
           <a:p>
             <a:pPr lvl="0"/>
             <a:r>
-              <a:rPr lang="en-US"/>
+              <a:rPr lang="en-US" smtClean="0"/>
               <a:t>One Slide</a:t>
             </a:r>
+            <a:endParaRPr lang="en-US"/>
           </a:p>
           <a:p>
             <a:pPr lvl="0"/>
             <a:r>
-              <a:rPr lang="en-US"/>
+              <a:rPr lang="en-US" smtClean="0"/>
               <a:t>Two Slides</a:t>
             </a:r>
+            <a:endParaRPr lang="en-US"/>
           </a:p>
           <a:p>
             <a:pPr lvl="0"/>
             <a:r>
-              <a:rPr lang="en-US">
+              <a:rPr lang="en-US" smtClean="0">
                 <a:solidFill>
                   <a:srgbClr val="FF0000"/>
                 </a:solidFill>
               </a:rPr>
               <a:t>Same Name</a:t>
             </a:r>
-          </a:p>
-          <a:p>
-            <a:r>
-              <a:rPr lang="en-US">
+            <a:endParaRPr lang="en-US">
+              <a:solidFill>
+                <a:srgbClr val="FF0000"/>
+              </a:solidFill>
+            </a:endParaRPr>
+          </a:p>
+          <a:p>
+            <a:r>
+              <a:rPr lang="en-US" smtClean="0">
                 <a:solidFill>
                   <a:srgbClr val="000000"/>
                 </a:solidFill>
@@ -11568,7 +11685,7 @@
           </a:p>
           <a:p>
             <a:r>
-              <a:rPr lang="ja-JP" altLang="en-US">
+              <a:rPr lang="ja-JP" altLang="en-US" smtClean="0">
                 <a:solidFill>
                   <a:srgbClr val="000000"/>
                 </a:solidFill>
@@ -11576,7 +11693,7 @@
               <a:t>あいうえお</a:t>
             </a:r>
             <a:r>
-              <a:rPr lang="en-US">
+              <a:rPr lang="en-US" smtClean="0">
                 <a:solidFill>
                   <a:srgbClr val="000000"/>
                 </a:solidFill>
@@ -11597,13 +11714,13 @@
   <p:clrMapOvr>
     <a:masterClrMapping/>
   </p:clrMapOvr>
-  <mc:AlternateContent xmlns:mc="http://schemas.openxmlformats.org/markup-compatibility/2006" xmlns:p14="http://schemas.microsoft.com/office/powerpoint/2010/main">
-    <mc:Choice Requires="p14">
+  <mc:AlternateContent xmlns:mc="http://schemas.openxmlformats.org/markup-compatibility/2006">
+    <mc:Choice xmlns:p14="http://schemas.microsoft.com/office/powerpoint/2010/main" Requires="p14">
       <p:transition spd="slow" p14:dur="800">
         <p:push dir="u"/>
       </p:transition>
     </mc:Choice>
-    <mc:Fallback xmlns="">
+    <mc:Fallback>
       <p:transition spd="slow">
         <p:push dir="u"/>
       </p:transition>
@@ -11913,38 +12030,46 @@
           <a:p>
             <a:pPr lvl="0"/>
             <a:r>
-              <a:rPr lang="en-US"/>
+              <a:rPr lang="en-US" smtClean="0"/>
               <a:t>One Slide</a:t>
             </a:r>
+            <a:endParaRPr lang="en-US"/>
           </a:p>
           <a:p>
             <a:pPr lvl="0"/>
             <a:r>
-              <a:rPr lang="en-US"/>
+              <a:rPr lang="en-US" smtClean="0"/>
               <a:t>Two Slides</a:t>
             </a:r>
+            <a:endParaRPr lang="en-US"/>
           </a:p>
           <a:p>
             <a:pPr lvl="0"/>
             <a:r>
-              <a:rPr lang="en-US"/>
+              <a:rPr lang="en-US" smtClean="0"/>
               <a:t>Same Name</a:t>
             </a:r>
+            <a:endParaRPr lang="en-US"/>
           </a:p>
           <a:p>
             <a:pPr lvl="0"/>
             <a:r>
-              <a:rPr lang="en-US">
+              <a:rPr lang="en-US" smtClean="0">
                 <a:solidFill>
                   <a:srgbClr val="FF0000"/>
                 </a:solidFill>
               </a:rPr>
               <a:t>Same Name</a:t>
             </a:r>
-          </a:p>
-          <a:p>
-            <a:r>
-              <a:rPr lang="ja-JP" altLang="en-US">
+            <a:endParaRPr lang="en-US">
+              <a:solidFill>
+                <a:srgbClr val="FF0000"/>
+              </a:solidFill>
+            </a:endParaRPr>
+          </a:p>
+          <a:p>
+            <a:r>
+              <a:rPr lang="ja-JP" altLang="en-US" smtClean="0">
                 <a:solidFill>
                   <a:srgbClr val="000000"/>
                 </a:solidFill>
@@ -11952,7 +12077,7 @@
               <a:t>あいうえお</a:t>
             </a:r>
             <a:r>
-              <a:rPr lang="en-US">
+              <a:rPr lang="en-US" smtClean="0">
                 <a:solidFill>
                   <a:srgbClr val="000000"/>
                 </a:solidFill>
@@ -11973,13 +12098,13 @@
   <p:clrMapOvr>
     <a:masterClrMapping/>
   </p:clrMapOvr>
-  <mc:AlternateContent xmlns:mc="http://schemas.openxmlformats.org/markup-compatibility/2006" xmlns:p14="http://schemas.microsoft.com/office/powerpoint/2010/main">
-    <mc:Choice Requires="p14">
+  <mc:AlternateContent xmlns:mc="http://schemas.openxmlformats.org/markup-compatibility/2006">
+    <mc:Choice xmlns:p14="http://schemas.microsoft.com/office/powerpoint/2010/main" Requires="p14">
       <p:transition p14:dur="250">
         <p:fade/>
       </p:transition>
     </mc:Choice>
-    <mc:Fallback xmlns="">
+    <mc:Fallback>
       <p:transition>
         <p:fade/>
       </p:transition>
@@ -12163,7 +12288,7 @@
           <a:lstStyle/>
           <a:p>
             <a:r>
-              <a:rPr lang="en-US" sz="6000" dirty="0"/>
+              <a:rPr lang="en-US" sz="6000" dirty="0" smtClean="0"/>
               <a:t>Test Image</a:t>
             </a:r>
             <a:endParaRPr lang="en-SG" sz="6000" dirty="0"/>
@@ -12180,18 +12305,25 @@
   <p:clrMapOvr>
     <a:masterClrMapping/>
   </p:clrMapOvr>
-  <mc:AlternateContent xmlns:mc="http://schemas.openxmlformats.org/markup-compatibility/2006" xmlns:p14="http://schemas.microsoft.com/office/powerpoint/2010/main">
-    <mc:Choice Requires="p14">
+  <mc:AlternateContent xmlns:mc="http://schemas.openxmlformats.org/markup-compatibility/2006">
+    <mc:Choice xmlns:p14="http://schemas.microsoft.com/office/powerpoint/2010/main" Requires="p14">
       <p:transition spd="slow" p14:dur="800">
         <p:push dir="u"/>
       </p:transition>
     </mc:Choice>
-    <mc:Fallback xmlns="">
+    <mc:Fallback>
       <p:transition spd="slow">
         <p:push dir="u"/>
       </p:transition>
     </mc:Fallback>
   </mc:AlternateContent>
+  <p:timing>
+    <p:tnLst>
+      <p:par>
+        <p:cTn id="1" dur="indefinite" restart="never" nodeType="tmRoot"/>
+      </p:par>
+    </p:tnLst>
+  </p:timing>
 </p:sld>
 </file>
 
@@ -12235,7 +12367,7 @@
           <a:lstStyle/>
           <a:p>
             <a:r>
-              <a:rPr lang="en-US" sz="6000" dirty="0"/>
+              <a:rPr lang="en-US" sz="6000" dirty="0" smtClean="0"/>
               <a:t>A long section</a:t>
             </a:r>
             <a:endParaRPr lang="en-SG" sz="6000" dirty="0"/>
@@ -12252,6 +12384,13 @@
   <p:clrMapOvr>
     <a:masterClrMapping/>
   </p:clrMapOvr>
+  <p:timing>
+    <p:tnLst>
+      <p:par>
+        <p:cTn id="1" dur="indefinite" restart="never" nodeType="tmRoot"/>
+      </p:par>
+    </p:tnLst>
+  </p:timing>
 </p:sld>
 </file>
 
@@ -12290,6 +12429,13 @@
   <p:clrMapOvr>
     <a:masterClrMapping/>
   </p:clrMapOvr>
+  <p:timing>
+    <p:tnLst>
+      <p:par>
+        <p:cTn id="1" dur="indefinite" restart="never" nodeType="tmRoot"/>
+      </p:par>
+    </p:tnLst>
+  </p:timing>
 </p:sld>
 </file>
 
@@ -12329,6 +12475,13 @@
   <p:clrMapOvr>
     <a:masterClrMapping/>
   </p:clrMapOvr>
+  <p:timing>
+    <p:tnLst>
+      <p:par>
+        <p:cTn id="1" dur="indefinite" restart="never" nodeType="tmRoot"/>
+      </p:par>
+    </p:tnLst>
+  </p:timing>
 </p:sld>
 </file>
 
@@ -12367,7 +12520,7 @@
           <a:lstStyle/>
           <a:p>
             <a:r>
-              <a:rPr lang="en-US" sz="5400" b="1" dirty="0" err="1">
+              <a:rPr lang="en-US" sz="5400" b="1" dirty="0" err="1" smtClean="0">
                 <a:solidFill>
                   <a:schemeClr val="accent6">
                     <a:lumMod val="75000"/>
@@ -12377,7 +12530,7 @@
               <a:t>PowerPointLabs</a:t>
             </a:r>
             <a:r>
-              <a:rPr lang="en-US" sz="5400" b="1" dirty="0">
+              <a:rPr lang="en-US" sz="5400" b="1" dirty="0" smtClean="0">
                 <a:solidFill>
                   <a:schemeClr val="accent6">
                     <a:lumMod val="75000"/>
@@ -12415,42 +12568,95 @@
               <a:buNone/>
             </a:pPr>
             <a:r>
+              <a:rPr lang="en-US" b="1" dirty="0" smtClean="0">
+                <a:solidFill>
+                  <a:srgbClr val="0070C0"/>
+                </a:solidFill>
+              </a:rPr>
+              <a:t>General instructions:</a:t>
+            </a:r>
+          </a:p>
+          <a:p>
+            <a:pPr marL="285750" indent="-285750"/>
+            <a:r>
+              <a:rPr lang="en-US" b="1" dirty="0" smtClean="0">
+                <a:solidFill>
+                  <a:srgbClr val="0070C0"/>
+                </a:solidFill>
+              </a:rPr>
+              <a:t>DO </a:t>
+            </a:r>
+            <a:r>
               <a:rPr lang="en-US" b="1" dirty="0">
                 <a:solidFill>
                   <a:srgbClr val="0070C0"/>
                 </a:solidFill>
               </a:rPr>
-              <a:t>General instructions:</a:t>
-            </a:r>
-          </a:p>
-          <a:p>
-            <a:pPr marL="285750" indent="-285750"/>
-            <a:r>
-              <a:rPr lang="en-US" b="1" dirty="0">
+              <a:t>NOT SAVE </a:t>
+            </a:r>
+            <a:r>
+              <a:rPr lang="en-US" dirty="0" smtClean="0">
                 <a:solidFill>
                   <a:srgbClr val="0070C0"/>
                 </a:solidFill>
               </a:rPr>
-              <a:t>DO NOT SAVE </a:t>
-            </a:r>
+              <a:t>these slides after testing. Keep this file in its original form.</a:t>
+            </a:r>
+            <a:endParaRPr lang="en-US" dirty="0">
+              <a:solidFill>
+                <a:srgbClr val="0070C0"/>
+              </a:solidFill>
+            </a:endParaRPr>
+          </a:p>
+          <a:p>
+            <a:pPr marL="285750" indent="-285750"/>
             <a:r>
               <a:rPr lang="en-US" dirty="0">
                 <a:solidFill>
                   <a:srgbClr val="0070C0"/>
                 </a:solidFill>
               </a:rPr>
-              <a:t>these slides after testing. Keep this file in its original form.</a:t>
-            </a:r>
-          </a:p>
-          <a:p>
-            <a:pPr marL="285750" indent="-285750"/>
+              <a:t>If </a:t>
+            </a:r>
+            <a:r>
+              <a:rPr lang="en-US" dirty="0" smtClean="0">
+                <a:solidFill>
+                  <a:srgbClr val="0070C0"/>
+                </a:solidFill>
+              </a:rPr>
+              <a:t>your </a:t>
+            </a:r>
             <a:r>
               <a:rPr lang="en-US" dirty="0">
                 <a:solidFill>
                   <a:srgbClr val="0070C0"/>
                 </a:solidFill>
               </a:rPr>
-              <a:t>If your result is different from the expected output, please submit a bug report (attach slides/screenshots as necessary).</a:t>
+              <a:t>result </a:t>
+            </a:r>
+            <a:r>
+              <a:rPr lang="en-US" dirty="0" smtClean="0">
+                <a:solidFill>
+                  <a:srgbClr val="0070C0"/>
+                </a:solidFill>
+              </a:rPr>
+              <a:t>is different from the </a:t>
+            </a:r>
+            <a:r>
+              <a:rPr lang="en-US" dirty="0">
+                <a:solidFill>
+                  <a:srgbClr val="0070C0"/>
+                </a:solidFill>
+              </a:rPr>
+              <a:t>expected output, </a:t>
+            </a:r>
+            <a:r>
+              <a:rPr lang="en-US" dirty="0" smtClean="0">
+                <a:solidFill>
+                  <a:srgbClr val="0070C0"/>
+                </a:solidFill>
+              </a:rPr>
+              <a:t>please submit a bug report (attach slides/screenshots as necessary).</a:t>
             </a:r>
             <a:endParaRPr lang="en-SG" dirty="0">
               <a:solidFill>
@@ -12473,6 +12679,13 @@
   <p:clrMapOvr>
     <a:masterClrMapping/>
   </p:clrMapOvr>
+  <p:timing>
+    <p:tnLst>
+      <p:par>
+        <p:cTn id="1" dur="indefinite" restart="never" nodeType="tmRoot"/>
+      </p:par>
+    </p:tnLst>
+  </p:timing>
 </p:sld>
 </file>
 
@@ -12503,6 +12716,13 @@
   <p:clrMapOvr>
     <a:masterClrMapping/>
   </p:clrMapOvr>
+  <p:timing>
+    <p:tnLst>
+      <p:par>
+        <p:cTn id="1" dur="indefinite" restart="never" nodeType="tmRoot"/>
+      </p:par>
+    </p:tnLst>
+  </p:timing>
 </p:sld>
 </file>
 
@@ -12702,38 +12922,46 @@
           <a:p>
             <a:pPr lvl="0"/>
             <a:r>
-              <a:rPr lang="en-US"/>
+              <a:rPr lang="en-US" smtClean="0"/>
               <a:t>One Slide</a:t>
             </a:r>
+            <a:endParaRPr lang="en-US"/>
           </a:p>
           <a:p>
             <a:pPr lvl="0"/>
             <a:r>
-              <a:rPr lang="en-US"/>
+              <a:rPr lang="en-US" smtClean="0"/>
               <a:t>Two Slides</a:t>
             </a:r>
+            <a:endParaRPr lang="en-US"/>
           </a:p>
           <a:p>
             <a:pPr lvl="0"/>
             <a:r>
-              <a:rPr lang="en-US"/>
+              <a:rPr lang="en-US" smtClean="0"/>
               <a:t>Same Name</a:t>
             </a:r>
+            <a:endParaRPr lang="en-US"/>
           </a:p>
           <a:p>
             <a:pPr lvl="0"/>
             <a:r>
-              <a:rPr lang="en-US">
+              <a:rPr lang="en-US" smtClean="0">
                 <a:solidFill>
                   <a:srgbClr val="FF0000"/>
                 </a:solidFill>
               </a:rPr>
               <a:t>Same Name</a:t>
             </a:r>
-          </a:p>
-          <a:p>
-            <a:r>
-              <a:rPr lang="ja-JP" altLang="en-US">
+            <a:endParaRPr lang="en-US">
+              <a:solidFill>
+                <a:srgbClr val="FF0000"/>
+              </a:solidFill>
+            </a:endParaRPr>
+          </a:p>
+          <a:p>
+            <a:r>
+              <a:rPr lang="ja-JP" altLang="en-US" smtClean="0">
                 <a:solidFill>
                   <a:srgbClr val="000000"/>
                 </a:solidFill>
@@ -12741,7 +12969,7 @@
               <a:t>あいうえお</a:t>
             </a:r>
             <a:r>
-              <a:rPr lang="en-US">
+              <a:rPr lang="en-US" smtClean="0">
                 <a:solidFill>
                   <a:srgbClr val="000000"/>
                 </a:solidFill>
@@ -12762,13 +12990,13 @@
   <p:clrMapOvr>
     <a:masterClrMapping/>
   </p:clrMapOvr>
-  <mc:AlternateContent xmlns:mc="http://schemas.openxmlformats.org/markup-compatibility/2006" xmlns:p14="http://schemas.microsoft.com/office/powerpoint/2010/main">
-    <mc:Choice Requires="p14">
+  <mc:AlternateContent xmlns:mc="http://schemas.openxmlformats.org/markup-compatibility/2006">
+    <mc:Choice xmlns:p14="http://schemas.microsoft.com/office/powerpoint/2010/main" Requires="p14">
       <p:transition spd="slow" p14:dur="800">
         <p:push dir="u"/>
       </p:transition>
     </mc:Choice>
-    <mc:Fallback xmlns="">
+    <mc:Fallback>
       <p:transition spd="slow">
         <p:push dir="u"/>
       </p:transition>
@@ -13078,35 +13306,39 @@
           <a:p>
             <a:pPr lvl="0"/>
             <a:r>
-              <a:rPr lang="en-US"/>
+              <a:rPr lang="en-US" smtClean="0"/>
               <a:t>One Slide</a:t>
             </a:r>
+            <a:endParaRPr lang="en-US"/>
           </a:p>
           <a:p>
             <a:pPr lvl="0"/>
             <a:r>
-              <a:rPr lang="en-US"/>
+              <a:rPr lang="en-US" smtClean="0"/>
               <a:t>Two Slides</a:t>
             </a:r>
+            <a:endParaRPr lang="en-US"/>
           </a:p>
           <a:p>
             <a:pPr lvl="0"/>
             <a:r>
-              <a:rPr lang="en-US"/>
+              <a:rPr lang="en-US" smtClean="0"/>
               <a:t>Same Name</a:t>
             </a:r>
+            <a:endParaRPr lang="en-US"/>
           </a:p>
           <a:p>
             <a:pPr lvl="0"/>
             <a:r>
-              <a:rPr lang="en-US"/>
+              <a:rPr lang="en-US" smtClean="0"/>
               <a:t>Same Name</a:t>
             </a:r>
+            <a:endParaRPr lang="en-US"/>
           </a:p>
           <a:p>
             <a:pPr lvl="0"/>
             <a:r>
-              <a:rPr lang="ja-JP" altLang="en-US">
+              <a:rPr lang="ja-JP" altLang="en-US" smtClean="0">
                 <a:solidFill>
                   <a:srgbClr val="FF0000"/>
                 </a:solidFill>
@@ -13114,13 +13346,18 @@
               <a:t>あいうえお</a:t>
             </a:r>
             <a:r>
-              <a:rPr lang="en-US">
+              <a:rPr lang="en-US" smtClean="0">
                 <a:solidFill>
                   <a:srgbClr val="FF0000"/>
                 </a:solidFill>
               </a:rPr>
               <a:t>kl)(*&amp;%$#@85v_+)0_@#%L:CF]1</a:t>
             </a:r>
+            <a:endParaRPr lang="en-US">
+              <a:solidFill>
+                <a:srgbClr val="FF0000"/>
+              </a:solidFill>
+            </a:endParaRPr>
           </a:p>
           <a:p>
             <a:endParaRPr lang="en-US"/>
@@ -13137,13 +13374,13 @@
   <p:clrMapOvr>
     <a:masterClrMapping/>
   </p:clrMapOvr>
-  <mc:AlternateContent xmlns:mc="http://schemas.openxmlformats.org/markup-compatibility/2006" xmlns:p14="http://schemas.microsoft.com/office/powerpoint/2010/main">
-    <mc:Choice Requires="p14">
+  <mc:AlternateContent xmlns:mc="http://schemas.openxmlformats.org/markup-compatibility/2006">
+    <mc:Choice xmlns:p14="http://schemas.microsoft.com/office/powerpoint/2010/main" Requires="p14">
       <p:transition p14:dur="250">
         <p:fade/>
       </p:transition>
     </mc:Choice>
-    <mc:Fallback xmlns="">
+    <mc:Fallback>
       <p:transition>
         <p:fade/>
       </p:transition>
@@ -13292,18 +13529,25 @@
   <p:clrMapOvr>
     <a:masterClrMapping/>
   </p:clrMapOvr>
-  <mc:AlternateContent xmlns:mc="http://schemas.openxmlformats.org/markup-compatibility/2006" xmlns:p14="http://schemas.microsoft.com/office/powerpoint/2010/main">
-    <mc:Choice Requires="p14">
+  <mc:AlternateContent xmlns:mc="http://schemas.openxmlformats.org/markup-compatibility/2006">
+    <mc:Choice xmlns:p14="http://schemas.microsoft.com/office/powerpoint/2010/main" Requires="p14">
       <p:transition spd="slow" p14:dur="800">
         <p:push dir="u"/>
       </p:transition>
     </mc:Choice>
-    <mc:Fallback xmlns="">
+    <mc:Fallback>
       <p:transition spd="slow">
         <p:push dir="u"/>
       </p:transition>
     </mc:Fallback>
   </mc:AlternateContent>
+  <p:timing>
+    <p:tnLst>
+      <p:par>
+        <p:cTn id="1" dur="indefinite" restart="never" nodeType="tmRoot"/>
+      </p:par>
+    </p:tnLst>
+  </p:timing>
 </p:sld>
 </file>
 
@@ -13503,35 +13747,39 @@
           <a:p>
             <a:pPr lvl="0"/>
             <a:r>
-              <a:rPr lang="en-US"/>
+              <a:rPr lang="en-US" smtClean="0"/>
               <a:t>One Slide</a:t>
             </a:r>
+            <a:endParaRPr lang="en-US"/>
           </a:p>
           <a:p>
             <a:pPr lvl="0"/>
             <a:r>
-              <a:rPr lang="en-US"/>
+              <a:rPr lang="en-US" smtClean="0"/>
               <a:t>Two Slides</a:t>
             </a:r>
+            <a:endParaRPr lang="en-US"/>
           </a:p>
           <a:p>
             <a:pPr lvl="0"/>
             <a:r>
-              <a:rPr lang="en-US"/>
+              <a:rPr lang="en-US" smtClean="0"/>
               <a:t>Same Name</a:t>
             </a:r>
+            <a:endParaRPr lang="en-US"/>
           </a:p>
           <a:p>
             <a:pPr lvl="0"/>
             <a:r>
-              <a:rPr lang="en-US"/>
+              <a:rPr lang="en-US" smtClean="0"/>
               <a:t>Same Name</a:t>
             </a:r>
+            <a:endParaRPr lang="en-US"/>
           </a:p>
           <a:p>
             <a:pPr lvl="0"/>
             <a:r>
-              <a:rPr lang="ja-JP" altLang="en-US">
+              <a:rPr lang="ja-JP" altLang="en-US" smtClean="0">
                 <a:solidFill>
                   <a:srgbClr val="FF0000"/>
                 </a:solidFill>
@@ -13539,13 +13787,18 @@
               <a:t>あいうえお</a:t>
             </a:r>
             <a:r>
-              <a:rPr lang="en-US">
+              <a:rPr lang="en-US" smtClean="0">
                 <a:solidFill>
                   <a:srgbClr val="FF0000"/>
                 </a:solidFill>
               </a:rPr>
               <a:t>kl)(*&amp;%$#@85v_+)0_@#%L:CF]1</a:t>
             </a:r>
+            <a:endParaRPr lang="en-US">
+              <a:solidFill>
+                <a:srgbClr val="FF0000"/>
+              </a:solidFill>
+            </a:endParaRPr>
           </a:p>
           <a:p>
             <a:endParaRPr lang="en-US"/>
@@ -13562,13 +13815,13 @@
   <p:clrMapOvr>
     <a:masterClrMapping/>
   </p:clrMapOvr>
-  <mc:AlternateContent xmlns:mc="http://schemas.openxmlformats.org/markup-compatibility/2006" xmlns:p14="http://schemas.microsoft.com/office/powerpoint/2010/main">
-    <mc:Choice Requires="p14">
+  <mc:AlternateContent xmlns:mc="http://schemas.openxmlformats.org/markup-compatibility/2006">
+    <mc:Choice xmlns:p14="http://schemas.microsoft.com/office/powerpoint/2010/main" Requires="p14">
       <p:transition spd="slow" p14:dur="800">
         <p:push dir="u"/>
       </p:transition>
     </mc:Choice>
-    <mc:Fallback xmlns="">
+    <mc:Fallback>
       <p:transition spd="slow">
         <p:push dir="u"/>
       </p:transition>
@@ -13878,41 +14131,46 @@
           <a:p>
             <a:pPr lvl="0"/>
             <a:r>
-              <a:rPr lang="en-US"/>
+              <a:rPr lang="en-US" smtClean="0"/>
               <a:t>One Slide</a:t>
             </a:r>
+            <a:endParaRPr lang="en-US"/>
           </a:p>
           <a:p>
             <a:pPr lvl="0"/>
             <a:r>
-              <a:rPr lang="en-US"/>
+              <a:rPr lang="en-US" smtClean="0"/>
               <a:t>Two Slides</a:t>
             </a:r>
+            <a:endParaRPr lang="en-US"/>
           </a:p>
           <a:p>
             <a:pPr lvl="0"/>
             <a:r>
-              <a:rPr lang="en-US"/>
+              <a:rPr lang="en-US" smtClean="0"/>
               <a:t>Same Name</a:t>
             </a:r>
+            <a:endParaRPr lang="en-US"/>
           </a:p>
           <a:p>
             <a:pPr lvl="0"/>
             <a:r>
-              <a:rPr lang="en-US"/>
+              <a:rPr lang="en-US" smtClean="0"/>
               <a:t>Same Name</a:t>
             </a:r>
+            <a:endParaRPr lang="en-US"/>
           </a:p>
           <a:p>
             <a:pPr lvl="0"/>
             <a:r>
-              <a:rPr lang="ja-JP" altLang="en-US"/>
+              <a:rPr lang="ja-JP" altLang="en-US" smtClean="0"/>
               <a:t>あいうえお</a:t>
             </a:r>
             <a:r>
-              <a:rPr lang="en-US"/>
+              <a:rPr lang="en-US" smtClean="0"/>
               <a:t>kl)(*&amp;%$#@85v_+)0_@#%L:CF]1</a:t>
             </a:r>
+            <a:endParaRPr lang="en-US"/>
           </a:p>
           <a:p>
             <a:endParaRPr lang="en-US"/>
@@ -13929,13 +14187,13 @@
   <p:clrMapOvr>
     <a:masterClrMapping/>
   </p:clrMapOvr>
-  <mc:AlternateContent xmlns:mc="http://schemas.openxmlformats.org/markup-compatibility/2006" xmlns:p14="http://schemas.microsoft.com/office/powerpoint/2010/main">
-    <mc:Choice Requires="p14">
+  <mc:AlternateContent xmlns:mc="http://schemas.openxmlformats.org/markup-compatibility/2006">
+    <mc:Choice xmlns:p14="http://schemas.microsoft.com/office/powerpoint/2010/main" Requires="p14">
       <p:transition p14:dur="250">
         <p:fade/>
       </p:transition>
     </mc:Choice>
-    <mc:Fallback xmlns="">
+    <mc:Fallback>
       <p:transition>
         <p:fade/>
       </p:transition>
@@ -14070,7 +14328,7 @@
         <p:nvPicPr>
           <p:cNvPr id="2" name="Picture 1"/>
           <p:cNvPicPr>
-            <a:picLocks noChangeAspect="1"/>
+            <a:picLocks/>
           </p:cNvPicPr>
           <p:nvPr/>
         </p:nvPicPr>
@@ -14088,8 +14346,8 @@
         </p:blipFill>
         <p:spPr>
           <a:xfrm>
-            <a:off x="0" y="1029202"/>
-            <a:ext cx="9144000" cy="4799596"/>
+            <a:off x="649224" y="992124"/>
+            <a:ext cx="7845552" cy="4873752"/>
           </a:xfrm>
           <a:prstGeom prst="rect">
             <a:avLst/>
@@ -14099,13 +14357,28 @@
     </p:spTree>
     <p:extLst>
       <p:ext uri="{BB962C8B-B14F-4D97-AF65-F5344CB8AC3E}">
-        <p14:creationId xmlns:p14="http://schemas.microsoft.com/office/powerpoint/2010/main" val="1327855781"/>
+        <p14:creationId xmlns:p14="http://schemas.microsoft.com/office/powerpoint/2010/main" val="901803592"/>
       </p:ext>
     </p:extLst>
   </p:cSld>
   <p:clrMapOvr>
     <a:masterClrMapping/>
   </p:clrMapOvr>
+  <mc:AlternateContent xmlns:mc="http://schemas.openxmlformats.org/markup-compatibility/2006">
+    <mc:Choice xmlns:p14="http://schemas.microsoft.com/office/powerpoint/2010/main" Requires="p14">
+      <p:transition spd="slow" p14:dur="2000"/>
+    </mc:Choice>
+    <mc:Fallback>
+      <p:transition spd="slow"/>
+    </mc:Fallback>
+  </mc:AlternateContent>
+  <p:timing>
+    <p:tnLst>
+      <p:par>
+        <p:cTn id="1" dur="indefinite" restart="never" nodeType="tmRoot"/>
+      </p:par>
+    </p:tnLst>
+  </p:timing>
 </p:sld>
 </file>
 
@@ -14304,7 +14577,7 @@
           </a:lstStyle>
           <a:p>
             <a:r>
-              <a:rPr lang="en-US">
+              <a:rPr lang="en-US" smtClean="0">
                 <a:solidFill>
                   <a:srgbClr val="000000"/>
                 </a:solidFill>
@@ -14314,7 +14587,7 @@
           </a:p>
           <a:p>
             <a:r>
-              <a:rPr lang="en-US">
+              <a:rPr lang="en-US" smtClean="0">
                 <a:solidFill>
                   <a:srgbClr val="000000"/>
                 </a:solidFill>
@@ -14324,7 +14597,7 @@
           </a:p>
           <a:p>
             <a:r>
-              <a:rPr lang="en-US">
+              <a:rPr lang="en-US" smtClean="0">
                 <a:solidFill>
                   <a:srgbClr val="000000"/>
                 </a:solidFill>
@@ -14334,7 +14607,7 @@
           </a:p>
           <a:p>
             <a:r>
-              <a:rPr lang="en-US">
+              <a:rPr lang="en-US" smtClean="0">
                 <a:solidFill>
                   <a:srgbClr val="000000"/>
                 </a:solidFill>
@@ -14344,7 +14617,7 @@
           </a:p>
           <a:p>
             <a:r>
-              <a:rPr lang="ja-JP" altLang="en-US">
+              <a:rPr lang="ja-JP" altLang="en-US" smtClean="0">
                 <a:solidFill>
                   <a:srgbClr val="000000"/>
                 </a:solidFill>
@@ -14352,7 +14625,7 @@
               <a:t>あいうえお</a:t>
             </a:r>
             <a:r>
-              <a:rPr lang="en-US">
+              <a:rPr lang="en-US" smtClean="0">
                 <a:solidFill>
                   <a:srgbClr val="000000"/>
                 </a:solidFill>
@@ -14373,13 +14646,13 @@
   <p:clrMapOvr>
     <a:masterClrMapping/>
   </p:clrMapOvr>
-  <mc:AlternateContent xmlns:mc="http://schemas.openxmlformats.org/markup-compatibility/2006" xmlns:p14="http://schemas.microsoft.com/office/powerpoint/2010/main">
-    <mc:Choice Requires="p14">
+  <mc:AlternateContent xmlns:mc="http://schemas.openxmlformats.org/markup-compatibility/2006">
+    <mc:Choice xmlns:p14="http://schemas.microsoft.com/office/powerpoint/2010/main" Requires="p14">
       <p:transition spd="slow" p14:dur="800">
         <p:push dir="u"/>
       </p:transition>
     </mc:Choice>
-    <mc:Fallback xmlns="">
+    <mc:Fallback>
       <p:transition spd="slow">
         <p:push dir="u"/>
       </p:transition>
@@ -14689,17 +14962,22 @@
           <a:p>
             <a:pPr lvl="0"/>
             <a:r>
-              <a:rPr lang="en-US">
+              <a:rPr lang="en-US" smtClean="0">
                 <a:solidFill>
                   <a:srgbClr val="FF0000"/>
                 </a:solidFill>
               </a:rPr>
               <a:t>One Slide</a:t>
             </a:r>
-          </a:p>
-          <a:p>
-            <a:r>
-              <a:rPr lang="en-US">
+            <a:endParaRPr lang="en-US">
+              <a:solidFill>
+                <a:srgbClr val="FF0000"/>
+              </a:solidFill>
+            </a:endParaRPr>
+          </a:p>
+          <a:p>
+            <a:r>
+              <a:rPr lang="en-US" smtClean="0">
                 <a:solidFill>
                   <a:srgbClr val="000000"/>
                 </a:solidFill>
@@ -14709,7 +14987,7 @@
           </a:p>
           <a:p>
             <a:r>
-              <a:rPr lang="en-US">
+              <a:rPr lang="en-US" smtClean="0">
                 <a:solidFill>
                   <a:srgbClr val="000000"/>
                 </a:solidFill>
@@ -14719,7 +14997,7 @@
           </a:p>
           <a:p>
             <a:r>
-              <a:rPr lang="en-US">
+              <a:rPr lang="en-US" smtClean="0">
                 <a:solidFill>
                   <a:srgbClr val="000000"/>
                 </a:solidFill>
@@ -14729,7 +15007,7 @@
           </a:p>
           <a:p>
             <a:r>
-              <a:rPr lang="ja-JP" altLang="en-US">
+              <a:rPr lang="ja-JP" altLang="en-US" smtClean="0">
                 <a:solidFill>
                   <a:srgbClr val="000000"/>
                 </a:solidFill>
@@ -14737,7 +15015,7 @@
               <a:t>あいうえお</a:t>
             </a:r>
             <a:r>
-              <a:rPr lang="en-US">
+              <a:rPr lang="en-US" smtClean="0">
                 <a:solidFill>
                   <a:srgbClr val="000000"/>
                 </a:solidFill>
@@ -14758,13 +15036,13 @@
   <p:clrMapOvr>
     <a:masterClrMapping/>
   </p:clrMapOvr>
-  <mc:AlternateContent xmlns:mc="http://schemas.openxmlformats.org/markup-compatibility/2006" xmlns:p14="http://schemas.microsoft.com/office/powerpoint/2010/main">
-    <mc:Choice Requires="p14">
+  <mc:AlternateContent xmlns:mc="http://schemas.openxmlformats.org/markup-compatibility/2006">
+    <mc:Choice xmlns:p14="http://schemas.microsoft.com/office/powerpoint/2010/main" Requires="p14">
       <p:transition p14:dur="250">
         <p:fade/>
       </p:transition>
     </mc:Choice>
-    <mc:Fallback xmlns="">
+    <mc:Fallback>
       <p:transition>
         <p:fade/>
       </p:transition>
@@ -14929,7 +15207,7 @@
           <a:p>
             <a:pPr algn="l"/>
             <a:r>
-              <a:rPr lang="en-US" sz="7200" dirty="0">
+              <a:rPr lang="en-US" sz="7200" dirty="0" smtClean="0">
                 <a:solidFill>
                   <a:schemeClr val="bg1"/>
                 </a:solidFill>
@@ -14967,7 +15245,7 @@
           <a:lstStyle/>
           <a:p>
             <a:r>
-              <a:rPr lang="en-US" sz="2400" b="1" dirty="0">
+              <a:rPr lang="en-US" sz="2400" b="1" dirty="0" smtClean="0">
                 <a:solidFill>
                   <a:schemeClr val="bg1"/>
                 </a:solidFill>
@@ -14981,7 +15259,7 @@
               <a:buChar char="•"/>
             </a:pPr>
             <a:r>
-              <a:rPr lang="en-US" sz="2400" dirty="0">
+              <a:rPr lang="en-US" sz="2400" dirty="0" smtClean="0">
                 <a:solidFill>
                   <a:schemeClr val="bg1"/>
                 </a:solidFill>
@@ -15001,18 +15279,25 @@
   <p:clrMapOvr>
     <a:masterClrMapping/>
   </p:clrMapOvr>
-  <mc:AlternateContent xmlns:mc="http://schemas.openxmlformats.org/markup-compatibility/2006" xmlns:p14="http://schemas.microsoft.com/office/powerpoint/2010/main">
-    <mc:Choice Requires="p14">
+  <mc:AlternateContent xmlns:mc="http://schemas.openxmlformats.org/markup-compatibility/2006">
+    <mc:Choice xmlns:p14="http://schemas.microsoft.com/office/powerpoint/2010/main" Requires="p14">
       <p:transition spd="slow" p14:dur="800">
         <p:push dir="u"/>
       </p:transition>
     </mc:Choice>
-    <mc:Fallback xmlns="">
+    <mc:Fallback>
       <p:transition spd="slow">
         <p:push dir="u"/>
       </p:transition>
     </mc:Fallback>
   </mc:AlternateContent>
+  <p:timing>
+    <p:tnLst>
+      <p:par>
+        <p:cTn id="1" dur="indefinite" restart="never" nodeType="tmRoot"/>
+      </p:par>
+    </p:tnLst>
+  </p:timing>
 </p:sld>
 </file>
 
@@ -15212,17 +15497,22 @@
           <a:p>
             <a:pPr lvl="0"/>
             <a:r>
-              <a:rPr lang="en-US">
+              <a:rPr lang="en-US" smtClean="0">
                 <a:solidFill>
                   <a:srgbClr val="FF0000"/>
                 </a:solidFill>
               </a:rPr>
               <a:t>One Slide</a:t>
             </a:r>
-          </a:p>
-          <a:p>
-            <a:r>
-              <a:rPr lang="en-US">
+            <a:endParaRPr lang="en-US">
+              <a:solidFill>
+                <a:srgbClr val="FF0000"/>
+              </a:solidFill>
+            </a:endParaRPr>
+          </a:p>
+          <a:p>
+            <a:r>
+              <a:rPr lang="en-US" smtClean="0">
                 <a:solidFill>
                   <a:srgbClr val="000000"/>
                 </a:solidFill>
@@ -15232,7 +15522,7 @@
           </a:p>
           <a:p>
             <a:r>
-              <a:rPr lang="en-US">
+              <a:rPr lang="en-US" smtClean="0">
                 <a:solidFill>
                   <a:srgbClr val="000000"/>
                 </a:solidFill>
@@ -15242,7 +15532,7 @@
           </a:p>
           <a:p>
             <a:r>
-              <a:rPr lang="en-US">
+              <a:rPr lang="en-US" smtClean="0">
                 <a:solidFill>
                   <a:srgbClr val="000000"/>
                 </a:solidFill>
@@ -15252,7 +15542,7 @@
           </a:p>
           <a:p>
             <a:r>
-              <a:rPr lang="ja-JP" altLang="en-US">
+              <a:rPr lang="ja-JP" altLang="en-US" smtClean="0">
                 <a:solidFill>
                   <a:srgbClr val="000000"/>
                 </a:solidFill>
@@ -15260,7 +15550,7 @@
               <a:t>あいうえお</a:t>
             </a:r>
             <a:r>
-              <a:rPr lang="en-US">
+              <a:rPr lang="en-US" smtClean="0">
                 <a:solidFill>
                   <a:srgbClr val="000000"/>
                 </a:solidFill>
@@ -15281,13 +15571,13 @@
   <p:clrMapOvr>
     <a:masterClrMapping/>
   </p:clrMapOvr>
-  <mc:AlternateContent xmlns:mc="http://schemas.openxmlformats.org/markup-compatibility/2006" xmlns:p14="http://schemas.microsoft.com/office/powerpoint/2010/main">
-    <mc:Choice Requires="p14">
+  <mc:AlternateContent xmlns:mc="http://schemas.openxmlformats.org/markup-compatibility/2006">
+    <mc:Choice xmlns:p14="http://schemas.microsoft.com/office/powerpoint/2010/main" Requires="p14">
       <p:transition spd="slow" p14:dur="800">
         <p:push dir="u"/>
       </p:transition>
     </mc:Choice>
-    <mc:Fallback xmlns="">
+    <mc:Fallback>
       <p:transition spd="slow">
         <p:push dir="u"/>
       </p:transition>
@@ -15597,24 +15887,30 @@
           <a:p>
             <a:pPr lvl="0"/>
             <a:r>
-              <a:rPr lang="en-US"/>
+              <a:rPr lang="en-US" smtClean="0"/>
               <a:t>One Slide</a:t>
             </a:r>
+            <a:endParaRPr lang="en-US"/>
           </a:p>
           <a:p>
             <a:pPr lvl="0"/>
             <a:r>
-              <a:rPr lang="en-US">
+              <a:rPr lang="en-US" smtClean="0">
                 <a:solidFill>
                   <a:srgbClr val="FF0000"/>
                 </a:solidFill>
               </a:rPr>
               <a:t>Two Slides</a:t>
             </a:r>
-          </a:p>
-          <a:p>
-            <a:r>
-              <a:rPr lang="en-US">
+            <a:endParaRPr lang="en-US">
+              <a:solidFill>
+                <a:srgbClr val="FF0000"/>
+              </a:solidFill>
+            </a:endParaRPr>
+          </a:p>
+          <a:p>
+            <a:r>
+              <a:rPr lang="en-US" smtClean="0">
                 <a:solidFill>
                   <a:srgbClr val="000000"/>
                 </a:solidFill>
@@ -15624,7 +15920,7 @@
           </a:p>
           <a:p>
             <a:r>
-              <a:rPr lang="en-US">
+              <a:rPr lang="en-US" smtClean="0">
                 <a:solidFill>
                   <a:srgbClr val="000000"/>
                 </a:solidFill>
@@ -15634,7 +15930,7 @@
           </a:p>
           <a:p>
             <a:r>
-              <a:rPr lang="ja-JP" altLang="en-US">
+              <a:rPr lang="ja-JP" altLang="en-US" smtClean="0">
                 <a:solidFill>
                   <a:srgbClr val="000000"/>
                 </a:solidFill>
@@ -15642,7 +15938,7 @@
               <a:t>あいうえお</a:t>
             </a:r>
             <a:r>
-              <a:rPr lang="en-US">
+              <a:rPr lang="en-US" smtClean="0">
                 <a:solidFill>
                   <a:srgbClr val="000000"/>
                 </a:solidFill>
@@ -15663,13 +15959,13 @@
   <p:clrMapOvr>
     <a:masterClrMapping/>
   </p:clrMapOvr>
-  <mc:AlternateContent xmlns:mc="http://schemas.openxmlformats.org/markup-compatibility/2006" xmlns:p14="http://schemas.microsoft.com/office/powerpoint/2010/main">
-    <mc:Choice Requires="p14">
+  <mc:AlternateContent xmlns:mc="http://schemas.openxmlformats.org/markup-compatibility/2006">
+    <mc:Choice xmlns:p14="http://schemas.microsoft.com/office/powerpoint/2010/main" Requires="p14">
       <p:transition p14:dur="250">
         <p:fade/>
       </p:transition>
     </mc:Choice>
-    <mc:Fallback xmlns="">
+    <mc:Fallback>
       <p:transition>
         <p:fade/>
       </p:transition>
@@ -15853,7 +16149,7 @@
           <a:lstStyle/>
           <a:p>
             <a:r>
-              <a:rPr lang="en-US" sz="6000" dirty="0"/>
+              <a:rPr lang="en-US" sz="6000" dirty="0" smtClean="0"/>
               <a:t>Test Image</a:t>
             </a:r>
             <a:endParaRPr lang="en-SG" sz="6000" dirty="0"/>
@@ -15870,18 +16166,25 @@
   <p:clrMapOvr>
     <a:masterClrMapping/>
   </p:clrMapOvr>
-  <mc:AlternateContent xmlns:mc="http://schemas.openxmlformats.org/markup-compatibility/2006" xmlns:p14="http://schemas.microsoft.com/office/powerpoint/2010/main">
-    <mc:Choice Requires="p14">
+  <mc:AlternateContent xmlns:mc="http://schemas.openxmlformats.org/markup-compatibility/2006">
+    <mc:Choice xmlns:p14="http://schemas.microsoft.com/office/powerpoint/2010/main" Requires="p14">
       <p:transition spd="slow" p14:dur="800">
         <p:push dir="u"/>
       </p:transition>
     </mc:Choice>
-    <mc:Fallback xmlns="">
+    <mc:Fallback>
       <p:transition spd="slow">
         <p:push dir="u"/>
       </p:transition>
     </mc:Fallback>
   </mc:AlternateContent>
+  <p:timing>
+    <p:tnLst>
+      <p:par>
+        <p:cTn id="1" dur="indefinite" restart="never" nodeType="tmRoot"/>
+      </p:par>
+    </p:tnLst>
+  </p:timing>
 </p:sld>
 </file>
 
@@ -15912,6 +16215,13 @@
   <p:clrMapOvr>
     <a:masterClrMapping/>
   </p:clrMapOvr>
+  <p:timing>
+    <p:tnLst>
+      <p:par>
+        <p:cTn id="1" dur="indefinite" restart="never" nodeType="tmRoot"/>
+      </p:par>
+    </p:tnLst>
+  </p:timing>
 </p:sld>
 </file>
 
